--- a/presentations/badge-labels-2X5.pptx
+++ b/presentations/badge-labels-2X5.pptx
@@ -104,6 +104,11 @@
       </a:defRPr>
     </a:lvl9pPr>
   </p:defaultTextStyle>
+  <p:extLst>
+    <p:ext uri="{EFAFB233-063F-42B5-8137-9DF3F51BA10A}">
+      <p15:sldGuideLst xmlns:p15="http://schemas.microsoft.com/office/powerpoint/2012/main"/>
+    </p:ext>
+  </p:extLst>
 </p:presentation>
 </file>
 
@@ -238,7 +243,7 @@
           <a:p>
             <a:fld id="{24303E7E-1725-514D-9C6E-C71B5AB431A0}" type="datetimeFigureOut">
               <a:rPr lang="en-US" smtClean="0"/>
-              <a:t>12/16/22</a:t>
+              <a:t>12/18/22</a:t>
             </a:fld>
             <a:endParaRPr lang="en-US"/>
           </a:p>
@@ -408,7 +413,7 @@
           <a:p>
             <a:fld id="{24303E7E-1725-514D-9C6E-C71B5AB431A0}" type="datetimeFigureOut">
               <a:rPr lang="en-US" smtClean="0"/>
-              <a:t>12/16/22</a:t>
+              <a:t>12/18/22</a:t>
             </a:fld>
             <a:endParaRPr lang="en-US"/>
           </a:p>
@@ -588,7 +593,7 @@
           <a:p>
             <a:fld id="{24303E7E-1725-514D-9C6E-C71B5AB431A0}" type="datetimeFigureOut">
               <a:rPr lang="en-US" smtClean="0"/>
-              <a:t>12/16/22</a:t>
+              <a:t>12/18/22</a:t>
             </a:fld>
             <a:endParaRPr lang="en-US"/>
           </a:p>
@@ -758,7 +763,7 @@
           <a:p>
             <a:fld id="{24303E7E-1725-514D-9C6E-C71B5AB431A0}" type="datetimeFigureOut">
               <a:rPr lang="en-US" smtClean="0"/>
-              <a:t>12/16/22</a:t>
+              <a:t>12/18/22</a:t>
             </a:fld>
             <a:endParaRPr lang="en-US"/>
           </a:p>
@@ -1002,7 +1007,7 @@
           <a:p>
             <a:fld id="{24303E7E-1725-514D-9C6E-C71B5AB431A0}" type="datetimeFigureOut">
               <a:rPr lang="en-US" smtClean="0"/>
-              <a:t>12/16/22</a:t>
+              <a:t>12/18/22</a:t>
             </a:fld>
             <a:endParaRPr lang="en-US"/>
           </a:p>
@@ -1234,7 +1239,7 @@
           <a:p>
             <a:fld id="{24303E7E-1725-514D-9C6E-C71B5AB431A0}" type="datetimeFigureOut">
               <a:rPr lang="en-US" smtClean="0"/>
-              <a:t>12/16/22</a:t>
+              <a:t>12/18/22</a:t>
             </a:fld>
             <a:endParaRPr lang="en-US"/>
           </a:p>
@@ -1601,7 +1606,7 @@
           <a:p>
             <a:fld id="{24303E7E-1725-514D-9C6E-C71B5AB431A0}" type="datetimeFigureOut">
               <a:rPr lang="en-US" smtClean="0"/>
-              <a:t>12/16/22</a:t>
+              <a:t>12/18/22</a:t>
             </a:fld>
             <a:endParaRPr lang="en-US"/>
           </a:p>
@@ -1719,7 +1724,7 @@
           <a:p>
             <a:fld id="{24303E7E-1725-514D-9C6E-C71B5AB431A0}" type="datetimeFigureOut">
               <a:rPr lang="en-US" smtClean="0"/>
-              <a:t>12/16/22</a:t>
+              <a:t>12/18/22</a:t>
             </a:fld>
             <a:endParaRPr lang="en-US"/>
           </a:p>
@@ -1814,7 +1819,7 @@
           <a:p>
             <a:fld id="{24303E7E-1725-514D-9C6E-C71B5AB431A0}" type="datetimeFigureOut">
               <a:rPr lang="en-US" smtClean="0"/>
-              <a:t>12/16/22</a:t>
+              <a:t>12/18/22</a:t>
             </a:fld>
             <a:endParaRPr lang="en-US"/>
           </a:p>
@@ -2091,7 +2096,7 @@
           <a:p>
             <a:fld id="{24303E7E-1725-514D-9C6E-C71B5AB431A0}" type="datetimeFigureOut">
               <a:rPr lang="en-US" smtClean="0"/>
-              <a:t>12/16/22</a:t>
+              <a:t>12/18/22</a:t>
             </a:fld>
             <a:endParaRPr lang="en-US"/>
           </a:p>
@@ -2348,7 +2353,7 @@
           <a:p>
             <a:fld id="{24303E7E-1725-514D-9C6E-C71B5AB431A0}" type="datetimeFigureOut">
               <a:rPr lang="en-US" smtClean="0"/>
-              <a:t>12/16/22</a:t>
+              <a:t>12/18/22</a:t>
             </a:fld>
             <a:endParaRPr lang="en-US"/>
           </a:p>
@@ -2561,7 +2566,7 @@
           <a:p>
             <a:fld id="{24303E7E-1725-514D-9C6E-C71B5AB431A0}" type="datetimeFigureOut">
               <a:rPr lang="en-US" smtClean="0"/>
-              <a:t>12/16/22</a:t>
+              <a:t>12/18/22</a:t>
             </a:fld>
             <a:endParaRPr lang="en-US"/>
           </a:p>
@@ -3162,7 +3167,7 @@
         </p:nvGrpSpPr>
         <p:grpSpPr>
           <a:xfrm>
-            <a:off x="966197" y="3947931"/>
+            <a:off x="40434" y="3947835"/>
             <a:ext cx="5987588" cy="1867264"/>
             <a:chOff x="966197" y="3947931"/>
             <a:chExt cx="5987588" cy="1867264"/>
@@ -4253,7 +4258,7 @@
         </p:nvGrpSpPr>
         <p:grpSpPr>
           <a:xfrm>
-            <a:off x="987402" y="5914153"/>
+            <a:off x="60150" y="5920945"/>
             <a:ext cx="5987588" cy="1867264"/>
             <a:chOff x="966197" y="3947931"/>
             <a:chExt cx="5987588" cy="1867264"/>
@@ -5344,7 +5349,7 @@
         </p:nvGrpSpPr>
         <p:grpSpPr>
           <a:xfrm>
-            <a:off x="978129" y="7932470"/>
+            <a:off x="112255" y="7938951"/>
             <a:ext cx="5987588" cy="1867264"/>
             <a:chOff x="966197" y="3947931"/>
             <a:chExt cx="5987588" cy="1867264"/>
@@ -6007,9 +6012,9 @@
           </p:nvGrpSpPr>
           <p:grpSpPr>
             <a:xfrm>
-              <a:off x="1359339" y="4907177"/>
+              <a:off x="1351096" y="4900627"/>
               <a:ext cx="867364" cy="420167"/>
-              <a:chOff x="719238" y="4384746"/>
+              <a:chOff x="689090" y="4355400"/>
               <a:chExt cx="3172338" cy="1882476"/>
             </a:xfrm>
           </p:grpSpPr>
@@ -6027,7 +6032,7 @@
             </p:nvSpPr>
             <p:spPr>
               <a:xfrm>
-                <a:off x="719238" y="4384746"/>
+                <a:off x="689090" y="4355400"/>
                 <a:ext cx="3172338" cy="1882476"/>
               </a:xfrm>
               <a:prstGeom prst="trapezoid">
@@ -6423,10 +6428,10 @@
       </p:grpSp>
       <p:grpSp>
         <p:nvGrpSpPr>
-          <p:cNvPr id="666" name="Group 665">
+          <p:cNvPr id="221" name="Group 220">
             <a:extLst>
               <a:ext uri="{FF2B5EF4-FFF2-40B4-BE49-F238E27FC236}">
-                <a16:creationId xmlns:a16="http://schemas.microsoft.com/office/drawing/2014/main" id="{C6CFF9D8-C322-EF7B-E563-9FCC3D222ED7}"/>
+                <a16:creationId xmlns:a16="http://schemas.microsoft.com/office/drawing/2014/main" id="{82681E14-17C4-879E-E741-E87E3B5E5B03}"/>
               </a:ext>
             </a:extLst>
           </p:cNvPr>
@@ -6435,51 +6440,12 @@
         </p:nvGrpSpPr>
         <p:grpSpPr>
           <a:xfrm>
-            <a:off x="961135" y="172192"/>
-            <a:ext cx="5987588" cy="1867264"/>
-            <a:chOff x="966197" y="3947931"/>
-            <a:chExt cx="5987588" cy="1867264"/>
+            <a:off x="3608252" y="232629"/>
+            <a:ext cx="2519893" cy="1839187"/>
+            <a:chOff x="4428830" y="200269"/>
+            <a:chExt cx="2519893" cy="1839187"/>
           </a:xfrm>
         </p:grpSpPr>
-        <p:sp>
-          <p:nvSpPr>
-            <p:cNvPr id="667" name="TextBox 666">
-              <a:extLst>
-                <a:ext uri="{FF2B5EF4-FFF2-40B4-BE49-F238E27FC236}">
-                  <a16:creationId xmlns:a16="http://schemas.microsoft.com/office/drawing/2014/main" id="{B930A786-D885-F23B-AF40-2D85B9A8E04A}"/>
-                </a:ext>
-              </a:extLst>
-            </p:cNvPr>
-            <p:cNvSpPr txBox="1"/>
-            <p:nvPr/>
-          </p:nvSpPr>
-          <p:spPr>
-            <a:xfrm>
-              <a:off x="966197" y="5436189"/>
-              <a:ext cx="1673125" cy="369332"/>
-            </a:xfrm>
-            <a:prstGeom prst="rect">
-              <a:avLst/>
-            </a:prstGeom>
-            <a:noFill/>
-          </p:spPr>
-          <p:txBody>
-            <a:bodyPr wrap="square" rtlCol="0">
-              <a:spAutoFit/>
-            </a:bodyPr>
-            <a:lstStyle/>
-            <a:p>
-              <a:pPr algn="ctr"/>
-              <a:r>
-                <a:rPr lang="en-US" b="1" dirty="0">
-                  <a:latin typeface="Arial" panose="020B0604020202020204" pitchFamily="34" charset="0"/>
-                  <a:cs typeface="Arial" panose="020B0604020202020204" pitchFamily="34" charset="0"/>
-                </a:rPr>
-                <a:t>Robot Expert</a:t>
-              </a:r>
-            </a:p>
-          </p:txBody>
-        </p:sp>
         <p:pic>
           <p:nvPicPr>
             <p:cNvPr id="668" name="Picture 667">
@@ -6502,7 +6468,7 @@
           </p:blipFill>
           <p:spPr>
             <a:xfrm>
-              <a:off x="4884091" y="4304840"/>
+              <a:off x="4879029" y="529101"/>
               <a:ext cx="1551485" cy="1188989"/>
             </a:xfrm>
             <a:prstGeom prst="rect">
@@ -6524,7 +6490,7 @@
           </p:nvGrpSpPr>
           <p:grpSpPr>
             <a:xfrm>
-              <a:off x="5216249" y="4918244"/>
+              <a:off x="5211187" y="1142505"/>
               <a:ext cx="886955" cy="481904"/>
               <a:chOff x="807719" y="4384746"/>
               <a:chExt cx="3083857" cy="1731203"/>
@@ -6951,7 +6917,7 @@
           </p:nvSpPr>
           <p:spPr>
             <a:xfrm>
-              <a:off x="4913475" y="3976008"/>
+              <a:off x="4908413" y="200269"/>
               <a:ext cx="1492717" cy="369332"/>
             </a:xfrm>
             <a:prstGeom prst="rect">
@@ -6990,8 +6956,68 @@
           </p:nvSpPr>
           <p:spPr>
             <a:xfrm>
-              <a:off x="4433892" y="5445863"/>
+              <a:off x="4428830" y="1670124"/>
               <a:ext cx="2519893" cy="369332"/>
+            </a:xfrm>
+            <a:prstGeom prst="rect">
+              <a:avLst/>
+            </a:prstGeom>
+            <a:noFill/>
+          </p:spPr>
+          <p:txBody>
+            <a:bodyPr wrap="square" rtlCol="0">
+              <a:spAutoFit/>
+            </a:bodyPr>
+            <a:lstStyle/>
+            <a:p>
+              <a:pPr algn="ctr"/>
+              <a:r>
+                <a:rPr lang="en-US" b="1" dirty="0">
+                  <a:latin typeface="Arial" panose="020B0604020202020204" pitchFamily="34" charset="0"/>
+                  <a:cs typeface="Arial" panose="020B0604020202020204" pitchFamily="34" charset="0"/>
+                </a:rPr>
+                <a:t>Robot Expert</a:t>
+              </a:r>
+            </a:p>
+          </p:txBody>
+        </p:sp>
+      </p:grpSp>
+      <p:grpSp>
+        <p:nvGrpSpPr>
+          <p:cNvPr id="3" name="Group 2">
+            <a:extLst>
+              <a:ext uri="{FF2B5EF4-FFF2-40B4-BE49-F238E27FC236}">
+                <a16:creationId xmlns:a16="http://schemas.microsoft.com/office/drawing/2014/main" id="{036B7666-4716-8C8C-B69A-EF493CE80351}"/>
+              </a:ext>
+            </a:extLst>
+          </p:cNvPr>
+          <p:cNvGrpSpPr/>
+          <p:nvPr/>
+        </p:nvGrpSpPr>
+        <p:grpSpPr>
+          <a:xfrm>
+            <a:off x="124184" y="216331"/>
+            <a:ext cx="1673125" cy="1779204"/>
+            <a:chOff x="931282" y="201820"/>
+            <a:chExt cx="1673125" cy="1779204"/>
+          </a:xfrm>
+        </p:grpSpPr>
+        <p:sp>
+          <p:nvSpPr>
+            <p:cNvPr id="667" name="TextBox 666">
+              <a:extLst>
+                <a:ext uri="{FF2B5EF4-FFF2-40B4-BE49-F238E27FC236}">
+                  <a16:creationId xmlns:a16="http://schemas.microsoft.com/office/drawing/2014/main" id="{B930A786-D885-F23B-AF40-2D85B9A8E04A}"/>
+                </a:ext>
+              </a:extLst>
+            </p:cNvPr>
+            <p:cNvSpPr txBox="1"/>
+            <p:nvPr/>
+          </p:nvSpPr>
+          <p:spPr>
+            <a:xfrm>
+              <a:off x="931282" y="1611692"/>
+              <a:ext cx="1673125" cy="369332"/>
             </a:xfrm>
             <a:prstGeom prst="rect">
               <a:avLst/>
@@ -7029,7 +7055,7 @@
           </p:nvSpPr>
           <p:spPr>
             <a:xfrm>
-              <a:off x="1030630" y="3947931"/>
+              <a:off x="1041600" y="201820"/>
               <a:ext cx="1492717" cy="369332"/>
             </a:xfrm>
             <a:prstGeom prst="rect">
@@ -7076,7 +7102,7 @@
           </p:blipFill>
           <p:spPr>
             <a:xfrm>
-              <a:off x="1048534" y="4275238"/>
+              <a:off x="1043472" y="499499"/>
               <a:ext cx="1524119" cy="1168017"/>
             </a:xfrm>
             <a:prstGeom prst="rect">
@@ -7098,7 +7124,7 @@
           </p:nvGrpSpPr>
           <p:grpSpPr>
             <a:xfrm>
-              <a:off x="1359339" y="4907177"/>
+              <a:off x="1354277" y="1131438"/>
               <a:ext cx="867364" cy="420167"/>
               <a:chOff x="719238" y="4384746"/>
               <a:chExt cx="3172338" cy="1882476"/>
@@ -7512,12 +7538,42 @@
           </p:sp>
         </p:grpSp>
       </p:grpSp>
+      <p:pic>
+        <p:nvPicPr>
+          <p:cNvPr id="689" name="Picture 688">
+            <a:extLst>
+              <a:ext uri="{FF2B5EF4-FFF2-40B4-BE49-F238E27FC236}">
+                <a16:creationId xmlns:a16="http://schemas.microsoft.com/office/drawing/2014/main" id="{9873E4C1-9443-0347-5CBD-28E4E4976C90}"/>
+              </a:ext>
+            </a:extLst>
+          </p:cNvPr>
+          <p:cNvPicPr>
+            <a:picLocks noChangeAspect="1"/>
+          </p:cNvPicPr>
+          <p:nvPr/>
+        </p:nvPicPr>
+        <p:blipFill>
+          <a:blip r:embed="rId2"/>
+          <a:stretch>
+            <a:fillRect/>
+          </a:stretch>
+        </p:blipFill>
+        <p:spPr>
+          <a:xfrm>
+            <a:off x="4110437" y="2402306"/>
+            <a:ext cx="1551485" cy="1188989"/>
+          </a:xfrm>
+          <a:prstGeom prst="rect">
+            <a:avLst/>
+          </a:prstGeom>
+        </p:spPr>
+      </p:pic>
       <p:grpSp>
         <p:nvGrpSpPr>
-          <p:cNvPr id="687" name="Group 686">
+          <p:cNvPr id="690" name="Group 689">
             <a:extLst>
               <a:ext uri="{FF2B5EF4-FFF2-40B4-BE49-F238E27FC236}">
-                <a16:creationId xmlns:a16="http://schemas.microsoft.com/office/drawing/2014/main" id="{B71D8B82-EB08-2C33-9DCA-C5CB350A90F5}"/>
+                <a16:creationId xmlns:a16="http://schemas.microsoft.com/office/drawing/2014/main" id="{8765146B-FAC8-34BF-3892-6FF44EA8D7F6}"/>
               </a:ext>
             </a:extLst>
           </p:cNvPr>
@@ -7526,10 +7582,515 @@
         </p:nvGrpSpPr>
         <p:grpSpPr>
           <a:xfrm>
-            <a:off x="934996" y="2030494"/>
-            <a:ext cx="5987588" cy="1867264"/>
-            <a:chOff x="966197" y="3947931"/>
-            <a:chExt cx="5987588" cy="1867264"/>
+            <a:off x="4442595" y="3015710"/>
+            <a:ext cx="886955" cy="481904"/>
+            <a:chOff x="807719" y="4384746"/>
+            <a:chExt cx="3083857" cy="1731203"/>
+          </a:xfrm>
+        </p:grpSpPr>
+        <p:sp>
+          <p:nvSpPr>
+            <p:cNvPr id="702" name="Trapezoid 701">
+              <a:extLst>
+                <a:ext uri="{FF2B5EF4-FFF2-40B4-BE49-F238E27FC236}">
+                  <a16:creationId xmlns:a16="http://schemas.microsoft.com/office/drawing/2014/main" id="{AF3B83DD-6B5C-8F62-5F01-5A3D6DA9A643}"/>
+                </a:ext>
+              </a:extLst>
+            </p:cNvPr>
+            <p:cNvSpPr/>
+            <p:nvPr/>
+          </p:nvSpPr>
+          <p:spPr>
+            <a:xfrm>
+              <a:off x="807719" y="4384746"/>
+              <a:ext cx="3083857" cy="1731203"/>
+            </a:xfrm>
+            <a:prstGeom prst="trapezoid">
+              <a:avLst>
+                <a:gd name="adj" fmla="val 6207"/>
+              </a:avLst>
+            </a:prstGeom>
+            <a:solidFill>
+              <a:schemeClr val="accent4"/>
+            </a:solidFill>
+            <a:ln>
+              <a:noFill/>
+            </a:ln>
+          </p:spPr>
+          <p:style>
+            <a:lnRef idx="2">
+              <a:schemeClr val="accent1">
+                <a:shade val="50000"/>
+              </a:schemeClr>
+            </a:lnRef>
+            <a:fillRef idx="1">
+              <a:schemeClr val="accent1"/>
+            </a:fillRef>
+            <a:effectRef idx="0">
+              <a:schemeClr val="accent1"/>
+            </a:effectRef>
+            <a:fontRef idx="minor">
+              <a:schemeClr val="lt1"/>
+            </a:fontRef>
+          </p:style>
+          <p:txBody>
+            <a:bodyPr rtlCol="0" anchor="ctr"/>
+            <a:lstStyle/>
+            <a:p>
+              <a:pPr algn="ctr"/>
+              <a:endParaRPr lang="en-US"/>
+            </a:p>
+          </p:txBody>
+        </p:sp>
+        <p:sp>
+          <p:nvSpPr>
+            <p:cNvPr id="703" name="Oval 702">
+              <a:extLst>
+                <a:ext uri="{FF2B5EF4-FFF2-40B4-BE49-F238E27FC236}">
+                  <a16:creationId xmlns:a16="http://schemas.microsoft.com/office/drawing/2014/main" id="{F5EC088D-BE77-1F9D-119F-C9B3EAA30FF9}"/>
+                </a:ext>
+              </a:extLst>
+            </p:cNvPr>
+            <p:cNvSpPr/>
+            <p:nvPr/>
+          </p:nvSpPr>
+          <p:spPr>
+            <a:xfrm>
+              <a:off x="1378235" y="4722004"/>
+              <a:ext cx="903249" cy="568712"/>
+            </a:xfrm>
+            <a:prstGeom prst="ellipse">
+              <a:avLst/>
+            </a:prstGeom>
+            <a:solidFill>
+              <a:schemeClr val="bg1"/>
+            </a:solidFill>
+            <a:ln>
+              <a:noFill/>
+            </a:ln>
+          </p:spPr>
+          <p:style>
+            <a:lnRef idx="2">
+              <a:schemeClr val="accent1">
+                <a:shade val="50000"/>
+              </a:schemeClr>
+            </a:lnRef>
+            <a:fillRef idx="1">
+              <a:schemeClr val="accent1"/>
+            </a:fillRef>
+            <a:effectRef idx="0">
+              <a:schemeClr val="accent1"/>
+            </a:effectRef>
+            <a:fontRef idx="minor">
+              <a:schemeClr val="lt1"/>
+            </a:fontRef>
+          </p:style>
+          <p:txBody>
+            <a:bodyPr rtlCol="0" anchor="ctr"/>
+            <a:lstStyle/>
+            <a:p>
+              <a:pPr algn="ctr"/>
+              <a:endParaRPr lang="en-US"/>
+            </a:p>
+          </p:txBody>
+        </p:sp>
+        <p:sp>
+          <p:nvSpPr>
+            <p:cNvPr id="704" name="Oval 703">
+              <a:extLst>
+                <a:ext uri="{FF2B5EF4-FFF2-40B4-BE49-F238E27FC236}">
+                  <a16:creationId xmlns:a16="http://schemas.microsoft.com/office/drawing/2014/main" id="{6D5A6AC6-83E2-B235-6661-90660048F71F}"/>
+                </a:ext>
+              </a:extLst>
+            </p:cNvPr>
+            <p:cNvSpPr/>
+            <p:nvPr/>
+          </p:nvSpPr>
+          <p:spPr>
+            <a:xfrm>
+              <a:off x="2590001" y="4729438"/>
+              <a:ext cx="903249" cy="568712"/>
+            </a:xfrm>
+            <a:prstGeom prst="ellipse">
+              <a:avLst/>
+            </a:prstGeom>
+            <a:solidFill>
+              <a:schemeClr val="bg1"/>
+            </a:solidFill>
+            <a:ln>
+              <a:noFill/>
+            </a:ln>
+          </p:spPr>
+          <p:style>
+            <a:lnRef idx="2">
+              <a:schemeClr val="accent1">
+                <a:shade val="50000"/>
+              </a:schemeClr>
+            </a:lnRef>
+            <a:fillRef idx="1">
+              <a:schemeClr val="accent1"/>
+            </a:fillRef>
+            <a:effectRef idx="0">
+              <a:schemeClr val="accent1"/>
+            </a:effectRef>
+            <a:fontRef idx="minor">
+              <a:schemeClr val="lt1"/>
+            </a:fontRef>
+          </p:style>
+          <p:txBody>
+            <a:bodyPr rtlCol="0" anchor="ctr"/>
+            <a:lstStyle/>
+            <a:p>
+              <a:pPr algn="ctr"/>
+              <a:endParaRPr lang="en-US"/>
+            </a:p>
+          </p:txBody>
+        </p:sp>
+        <p:sp>
+          <p:nvSpPr>
+            <p:cNvPr id="705" name="Freeform 704">
+              <a:extLst>
+                <a:ext uri="{FF2B5EF4-FFF2-40B4-BE49-F238E27FC236}">
+                  <a16:creationId xmlns:a16="http://schemas.microsoft.com/office/drawing/2014/main" id="{7F0CB2A0-1BA8-A152-E6D3-5145EAE1B465}"/>
+                </a:ext>
+              </a:extLst>
+            </p:cNvPr>
+            <p:cNvSpPr/>
+            <p:nvPr/>
+          </p:nvSpPr>
+          <p:spPr>
+            <a:xfrm>
+              <a:off x="1613092" y="5522940"/>
+              <a:ext cx="1644650" cy="286131"/>
+            </a:xfrm>
+            <a:custGeom>
+              <a:avLst/>
+              <a:gdLst>
+                <a:gd name="connsiteX0" fmla="*/ 0 w 2074127"/>
+                <a:gd name="connsiteY0" fmla="*/ 55756 h 234813"/>
+                <a:gd name="connsiteX1" fmla="*/ 858644 w 2074127"/>
+                <a:gd name="connsiteY1" fmla="*/ 234176 h 234813"/>
+                <a:gd name="connsiteX2" fmla="*/ 2074127 w 2074127"/>
+                <a:gd name="connsiteY2" fmla="*/ 0 h 234813"/>
+                <a:gd name="connsiteX0" fmla="*/ 0 w 2074127"/>
+                <a:gd name="connsiteY0" fmla="*/ 55756 h 237969"/>
+                <a:gd name="connsiteX1" fmla="*/ 991994 w 2074127"/>
+                <a:gd name="connsiteY1" fmla="*/ 237351 h 237969"/>
+                <a:gd name="connsiteX2" fmla="*/ 2074127 w 2074127"/>
+                <a:gd name="connsiteY2" fmla="*/ 0 h 237969"/>
+                <a:gd name="connsiteX0" fmla="*/ 0 w 2074127"/>
+                <a:gd name="connsiteY0" fmla="*/ 55756 h 237969"/>
+                <a:gd name="connsiteX1" fmla="*/ 991994 w 2074127"/>
+                <a:gd name="connsiteY1" fmla="*/ 237351 h 237969"/>
+                <a:gd name="connsiteX2" fmla="*/ 2074127 w 2074127"/>
+                <a:gd name="connsiteY2" fmla="*/ 0 h 237969"/>
+                <a:gd name="connsiteX0" fmla="*/ 0 w 2058252"/>
+                <a:gd name="connsiteY0" fmla="*/ 84331 h 266544"/>
+                <a:gd name="connsiteX1" fmla="*/ 991994 w 2058252"/>
+                <a:gd name="connsiteY1" fmla="*/ 265926 h 266544"/>
+                <a:gd name="connsiteX2" fmla="*/ 2058252 w 2058252"/>
+                <a:gd name="connsiteY2" fmla="*/ 0 h 266544"/>
+                <a:gd name="connsiteX0" fmla="*/ 0 w 2090002"/>
+                <a:gd name="connsiteY0" fmla="*/ 33531 h 266343"/>
+                <a:gd name="connsiteX1" fmla="*/ 1023744 w 2090002"/>
+                <a:gd name="connsiteY1" fmla="*/ 265926 h 266343"/>
+                <a:gd name="connsiteX2" fmla="*/ 2090002 w 2090002"/>
+                <a:gd name="connsiteY2" fmla="*/ 0 h 266343"/>
+                <a:gd name="connsiteX0" fmla="*/ 0 w 2090002"/>
+                <a:gd name="connsiteY0" fmla="*/ 33531 h 266352"/>
+                <a:gd name="connsiteX1" fmla="*/ 1023744 w 2090002"/>
+                <a:gd name="connsiteY1" fmla="*/ 265926 h 266352"/>
+                <a:gd name="connsiteX2" fmla="*/ 2090002 w 2090002"/>
+                <a:gd name="connsiteY2" fmla="*/ 0 h 266352"/>
+                <a:gd name="connsiteX0" fmla="*/ 0 w 2128102"/>
+                <a:gd name="connsiteY0" fmla="*/ 33531 h 266352"/>
+                <a:gd name="connsiteX1" fmla="*/ 1061844 w 2128102"/>
+                <a:gd name="connsiteY1" fmla="*/ 265926 h 266352"/>
+                <a:gd name="connsiteX2" fmla="*/ 2128102 w 2128102"/>
+                <a:gd name="connsiteY2" fmla="*/ 0 h 266352"/>
+                <a:gd name="connsiteX0" fmla="*/ 0 w 2128102"/>
+                <a:gd name="connsiteY0" fmla="*/ 33531 h 266352"/>
+                <a:gd name="connsiteX1" fmla="*/ 1061844 w 2128102"/>
+                <a:gd name="connsiteY1" fmla="*/ 265926 h 266352"/>
+                <a:gd name="connsiteX2" fmla="*/ 2128102 w 2128102"/>
+                <a:gd name="connsiteY2" fmla="*/ 0 h 266352"/>
+                <a:gd name="connsiteX0" fmla="*/ 0 w 2128102"/>
+                <a:gd name="connsiteY0" fmla="*/ 33531 h 266938"/>
+                <a:gd name="connsiteX1" fmla="*/ 1061844 w 2128102"/>
+                <a:gd name="connsiteY1" fmla="*/ 265926 h 266938"/>
+                <a:gd name="connsiteX2" fmla="*/ 2128102 w 2128102"/>
+                <a:gd name="connsiteY2" fmla="*/ 0 h 266938"/>
+                <a:gd name="connsiteX0" fmla="*/ 0 w 2087797"/>
+                <a:gd name="connsiteY0" fmla="*/ 15773 h 266728"/>
+                <a:gd name="connsiteX1" fmla="*/ 1021539 w 2087797"/>
+                <a:gd name="connsiteY1" fmla="*/ 265926 h 266728"/>
+                <a:gd name="connsiteX2" fmla="*/ 2087797 w 2087797"/>
+                <a:gd name="connsiteY2" fmla="*/ 0 h 266728"/>
+              </a:gdLst>
+              <a:ahLst/>
+              <a:cxnLst>
+                <a:cxn ang="0">
+                  <a:pos x="connsiteX0" y="connsiteY0"/>
+                </a:cxn>
+                <a:cxn ang="0">
+                  <a:pos x="connsiteX1" y="connsiteY1"/>
+                </a:cxn>
+                <a:cxn ang="0">
+                  <a:pos x="connsiteX2" y="connsiteY2"/>
+                </a:cxn>
+              </a:cxnLst>
+              <a:rect l="l" t="t" r="r" b="b"/>
+              <a:pathLst>
+                <a:path w="2087797" h="266728">
+                  <a:moveTo>
+                    <a:pt x="0" y="15773"/>
+                  </a:moveTo>
+                  <a:cubicBezTo>
+                    <a:pt x="218492" y="204555"/>
+                    <a:pt x="675851" y="275219"/>
+                    <a:pt x="1021539" y="265926"/>
+                  </a:cubicBezTo>
+                  <a:cubicBezTo>
+                    <a:pt x="1367227" y="256633"/>
+                    <a:pt x="1711646" y="204247"/>
+                    <a:pt x="2087797" y="0"/>
+                  </a:cubicBezTo>
+                </a:path>
+              </a:pathLst>
+            </a:custGeom>
+            <a:noFill/>
+            <a:ln w="38100">
+              <a:solidFill>
+                <a:schemeClr val="bg1"/>
+              </a:solidFill>
+            </a:ln>
+          </p:spPr>
+          <p:style>
+            <a:lnRef idx="2">
+              <a:schemeClr val="accent1">
+                <a:shade val="50000"/>
+              </a:schemeClr>
+            </a:lnRef>
+            <a:fillRef idx="1">
+              <a:schemeClr val="accent1"/>
+            </a:fillRef>
+            <a:effectRef idx="0">
+              <a:schemeClr val="accent1"/>
+            </a:effectRef>
+            <a:fontRef idx="minor">
+              <a:schemeClr val="lt1"/>
+            </a:fontRef>
+          </p:style>
+          <p:txBody>
+            <a:bodyPr rtlCol="0" anchor="ctr"/>
+            <a:lstStyle/>
+            <a:p>
+              <a:pPr algn="ctr"/>
+              <a:endParaRPr lang="en-US"/>
+            </a:p>
+          </p:txBody>
+        </p:sp>
+        <p:sp>
+          <p:nvSpPr>
+            <p:cNvPr id="706" name="Oval 705">
+              <a:extLst>
+                <a:ext uri="{FF2B5EF4-FFF2-40B4-BE49-F238E27FC236}">
+                  <a16:creationId xmlns:a16="http://schemas.microsoft.com/office/drawing/2014/main" id="{B1583EBD-10F1-554F-12EE-4FBC51410E8E}"/>
+                </a:ext>
+              </a:extLst>
+            </p:cNvPr>
+            <p:cNvSpPr/>
+            <p:nvPr/>
+          </p:nvSpPr>
+          <p:spPr>
+            <a:xfrm>
+              <a:off x="2940877" y="4888575"/>
+              <a:ext cx="228600" cy="231775"/>
+            </a:xfrm>
+            <a:prstGeom prst="ellipse">
+              <a:avLst/>
+            </a:prstGeom>
+            <a:solidFill>
+              <a:schemeClr val="tx1"/>
+            </a:solidFill>
+            <a:ln>
+              <a:noFill/>
+            </a:ln>
+          </p:spPr>
+          <p:style>
+            <a:lnRef idx="2">
+              <a:schemeClr val="accent1">
+                <a:shade val="50000"/>
+              </a:schemeClr>
+            </a:lnRef>
+            <a:fillRef idx="1">
+              <a:schemeClr val="accent1"/>
+            </a:fillRef>
+            <a:effectRef idx="0">
+              <a:schemeClr val="accent1"/>
+            </a:effectRef>
+            <a:fontRef idx="minor">
+              <a:schemeClr val="lt1"/>
+            </a:fontRef>
+          </p:style>
+          <p:txBody>
+            <a:bodyPr rtlCol="0" anchor="ctr"/>
+            <a:lstStyle/>
+            <a:p>
+              <a:pPr algn="ctr"/>
+              <a:endParaRPr lang="en-US"/>
+            </a:p>
+          </p:txBody>
+        </p:sp>
+        <p:sp>
+          <p:nvSpPr>
+            <p:cNvPr id="707" name="Oval 706">
+              <a:extLst>
+                <a:ext uri="{FF2B5EF4-FFF2-40B4-BE49-F238E27FC236}">
+                  <a16:creationId xmlns:a16="http://schemas.microsoft.com/office/drawing/2014/main" id="{AB2DF8AB-BB56-18E9-A1C3-2536FC564D42}"/>
+                </a:ext>
+              </a:extLst>
+            </p:cNvPr>
+            <p:cNvSpPr/>
+            <p:nvPr/>
+          </p:nvSpPr>
+          <p:spPr>
+            <a:xfrm>
+              <a:off x="1699452" y="4898100"/>
+              <a:ext cx="228600" cy="231775"/>
+            </a:xfrm>
+            <a:prstGeom prst="ellipse">
+              <a:avLst/>
+            </a:prstGeom>
+            <a:solidFill>
+              <a:schemeClr val="tx1"/>
+            </a:solidFill>
+            <a:ln>
+              <a:noFill/>
+            </a:ln>
+          </p:spPr>
+          <p:style>
+            <a:lnRef idx="2">
+              <a:schemeClr val="accent1">
+                <a:shade val="50000"/>
+              </a:schemeClr>
+            </a:lnRef>
+            <a:fillRef idx="1">
+              <a:schemeClr val="accent1"/>
+            </a:fillRef>
+            <a:effectRef idx="0">
+              <a:schemeClr val="accent1"/>
+            </a:effectRef>
+            <a:fontRef idx="minor">
+              <a:schemeClr val="lt1"/>
+            </a:fontRef>
+          </p:style>
+          <p:txBody>
+            <a:bodyPr rtlCol="0" anchor="ctr"/>
+            <a:lstStyle/>
+            <a:p>
+              <a:pPr algn="ctr"/>
+              <a:endParaRPr lang="en-US"/>
+            </a:p>
+          </p:txBody>
+        </p:sp>
+      </p:grpSp>
+      <p:sp>
+        <p:nvSpPr>
+          <p:cNvPr id="691" name="TextBox 690">
+            <a:extLst>
+              <a:ext uri="{FF2B5EF4-FFF2-40B4-BE49-F238E27FC236}">
+                <a16:creationId xmlns:a16="http://schemas.microsoft.com/office/drawing/2014/main" id="{EC3DE8E4-5C83-C5AE-7C0B-4B1249878AAB}"/>
+              </a:ext>
+            </a:extLst>
+          </p:cNvPr>
+          <p:cNvSpPr txBox="1"/>
+          <p:nvPr/>
+        </p:nvSpPr>
+        <p:spPr>
+          <a:xfrm>
+            <a:off x="4139821" y="2073474"/>
+            <a:ext cx="1492717" cy="369332"/>
+          </a:xfrm>
+          <a:prstGeom prst="rect">
+            <a:avLst/>
+          </a:prstGeom>
+          <a:noFill/>
+        </p:spPr>
+        <p:txBody>
+          <a:bodyPr wrap="none" rtlCol="0">
+            <a:spAutoFit/>
+          </a:bodyPr>
+          <a:lstStyle/>
+          <a:p>
+            <a:pPr algn="ctr"/>
+            <a:r>
+              <a:rPr lang="en-US" b="1" dirty="0">
+                <a:latin typeface="Arial" panose="020B0604020202020204" pitchFamily="34" charset="0"/>
+                <a:cs typeface="Arial" panose="020B0604020202020204" pitchFamily="34" charset="0"/>
+              </a:rPr>
+              <a:t>Code Savvy</a:t>
+            </a:r>
+          </a:p>
+        </p:txBody>
+      </p:sp>
+      <p:sp>
+        <p:nvSpPr>
+          <p:cNvPr id="692" name="TextBox 691">
+            <a:extLst>
+              <a:ext uri="{FF2B5EF4-FFF2-40B4-BE49-F238E27FC236}">
+                <a16:creationId xmlns:a16="http://schemas.microsoft.com/office/drawing/2014/main" id="{F7361741-A507-6788-EE3B-1EE0E7879622}"/>
+              </a:ext>
+            </a:extLst>
+          </p:cNvPr>
+          <p:cNvSpPr txBox="1"/>
+          <p:nvPr/>
+        </p:nvSpPr>
+        <p:spPr>
+          <a:xfrm>
+            <a:off x="3660238" y="3543329"/>
+            <a:ext cx="2519893" cy="369332"/>
+          </a:xfrm>
+          <a:prstGeom prst="rect">
+            <a:avLst/>
+          </a:prstGeom>
+          <a:noFill/>
+        </p:spPr>
+        <p:txBody>
+          <a:bodyPr wrap="square" rtlCol="0">
+            <a:spAutoFit/>
+          </a:bodyPr>
+          <a:lstStyle/>
+          <a:p>
+            <a:pPr algn="ctr"/>
+            <a:r>
+              <a:rPr lang="en-US" b="1" dirty="0">
+                <a:latin typeface="Arial" panose="020B0604020202020204" pitchFamily="34" charset="0"/>
+                <a:cs typeface="Arial" panose="020B0604020202020204" pitchFamily="34" charset="0"/>
+              </a:rPr>
+              <a:t>Robot Expert</a:t>
+            </a:r>
+          </a:p>
+        </p:txBody>
+      </p:sp>
+      <p:grpSp>
+        <p:nvGrpSpPr>
+          <p:cNvPr id="42" name="Group 41">
+            <a:extLst>
+              <a:ext uri="{FF2B5EF4-FFF2-40B4-BE49-F238E27FC236}">
+                <a16:creationId xmlns:a16="http://schemas.microsoft.com/office/drawing/2014/main" id="{950242D7-81D6-5A13-ED42-DA0AA7307F9F}"/>
+              </a:ext>
+            </a:extLst>
+          </p:cNvPr>
+          <p:cNvGrpSpPr/>
+          <p:nvPr/>
+        </p:nvGrpSpPr>
+        <p:grpSpPr>
+          <a:xfrm>
+            <a:off x="49738" y="2044530"/>
+            <a:ext cx="1673125" cy="1857590"/>
+            <a:chOff x="192543" y="2045397"/>
+            <a:chExt cx="1673125" cy="1857590"/>
           </a:xfrm>
         </p:grpSpPr>
         <p:sp>
@@ -7546,7 +8107,7 @@
           </p:nvSpPr>
           <p:spPr>
             <a:xfrm>
-              <a:off x="966197" y="5436189"/>
+              <a:off x="192543" y="3533655"/>
               <a:ext cx="1673125" cy="369332"/>
             </a:xfrm>
             <a:prstGeom prst="rect">
@@ -7571,12 +8132,51 @@
             </a:p>
           </p:txBody>
         </p:sp>
+        <p:sp>
+          <p:nvSpPr>
+            <p:cNvPr id="693" name="TextBox 692">
+              <a:extLst>
+                <a:ext uri="{FF2B5EF4-FFF2-40B4-BE49-F238E27FC236}">
+                  <a16:creationId xmlns:a16="http://schemas.microsoft.com/office/drawing/2014/main" id="{A8241B64-5259-C889-A398-3AA28BD623D1}"/>
+                </a:ext>
+              </a:extLst>
+            </p:cNvPr>
+            <p:cNvSpPr txBox="1"/>
+            <p:nvPr/>
+          </p:nvSpPr>
+          <p:spPr>
+            <a:xfrm>
+              <a:off x="256976" y="2045397"/>
+              <a:ext cx="1492717" cy="369332"/>
+            </a:xfrm>
+            <a:prstGeom prst="rect">
+              <a:avLst/>
+            </a:prstGeom>
+            <a:noFill/>
+          </p:spPr>
+          <p:txBody>
+            <a:bodyPr wrap="none" rtlCol="0">
+              <a:spAutoFit/>
+            </a:bodyPr>
+            <a:lstStyle/>
+            <a:p>
+              <a:pPr algn="ctr"/>
+              <a:r>
+                <a:rPr lang="en-US" b="1" dirty="0">
+                  <a:latin typeface="Arial" panose="020B0604020202020204" pitchFamily="34" charset="0"/>
+                  <a:cs typeface="Arial" panose="020B0604020202020204" pitchFamily="34" charset="0"/>
+                </a:rPr>
+                <a:t>Code Savvy</a:t>
+              </a:r>
+            </a:p>
+          </p:txBody>
+        </p:sp>
         <p:pic>
           <p:nvPicPr>
-            <p:cNvPr id="689" name="Picture 688">
+            <p:cNvPr id="694" name="Picture 693">
               <a:extLst>
                 <a:ext uri="{FF2B5EF4-FFF2-40B4-BE49-F238E27FC236}">
-                  <a16:creationId xmlns:a16="http://schemas.microsoft.com/office/drawing/2014/main" id="{9873E4C1-9443-0347-5CBD-28E4E4976C90}"/>
+                  <a16:creationId xmlns:a16="http://schemas.microsoft.com/office/drawing/2014/main" id="{5E3758A6-12C5-ADB1-7BC0-1AAAD4001EB8}"/>
                 </a:ext>
               </a:extLst>
             </p:cNvPr>
@@ -7593,8 +8193,173 @@
           </p:blipFill>
           <p:spPr>
             <a:xfrm>
-              <a:off x="4884091" y="4304840"/>
-              <a:ext cx="1551485" cy="1188989"/>
+              <a:off x="282856" y="2360142"/>
+              <a:ext cx="1524119" cy="1168017"/>
+            </a:xfrm>
+            <a:prstGeom prst="rect">
+              <a:avLst/>
+            </a:prstGeom>
+          </p:spPr>
+        </p:pic>
+      </p:grpSp>
+      <p:cxnSp>
+        <p:nvCxnSpPr>
+          <p:cNvPr id="2" name="Straight Connector 1">
+            <a:extLst>
+              <a:ext uri="{FF2B5EF4-FFF2-40B4-BE49-F238E27FC236}">
+                <a16:creationId xmlns:a16="http://schemas.microsoft.com/office/drawing/2014/main" id="{D9C2BB25-4E34-E8B2-0D04-77A1BB2A108B}"/>
+              </a:ext>
+            </a:extLst>
+          </p:cNvPr>
+          <p:cNvCxnSpPr/>
+          <p:nvPr/>
+        </p:nvCxnSpPr>
+        <p:spPr>
+          <a:xfrm>
+            <a:off x="0" y="266779"/>
+            <a:ext cx="7772400" cy="0"/>
+          </a:xfrm>
+          <a:prstGeom prst="line">
+            <a:avLst/>
+          </a:prstGeom>
+        </p:spPr>
+        <p:style>
+          <a:lnRef idx="1">
+            <a:schemeClr val="accent1"/>
+          </a:lnRef>
+          <a:fillRef idx="0">
+            <a:schemeClr val="accent1"/>
+          </a:fillRef>
+          <a:effectRef idx="0">
+            <a:schemeClr val="accent1"/>
+          </a:effectRef>
+          <a:fontRef idx="minor">
+            <a:schemeClr val="tx1"/>
+          </a:fontRef>
+        </p:style>
+      </p:cxnSp>
+      <p:grpSp>
+        <p:nvGrpSpPr>
+          <p:cNvPr id="4" name="Group 3">
+            <a:extLst>
+              <a:ext uri="{FF2B5EF4-FFF2-40B4-BE49-F238E27FC236}">
+                <a16:creationId xmlns:a16="http://schemas.microsoft.com/office/drawing/2014/main" id="{0F22E1FB-EEA3-28B0-B836-B52227A76EED}"/>
+              </a:ext>
+            </a:extLst>
+          </p:cNvPr>
+          <p:cNvGrpSpPr/>
+          <p:nvPr/>
+        </p:nvGrpSpPr>
+        <p:grpSpPr>
+          <a:xfrm>
+            <a:off x="2004886" y="245408"/>
+            <a:ext cx="1673125" cy="1779204"/>
+            <a:chOff x="931282" y="201820"/>
+            <a:chExt cx="1673125" cy="1779204"/>
+          </a:xfrm>
+        </p:grpSpPr>
+        <p:sp>
+          <p:nvSpPr>
+            <p:cNvPr id="10" name="TextBox 9">
+              <a:extLst>
+                <a:ext uri="{FF2B5EF4-FFF2-40B4-BE49-F238E27FC236}">
+                  <a16:creationId xmlns:a16="http://schemas.microsoft.com/office/drawing/2014/main" id="{3C378F8D-2F64-0C3D-1251-0770A3364B82}"/>
+                </a:ext>
+              </a:extLst>
+            </p:cNvPr>
+            <p:cNvSpPr txBox="1"/>
+            <p:nvPr/>
+          </p:nvSpPr>
+          <p:spPr>
+            <a:xfrm>
+              <a:off x="931282" y="1611692"/>
+              <a:ext cx="1673125" cy="369332"/>
+            </a:xfrm>
+            <a:prstGeom prst="rect">
+              <a:avLst/>
+            </a:prstGeom>
+            <a:noFill/>
+          </p:spPr>
+          <p:txBody>
+            <a:bodyPr wrap="square" rtlCol="0">
+              <a:spAutoFit/>
+            </a:bodyPr>
+            <a:lstStyle/>
+            <a:p>
+              <a:pPr algn="ctr"/>
+              <a:r>
+                <a:rPr lang="en-US" b="1" dirty="0">
+                  <a:latin typeface="Arial" panose="020B0604020202020204" pitchFamily="34" charset="0"/>
+                  <a:cs typeface="Arial" panose="020B0604020202020204" pitchFamily="34" charset="0"/>
+                </a:rPr>
+                <a:t>Robot Expert</a:t>
+              </a:r>
+            </a:p>
+          </p:txBody>
+        </p:sp>
+        <p:sp>
+          <p:nvSpPr>
+            <p:cNvPr id="11" name="TextBox 10">
+              <a:extLst>
+                <a:ext uri="{FF2B5EF4-FFF2-40B4-BE49-F238E27FC236}">
+                  <a16:creationId xmlns:a16="http://schemas.microsoft.com/office/drawing/2014/main" id="{8E2C1AA0-C173-A150-2DEB-81E40C81476F}"/>
+                </a:ext>
+              </a:extLst>
+            </p:cNvPr>
+            <p:cNvSpPr txBox="1"/>
+            <p:nvPr/>
+          </p:nvSpPr>
+          <p:spPr>
+            <a:xfrm>
+              <a:off x="1041600" y="201820"/>
+              <a:ext cx="1492717" cy="369332"/>
+            </a:xfrm>
+            <a:prstGeom prst="rect">
+              <a:avLst/>
+            </a:prstGeom>
+            <a:noFill/>
+          </p:spPr>
+          <p:txBody>
+            <a:bodyPr wrap="none" rtlCol="0">
+              <a:spAutoFit/>
+            </a:bodyPr>
+            <a:lstStyle/>
+            <a:p>
+              <a:pPr algn="ctr"/>
+              <a:r>
+                <a:rPr lang="en-US" b="1" dirty="0">
+                  <a:latin typeface="Arial" panose="020B0604020202020204" pitchFamily="34" charset="0"/>
+                  <a:cs typeface="Arial" panose="020B0604020202020204" pitchFamily="34" charset="0"/>
+                </a:rPr>
+                <a:t>Code Savvy</a:t>
+              </a:r>
+            </a:p>
+          </p:txBody>
+        </p:sp>
+        <p:pic>
+          <p:nvPicPr>
+            <p:cNvPr id="12" name="Picture 11">
+              <a:extLst>
+                <a:ext uri="{FF2B5EF4-FFF2-40B4-BE49-F238E27FC236}">
+                  <a16:creationId xmlns:a16="http://schemas.microsoft.com/office/drawing/2014/main" id="{D14C67DB-A24F-8B92-5CEB-83915CDB9057}"/>
+                </a:ext>
+              </a:extLst>
+            </p:cNvPr>
+            <p:cNvPicPr>
+              <a:picLocks noChangeAspect="1"/>
+            </p:cNvPicPr>
+            <p:nvPr/>
+          </p:nvPicPr>
+          <p:blipFill>
+            <a:blip r:embed="rId2"/>
+            <a:stretch>
+              <a:fillRect/>
+            </a:stretch>
+          </p:blipFill>
+          <p:spPr>
+            <a:xfrm>
+              <a:off x="1043472" y="499499"/>
+              <a:ext cx="1524119" cy="1168017"/>
             </a:xfrm>
             <a:prstGeom prst="rect">
               <a:avLst/>
@@ -7603,10 +8368,10 @@
         </p:pic>
         <p:grpSp>
           <p:nvGrpSpPr>
-            <p:cNvPr id="690" name="Group 689">
+            <p:cNvPr id="13" name="Group 12">
               <a:extLst>
                 <a:ext uri="{FF2B5EF4-FFF2-40B4-BE49-F238E27FC236}">
-                  <a16:creationId xmlns:a16="http://schemas.microsoft.com/office/drawing/2014/main" id="{8765146B-FAC8-34BF-3892-6FF44EA8D7F6}"/>
+                  <a16:creationId xmlns:a16="http://schemas.microsoft.com/office/drawing/2014/main" id="{ABFE6D95-ECF1-77FD-DE7D-BBCA058584E3}"/>
                 </a:ext>
               </a:extLst>
             </p:cNvPr>
@@ -7615,18 +8380,18 @@
           </p:nvGrpSpPr>
           <p:grpSpPr>
             <a:xfrm>
-              <a:off x="5216249" y="4918244"/>
-              <a:ext cx="886955" cy="481904"/>
-              <a:chOff x="807719" y="4384746"/>
-              <a:chExt cx="3083857" cy="1731203"/>
+              <a:off x="1354277" y="1131438"/>
+              <a:ext cx="867364" cy="420167"/>
+              <a:chOff x="719238" y="4384746"/>
+              <a:chExt cx="3172338" cy="1882476"/>
             </a:xfrm>
           </p:grpSpPr>
           <p:sp>
             <p:nvSpPr>
-              <p:cNvPr id="702" name="Trapezoid 701">
+              <p:cNvPr id="14" name="Trapezoid 13">
                 <a:extLst>
                   <a:ext uri="{FF2B5EF4-FFF2-40B4-BE49-F238E27FC236}">
-                    <a16:creationId xmlns:a16="http://schemas.microsoft.com/office/drawing/2014/main" id="{AF3B83DD-6B5C-8F62-5F01-5A3D6DA9A643}"/>
+                    <a16:creationId xmlns:a16="http://schemas.microsoft.com/office/drawing/2014/main" id="{B0B7E2EB-375B-E362-8AD5-F9BF23BE64A1}"/>
                   </a:ext>
                 </a:extLst>
               </p:cNvPr>
@@ -7635,8 +8400,8 @@
             </p:nvSpPr>
             <p:spPr>
               <a:xfrm>
-                <a:off x="807719" y="4384746"/>
-                <a:ext cx="3083857" cy="1731203"/>
+                <a:off x="719238" y="4384746"/>
+                <a:ext cx="3172338" cy="1882476"/>
               </a:xfrm>
               <a:prstGeom prst="trapezoid">
                 <a:avLst>
@@ -7644,7 +8409,7 @@
                 </a:avLst>
               </a:prstGeom>
               <a:solidFill>
-                <a:schemeClr val="accent4"/>
+                <a:srgbClr val="00B0F0"/>
               </a:solidFill>
               <a:ln>
                 <a:noFill/>
@@ -7677,10 +8442,10 @@
           </p:sp>
           <p:sp>
             <p:nvSpPr>
-              <p:cNvPr id="703" name="Oval 702">
+              <p:cNvPr id="15" name="Oval 14">
                 <a:extLst>
                   <a:ext uri="{FF2B5EF4-FFF2-40B4-BE49-F238E27FC236}">
-                    <a16:creationId xmlns:a16="http://schemas.microsoft.com/office/drawing/2014/main" id="{F5EC088D-BE77-1F9D-119F-C9B3EAA30FF9}"/>
+                    <a16:creationId xmlns:a16="http://schemas.microsoft.com/office/drawing/2014/main" id="{C38C9DC2-DFA0-0302-A773-0D6514235290}"/>
                   </a:ext>
                 </a:extLst>
               </p:cNvPr>
@@ -7729,10 +8494,10 @@
           </p:sp>
           <p:sp>
             <p:nvSpPr>
-              <p:cNvPr id="704" name="Oval 703">
+              <p:cNvPr id="16" name="Oval 15">
                 <a:extLst>
                   <a:ext uri="{FF2B5EF4-FFF2-40B4-BE49-F238E27FC236}">
-                    <a16:creationId xmlns:a16="http://schemas.microsoft.com/office/drawing/2014/main" id="{6D5A6AC6-83E2-B235-6661-90660048F71F}"/>
+                    <a16:creationId xmlns:a16="http://schemas.microsoft.com/office/drawing/2014/main" id="{EC485B86-C09C-48A6-7B5D-CED80EEFB313}"/>
                   </a:ext>
                 </a:extLst>
               </p:cNvPr>
@@ -7781,10 +8546,10 @@
           </p:sp>
           <p:sp>
             <p:nvSpPr>
-              <p:cNvPr id="705" name="Freeform 704">
+              <p:cNvPr id="17" name="Freeform 16">
                 <a:extLst>
                   <a:ext uri="{FF2B5EF4-FFF2-40B4-BE49-F238E27FC236}">
-                    <a16:creationId xmlns:a16="http://schemas.microsoft.com/office/drawing/2014/main" id="{7F0CB2A0-1BA8-A152-E6D3-5145EAE1B465}"/>
+                    <a16:creationId xmlns:a16="http://schemas.microsoft.com/office/drawing/2014/main" id="{9C471BED-1864-77D4-1F99-BE31018C171E}"/>
                   </a:ext>
                 </a:extLst>
               </p:cNvPr>
@@ -7925,10 +8690,10 @@
           </p:sp>
           <p:sp>
             <p:nvSpPr>
-              <p:cNvPr id="706" name="Oval 705">
+              <p:cNvPr id="18" name="Oval 17">
                 <a:extLst>
                   <a:ext uri="{FF2B5EF4-FFF2-40B4-BE49-F238E27FC236}">
-                    <a16:creationId xmlns:a16="http://schemas.microsoft.com/office/drawing/2014/main" id="{B1583EBD-10F1-554F-12EE-4FBC51410E8E}"/>
+                    <a16:creationId xmlns:a16="http://schemas.microsoft.com/office/drawing/2014/main" id="{F465E56E-A7A5-6538-AF38-75E77D026B59}"/>
                   </a:ext>
                 </a:extLst>
               </p:cNvPr>
@@ -7977,10 +8742,10 @@
           </p:sp>
           <p:sp>
             <p:nvSpPr>
-              <p:cNvPr id="707" name="Oval 706">
+              <p:cNvPr id="19" name="Oval 18">
                 <a:extLst>
                   <a:ext uri="{FF2B5EF4-FFF2-40B4-BE49-F238E27FC236}">
-                    <a16:creationId xmlns:a16="http://schemas.microsoft.com/office/drawing/2014/main" id="{AB2DF8AB-BB56-18E9-A1C3-2536FC564D42}"/>
+                    <a16:creationId xmlns:a16="http://schemas.microsoft.com/office/drawing/2014/main" id="{4F04BD10-ECAE-588E-FEE2-BA43EEF73356}"/>
                   </a:ext>
                 </a:extLst>
               </p:cNvPr>
@@ -8028,12 +8793,33 @@
             </p:txBody>
           </p:sp>
         </p:grpSp>
+      </p:grpSp>
+      <p:grpSp>
+        <p:nvGrpSpPr>
+          <p:cNvPr id="20" name="Group 19">
+            <a:extLst>
+              <a:ext uri="{FF2B5EF4-FFF2-40B4-BE49-F238E27FC236}">
+                <a16:creationId xmlns:a16="http://schemas.microsoft.com/office/drawing/2014/main" id="{E65D1510-3B1D-0BAC-6365-98146AB03D7F}"/>
+              </a:ext>
+            </a:extLst>
+          </p:cNvPr>
+          <p:cNvGrpSpPr/>
+          <p:nvPr/>
+        </p:nvGrpSpPr>
+        <p:grpSpPr>
+          <a:xfrm>
+            <a:off x="5796625" y="2143599"/>
+            <a:ext cx="1798193" cy="1735315"/>
+            <a:chOff x="931282" y="201820"/>
+            <a:chExt cx="1673125" cy="1779204"/>
+          </a:xfrm>
+        </p:grpSpPr>
         <p:sp>
           <p:nvSpPr>
-            <p:cNvPr id="691" name="TextBox 690">
+            <p:cNvPr id="21" name="TextBox 20">
               <a:extLst>
                 <a:ext uri="{FF2B5EF4-FFF2-40B4-BE49-F238E27FC236}">
-                  <a16:creationId xmlns:a16="http://schemas.microsoft.com/office/drawing/2014/main" id="{EC3DE8E4-5C83-C5AE-7C0B-4B1249878AAB}"/>
+                  <a16:creationId xmlns:a16="http://schemas.microsoft.com/office/drawing/2014/main" id="{9C37B6FB-CFA9-1301-0FD0-9AA36A26AC42}"/>
                 </a:ext>
               </a:extLst>
             </p:cNvPr>
@@ -8042,47 +8828,8 @@
           </p:nvSpPr>
           <p:spPr>
             <a:xfrm>
-              <a:off x="4913475" y="3976008"/>
-              <a:ext cx="1492717" cy="369332"/>
-            </a:xfrm>
-            <a:prstGeom prst="rect">
-              <a:avLst/>
-            </a:prstGeom>
-            <a:noFill/>
-          </p:spPr>
-          <p:txBody>
-            <a:bodyPr wrap="none" rtlCol="0">
-              <a:spAutoFit/>
-            </a:bodyPr>
-            <a:lstStyle/>
-            <a:p>
-              <a:pPr algn="ctr"/>
-              <a:r>
-                <a:rPr lang="en-US" b="1" dirty="0">
-                  <a:latin typeface="Arial" panose="020B0604020202020204" pitchFamily="34" charset="0"/>
-                  <a:cs typeface="Arial" panose="020B0604020202020204" pitchFamily="34" charset="0"/>
-                </a:rPr>
-                <a:t>Code Savvy</a:t>
-              </a:r>
-            </a:p>
-          </p:txBody>
-        </p:sp>
-        <p:sp>
-          <p:nvSpPr>
-            <p:cNvPr id="692" name="TextBox 691">
-              <a:extLst>
-                <a:ext uri="{FF2B5EF4-FFF2-40B4-BE49-F238E27FC236}">
-                  <a16:creationId xmlns:a16="http://schemas.microsoft.com/office/drawing/2014/main" id="{F7361741-A507-6788-EE3B-1EE0E7879622}"/>
-                </a:ext>
-              </a:extLst>
-            </p:cNvPr>
-            <p:cNvSpPr txBox="1"/>
-            <p:nvPr/>
-          </p:nvSpPr>
-          <p:spPr>
-            <a:xfrm>
-              <a:off x="4433892" y="5445863"/>
-              <a:ext cx="2519893" cy="369332"/>
+              <a:off x="931282" y="1611692"/>
+              <a:ext cx="1673125" cy="369332"/>
             </a:xfrm>
             <a:prstGeom prst="rect">
               <a:avLst/>
@@ -8108,10 +8855,10 @@
         </p:sp>
         <p:sp>
           <p:nvSpPr>
-            <p:cNvPr id="693" name="TextBox 692">
+            <p:cNvPr id="22" name="TextBox 21">
               <a:extLst>
                 <a:ext uri="{FF2B5EF4-FFF2-40B4-BE49-F238E27FC236}">
-                  <a16:creationId xmlns:a16="http://schemas.microsoft.com/office/drawing/2014/main" id="{A8241B64-5259-C889-A398-3AA28BD623D1}"/>
+                  <a16:creationId xmlns:a16="http://schemas.microsoft.com/office/drawing/2014/main" id="{584A5195-EE1E-5A20-C730-4CABFB2916CB}"/>
                 </a:ext>
               </a:extLst>
             </p:cNvPr>
@@ -8120,7 +8867,7 @@
           </p:nvSpPr>
           <p:spPr>
             <a:xfrm>
-              <a:off x="1030630" y="3947931"/>
+              <a:off x="1041600" y="201820"/>
               <a:ext cx="1492717" cy="369332"/>
             </a:xfrm>
             <a:prstGeom prst="rect">
@@ -8147,10 +8894,10 @@
         </p:sp>
         <p:pic>
           <p:nvPicPr>
-            <p:cNvPr id="694" name="Picture 693">
+            <p:cNvPr id="23" name="Picture 22">
               <a:extLst>
                 <a:ext uri="{FF2B5EF4-FFF2-40B4-BE49-F238E27FC236}">
-                  <a16:creationId xmlns:a16="http://schemas.microsoft.com/office/drawing/2014/main" id="{5E3758A6-12C5-ADB1-7BC0-1AAAD4001EB8}"/>
+                  <a16:creationId xmlns:a16="http://schemas.microsoft.com/office/drawing/2014/main" id="{E80F6D77-1DD1-1118-AA65-828E2C3DFB62}"/>
                 </a:ext>
               </a:extLst>
             </p:cNvPr>
@@ -8167,7 +8914,7 @@
           </p:blipFill>
           <p:spPr>
             <a:xfrm>
-              <a:off x="1048534" y="4275238"/>
+              <a:off x="1043472" y="499499"/>
               <a:ext cx="1524119" cy="1168017"/>
             </a:xfrm>
             <a:prstGeom prst="rect">
@@ -8177,10 +8924,10 @@
         </p:pic>
         <p:grpSp>
           <p:nvGrpSpPr>
-            <p:cNvPr id="695" name="Group 694">
+            <p:cNvPr id="24" name="Group 23">
               <a:extLst>
                 <a:ext uri="{FF2B5EF4-FFF2-40B4-BE49-F238E27FC236}">
-                  <a16:creationId xmlns:a16="http://schemas.microsoft.com/office/drawing/2014/main" id="{1FB5B3B8-8463-57B3-DBCE-0C85C848DA09}"/>
+                  <a16:creationId xmlns:a16="http://schemas.microsoft.com/office/drawing/2014/main" id="{CBB8239C-DE99-B85E-1F84-AE0FFBCFF311}"/>
                 </a:ext>
               </a:extLst>
             </p:cNvPr>
@@ -8189,7 +8936,7 @@
           </p:nvGrpSpPr>
           <p:grpSpPr>
             <a:xfrm>
-              <a:off x="1359339" y="4907177"/>
+              <a:off x="1354277" y="1131438"/>
               <a:ext cx="867364" cy="420167"/>
               <a:chOff x="719238" y="4384746"/>
               <a:chExt cx="3172338" cy="1882476"/>
@@ -8197,10 +8944,10 @@
           </p:grpSpPr>
           <p:sp>
             <p:nvSpPr>
-              <p:cNvPr id="696" name="Trapezoid 695">
+              <p:cNvPr id="25" name="Trapezoid 24">
                 <a:extLst>
                   <a:ext uri="{FF2B5EF4-FFF2-40B4-BE49-F238E27FC236}">
-                    <a16:creationId xmlns:a16="http://schemas.microsoft.com/office/drawing/2014/main" id="{6F7E5DB3-6F1E-49DE-2B09-ED8540968568}"/>
+                    <a16:creationId xmlns:a16="http://schemas.microsoft.com/office/drawing/2014/main" id="{BBEF2F38-1351-FC36-9273-1B0BEB42F402}"/>
                   </a:ext>
                 </a:extLst>
               </p:cNvPr>
@@ -8218,7 +8965,7 @@
                 </a:avLst>
               </a:prstGeom>
               <a:solidFill>
-                <a:schemeClr val="accent4"/>
+                <a:srgbClr val="00B0F0"/>
               </a:solidFill>
               <a:ln>
                 <a:noFill/>
@@ -8251,10 +8998,10 @@
           </p:sp>
           <p:sp>
             <p:nvSpPr>
-              <p:cNvPr id="697" name="Oval 696">
+              <p:cNvPr id="26" name="Oval 25">
                 <a:extLst>
                   <a:ext uri="{FF2B5EF4-FFF2-40B4-BE49-F238E27FC236}">
-                    <a16:creationId xmlns:a16="http://schemas.microsoft.com/office/drawing/2014/main" id="{ED4EC784-0E65-95E5-1BEC-2F6EF82395B3}"/>
+                    <a16:creationId xmlns:a16="http://schemas.microsoft.com/office/drawing/2014/main" id="{02CAC67E-01D5-1D07-34D5-C7BA2D44FB51}"/>
                   </a:ext>
                 </a:extLst>
               </p:cNvPr>
@@ -8303,10 +9050,10 @@
           </p:sp>
           <p:sp>
             <p:nvSpPr>
-              <p:cNvPr id="698" name="Oval 697">
+              <p:cNvPr id="27" name="Oval 26">
                 <a:extLst>
                   <a:ext uri="{FF2B5EF4-FFF2-40B4-BE49-F238E27FC236}">
-                    <a16:creationId xmlns:a16="http://schemas.microsoft.com/office/drawing/2014/main" id="{2265C325-D124-DE2B-707E-7F9DDFD2F28D}"/>
+                    <a16:creationId xmlns:a16="http://schemas.microsoft.com/office/drawing/2014/main" id="{91AA7380-7582-F8F9-E7C0-FB99418662A4}"/>
                   </a:ext>
                 </a:extLst>
               </p:cNvPr>
@@ -8355,10 +9102,10 @@
           </p:sp>
           <p:sp>
             <p:nvSpPr>
-              <p:cNvPr id="699" name="Freeform 698">
+              <p:cNvPr id="28" name="Freeform 27">
                 <a:extLst>
                   <a:ext uri="{FF2B5EF4-FFF2-40B4-BE49-F238E27FC236}">
-                    <a16:creationId xmlns:a16="http://schemas.microsoft.com/office/drawing/2014/main" id="{F9135FFC-F764-F6A3-C5F0-F1B0AC566601}"/>
+                    <a16:creationId xmlns:a16="http://schemas.microsoft.com/office/drawing/2014/main" id="{4B7D7401-54F5-B908-20FA-337AC2A8F949}"/>
                   </a:ext>
                 </a:extLst>
               </p:cNvPr>
@@ -8499,10 +9246,10 @@
           </p:sp>
           <p:sp>
             <p:nvSpPr>
-              <p:cNvPr id="700" name="Oval 699">
+              <p:cNvPr id="29" name="Oval 28">
                 <a:extLst>
                   <a:ext uri="{FF2B5EF4-FFF2-40B4-BE49-F238E27FC236}">
-                    <a16:creationId xmlns:a16="http://schemas.microsoft.com/office/drawing/2014/main" id="{3A0C39F5-7C28-B6B6-71C5-F930C51FE56B}"/>
+                    <a16:creationId xmlns:a16="http://schemas.microsoft.com/office/drawing/2014/main" id="{3EB761AF-B692-21DD-087C-AB5EC89D1BA5}"/>
                   </a:ext>
                 </a:extLst>
               </p:cNvPr>
@@ -8551,10 +9298,10 @@
           </p:sp>
           <p:sp>
             <p:nvSpPr>
-              <p:cNvPr id="701" name="Oval 700">
+              <p:cNvPr id="30" name="Oval 29">
                 <a:extLst>
                   <a:ext uri="{FF2B5EF4-FFF2-40B4-BE49-F238E27FC236}">
-                    <a16:creationId xmlns:a16="http://schemas.microsoft.com/office/drawing/2014/main" id="{61963D02-2383-13FE-8D5E-BB64CCF699A0}"/>
+                    <a16:creationId xmlns:a16="http://schemas.microsoft.com/office/drawing/2014/main" id="{4F1B66CE-9946-906F-A720-17677BF87C13}"/>
                   </a:ext>
                 </a:extLst>
               </p:cNvPr>
@@ -8603,6 +9350,4854 @@
           </p:sp>
         </p:grpSp>
       </p:grpSp>
+      <p:grpSp>
+        <p:nvGrpSpPr>
+          <p:cNvPr id="31" name="Group 30">
+            <a:extLst>
+              <a:ext uri="{FF2B5EF4-FFF2-40B4-BE49-F238E27FC236}">
+                <a16:creationId xmlns:a16="http://schemas.microsoft.com/office/drawing/2014/main" id="{95D1A3EE-A4F1-66D3-F34B-FD67AD7E7458}"/>
+              </a:ext>
+            </a:extLst>
+          </p:cNvPr>
+          <p:cNvGrpSpPr/>
+          <p:nvPr/>
+        </p:nvGrpSpPr>
+        <p:grpSpPr>
+          <a:xfrm>
+            <a:off x="1897174" y="2099695"/>
+            <a:ext cx="1798193" cy="1735315"/>
+            <a:chOff x="931282" y="201820"/>
+            <a:chExt cx="1673125" cy="1779204"/>
+          </a:xfrm>
+        </p:grpSpPr>
+        <p:sp>
+          <p:nvSpPr>
+            <p:cNvPr id="32" name="TextBox 31">
+              <a:extLst>
+                <a:ext uri="{FF2B5EF4-FFF2-40B4-BE49-F238E27FC236}">
+                  <a16:creationId xmlns:a16="http://schemas.microsoft.com/office/drawing/2014/main" id="{82C7ACBD-E51E-E5C1-AB88-3EF466EA9859}"/>
+                </a:ext>
+              </a:extLst>
+            </p:cNvPr>
+            <p:cNvSpPr txBox="1"/>
+            <p:nvPr/>
+          </p:nvSpPr>
+          <p:spPr>
+            <a:xfrm>
+              <a:off x="931282" y="1611692"/>
+              <a:ext cx="1673125" cy="369332"/>
+            </a:xfrm>
+            <a:prstGeom prst="rect">
+              <a:avLst/>
+            </a:prstGeom>
+            <a:noFill/>
+          </p:spPr>
+          <p:txBody>
+            <a:bodyPr wrap="square" rtlCol="0">
+              <a:spAutoFit/>
+            </a:bodyPr>
+            <a:lstStyle/>
+            <a:p>
+              <a:pPr algn="ctr"/>
+              <a:r>
+                <a:rPr lang="en-US" b="1" dirty="0">
+                  <a:latin typeface="Arial" panose="020B0604020202020204" pitchFamily="34" charset="0"/>
+                  <a:cs typeface="Arial" panose="020B0604020202020204" pitchFamily="34" charset="0"/>
+                </a:rPr>
+                <a:t>Robot Expert</a:t>
+              </a:r>
+            </a:p>
+          </p:txBody>
+        </p:sp>
+        <p:sp>
+          <p:nvSpPr>
+            <p:cNvPr id="33" name="TextBox 32">
+              <a:extLst>
+                <a:ext uri="{FF2B5EF4-FFF2-40B4-BE49-F238E27FC236}">
+                  <a16:creationId xmlns:a16="http://schemas.microsoft.com/office/drawing/2014/main" id="{9E2DD1BC-A355-8DF9-AD5A-E57D990E73E6}"/>
+                </a:ext>
+              </a:extLst>
+            </p:cNvPr>
+            <p:cNvSpPr txBox="1"/>
+            <p:nvPr/>
+          </p:nvSpPr>
+          <p:spPr>
+            <a:xfrm>
+              <a:off x="1041600" y="201820"/>
+              <a:ext cx="1492717" cy="369332"/>
+            </a:xfrm>
+            <a:prstGeom prst="rect">
+              <a:avLst/>
+            </a:prstGeom>
+            <a:noFill/>
+          </p:spPr>
+          <p:txBody>
+            <a:bodyPr wrap="none" rtlCol="0">
+              <a:spAutoFit/>
+            </a:bodyPr>
+            <a:lstStyle/>
+            <a:p>
+              <a:pPr algn="ctr"/>
+              <a:r>
+                <a:rPr lang="en-US" b="1" dirty="0">
+                  <a:latin typeface="Arial" panose="020B0604020202020204" pitchFamily="34" charset="0"/>
+                  <a:cs typeface="Arial" panose="020B0604020202020204" pitchFamily="34" charset="0"/>
+                </a:rPr>
+                <a:t>Code Savvy</a:t>
+              </a:r>
+            </a:p>
+          </p:txBody>
+        </p:sp>
+        <p:pic>
+          <p:nvPicPr>
+            <p:cNvPr id="34" name="Picture 33">
+              <a:extLst>
+                <a:ext uri="{FF2B5EF4-FFF2-40B4-BE49-F238E27FC236}">
+                  <a16:creationId xmlns:a16="http://schemas.microsoft.com/office/drawing/2014/main" id="{17CF162D-FD3B-4097-D11D-89E72B807219}"/>
+                </a:ext>
+              </a:extLst>
+            </p:cNvPr>
+            <p:cNvPicPr>
+              <a:picLocks noChangeAspect="1"/>
+            </p:cNvPicPr>
+            <p:nvPr/>
+          </p:nvPicPr>
+          <p:blipFill>
+            <a:blip r:embed="rId2"/>
+            <a:stretch>
+              <a:fillRect/>
+            </a:stretch>
+          </p:blipFill>
+          <p:spPr>
+            <a:xfrm>
+              <a:off x="1043472" y="499499"/>
+              <a:ext cx="1524119" cy="1168017"/>
+            </a:xfrm>
+            <a:prstGeom prst="rect">
+              <a:avLst/>
+            </a:prstGeom>
+          </p:spPr>
+        </p:pic>
+        <p:grpSp>
+          <p:nvGrpSpPr>
+            <p:cNvPr id="35" name="Group 34">
+              <a:extLst>
+                <a:ext uri="{FF2B5EF4-FFF2-40B4-BE49-F238E27FC236}">
+                  <a16:creationId xmlns:a16="http://schemas.microsoft.com/office/drawing/2014/main" id="{771F68AD-3576-E0A8-9634-B2CA433AD58F}"/>
+                </a:ext>
+              </a:extLst>
+            </p:cNvPr>
+            <p:cNvGrpSpPr/>
+            <p:nvPr/>
+          </p:nvGrpSpPr>
+          <p:grpSpPr>
+            <a:xfrm>
+              <a:off x="1354277" y="1131438"/>
+              <a:ext cx="867364" cy="420167"/>
+              <a:chOff x="719238" y="4384746"/>
+              <a:chExt cx="3172338" cy="1882476"/>
+            </a:xfrm>
+          </p:grpSpPr>
+          <p:sp>
+            <p:nvSpPr>
+              <p:cNvPr id="36" name="Trapezoid 35">
+                <a:extLst>
+                  <a:ext uri="{FF2B5EF4-FFF2-40B4-BE49-F238E27FC236}">
+                    <a16:creationId xmlns:a16="http://schemas.microsoft.com/office/drawing/2014/main" id="{599B2BD8-E0D0-239F-0603-F6D7202498D1}"/>
+                  </a:ext>
+                </a:extLst>
+              </p:cNvPr>
+              <p:cNvSpPr/>
+              <p:nvPr/>
+            </p:nvSpPr>
+            <p:spPr>
+              <a:xfrm>
+                <a:off x="719238" y="4384746"/>
+                <a:ext cx="3172338" cy="1882476"/>
+              </a:xfrm>
+              <a:prstGeom prst="trapezoid">
+                <a:avLst>
+                  <a:gd name="adj" fmla="val 6207"/>
+                </a:avLst>
+              </a:prstGeom>
+              <a:solidFill>
+                <a:srgbClr val="00B0F0"/>
+              </a:solidFill>
+              <a:ln>
+                <a:noFill/>
+              </a:ln>
+            </p:spPr>
+            <p:style>
+              <a:lnRef idx="2">
+                <a:schemeClr val="accent1">
+                  <a:shade val="50000"/>
+                </a:schemeClr>
+              </a:lnRef>
+              <a:fillRef idx="1">
+                <a:schemeClr val="accent1"/>
+              </a:fillRef>
+              <a:effectRef idx="0">
+                <a:schemeClr val="accent1"/>
+              </a:effectRef>
+              <a:fontRef idx="minor">
+                <a:schemeClr val="lt1"/>
+              </a:fontRef>
+            </p:style>
+            <p:txBody>
+              <a:bodyPr rtlCol="0" anchor="ctr"/>
+              <a:lstStyle/>
+              <a:p>
+                <a:pPr algn="ctr"/>
+                <a:endParaRPr lang="en-US"/>
+              </a:p>
+            </p:txBody>
+          </p:sp>
+          <p:sp>
+            <p:nvSpPr>
+              <p:cNvPr id="37" name="Oval 36">
+                <a:extLst>
+                  <a:ext uri="{FF2B5EF4-FFF2-40B4-BE49-F238E27FC236}">
+                    <a16:creationId xmlns:a16="http://schemas.microsoft.com/office/drawing/2014/main" id="{1FC9A954-CC84-3EFD-5766-E35EC307A6EA}"/>
+                  </a:ext>
+                </a:extLst>
+              </p:cNvPr>
+              <p:cNvSpPr/>
+              <p:nvPr/>
+            </p:nvSpPr>
+            <p:spPr>
+              <a:xfrm>
+                <a:off x="1378235" y="4722004"/>
+                <a:ext cx="903249" cy="568712"/>
+              </a:xfrm>
+              <a:prstGeom prst="ellipse">
+                <a:avLst/>
+              </a:prstGeom>
+              <a:solidFill>
+                <a:schemeClr val="bg1"/>
+              </a:solidFill>
+              <a:ln>
+                <a:noFill/>
+              </a:ln>
+            </p:spPr>
+            <p:style>
+              <a:lnRef idx="2">
+                <a:schemeClr val="accent1">
+                  <a:shade val="50000"/>
+                </a:schemeClr>
+              </a:lnRef>
+              <a:fillRef idx="1">
+                <a:schemeClr val="accent1"/>
+              </a:fillRef>
+              <a:effectRef idx="0">
+                <a:schemeClr val="accent1"/>
+              </a:effectRef>
+              <a:fontRef idx="minor">
+                <a:schemeClr val="lt1"/>
+              </a:fontRef>
+            </p:style>
+            <p:txBody>
+              <a:bodyPr rtlCol="0" anchor="ctr"/>
+              <a:lstStyle/>
+              <a:p>
+                <a:pPr algn="ctr"/>
+                <a:endParaRPr lang="en-US"/>
+              </a:p>
+            </p:txBody>
+          </p:sp>
+          <p:sp>
+            <p:nvSpPr>
+              <p:cNvPr id="38" name="Oval 37">
+                <a:extLst>
+                  <a:ext uri="{FF2B5EF4-FFF2-40B4-BE49-F238E27FC236}">
+                    <a16:creationId xmlns:a16="http://schemas.microsoft.com/office/drawing/2014/main" id="{0EC4BC98-7357-EE3A-0BB9-95EF2937FBE6}"/>
+                  </a:ext>
+                </a:extLst>
+              </p:cNvPr>
+              <p:cNvSpPr/>
+              <p:nvPr/>
+            </p:nvSpPr>
+            <p:spPr>
+              <a:xfrm>
+                <a:off x="2590001" y="4729438"/>
+                <a:ext cx="903249" cy="568712"/>
+              </a:xfrm>
+              <a:prstGeom prst="ellipse">
+                <a:avLst/>
+              </a:prstGeom>
+              <a:solidFill>
+                <a:schemeClr val="bg1"/>
+              </a:solidFill>
+              <a:ln>
+                <a:noFill/>
+              </a:ln>
+            </p:spPr>
+            <p:style>
+              <a:lnRef idx="2">
+                <a:schemeClr val="accent1">
+                  <a:shade val="50000"/>
+                </a:schemeClr>
+              </a:lnRef>
+              <a:fillRef idx="1">
+                <a:schemeClr val="accent1"/>
+              </a:fillRef>
+              <a:effectRef idx="0">
+                <a:schemeClr val="accent1"/>
+              </a:effectRef>
+              <a:fontRef idx="minor">
+                <a:schemeClr val="lt1"/>
+              </a:fontRef>
+            </p:style>
+            <p:txBody>
+              <a:bodyPr rtlCol="0" anchor="ctr"/>
+              <a:lstStyle/>
+              <a:p>
+                <a:pPr algn="ctr"/>
+                <a:endParaRPr lang="en-US"/>
+              </a:p>
+            </p:txBody>
+          </p:sp>
+          <p:sp>
+            <p:nvSpPr>
+              <p:cNvPr id="39" name="Freeform 38">
+                <a:extLst>
+                  <a:ext uri="{FF2B5EF4-FFF2-40B4-BE49-F238E27FC236}">
+                    <a16:creationId xmlns:a16="http://schemas.microsoft.com/office/drawing/2014/main" id="{E0E64A84-5EE1-A70A-D747-58CA5D3A30B8}"/>
+                  </a:ext>
+                </a:extLst>
+              </p:cNvPr>
+              <p:cNvSpPr/>
+              <p:nvPr/>
+            </p:nvSpPr>
+            <p:spPr>
+              <a:xfrm>
+                <a:off x="1613092" y="5522940"/>
+                <a:ext cx="1644650" cy="286131"/>
+              </a:xfrm>
+              <a:custGeom>
+                <a:avLst/>
+                <a:gdLst>
+                  <a:gd name="connsiteX0" fmla="*/ 0 w 2074127"/>
+                  <a:gd name="connsiteY0" fmla="*/ 55756 h 234813"/>
+                  <a:gd name="connsiteX1" fmla="*/ 858644 w 2074127"/>
+                  <a:gd name="connsiteY1" fmla="*/ 234176 h 234813"/>
+                  <a:gd name="connsiteX2" fmla="*/ 2074127 w 2074127"/>
+                  <a:gd name="connsiteY2" fmla="*/ 0 h 234813"/>
+                  <a:gd name="connsiteX0" fmla="*/ 0 w 2074127"/>
+                  <a:gd name="connsiteY0" fmla="*/ 55756 h 237969"/>
+                  <a:gd name="connsiteX1" fmla="*/ 991994 w 2074127"/>
+                  <a:gd name="connsiteY1" fmla="*/ 237351 h 237969"/>
+                  <a:gd name="connsiteX2" fmla="*/ 2074127 w 2074127"/>
+                  <a:gd name="connsiteY2" fmla="*/ 0 h 237969"/>
+                  <a:gd name="connsiteX0" fmla="*/ 0 w 2074127"/>
+                  <a:gd name="connsiteY0" fmla="*/ 55756 h 237969"/>
+                  <a:gd name="connsiteX1" fmla="*/ 991994 w 2074127"/>
+                  <a:gd name="connsiteY1" fmla="*/ 237351 h 237969"/>
+                  <a:gd name="connsiteX2" fmla="*/ 2074127 w 2074127"/>
+                  <a:gd name="connsiteY2" fmla="*/ 0 h 237969"/>
+                  <a:gd name="connsiteX0" fmla="*/ 0 w 2058252"/>
+                  <a:gd name="connsiteY0" fmla="*/ 84331 h 266544"/>
+                  <a:gd name="connsiteX1" fmla="*/ 991994 w 2058252"/>
+                  <a:gd name="connsiteY1" fmla="*/ 265926 h 266544"/>
+                  <a:gd name="connsiteX2" fmla="*/ 2058252 w 2058252"/>
+                  <a:gd name="connsiteY2" fmla="*/ 0 h 266544"/>
+                  <a:gd name="connsiteX0" fmla="*/ 0 w 2090002"/>
+                  <a:gd name="connsiteY0" fmla="*/ 33531 h 266343"/>
+                  <a:gd name="connsiteX1" fmla="*/ 1023744 w 2090002"/>
+                  <a:gd name="connsiteY1" fmla="*/ 265926 h 266343"/>
+                  <a:gd name="connsiteX2" fmla="*/ 2090002 w 2090002"/>
+                  <a:gd name="connsiteY2" fmla="*/ 0 h 266343"/>
+                  <a:gd name="connsiteX0" fmla="*/ 0 w 2090002"/>
+                  <a:gd name="connsiteY0" fmla="*/ 33531 h 266352"/>
+                  <a:gd name="connsiteX1" fmla="*/ 1023744 w 2090002"/>
+                  <a:gd name="connsiteY1" fmla="*/ 265926 h 266352"/>
+                  <a:gd name="connsiteX2" fmla="*/ 2090002 w 2090002"/>
+                  <a:gd name="connsiteY2" fmla="*/ 0 h 266352"/>
+                  <a:gd name="connsiteX0" fmla="*/ 0 w 2128102"/>
+                  <a:gd name="connsiteY0" fmla="*/ 33531 h 266352"/>
+                  <a:gd name="connsiteX1" fmla="*/ 1061844 w 2128102"/>
+                  <a:gd name="connsiteY1" fmla="*/ 265926 h 266352"/>
+                  <a:gd name="connsiteX2" fmla="*/ 2128102 w 2128102"/>
+                  <a:gd name="connsiteY2" fmla="*/ 0 h 266352"/>
+                  <a:gd name="connsiteX0" fmla="*/ 0 w 2128102"/>
+                  <a:gd name="connsiteY0" fmla="*/ 33531 h 266352"/>
+                  <a:gd name="connsiteX1" fmla="*/ 1061844 w 2128102"/>
+                  <a:gd name="connsiteY1" fmla="*/ 265926 h 266352"/>
+                  <a:gd name="connsiteX2" fmla="*/ 2128102 w 2128102"/>
+                  <a:gd name="connsiteY2" fmla="*/ 0 h 266352"/>
+                  <a:gd name="connsiteX0" fmla="*/ 0 w 2128102"/>
+                  <a:gd name="connsiteY0" fmla="*/ 33531 h 266938"/>
+                  <a:gd name="connsiteX1" fmla="*/ 1061844 w 2128102"/>
+                  <a:gd name="connsiteY1" fmla="*/ 265926 h 266938"/>
+                  <a:gd name="connsiteX2" fmla="*/ 2128102 w 2128102"/>
+                  <a:gd name="connsiteY2" fmla="*/ 0 h 266938"/>
+                  <a:gd name="connsiteX0" fmla="*/ 0 w 2087797"/>
+                  <a:gd name="connsiteY0" fmla="*/ 15773 h 266728"/>
+                  <a:gd name="connsiteX1" fmla="*/ 1021539 w 2087797"/>
+                  <a:gd name="connsiteY1" fmla="*/ 265926 h 266728"/>
+                  <a:gd name="connsiteX2" fmla="*/ 2087797 w 2087797"/>
+                  <a:gd name="connsiteY2" fmla="*/ 0 h 266728"/>
+                </a:gdLst>
+                <a:ahLst/>
+                <a:cxnLst>
+                  <a:cxn ang="0">
+                    <a:pos x="connsiteX0" y="connsiteY0"/>
+                  </a:cxn>
+                  <a:cxn ang="0">
+                    <a:pos x="connsiteX1" y="connsiteY1"/>
+                  </a:cxn>
+                  <a:cxn ang="0">
+                    <a:pos x="connsiteX2" y="connsiteY2"/>
+                  </a:cxn>
+                </a:cxnLst>
+                <a:rect l="l" t="t" r="r" b="b"/>
+                <a:pathLst>
+                  <a:path w="2087797" h="266728">
+                    <a:moveTo>
+                      <a:pt x="0" y="15773"/>
+                    </a:moveTo>
+                    <a:cubicBezTo>
+                      <a:pt x="218492" y="204555"/>
+                      <a:pt x="675851" y="275219"/>
+                      <a:pt x="1021539" y="265926"/>
+                    </a:cubicBezTo>
+                    <a:cubicBezTo>
+                      <a:pt x="1367227" y="256633"/>
+                      <a:pt x="1711646" y="204247"/>
+                      <a:pt x="2087797" y="0"/>
+                    </a:cubicBezTo>
+                  </a:path>
+                </a:pathLst>
+              </a:custGeom>
+              <a:noFill/>
+              <a:ln w="38100">
+                <a:solidFill>
+                  <a:schemeClr val="bg1"/>
+                </a:solidFill>
+              </a:ln>
+            </p:spPr>
+            <p:style>
+              <a:lnRef idx="2">
+                <a:schemeClr val="accent1">
+                  <a:shade val="50000"/>
+                </a:schemeClr>
+              </a:lnRef>
+              <a:fillRef idx="1">
+                <a:schemeClr val="accent1"/>
+              </a:fillRef>
+              <a:effectRef idx="0">
+                <a:schemeClr val="accent1"/>
+              </a:effectRef>
+              <a:fontRef idx="minor">
+                <a:schemeClr val="lt1"/>
+              </a:fontRef>
+            </p:style>
+            <p:txBody>
+              <a:bodyPr rtlCol="0" anchor="ctr"/>
+              <a:lstStyle/>
+              <a:p>
+                <a:pPr algn="ctr"/>
+                <a:endParaRPr lang="en-US"/>
+              </a:p>
+            </p:txBody>
+          </p:sp>
+          <p:sp>
+            <p:nvSpPr>
+              <p:cNvPr id="40" name="Oval 39">
+                <a:extLst>
+                  <a:ext uri="{FF2B5EF4-FFF2-40B4-BE49-F238E27FC236}">
+                    <a16:creationId xmlns:a16="http://schemas.microsoft.com/office/drawing/2014/main" id="{7449ACAD-0428-CFC6-3795-30138D40C368}"/>
+                  </a:ext>
+                </a:extLst>
+              </p:cNvPr>
+              <p:cNvSpPr/>
+              <p:nvPr/>
+            </p:nvSpPr>
+            <p:spPr>
+              <a:xfrm>
+                <a:off x="2940877" y="4888575"/>
+                <a:ext cx="228600" cy="231775"/>
+              </a:xfrm>
+              <a:prstGeom prst="ellipse">
+                <a:avLst/>
+              </a:prstGeom>
+              <a:solidFill>
+                <a:schemeClr val="tx1"/>
+              </a:solidFill>
+              <a:ln>
+                <a:noFill/>
+              </a:ln>
+            </p:spPr>
+            <p:style>
+              <a:lnRef idx="2">
+                <a:schemeClr val="accent1">
+                  <a:shade val="50000"/>
+                </a:schemeClr>
+              </a:lnRef>
+              <a:fillRef idx="1">
+                <a:schemeClr val="accent1"/>
+              </a:fillRef>
+              <a:effectRef idx="0">
+                <a:schemeClr val="accent1"/>
+              </a:effectRef>
+              <a:fontRef idx="minor">
+                <a:schemeClr val="lt1"/>
+              </a:fontRef>
+            </p:style>
+            <p:txBody>
+              <a:bodyPr rtlCol="0" anchor="ctr"/>
+              <a:lstStyle/>
+              <a:p>
+                <a:pPr algn="ctr"/>
+                <a:endParaRPr lang="en-US"/>
+              </a:p>
+            </p:txBody>
+          </p:sp>
+          <p:sp>
+            <p:nvSpPr>
+              <p:cNvPr id="41" name="Oval 40">
+                <a:extLst>
+                  <a:ext uri="{FF2B5EF4-FFF2-40B4-BE49-F238E27FC236}">
+                    <a16:creationId xmlns:a16="http://schemas.microsoft.com/office/drawing/2014/main" id="{8E2E7715-0888-CEE4-F9DB-B69924FA62D0}"/>
+                  </a:ext>
+                </a:extLst>
+              </p:cNvPr>
+              <p:cNvSpPr/>
+              <p:nvPr/>
+            </p:nvSpPr>
+            <p:spPr>
+              <a:xfrm>
+                <a:off x="1699452" y="4898100"/>
+                <a:ext cx="228600" cy="231775"/>
+              </a:xfrm>
+              <a:prstGeom prst="ellipse">
+                <a:avLst/>
+              </a:prstGeom>
+              <a:solidFill>
+                <a:schemeClr val="tx1"/>
+              </a:solidFill>
+              <a:ln>
+                <a:noFill/>
+              </a:ln>
+            </p:spPr>
+            <p:style>
+              <a:lnRef idx="2">
+                <a:schemeClr val="accent1">
+                  <a:shade val="50000"/>
+                </a:schemeClr>
+              </a:lnRef>
+              <a:fillRef idx="1">
+                <a:schemeClr val="accent1"/>
+              </a:fillRef>
+              <a:effectRef idx="0">
+                <a:schemeClr val="accent1"/>
+              </a:effectRef>
+              <a:fontRef idx="minor">
+                <a:schemeClr val="lt1"/>
+              </a:fontRef>
+            </p:style>
+            <p:txBody>
+              <a:bodyPr rtlCol="0" anchor="ctr"/>
+              <a:lstStyle/>
+              <a:p>
+                <a:pPr algn="ctr"/>
+                <a:endParaRPr lang="en-US"/>
+              </a:p>
+            </p:txBody>
+          </p:sp>
+        </p:grpSp>
+      </p:grpSp>
+      <p:grpSp>
+        <p:nvGrpSpPr>
+          <p:cNvPr id="43" name="Group 42">
+            <a:extLst>
+              <a:ext uri="{FF2B5EF4-FFF2-40B4-BE49-F238E27FC236}">
+                <a16:creationId xmlns:a16="http://schemas.microsoft.com/office/drawing/2014/main" id="{A3C5A1FB-2BB9-4B7D-E909-1F8FE06813F3}"/>
+              </a:ext>
+            </a:extLst>
+          </p:cNvPr>
+          <p:cNvGrpSpPr/>
+          <p:nvPr/>
+        </p:nvGrpSpPr>
+        <p:grpSpPr>
+          <a:xfrm>
+            <a:off x="465414" y="3003947"/>
+            <a:ext cx="867364" cy="420167"/>
+            <a:chOff x="719238" y="4384746"/>
+            <a:chExt cx="3172338" cy="1882476"/>
+          </a:xfrm>
+        </p:grpSpPr>
+        <p:sp>
+          <p:nvSpPr>
+            <p:cNvPr id="44" name="Trapezoid 43">
+              <a:extLst>
+                <a:ext uri="{FF2B5EF4-FFF2-40B4-BE49-F238E27FC236}">
+                  <a16:creationId xmlns:a16="http://schemas.microsoft.com/office/drawing/2014/main" id="{F7553FE0-5F2A-D495-98A2-3BBDFFA166A3}"/>
+                </a:ext>
+              </a:extLst>
+            </p:cNvPr>
+            <p:cNvSpPr/>
+            <p:nvPr/>
+          </p:nvSpPr>
+          <p:spPr>
+            <a:xfrm>
+              <a:off x="719238" y="4384746"/>
+              <a:ext cx="3172338" cy="1882476"/>
+            </a:xfrm>
+            <a:prstGeom prst="trapezoid">
+              <a:avLst>
+                <a:gd name="adj" fmla="val 6207"/>
+              </a:avLst>
+            </a:prstGeom>
+            <a:solidFill>
+              <a:schemeClr val="accent4"/>
+            </a:solidFill>
+            <a:ln>
+              <a:noFill/>
+            </a:ln>
+          </p:spPr>
+          <p:style>
+            <a:lnRef idx="2">
+              <a:schemeClr val="accent1">
+                <a:shade val="50000"/>
+              </a:schemeClr>
+            </a:lnRef>
+            <a:fillRef idx="1">
+              <a:schemeClr val="accent1"/>
+            </a:fillRef>
+            <a:effectRef idx="0">
+              <a:schemeClr val="accent1"/>
+            </a:effectRef>
+            <a:fontRef idx="minor">
+              <a:schemeClr val="lt1"/>
+            </a:fontRef>
+          </p:style>
+          <p:txBody>
+            <a:bodyPr rtlCol="0" anchor="ctr"/>
+            <a:lstStyle/>
+            <a:p>
+              <a:pPr algn="ctr"/>
+              <a:endParaRPr lang="en-US"/>
+            </a:p>
+          </p:txBody>
+        </p:sp>
+        <p:sp>
+          <p:nvSpPr>
+            <p:cNvPr id="45" name="Oval 44">
+              <a:extLst>
+                <a:ext uri="{FF2B5EF4-FFF2-40B4-BE49-F238E27FC236}">
+                  <a16:creationId xmlns:a16="http://schemas.microsoft.com/office/drawing/2014/main" id="{F8E0EB9A-B4F4-D4F6-A637-AAD73A0E4A32}"/>
+                </a:ext>
+              </a:extLst>
+            </p:cNvPr>
+            <p:cNvSpPr/>
+            <p:nvPr/>
+          </p:nvSpPr>
+          <p:spPr>
+            <a:xfrm>
+              <a:off x="1378235" y="4722004"/>
+              <a:ext cx="903249" cy="568712"/>
+            </a:xfrm>
+            <a:prstGeom prst="ellipse">
+              <a:avLst/>
+            </a:prstGeom>
+            <a:solidFill>
+              <a:schemeClr val="bg1"/>
+            </a:solidFill>
+            <a:ln>
+              <a:noFill/>
+            </a:ln>
+          </p:spPr>
+          <p:style>
+            <a:lnRef idx="2">
+              <a:schemeClr val="accent1">
+                <a:shade val="50000"/>
+              </a:schemeClr>
+            </a:lnRef>
+            <a:fillRef idx="1">
+              <a:schemeClr val="accent1"/>
+            </a:fillRef>
+            <a:effectRef idx="0">
+              <a:schemeClr val="accent1"/>
+            </a:effectRef>
+            <a:fontRef idx="minor">
+              <a:schemeClr val="lt1"/>
+            </a:fontRef>
+          </p:style>
+          <p:txBody>
+            <a:bodyPr rtlCol="0" anchor="ctr"/>
+            <a:lstStyle/>
+            <a:p>
+              <a:pPr algn="ctr"/>
+              <a:endParaRPr lang="en-US"/>
+            </a:p>
+          </p:txBody>
+        </p:sp>
+        <p:sp>
+          <p:nvSpPr>
+            <p:cNvPr id="46" name="Oval 45">
+              <a:extLst>
+                <a:ext uri="{FF2B5EF4-FFF2-40B4-BE49-F238E27FC236}">
+                  <a16:creationId xmlns:a16="http://schemas.microsoft.com/office/drawing/2014/main" id="{AB5B05D6-2A99-3A1F-6E24-3C881078F60B}"/>
+                </a:ext>
+              </a:extLst>
+            </p:cNvPr>
+            <p:cNvSpPr/>
+            <p:nvPr/>
+          </p:nvSpPr>
+          <p:spPr>
+            <a:xfrm>
+              <a:off x="2590001" y="4729438"/>
+              <a:ext cx="903249" cy="568712"/>
+            </a:xfrm>
+            <a:prstGeom prst="ellipse">
+              <a:avLst/>
+            </a:prstGeom>
+            <a:solidFill>
+              <a:schemeClr val="bg1"/>
+            </a:solidFill>
+            <a:ln>
+              <a:noFill/>
+            </a:ln>
+          </p:spPr>
+          <p:style>
+            <a:lnRef idx="2">
+              <a:schemeClr val="accent1">
+                <a:shade val="50000"/>
+              </a:schemeClr>
+            </a:lnRef>
+            <a:fillRef idx="1">
+              <a:schemeClr val="accent1"/>
+            </a:fillRef>
+            <a:effectRef idx="0">
+              <a:schemeClr val="accent1"/>
+            </a:effectRef>
+            <a:fontRef idx="minor">
+              <a:schemeClr val="lt1"/>
+            </a:fontRef>
+          </p:style>
+          <p:txBody>
+            <a:bodyPr rtlCol="0" anchor="ctr"/>
+            <a:lstStyle/>
+            <a:p>
+              <a:pPr algn="ctr"/>
+              <a:endParaRPr lang="en-US"/>
+            </a:p>
+          </p:txBody>
+        </p:sp>
+        <p:sp>
+          <p:nvSpPr>
+            <p:cNvPr id="47" name="Freeform 46">
+              <a:extLst>
+                <a:ext uri="{FF2B5EF4-FFF2-40B4-BE49-F238E27FC236}">
+                  <a16:creationId xmlns:a16="http://schemas.microsoft.com/office/drawing/2014/main" id="{4DA1ABCC-946D-0401-7700-2BAAEAF57B5B}"/>
+                </a:ext>
+              </a:extLst>
+            </p:cNvPr>
+            <p:cNvSpPr/>
+            <p:nvPr/>
+          </p:nvSpPr>
+          <p:spPr>
+            <a:xfrm>
+              <a:off x="1613092" y="5522940"/>
+              <a:ext cx="1644650" cy="286131"/>
+            </a:xfrm>
+            <a:custGeom>
+              <a:avLst/>
+              <a:gdLst>
+                <a:gd name="connsiteX0" fmla="*/ 0 w 2074127"/>
+                <a:gd name="connsiteY0" fmla="*/ 55756 h 234813"/>
+                <a:gd name="connsiteX1" fmla="*/ 858644 w 2074127"/>
+                <a:gd name="connsiteY1" fmla="*/ 234176 h 234813"/>
+                <a:gd name="connsiteX2" fmla="*/ 2074127 w 2074127"/>
+                <a:gd name="connsiteY2" fmla="*/ 0 h 234813"/>
+                <a:gd name="connsiteX0" fmla="*/ 0 w 2074127"/>
+                <a:gd name="connsiteY0" fmla="*/ 55756 h 237969"/>
+                <a:gd name="connsiteX1" fmla="*/ 991994 w 2074127"/>
+                <a:gd name="connsiteY1" fmla="*/ 237351 h 237969"/>
+                <a:gd name="connsiteX2" fmla="*/ 2074127 w 2074127"/>
+                <a:gd name="connsiteY2" fmla="*/ 0 h 237969"/>
+                <a:gd name="connsiteX0" fmla="*/ 0 w 2074127"/>
+                <a:gd name="connsiteY0" fmla="*/ 55756 h 237969"/>
+                <a:gd name="connsiteX1" fmla="*/ 991994 w 2074127"/>
+                <a:gd name="connsiteY1" fmla="*/ 237351 h 237969"/>
+                <a:gd name="connsiteX2" fmla="*/ 2074127 w 2074127"/>
+                <a:gd name="connsiteY2" fmla="*/ 0 h 237969"/>
+                <a:gd name="connsiteX0" fmla="*/ 0 w 2058252"/>
+                <a:gd name="connsiteY0" fmla="*/ 84331 h 266544"/>
+                <a:gd name="connsiteX1" fmla="*/ 991994 w 2058252"/>
+                <a:gd name="connsiteY1" fmla="*/ 265926 h 266544"/>
+                <a:gd name="connsiteX2" fmla="*/ 2058252 w 2058252"/>
+                <a:gd name="connsiteY2" fmla="*/ 0 h 266544"/>
+                <a:gd name="connsiteX0" fmla="*/ 0 w 2090002"/>
+                <a:gd name="connsiteY0" fmla="*/ 33531 h 266343"/>
+                <a:gd name="connsiteX1" fmla="*/ 1023744 w 2090002"/>
+                <a:gd name="connsiteY1" fmla="*/ 265926 h 266343"/>
+                <a:gd name="connsiteX2" fmla="*/ 2090002 w 2090002"/>
+                <a:gd name="connsiteY2" fmla="*/ 0 h 266343"/>
+                <a:gd name="connsiteX0" fmla="*/ 0 w 2090002"/>
+                <a:gd name="connsiteY0" fmla="*/ 33531 h 266352"/>
+                <a:gd name="connsiteX1" fmla="*/ 1023744 w 2090002"/>
+                <a:gd name="connsiteY1" fmla="*/ 265926 h 266352"/>
+                <a:gd name="connsiteX2" fmla="*/ 2090002 w 2090002"/>
+                <a:gd name="connsiteY2" fmla="*/ 0 h 266352"/>
+                <a:gd name="connsiteX0" fmla="*/ 0 w 2128102"/>
+                <a:gd name="connsiteY0" fmla="*/ 33531 h 266352"/>
+                <a:gd name="connsiteX1" fmla="*/ 1061844 w 2128102"/>
+                <a:gd name="connsiteY1" fmla="*/ 265926 h 266352"/>
+                <a:gd name="connsiteX2" fmla="*/ 2128102 w 2128102"/>
+                <a:gd name="connsiteY2" fmla="*/ 0 h 266352"/>
+                <a:gd name="connsiteX0" fmla="*/ 0 w 2128102"/>
+                <a:gd name="connsiteY0" fmla="*/ 33531 h 266352"/>
+                <a:gd name="connsiteX1" fmla="*/ 1061844 w 2128102"/>
+                <a:gd name="connsiteY1" fmla="*/ 265926 h 266352"/>
+                <a:gd name="connsiteX2" fmla="*/ 2128102 w 2128102"/>
+                <a:gd name="connsiteY2" fmla="*/ 0 h 266352"/>
+                <a:gd name="connsiteX0" fmla="*/ 0 w 2128102"/>
+                <a:gd name="connsiteY0" fmla="*/ 33531 h 266938"/>
+                <a:gd name="connsiteX1" fmla="*/ 1061844 w 2128102"/>
+                <a:gd name="connsiteY1" fmla="*/ 265926 h 266938"/>
+                <a:gd name="connsiteX2" fmla="*/ 2128102 w 2128102"/>
+                <a:gd name="connsiteY2" fmla="*/ 0 h 266938"/>
+                <a:gd name="connsiteX0" fmla="*/ 0 w 2087797"/>
+                <a:gd name="connsiteY0" fmla="*/ 15773 h 266728"/>
+                <a:gd name="connsiteX1" fmla="*/ 1021539 w 2087797"/>
+                <a:gd name="connsiteY1" fmla="*/ 265926 h 266728"/>
+                <a:gd name="connsiteX2" fmla="*/ 2087797 w 2087797"/>
+                <a:gd name="connsiteY2" fmla="*/ 0 h 266728"/>
+              </a:gdLst>
+              <a:ahLst/>
+              <a:cxnLst>
+                <a:cxn ang="0">
+                  <a:pos x="connsiteX0" y="connsiteY0"/>
+                </a:cxn>
+                <a:cxn ang="0">
+                  <a:pos x="connsiteX1" y="connsiteY1"/>
+                </a:cxn>
+                <a:cxn ang="0">
+                  <a:pos x="connsiteX2" y="connsiteY2"/>
+                </a:cxn>
+              </a:cxnLst>
+              <a:rect l="l" t="t" r="r" b="b"/>
+              <a:pathLst>
+                <a:path w="2087797" h="266728">
+                  <a:moveTo>
+                    <a:pt x="0" y="15773"/>
+                  </a:moveTo>
+                  <a:cubicBezTo>
+                    <a:pt x="218492" y="204555"/>
+                    <a:pt x="675851" y="275219"/>
+                    <a:pt x="1021539" y="265926"/>
+                  </a:cubicBezTo>
+                  <a:cubicBezTo>
+                    <a:pt x="1367227" y="256633"/>
+                    <a:pt x="1711646" y="204247"/>
+                    <a:pt x="2087797" y="0"/>
+                  </a:cubicBezTo>
+                </a:path>
+              </a:pathLst>
+            </a:custGeom>
+            <a:noFill/>
+            <a:ln w="38100">
+              <a:solidFill>
+                <a:schemeClr val="bg1"/>
+              </a:solidFill>
+            </a:ln>
+          </p:spPr>
+          <p:style>
+            <a:lnRef idx="2">
+              <a:schemeClr val="accent1">
+                <a:shade val="50000"/>
+              </a:schemeClr>
+            </a:lnRef>
+            <a:fillRef idx="1">
+              <a:schemeClr val="accent1"/>
+            </a:fillRef>
+            <a:effectRef idx="0">
+              <a:schemeClr val="accent1"/>
+            </a:effectRef>
+            <a:fontRef idx="minor">
+              <a:schemeClr val="lt1"/>
+            </a:fontRef>
+          </p:style>
+          <p:txBody>
+            <a:bodyPr rtlCol="0" anchor="ctr"/>
+            <a:lstStyle/>
+            <a:p>
+              <a:pPr algn="ctr"/>
+              <a:endParaRPr lang="en-US"/>
+            </a:p>
+          </p:txBody>
+        </p:sp>
+        <p:sp>
+          <p:nvSpPr>
+            <p:cNvPr id="48" name="Oval 47">
+              <a:extLst>
+                <a:ext uri="{FF2B5EF4-FFF2-40B4-BE49-F238E27FC236}">
+                  <a16:creationId xmlns:a16="http://schemas.microsoft.com/office/drawing/2014/main" id="{B7DF98DD-B6B1-7B4E-8688-64EF8AFC1302}"/>
+                </a:ext>
+              </a:extLst>
+            </p:cNvPr>
+            <p:cNvSpPr/>
+            <p:nvPr/>
+          </p:nvSpPr>
+          <p:spPr>
+            <a:xfrm>
+              <a:off x="2940877" y="4888575"/>
+              <a:ext cx="228600" cy="231775"/>
+            </a:xfrm>
+            <a:prstGeom prst="ellipse">
+              <a:avLst/>
+            </a:prstGeom>
+            <a:solidFill>
+              <a:schemeClr val="tx1"/>
+            </a:solidFill>
+            <a:ln>
+              <a:noFill/>
+            </a:ln>
+          </p:spPr>
+          <p:style>
+            <a:lnRef idx="2">
+              <a:schemeClr val="accent1">
+                <a:shade val="50000"/>
+              </a:schemeClr>
+            </a:lnRef>
+            <a:fillRef idx="1">
+              <a:schemeClr val="accent1"/>
+            </a:fillRef>
+            <a:effectRef idx="0">
+              <a:schemeClr val="accent1"/>
+            </a:effectRef>
+            <a:fontRef idx="minor">
+              <a:schemeClr val="lt1"/>
+            </a:fontRef>
+          </p:style>
+          <p:txBody>
+            <a:bodyPr rtlCol="0" anchor="ctr"/>
+            <a:lstStyle/>
+            <a:p>
+              <a:pPr algn="ctr"/>
+              <a:endParaRPr lang="en-US"/>
+            </a:p>
+          </p:txBody>
+        </p:sp>
+        <p:sp>
+          <p:nvSpPr>
+            <p:cNvPr id="49" name="Oval 48">
+              <a:extLst>
+                <a:ext uri="{FF2B5EF4-FFF2-40B4-BE49-F238E27FC236}">
+                  <a16:creationId xmlns:a16="http://schemas.microsoft.com/office/drawing/2014/main" id="{116ED3A6-8EEB-FF16-4AC1-58708F6F3BC5}"/>
+                </a:ext>
+              </a:extLst>
+            </p:cNvPr>
+            <p:cNvSpPr/>
+            <p:nvPr/>
+          </p:nvSpPr>
+          <p:spPr>
+            <a:xfrm>
+              <a:off x="1699452" y="4898100"/>
+              <a:ext cx="228600" cy="231775"/>
+            </a:xfrm>
+            <a:prstGeom prst="ellipse">
+              <a:avLst/>
+            </a:prstGeom>
+            <a:solidFill>
+              <a:schemeClr val="tx1"/>
+            </a:solidFill>
+            <a:ln>
+              <a:noFill/>
+            </a:ln>
+          </p:spPr>
+          <p:style>
+            <a:lnRef idx="2">
+              <a:schemeClr val="accent1">
+                <a:shade val="50000"/>
+              </a:schemeClr>
+            </a:lnRef>
+            <a:fillRef idx="1">
+              <a:schemeClr val="accent1"/>
+            </a:fillRef>
+            <a:effectRef idx="0">
+              <a:schemeClr val="accent1"/>
+            </a:effectRef>
+            <a:fontRef idx="minor">
+              <a:schemeClr val="lt1"/>
+            </a:fontRef>
+          </p:style>
+          <p:txBody>
+            <a:bodyPr rtlCol="0" anchor="ctr"/>
+            <a:lstStyle/>
+            <a:p>
+              <a:pPr algn="ctr"/>
+              <a:endParaRPr lang="en-US"/>
+            </a:p>
+          </p:txBody>
+        </p:sp>
+      </p:grpSp>
+      <p:grpSp>
+        <p:nvGrpSpPr>
+          <p:cNvPr id="50" name="Group 49">
+            <a:extLst>
+              <a:ext uri="{FF2B5EF4-FFF2-40B4-BE49-F238E27FC236}">
+                <a16:creationId xmlns:a16="http://schemas.microsoft.com/office/drawing/2014/main" id="{C8BFAB23-6526-2494-B654-CC2F3C94559F}"/>
+              </a:ext>
+            </a:extLst>
+          </p:cNvPr>
+          <p:cNvGrpSpPr/>
+          <p:nvPr/>
+        </p:nvGrpSpPr>
+        <p:grpSpPr>
+          <a:xfrm>
+            <a:off x="1950907" y="3976746"/>
+            <a:ext cx="5987588" cy="1867264"/>
+            <a:chOff x="966197" y="3947931"/>
+            <a:chExt cx="5987588" cy="1867264"/>
+          </a:xfrm>
+        </p:grpSpPr>
+        <p:sp>
+          <p:nvSpPr>
+            <p:cNvPr id="51" name="TextBox 50">
+              <a:extLst>
+                <a:ext uri="{FF2B5EF4-FFF2-40B4-BE49-F238E27FC236}">
+                  <a16:creationId xmlns:a16="http://schemas.microsoft.com/office/drawing/2014/main" id="{CDD4E71E-3A93-6A28-28D3-A163E5D7CF8E}"/>
+                </a:ext>
+              </a:extLst>
+            </p:cNvPr>
+            <p:cNvSpPr txBox="1"/>
+            <p:nvPr/>
+          </p:nvSpPr>
+          <p:spPr>
+            <a:xfrm>
+              <a:off x="966197" y="5436189"/>
+              <a:ext cx="1673125" cy="369332"/>
+            </a:xfrm>
+            <a:prstGeom prst="rect">
+              <a:avLst/>
+            </a:prstGeom>
+            <a:noFill/>
+          </p:spPr>
+          <p:txBody>
+            <a:bodyPr wrap="square" rtlCol="0">
+              <a:spAutoFit/>
+            </a:bodyPr>
+            <a:lstStyle/>
+            <a:p>
+              <a:pPr algn="ctr"/>
+              <a:r>
+                <a:rPr lang="en-US" b="1" dirty="0">
+                  <a:latin typeface="Arial" panose="020B0604020202020204" pitchFamily="34" charset="0"/>
+                  <a:cs typeface="Arial" panose="020B0604020202020204" pitchFamily="34" charset="0"/>
+                </a:rPr>
+                <a:t>Robot Expert</a:t>
+              </a:r>
+            </a:p>
+          </p:txBody>
+        </p:sp>
+        <p:pic>
+          <p:nvPicPr>
+            <p:cNvPr id="52" name="Picture 51">
+              <a:extLst>
+                <a:ext uri="{FF2B5EF4-FFF2-40B4-BE49-F238E27FC236}">
+                  <a16:creationId xmlns:a16="http://schemas.microsoft.com/office/drawing/2014/main" id="{3D5AF74B-66EA-3386-078D-E740EB832AD7}"/>
+                </a:ext>
+              </a:extLst>
+            </p:cNvPr>
+            <p:cNvPicPr>
+              <a:picLocks noChangeAspect="1"/>
+            </p:cNvPicPr>
+            <p:nvPr/>
+          </p:nvPicPr>
+          <p:blipFill>
+            <a:blip r:embed="rId2"/>
+            <a:stretch>
+              <a:fillRect/>
+            </a:stretch>
+          </p:blipFill>
+          <p:spPr>
+            <a:xfrm>
+              <a:off x="4884091" y="4304840"/>
+              <a:ext cx="1551485" cy="1188989"/>
+            </a:xfrm>
+            <a:prstGeom prst="rect">
+              <a:avLst/>
+            </a:prstGeom>
+          </p:spPr>
+        </p:pic>
+        <p:grpSp>
+          <p:nvGrpSpPr>
+            <p:cNvPr id="53" name="Group 52">
+              <a:extLst>
+                <a:ext uri="{FF2B5EF4-FFF2-40B4-BE49-F238E27FC236}">
+                  <a16:creationId xmlns:a16="http://schemas.microsoft.com/office/drawing/2014/main" id="{B6F257DB-23BF-A28F-69D1-A150FD3B9AAF}"/>
+                </a:ext>
+              </a:extLst>
+            </p:cNvPr>
+            <p:cNvGrpSpPr/>
+            <p:nvPr/>
+          </p:nvGrpSpPr>
+          <p:grpSpPr>
+            <a:xfrm>
+              <a:off x="5216249" y="4918244"/>
+              <a:ext cx="886955" cy="481904"/>
+              <a:chOff x="807719" y="4384746"/>
+              <a:chExt cx="3083857" cy="1731203"/>
+            </a:xfrm>
+          </p:grpSpPr>
+          <p:sp>
+            <p:nvSpPr>
+              <p:cNvPr id="577" name="Trapezoid 576">
+                <a:extLst>
+                  <a:ext uri="{FF2B5EF4-FFF2-40B4-BE49-F238E27FC236}">
+                    <a16:creationId xmlns:a16="http://schemas.microsoft.com/office/drawing/2014/main" id="{85305BAF-1848-42BC-5054-54800D453D65}"/>
+                  </a:ext>
+                </a:extLst>
+              </p:cNvPr>
+              <p:cNvSpPr/>
+              <p:nvPr/>
+            </p:nvSpPr>
+            <p:spPr>
+              <a:xfrm>
+                <a:off x="807719" y="4384746"/>
+                <a:ext cx="3083857" cy="1731203"/>
+              </a:xfrm>
+              <a:prstGeom prst="trapezoid">
+                <a:avLst>
+                  <a:gd name="adj" fmla="val 6207"/>
+                </a:avLst>
+              </a:prstGeom>
+              <a:solidFill>
+                <a:srgbClr val="00B050"/>
+              </a:solidFill>
+              <a:ln>
+                <a:noFill/>
+              </a:ln>
+            </p:spPr>
+            <p:style>
+              <a:lnRef idx="2">
+                <a:schemeClr val="accent1">
+                  <a:shade val="50000"/>
+                </a:schemeClr>
+              </a:lnRef>
+              <a:fillRef idx="1">
+                <a:schemeClr val="accent1"/>
+              </a:fillRef>
+              <a:effectRef idx="0">
+                <a:schemeClr val="accent1"/>
+              </a:effectRef>
+              <a:fontRef idx="minor">
+                <a:schemeClr val="lt1"/>
+              </a:fontRef>
+            </p:style>
+            <p:txBody>
+              <a:bodyPr rtlCol="0" anchor="ctr"/>
+              <a:lstStyle/>
+              <a:p>
+                <a:pPr algn="ctr"/>
+                <a:endParaRPr lang="en-US"/>
+              </a:p>
+            </p:txBody>
+          </p:sp>
+          <p:sp>
+            <p:nvSpPr>
+              <p:cNvPr id="578" name="Oval 577">
+                <a:extLst>
+                  <a:ext uri="{FF2B5EF4-FFF2-40B4-BE49-F238E27FC236}">
+                    <a16:creationId xmlns:a16="http://schemas.microsoft.com/office/drawing/2014/main" id="{643D0214-7F14-1030-1406-305684794997}"/>
+                  </a:ext>
+                </a:extLst>
+              </p:cNvPr>
+              <p:cNvSpPr/>
+              <p:nvPr/>
+            </p:nvSpPr>
+            <p:spPr>
+              <a:xfrm>
+                <a:off x="1378235" y="4722004"/>
+                <a:ext cx="903249" cy="568712"/>
+              </a:xfrm>
+              <a:prstGeom prst="ellipse">
+                <a:avLst/>
+              </a:prstGeom>
+              <a:solidFill>
+                <a:schemeClr val="bg1"/>
+              </a:solidFill>
+              <a:ln>
+                <a:noFill/>
+              </a:ln>
+            </p:spPr>
+            <p:style>
+              <a:lnRef idx="2">
+                <a:schemeClr val="accent1">
+                  <a:shade val="50000"/>
+                </a:schemeClr>
+              </a:lnRef>
+              <a:fillRef idx="1">
+                <a:schemeClr val="accent1"/>
+              </a:fillRef>
+              <a:effectRef idx="0">
+                <a:schemeClr val="accent1"/>
+              </a:effectRef>
+              <a:fontRef idx="minor">
+                <a:schemeClr val="lt1"/>
+              </a:fontRef>
+            </p:style>
+            <p:txBody>
+              <a:bodyPr rtlCol="0" anchor="ctr"/>
+              <a:lstStyle/>
+              <a:p>
+                <a:pPr algn="ctr"/>
+                <a:endParaRPr lang="en-US"/>
+              </a:p>
+            </p:txBody>
+          </p:sp>
+          <p:sp>
+            <p:nvSpPr>
+              <p:cNvPr id="579" name="Oval 578">
+                <a:extLst>
+                  <a:ext uri="{FF2B5EF4-FFF2-40B4-BE49-F238E27FC236}">
+                    <a16:creationId xmlns:a16="http://schemas.microsoft.com/office/drawing/2014/main" id="{11C3E368-11AA-0E1E-BDFE-B0019A49CA45}"/>
+                  </a:ext>
+                </a:extLst>
+              </p:cNvPr>
+              <p:cNvSpPr/>
+              <p:nvPr/>
+            </p:nvSpPr>
+            <p:spPr>
+              <a:xfrm>
+                <a:off x="2590001" y="4729438"/>
+                <a:ext cx="903249" cy="568712"/>
+              </a:xfrm>
+              <a:prstGeom prst="ellipse">
+                <a:avLst/>
+              </a:prstGeom>
+              <a:solidFill>
+                <a:schemeClr val="bg1"/>
+              </a:solidFill>
+              <a:ln>
+                <a:noFill/>
+              </a:ln>
+            </p:spPr>
+            <p:style>
+              <a:lnRef idx="2">
+                <a:schemeClr val="accent1">
+                  <a:shade val="50000"/>
+                </a:schemeClr>
+              </a:lnRef>
+              <a:fillRef idx="1">
+                <a:schemeClr val="accent1"/>
+              </a:fillRef>
+              <a:effectRef idx="0">
+                <a:schemeClr val="accent1"/>
+              </a:effectRef>
+              <a:fontRef idx="minor">
+                <a:schemeClr val="lt1"/>
+              </a:fontRef>
+            </p:style>
+            <p:txBody>
+              <a:bodyPr rtlCol="0" anchor="ctr"/>
+              <a:lstStyle/>
+              <a:p>
+                <a:pPr algn="ctr"/>
+                <a:endParaRPr lang="en-US"/>
+              </a:p>
+            </p:txBody>
+          </p:sp>
+          <p:sp>
+            <p:nvSpPr>
+              <p:cNvPr id="580" name="Freeform 579">
+                <a:extLst>
+                  <a:ext uri="{FF2B5EF4-FFF2-40B4-BE49-F238E27FC236}">
+                    <a16:creationId xmlns:a16="http://schemas.microsoft.com/office/drawing/2014/main" id="{2E1E02FB-EA6E-3A31-AA90-3D553F542518}"/>
+                  </a:ext>
+                </a:extLst>
+              </p:cNvPr>
+              <p:cNvSpPr/>
+              <p:nvPr/>
+            </p:nvSpPr>
+            <p:spPr>
+              <a:xfrm>
+                <a:off x="1613092" y="5522940"/>
+                <a:ext cx="1644650" cy="286131"/>
+              </a:xfrm>
+              <a:custGeom>
+                <a:avLst/>
+                <a:gdLst>
+                  <a:gd name="connsiteX0" fmla="*/ 0 w 2074127"/>
+                  <a:gd name="connsiteY0" fmla="*/ 55756 h 234813"/>
+                  <a:gd name="connsiteX1" fmla="*/ 858644 w 2074127"/>
+                  <a:gd name="connsiteY1" fmla="*/ 234176 h 234813"/>
+                  <a:gd name="connsiteX2" fmla="*/ 2074127 w 2074127"/>
+                  <a:gd name="connsiteY2" fmla="*/ 0 h 234813"/>
+                  <a:gd name="connsiteX0" fmla="*/ 0 w 2074127"/>
+                  <a:gd name="connsiteY0" fmla="*/ 55756 h 237969"/>
+                  <a:gd name="connsiteX1" fmla="*/ 991994 w 2074127"/>
+                  <a:gd name="connsiteY1" fmla="*/ 237351 h 237969"/>
+                  <a:gd name="connsiteX2" fmla="*/ 2074127 w 2074127"/>
+                  <a:gd name="connsiteY2" fmla="*/ 0 h 237969"/>
+                  <a:gd name="connsiteX0" fmla="*/ 0 w 2074127"/>
+                  <a:gd name="connsiteY0" fmla="*/ 55756 h 237969"/>
+                  <a:gd name="connsiteX1" fmla="*/ 991994 w 2074127"/>
+                  <a:gd name="connsiteY1" fmla="*/ 237351 h 237969"/>
+                  <a:gd name="connsiteX2" fmla="*/ 2074127 w 2074127"/>
+                  <a:gd name="connsiteY2" fmla="*/ 0 h 237969"/>
+                  <a:gd name="connsiteX0" fmla="*/ 0 w 2058252"/>
+                  <a:gd name="connsiteY0" fmla="*/ 84331 h 266544"/>
+                  <a:gd name="connsiteX1" fmla="*/ 991994 w 2058252"/>
+                  <a:gd name="connsiteY1" fmla="*/ 265926 h 266544"/>
+                  <a:gd name="connsiteX2" fmla="*/ 2058252 w 2058252"/>
+                  <a:gd name="connsiteY2" fmla="*/ 0 h 266544"/>
+                  <a:gd name="connsiteX0" fmla="*/ 0 w 2090002"/>
+                  <a:gd name="connsiteY0" fmla="*/ 33531 h 266343"/>
+                  <a:gd name="connsiteX1" fmla="*/ 1023744 w 2090002"/>
+                  <a:gd name="connsiteY1" fmla="*/ 265926 h 266343"/>
+                  <a:gd name="connsiteX2" fmla="*/ 2090002 w 2090002"/>
+                  <a:gd name="connsiteY2" fmla="*/ 0 h 266343"/>
+                  <a:gd name="connsiteX0" fmla="*/ 0 w 2090002"/>
+                  <a:gd name="connsiteY0" fmla="*/ 33531 h 266352"/>
+                  <a:gd name="connsiteX1" fmla="*/ 1023744 w 2090002"/>
+                  <a:gd name="connsiteY1" fmla="*/ 265926 h 266352"/>
+                  <a:gd name="connsiteX2" fmla="*/ 2090002 w 2090002"/>
+                  <a:gd name="connsiteY2" fmla="*/ 0 h 266352"/>
+                  <a:gd name="connsiteX0" fmla="*/ 0 w 2128102"/>
+                  <a:gd name="connsiteY0" fmla="*/ 33531 h 266352"/>
+                  <a:gd name="connsiteX1" fmla="*/ 1061844 w 2128102"/>
+                  <a:gd name="connsiteY1" fmla="*/ 265926 h 266352"/>
+                  <a:gd name="connsiteX2" fmla="*/ 2128102 w 2128102"/>
+                  <a:gd name="connsiteY2" fmla="*/ 0 h 266352"/>
+                  <a:gd name="connsiteX0" fmla="*/ 0 w 2128102"/>
+                  <a:gd name="connsiteY0" fmla="*/ 33531 h 266352"/>
+                  <a:gd name="connsiteX1" fmla="*/ 1061844 w 2128102"/>
+                  <a:gd name="connsiteY1" fmla="*/ 265926 h 266352"/>
+                  <a:gd name="connsiteX2" fmla="*/ 2128102 w 2128102"/>
+                  <a:gd name="connsiteY2" fmla="*/ 0 h 266352"/>
+                  <a:gd name="connsiteX0" fmla="*/ 0 w 2128102"/>
+                  <a:gd name="connsiteY0" fmla="*/ 33531 h 266938"/>
+                  <a:gd name="connsiteX1" fmla="*/ 1061844 w 2128102"/>
+                  <a:gd name="connsiteY1" fmla="*/ 265926 h 266938"/>
+                  <a:gd name="connsiteX2" fmla="*/ 2128102 w 2128102"/>
+                  <a:gd name="connsiteY2" fmla="*/ 0 h 266938"/>
+                  <a:gd name="connsiteX0" fmla="*/ 0 w 2087797"/>
+                  <a:gd name="connsiteY0" fmla="*/ 15773 h 266728"/>
+                  <a:gd name="connsiteX1" fmla="*/ 1021539 w 2087797"/>
+                  <a:gd name="connsiteY1" fmla="*/ 265926 h 266728"/>
+                  <a:gd name="connsiteX2" fmla="*/ 2087797 w 2087797"/>
+                  <a:gd name="connsiteY2" fmla="*/ 0 h 266728"/>
+                </a:gdLst>
+                <a:ahLst/>
+                <a:cxnLst>
+                  <a:cxn ang="0">
+                    <a:pos x="connsiteX0" y="connsiteY0"/>
+                  </a:cxn>
+                  <a:cxn ang="0">
+                    <a:pos x="connsiteX1" y="connsiteY1"/>
+                  </a:cxn>
+                  <a:cxn ang="0">
+                    <a:pos x="connsiteX2" y="connsiteY2"/>
+                  </a:cxn>
+                </a:cxnLst>
+                <a:rect l="l" t="t" r="r" b="b"/>
+                <a:pathLst>
+                  <a:path w="2087797" h="266728">
+                    <a:moveTo>
+                      <a:pt x="0" y="15773"/>
+                    </a:moveTo>
+                    <a:cubicBezTo>
+                      <a:pt x="218492" y="204555"/>
+                      <a:pt x="675851" y="275219"/>
+                      <a:pt x="1021539" y="265926"/>
+                    </a:cubicBezTo>
+                    <a:cubicBezTo>
+                      <a:pt x="1367227" y="256633"/>
+                      <a:pt x="1711646" y="204247"/>
+                      <a:pt x="2087797" y="0"/>
+                    </a:cubicBezTo>
+                  </a:path>
+                </a:pathLst>
+              </a:custGeom>
+              <a:noFill/>
+              <a:ln w="38100">
+                <a:solidFill>
+                  <a:schemeClr val="bg1"/>
+                </a:solidFill>
+              </a:ln>
+            </p:spPr>
+            <p:style>
+              <a:lnRef idx="2">
+                <a:schemeClr val="accent1">
+                  <a:shade val="50000"/>
+                </a:schemeClr>
+              </a:lnRef>
+              <a:fillRef idx="1">
+                <a:schemeClr val="accent1"/>
+              </a:fillRef>
+              <a:effectRef idx="0">
+                <a:schemeClr val="accent1"/>
+              </a:effectRef>
+              <a:fontRef idx="minor">
+                <a:schemeClr val="lt1"/>
+              </a:fontRef>
+            </p:style>
+            <p:txBody>
+              <a:bodyPr rtlCol="0" anchor="ctr"/>
+              <a:lstStyle/>
+              <a:p>
+                <a:pPr algn="ctr"/>
+                <a:endParaRPr lang="en-US"/>
+              </a:p>
+            </p:txBody>
+          </p:sp>
+          <p:sp>
+            <p:nvSpPr>
+              <p:cNvPr id="581" name="Oval 580">
+                <a:extLst>
+                  <a:ext uri="{FF2B5EF4-FFF2-40B4-BE49-F238E27FC236}">
+                    <a16:creationId xmlns:a16="http://schemas.microsoft.com/office/drawing/2014/main" id="{8C65ED8F-E109-3683-84E1-17507F2310F5}"/>
+                  </a:ext>
+                </a:extLst>
+              </p:cNvPr>
+              <p:cNvSpPr/>
+              <p:nvPr/>
+            </p:nvSpPr>
+            <p:spPr>
+              <a:xfrm>
+                <a:off x="2940877" y="4888575"/>
+                <a:ext cx="228600" cy="231775"/>
+              </a:xfrm>
+              <a:prstGeom prst="ellipse">
+                <a:avLst/>
+              </a:prstGeom>
+              <a:solidFill>
+                <a:schemeClr val="tx1"/>
+              </a:solidFill>
+              <a:ln>
+                <a:noFill/>
+              </a:ln>
+            </p:spPr>
+            <p:style>
+              <a:lnRef idx="2">
+                <a:schemeClr val="accent1">
+                  <a:shade val="50000"/>
+                </a:schemeClr>
+              </a:lnRef>
+              <a:fillRef idx="1">
+                <a:schemeClr val="accent1"/>
+              </a:fillRef>
+              <a:effectRef idx="0">
+                <a:schemeClr val="accent1"/>
+              </a:effectRef>
+              <a:fontRef idx="minor">
+                <a:schemeClr val="lt1"/>
+              </a:fontRef>
+            </p:style>
+            <p:txBody>
+              <a:bodyPr rtlCol="0" anchor="ctr"/>
+              <a:lstStyle/>
+              <a:p>
+                <a:pPr algn="ctr"/>
+                <a:endParaRPr lang="en-US"/>
+              </a:p>
+            </p:txBody>
+          </p:sp>
+          <p:sp>
+            <p:nvSpPr>
+              <p:cNvPr id="582" name="Oval 581">
+                <a:extLst>
+                  <a:ext uri="{FF2B5EF4-FFF2-40B4-BE49-F238E27FC236}">
+                    <a16:creationId xmlns:a16="http://schemas.microsoft.com/office/drawing/2014/main" id="{D51E923C-C29F-D84C-A7C6-BB9C4776A7BE}"/>
+                  </a:ext>
+                </a:extLst>
+              </p:cNvPr>
+              <p:cNvSpPr/>
+              <p:nvPr/>
+            </p:nvSpPr>
+            <p:spPr>
+              <a:xfrm>
+                <a:off x="1699452" y="4898100"/>
+                <a:ext cx="228600" cy="231775"/>
+              </a:xfrm>
+              <a:prstGeom prst="ellipse">
+                <a:avLst/>
+              </a:prstGeom>
+              <a:solidFill>
+                <a:schemeClr val="tx1"/>
+              </a:solidFill>
+              <a:ln>
+                <a:noFill/>
+              </a:ln>
+            </p:spPr>
+            <p:style>
+              <a:lnRef idx="2">
+                <a:schemeClr val="accent1">
+                  <a:shade val="50000"/>
+                </a:schemeClr>
+              </a:lnRef>
+              <a:fillRef idx="1">
+                <a:schemeClr val="accent1"/>
+              </a:fillRef>
+              <a:effectRef idx="0">
+                <a:schemeClr val="accent1"/>
+              </a:effectRef>
+              <a:fontRef idx="minor">
+                <a:schemeClr val="lt1"/>
+              </a:fontRef>
+            </p:style>
+            <p:txBody>
+              <a:bodyPr rtlCol="0" anchor="ctr"/>
+              <a:lstStyle/>
+              <a:p>
+                <a:pPr algn="ctr"/>
+                <a:endParaRPr lang="en-US"/>
+              </a:p>
+            </p:txBody>
+          </p:sp>
+        </p:grpSp>
+        <p:sp>
+          <p:nvSpPr>
+            <p:cNvPr id="54" name="TextBox 53">
+              <a:extLst>
+                <a:ext uri="{FF2B5EF4-FFF2-40B4-BE49-F238E27FC236}">
+                  <a16:creationId xmlns:a16="http://schemas.microsoft.com/office/drawing/2014/main" id="{2C366985-0325-FF02-34EF-79E26FBF1173}"/>
+                </a:ext>
+              </a:extLst>
+            </p:cNvPr>
+            <p:cNvSpPr txBox="1"/>
+            <p:nvPr/>
+          </p:nvSpPr>
+          <p:spPr>
+            <a:xfrm>
+              <a:off x="4913475" y="3976008"/>
+              <a:ext cx="1492717" cy="369332"/>
+            </a:xfrm>
+            <a:prstGeom prst="rect">
+              <a:avLst/>
+            </a:prstGeom>
+            <a:noFill/>
+          </p:spPr>
+          <p:txBody>
+            <a:bodyPr wrap="none" rtlCol="0">
+              <a:spAutoFit/>
+            </a:bodyPr>
+            <a:lstStyle/>
+            <a:p>
+              <a:pPr algn="ctr"/>
+              <a:r>
+                <a:rPr lang="en-US" b="1" dirty="0">
+                  <a:latin typeface="Arial" panose="020B0604020202020204" pitchFamily="34" charset="0"/>
+                  <a:cs typeface="Arial" panose="020B0604020202020204" pitchFamily="34" charset="0"/>
+                </a:rPr>
+                <a:t>Code Savvy</a:t>
+              </a:r>
+            </a:p>
+          </p:txBody>
+        </p:sp>
+        <p:sp>
+          <p:nvSpPr>
+            <p:cNvPr id="55" name="TextBox 54">
+              <a:extLst>
+                <a:ext uri="{FF2B5EF4-FFF2-40B4-BE49-F238E27FC236}">
+                  <a16:creationId xmlns:a16="http://schemas.microsoft.com/office/drawing/2014/main" id="{9F915D57-760B-F93A-B44A-898FA536726F}"/>
+                </a:ext>
+              </a:extLst>
+            </p:cNvPr>
+            <p:cNvSpPr txBox="1"/>
+            <p:nvPr/>
+          </p:nvSpPr>
+          <p:spPr>
+            <a:xfrm>
+              <a:off x="4433892" y="5445863"/>
+              <a:ext cx="2519893" cy="369332"/>
+            </a:xfrm>
+            <a:prstGeom prst="rect">
+              <a:avLst/>
+            </a:prstGeom>
+            <a:noFill/>
+          </p:spPr>
+          <p:txBody>
+            <a:bodyPr wrap="square" rtlCol="0">
+              <a:spAutoFit/>
+            </a:bodyPr>
+            <a:lstStyle/>
+            <a:p>
+              <a:pPr algn="ctr"/>
+              <a:r>
+                <a:rPr lang="en-US" b="1" dirty="0">
+                  <a:latin typeface="Arial" panose="020B0604020202020204" pitchFamily="34" charset="0"/>
+                  <a:cs typeface="Arial" panose="020B0604020202020204" pitchFamily="34" charset="0"/>
+                </a:rPr>
+                <a:t>Robot Expert</a:t>
+              </a:r>
+            </a:p>
+          </p:txBody>
+        </p:sp>
+        <p:sp>
+          <p:nvSpPr>
+            <p:cNvPr id="56" name="TextBox 55">
+              <a:extLst>
+                <a:ext uri="{FF2B5EF4-FFF2-40B4-BE49-F238E27FC236}">
+                  <a16:creationId xmlns:a16="http://schemas.microsoft.com/office/drawing/2014/main" id="{1A66220B-95F7-DDAD-CDD3-9EC06FA54683}"/>
+                </a:ext>
+              </a:extLst>
+            </p:cNvPr>
+            <p:cNvSpPr txBox="1"/>
+            <p:nvPr/>
+          </p:nvSpPr>
+          <p:spPr>
+            <a:xfrm>
+              <a:off x="1030630" y="3947931"/>
+              <a:ext cx="1492717" cy="369332"/>
+            </a:xfrm>
+            <a:prstGeom prst="rect">
+              <a:avLst/>
+            </a:prstGeom>
+            <a:noFill/>
+          </p:spPr>
+          <p:txBody>
+            <a:bodyPr wrap="none" rtlCol="0">
+              <a:spAutoFit/>
+            </a:bodyPr>
+            <a:lstStyle/>
+            <a:p>
+              <a:pPr algn="ctr"/>
+              <a:r>
+                <a:rPr lang="en-US" b="1" dirty="0">
+                  <a:latin typeface="Arial" panose="020B0604020202020204" pitchFamily="34" charset="0"/>
+                  <a:cs typeface="Arial" panose="020B0604020202020204" pitchFamily="34" charset="0"/>
+                </a:rPr>
+                <a:t>Code Savvy</a:t>
+              </a:r>
+            </a:p>
+          </p:txBody>
+        </p:sp>
+        <p:pic>
+          <p:nvPicPr>
+            <p:cNvPr id="57" name="Picture 56">
+              <a:extLst>
+                <a:ext uri="{FF2B5EF4-FFF2-40B4-BE49-F238E27FC236}">
+                  <a16:creationId xmlns:a16="http://schemas.microsoft.com/office/drawing/2014/main" id="{43FD2A34-4B63-E895-DB0B-C769D2FB95A2}"/>
+                </a:ext>
+              </a:extLst>
+            </p:cNvPr>
+            <p:cNvPicPr>
+              <a:picLocks noChangeAspect="1"/>
+            </p:cNvPicPr>
+            <p:nvPr/>
+          </p:nvPicPr>
+          <p:blipFill>
+            <a:blip r:embed="rId2"/>
+            <a:stretch>
+              <a:fillRect/>
+            </a:stretch>
+          </p:blipFill>
+          <p:spPr>
+            <a:xfrm>
+              <a:off x="1048534" y="4275238"/>
+              <a:ext cx="1524119" cy="1168017"/>
+            </a:xfrm>
+            <a:prstGeom prst="rect">
+              <a:avLst/>
+            </a:prstGeom>
+          </p:spPr>
+        </p:pic>
+        <p:grpSp>
+          <p:nvGrpSpPr>
+            <p:cNvPr id="58" name="Group 57">
+              <a:extLst>
+                <a:ext uri="{FF2B5EF4-FFF2-40B4-BE49-F238E27FC236}">
+                  <a16:creationId xmlns:a16="http://schemas.microsoft.com/office/drawing/2014/main" id="{2AE4D112-76E9-64BA-096A-5A71DB2DD826}"/>
+                </a:ext>
+              </a:extLst>
+            </p:cNvPr>
+            <p:cNvGrpSpPr/>
+            <p:nvPr/>
+          </p:nvGrpSpPr>
+          <p:grpSpPr>
+            <a:xfrm>
+              <a:off x="1359339" y="4907177"/>
+              <a:ext cx="867364" cy="420167"/>
+              <a:chOff x="719238" y="4384746"/>
+              <a:chExt cx="3172338" cy="1882476"/>
+            </a:xfrm>
+          </p:grpSpPr>
+          <p:sp>
+            <p:nvSpPr>
+              <p:cNvPr id="59" name="Trapezoid 58">
+                <a:extLst>
+                  <a:ext uri="{FF2B5EF4-FFF2-40B4-BE49-F238E27FC236}">
+                    <a16:creationId xmlns:a16="http://schemas.microsoft.com/office/drawing/2014/main" id="{14E1DF5C-9F5B-AFF3-113A-0EB105A3E8CF}"/>
+                  </a:ext>
+                </a:extLst>
+              </p:cNvPr>
+              <p:cNvSpPr/>
+              <p:nvPr/>
+            </p:nvSpPr>
+            <p:spPr>
+              <a:xfrm>
+                <a:off x="719238" y="4384746"/>
+                <a:ext cx="3172338" cy="1882476"/>
+              </a:xfrm>
+              <a:prstGeom prst="trapezoid">
+                <a:avLst>
+                  <a:gd name="adj" fmla="val 6207"/>
+                </a:avLst>
+              </a:prstGeom>
+              <a:solidFill>
+                <a:srgbClr val="00B050"/>
+              </a:solidFill>
+              <a:ln>
+                <a:noFill/>
+              </a:ln>
+            </p:spPr>
+            <p:style>
+              <a:lnRef idx="2">
+                <a:schemeClr val="accent1">
+                  <a:shade val="50000"/>
+                </a:schemeClr>
+              </a:lnRef>
+              <a:fillRef idx="1">
+                <a:schemeClr val="accent1"/>
+              </a:fillRef>
+              <a:effectRef idx="0">
+                <a:schemeClr val="accent1"/>
+              </a:effectRef>
+              <a:fontRef idx="minor">
+                <a:schemeClr val="lt1"/>
+              </a:fontRef>
+            </p:style>
+            <p:txBody>
+              <a:bodyPr rtlCol="0" anchor="ctr"/>
+              <a:lstStyle/>
+              <a:p>
+                <a:pPr algn="ctr"/>
+                <a:endParaRPr lang="en-US"/>
+              </a:p>
+            </p:txBody>
+          </p:sp>
+          <p:sp>
+            <p:nvSpPr>
+              <p:cNvPr id="60" name="Oval 59">
+                <a:extLst>
+                  <a:ext uri="{FF2B5EF4-FFF2-40B4-BE49-F238E27FC236}">
+                    <a16:creationId xmlns:a16="http://schemas.microsoft.com/office/drawing/2014/main" id="{2E1E33EA-3D34-D929-C2A4-8E21B94898E0}"/>
+                  </a:ext>
+                </a:extLst>
+              </p:cNvPr>
+              <p:cNvSpPr/>
+              <p:nvPr/>
+            </p:nvSpPr>
+            <p:spPr>
+              <a:xfrm>
+                <a:off x="1378235" y="4722004"/>
+                <a:ext cx="903249" cy="568712"/>
+              </a:xfrm>
+              <a:prstGeom prst="ellipse">
+                <a:avLst/>
+              </a:prstGeom>
+              <a:solidFill>
+                <a:schemeClr val="bg1"/>
+              </a:solidFill>
+              <a:ln>
+                <a:noFill/>
+              </a:ln>
+            </p:spPr>
+            <p:style>
+              <a:lnRef idx="2">
+                <a:schemeClr val="accent1">
+                  <a:shade val="50000"/>
+                </a:schemeClr>
+              </a:lnRef>
+              <a:fillRef idx="1">
+                <a:schemeClr val="accent1"/>
+              </a:fillRef>
+              <a:effectRef idx="0">
+                <a:schemeClr val="accent1"/>
+              </a:effectRef>
+              <a:fontRef idx="minor">
+                <a:schemeClr val="lt1"/>
+              </a:fontRef>
+            </p:style>
+            <p:txBody>
+              <a:bodyPr rtlCol="0" anchor="ctr"/>
+              <a:lstStyle/>
+              <a:p>
+                <a:pPr algn="ctr"/>
+                <a:endParaRPr lang="en-US"/>
+              </a:p>
+            </p:txBody>
+          </p:sp>
+          <p:sp>
+            <p:nvSpPr>
+              <p:cNvPr id="61" name="Oval 60">
+                <a:extLst>
+                  <a:ext uri="{FF2B5EF4-FFF2-40B4-BE49-F238E27FC236}">
+                    <a16:creationId xmlns:a16="http://schemas.microsoft.com/office/drawing/2014/main" id="{E7D2B295-366F-C8AE-E610-FEE9245FA554}"/>
+                  </a:ext>
+                </a:extLst>
+              </p:cNvPr>
+              <p:cNvSpPr/>
+              <p:nvPr/>
+            </p:nvSpPr>
+            <p:spPr>
+              <a:xfrm>
+                <a:off x="2590001" y="4729438"/>
+                <a:ext cx="903249" cy="568712"/>
+              </a:xfrm>
+              <a:prstGeom prst="ellipse">
+                <a:avLst/>
+              </a:prstGeom>
+              <a:solidFill>
+                <a:schemeClr val="bg1"/>
+              </a:solidFill>
+              <a:ln>
+                <a:noFill/>
+              </a:ln>
+            </p:spPr>
+            <p:style>
+              <a:lnRef idx="2">
+                <a:schemeClr val="accent1">
+                  <a:shade val="50000"/>
+                </a:schemeClr>
+              </a:lnRef>
+              <a:fillRef idx="1">
+                <a:schemeClr val="accent1"/>
+              </a:fillRef>
+              <a:effectRef idx="0">
+                <a:schemeClr val="accent1"/>
+              </a:effectRef>
+              <a:fontRef idx="minor">
+                <a:schemeClr val="lt1"/>
+              </a:fontRef>
+            </p:style>
+            <p:txBody>
+              <a:bodyPr rtlCol="0" anchor="ctr"/>
+              <a:lstStyle/>
+              <a:p>
+                <a:pPr algn="ctr"/>
+                <a:endParaRPr lang="en-US"/>
+              </a:p>
+            </p:txBody>
+          </p:sp>
+          <p:sp>
+            <p:nvSpPr>
+              <p:cNvPr id="62" name="Freeform 61">
+                <a:extLst>
+                  <a:ext uri="{FF2B5EF4-FFF2-40B4-BE49-F238E27FC236}">
+                    <a16:creationId xmlns:a16="http://schemas.microsoft.com/office/drawing/2014/main" id="{5CE0EA91-BB7E-D614-ABEF-C19893E851A9}"/>
+                  </a:ext>
+                </a:extLst>
+              </p:cNvPr>
+              <p:cNvSpPr/>
+              <p:nvPr/>
+            </p:nvSpPr>
+            <p:spPr>
+              <a:xfrm>
+                <a:off x="1613092" y="5522940"/>
+                <a:ext cx="1644650" cy="286131"/>
+              </a:xfrm>
+              <a:custGeom>
+                <a:avLst/>
+                <a:gdLst>
+                  <a:gd name="connsiteX0" fmla="*/ 0 w 2074127"/>
+                  <a:gd name="connsiteY0" fmla="*/ 55756 h 234813"/>
+                  <a:gd name="connsiteX1" fmla="*/ 858644 w 2074127"/>
+                  <a:gd name="connsiteY1" fmla="*/ 234176 h 234813"/>
+                  <a:gd name="connsiteX2" fmla="*/ 2074127 w 2074127"/>
+                  <a:gd name="connsiteY2" fmla="*/ 0 h 234813"/>
+                  <a:gd name="connsiteX0" fmla="*/ 0 w 2074127"/>
+                  <a:gd name="connsiteY0" fmla="*/ 55756 h 237969"/>
+                  <a:gd name="connsiteX1" fmla="*/ 991994 w 2074127"/>
+                  <a:gd name="connsiteY1" fmla="*/ 237351 h 237969"/>
+                  <a:gd name="connsiteX2" fmla="*/ 2074127 w 2074127"/>
+                  <a:gd name="connsiteY2" fmla="*/ 0 h 237969"/>
+                  <a:gd name="connsiteX0" fmla="*/ 0 w 2074127"/>
+                  <a:gd name="connsiteY0" fmla="*/ 55756 h 237969"/>
+                  <a:gd name="connsiteX1" fmla="*/ 991994 w 2074127"/>
+                  <a:gd name="connsiteY1" fmla="*/ 237351 h 237969"/>
+                  <a:gd name="connsiteX2" fmla="*/ 2074127 w 2074127"/>
+                  <a:gd name="connsiteY2" fmla="*/ 0 h 237969"/>
+                  <a:gd name="connsiteX0" fmla="*/ 0 w 2058252"/>
+                  <a:gd name="connsiteY0" fmla="*/ 84331 h 266544"/>
+                  <a:gd name="connsiteX1" fmla="*/ 991994 w 2058252"/>
+                  <a:gd name="connsiteY1" fmla="*/ 265926 h 266544"/>
+                  <a:gd name="connsiteX2" fmla="*/ 2058252 w 2058252"/>
+                  <a:gd name="connsiteY2" fmla="*/ 0 h 266544"/>
+                  <a:gd name="connsiteX0" fmla="*/ 0 w 2090002"/>
+                  <a:gd name="connsiteY0" fmla="*/ 33531 h 266343"/>
+                  <a:gd name="connsiteX1" fmla="*/ 1023744 w 2090002"/>
+                  <a:gd name="connsiteY1" fmla="*/ 265926 h 266343"/>
+                  <a:gd name="connsiteX2" fmla="*/ 2090002 w 2090002"/>
+                  <a:gd name="connsiteY2" fmla="*/ 0 h 266343"/>
+                  <a:gd name="connsiteX0" fmla="*/ 0 w 2090002"/>
+                  <a:gd name="connsiteY0" fmla="*/ 33531 h 266352"/>
+                  <a:gd name="connsiteX1" fmla="*/ 1023744 w 2090002"/>
+                  <a:gd name="connsiteY1" fmla="*/ 265926 h 266352"/>
+                  <a:gd name="connsiteX2" fmla="*/ 2090002 w 2090002"/>
+                  <a:gd name="connsiteY2" fmla="*/ 0 h 266352"/>
+                  <a:gd name="connsiteX0" fmla="*/ 0 w 2128102"/>
+                  <a:gd name="connsiteY0" fmla="*/ 33531 h 266352"/>
+                  <a:gd name="connsiteX1" fmla="*/ 1061844 w 2128102"/>
+                  <a:gd name="connsiteY1" fmla="*/ 265926 h 266352"/>
+                  <a:gd name="connsiteX2" fmla="*/ 2128102 w 2128102"/>
+                  <a:gd name="connsiteY2" fmla="*/ 0 h 266352"/>
+                  <a:gd name="connsiteX0" fmla="*/ 0 w 2128102"/>
+                  <a:gd name="connsiteY0" fmla="*/ 33531 h 266352"/>
+                  <a:gd name="connsiteX1" fmla="*/ 1061844 w 2128102"/>
+                  <a:gd name="connsiteY1" fmla="*/ 265926 h 266352"/>
+                  <a:gd name="connsiteX2" fmla="*/ 2128102 w 2128102"/>
+                  <a:gd name="connsiteY2" fmla="*/ 0 h 266352"/>
+                  <a:gd name="connsiteX0" fmla="*/ 0 w 2128102"/>
+                  <a:gd name="connsiteY0" fmla="*/ 33531 h 266938"/>
+                  <a:gd name="connsiteX1" fmla="*/ 1061844 w 2128102"/>
+                  <a:gd name="connsiteY1" fmla="*/ 265926 h 266938"/>
+                  <a:gd name="connsiteX2" fmla="*/ 2128102 w 2128102"/>
+                  <a:gd name="connsiteY2" fmla="*/ 0 h 266938"/>
+                  <a:gd name="connsiteX0" fmla="*/ 0 w 2087797"/>
+                  <a:gd name="connsiteY0" fmla="*/ 15773 h 266728"/>
+                  <a:gd name="connsiteX1" fmla="*/ 1021539 w 2087797"/>
+                  <a:gd name="connsiteY1" fmla="*/ 265926 h 266728"/>
+                  <a:gd name="connsiteX2" fmla="*/ 2087797 w 2087797"/>
+                  <a:gd name="connsiteY2" fmla="*/ 0 h 266728"/>
+                </a:gdLst>
+                <a:ahLst/>
+                <a:cxnLst>
+                  <a:cxn ang="0">
+                    <a:pos x="connsiteX0" y="connsiteY0"/>
+                  </a:cxn>
+                  <a:cxn ang="0">
+                    <a:pos x="connsiteX1" y="connsiteY1"/>
+                  </a:cxn>
+                  <a:cxn ang="0">
+                    <a:pos x="connsiteX2" y="connsiteY2"/>
+                  </a:cxn>
+                </a:cxnLst>
+                <a:rect l="l" t="t" r="r" b="b"/>
+                <a:pathLst>
+                  <a:path w="2087797" h="266728">
+                    <a:moveTo>
+                      <a:pt x="0" y="15773"/>
+                    </a:moveTo>
+                    <a:cubicBezTo>
+                      <a:pt x="218492" y="204555"/>
+                      <a:pt x="675851" y="275219"/>
+                      <a:pt x="1021539" y="265926"/>
+                    </a:cubicBezTo>
+                    <a:cubicBezTo>
+                      <a:pt x="1367227" y="256633"/>
+                      <a:pt x="1711646" y="204247"/>
+                      <a:pt x="2087797" y="0"/>
+                    </a:cubicBezTo>
+                  </a:path>
+                </a:pathLst>
+              </a:custGeom>
+              <a:noFill/>
+              <a:ln w="38100">
+                <a:solidFill>
+                  <a:schemeClr val="bg1"/>
+                </a:solidFill>
+              </a:ln>
+            </p:spPr>
+            <p:style>
+              <a:lnRef idx="2">
+                <a:schemeClr val="accent1">
+                  <a:shade val="50000"/>
+                </a:schemeClr>
+              </a:lnRef>
+              <a:fillRef idx="1">
+                <a:schemeClr val="accent1"/>
+              </a:fillRef>
+              <a:effectRef idx="0">
+                <a:schemeClr val="accent1"/>
+              </a:effectRef>
+              <a:fontRef idx="minor">
+                <a:schemeClr val="lt1"/>
+              </a:fontRef>
+            </p:style>
+            <p:txBody>
+              <a:bodyPr rtlCol="0" anchor="ctr"/>
+              <a:lstStyle/>
+              <a:p>
+                <a:pPr algn="ctr"/>
+                <a:endParaRPr lang="en-US"/>
+              </a:p>
+            </p:txBody>
+          </p:sp>
+          <p:sp>
+            <p:nvSpPr>
+              <p:cNvPr id="63" name="Oval 62">
+                <a:extLst>
+                  <a:ext uri="{FF2B5EF4-FFF2-40B4-BE49-F238E27FC236}">
+                    <a16:creationId xmlns:a16="http://schemas.microsoft.com/office/drawing/2014/main" id="{3575A7BC-9F41-15A1-D096-33BA5222F61B}"/>
+                  </a:ext>
+                </a:extLst>
+              </p:cNvPr>
+              <p:cNvSpPr/>
+              <p:nvPr/>
+            </p:nvSpPr>
+            <p:spPr>
+              <a:xfrm>
+                <a:off x="2940877" y="4888575"/>
+                <a:ext cx="228600" cy="231775"/>
+              </a:xfrm>
+              <a:prstGeom prst="ellipse">
+                <a:avLst/>
+              </a:prstGeom>
+              <a:solidFill>
+                <a:schemeClr val="tx1"/>
+              </a:solidFill>
+              <a:ln>
+                <a:noFill/>
+              </a:ln>
+            </p:spPr>
+            <p:style>
+              <a:lnRef idx="2">
+                <a:schemeClr val="accent1">
+                  <a:shade val="50000"/>
+                </a:schemeClr>
+              </a:lnRef>
+              <a:fillRef idx="1">
+                <a:schemeClr val="accent1"/>
+              </a:fillRef>
+              <a:effectRef idx="0">
+                <a:schemeClr val="accent1"/>
+              </a:effectRef>
+              <a:fontRef idx="minor">
+                <a:schemeClr val="lt1"/>
+              </a:fontRef>
+            </p:style>
+            <p:txBody>
+              <a:bodyPr rtlCol="0" anchor="ctr"/>
+              <a:lstStyle/>
+              <a:p>
+                <a:pPr algn="ctr"/>
+                <a:endParaRPr lang="en-US"/>
+              </a:p>
+            </p:txBody>
+          </p:sp>
+          <p:sp>
+            <p:nvSpPr>
+              <p:cNvPr id="576" name="Oval 575">
+                <a:extLst>
+                  <a:ext uri="{FF2B5EF4-FFF2-40B4-BE49-F238E27FC236}">
+                    <a16:creationId xmlns:a16="http://schemas.microsoft.com/office/drawing/2014/main" id="{2A997351-C24C-6FF2-7702-B14637559A21}"/>
+                  </a:ext>
+                </a:extLst>
+              </p:cNvPr>
+              <p:cNvSpPr/>
+              <p:nvPr/>
+            </p:nvSpPr>
+            <p:spPr>
+              <a:xfrm>
+                <a:off x="1699452" y="4898100"/>
+                <a:ext cx="228600" cy="231775"/>
+              </a:xfrm>
+              <a:prstGeom prst="ellipse">
+                <a:avLst/>
+              </a:prstGeom>
+              <a:solidFill>
+                <a:schemeClr val="tx1"/>
+              </a:solidFill>
+              <a:ln>
+                <a:noFill/>
+              </a:ln>
+            </p:spPr>
+            <p:style>
+              <a:lnRef idx="2">
+                <a:schemeClr val="accent1">
+                  <a:shade val="50000"/>
+                </a:schemeClr>
+              </a:lnRef>
+              <a:fillRef idx="1">
+                <a:schemeClr val="accent1"/>
+              </a:fillRef>
+              <a:effectRef idx="0">
+                <a:schemeClr val="accent1"/>
+              </a:effectRef>
+              <a:fontRef idx="minor">
+                <a:schemeClr val="lt1"/>
+              </a:fontRef>
+            </p:style>
+            <p:txBody>
+              <a:bodyPr rtlCol="0" anchor="ctr"/>
+              <a:lstStyle/>
+              <a:p>
+                <a:pPr algn="ctr"/>
+                <a:endParaRPr lang="en-US"/>
+              </a:p>
+            </p:txBody>
+          </p:sp>
+        </p:grpSp>
+      </p:grpSp>
+      <p:grpSp>
+        <p:nvGrpSpPr>
+          <p:cNvPr id="583" name="Group 582">
+            <a:extLst>
+              <a:ext uri="{FF2B5EF4-FFF2-40B4-BE49-F238E27FC236}">
+                <a16:creationId xmlns:a16="http://schemas.microsoft.com/office/drawing/2014/main" id="{089DA965-3211-4988-83A3-23A53CB671A9}"/>
+              </a:ext>
+            </a:extLst>
+          </p:cNvPr>
+          <p:cNvGrpSpPr/>
+          <p:nvPr/>
+        </p:nvGrpSpPr>
+        <p:grpSpPr>
+          <a:xfrm>
+            <a:off x="1922707" y="5914470"/>
+            <a:ext cx="5987588" cy="1867264"/>
+            <a:chOff x="966197" y="3947931"/>
+            <a:chExt cx="5987588" cy="1867264"/>
+          </a:xfrm>
+        </p:grpSpPr>
+        <p:sp>
+          <p:nvSpPr>
+            <p:cNvPr id="584" name="TextBox 583">
+              <a:extLst>
+                <a:ext uri="{FF2B5EF4-FFF2-40B4-BE49-F238E27FC236}">
+                  <a16:creationId xmlns:a16="http://schemas.microsoft.com/office/drawing/2014/main" id="{AA1DB037-4D83-2A95-0847-BAFD29E94601}"/>
+                </a:ext>
+              </a:extLst>
+            </p:cNvPr>
+            <p:cNvSpPr txBox="1"/>
+            <p:nvPr/>
+          </p:nvSpPr>
+          <p:spPr>
+            <a:xfrm>
+              <a:off x="966197" y="5436189"/>
+              <a:ext cx="1673125" cy="369332"/>
+            </a:xfrm>
+            <a:prstGeom prst="rect">
+              <a:avLst/>
+            </a:prstGeom>
+            <a:noFill/>
+          </p:spPr>
+          <p:txBody>
+            <a:bodyPr wrap="square" rtlCol="0">
+              <a:spAutoFit/>
+            </a:bodyPr>
+            <a:lstStyle/>
+            <a:p>
+              <a:pPr algn="ctr"/>
+              <a:r>
+                <a:rPr lang="en-US" b="1" dirty="0">
+                  <a:latin typeface="Arial" panose="020B0604020202020204" pitchFamily="34" charset="0"/>
+                  <a:cs typeface="Arial" panose="020B0604020202020204" pitchFamily="34" charset="0"/>
+                </a:rPr>
+                <a:t>Robot Expert</a:t>
+              </a:r>
+            </a:p>
+          </p:txBody>
+        </p:sp>
+        <p:pic>
+          <p:nvPicPr>
+            <p:cNvPr id="585" name="Picture 584">
+              <a:extLst>
+                <a:ext uri="{FF2B5EF4-FFF2-40B4-BE49-F238E27FC236}">
+                  <a16:creationId xmlns:a16="http://schemas.microsoft.com/office/drawing/2014/main" id="{96A62233-89E0-1CF3-ADEC-F326025ADA17}"/>
+                </a:ext>
+              </a:extLst>
+            </p:cNvPr>
+            <p:cNvPicPr>
+              <a:picLocks noChangeAspect="1"/>
+            </p:cNvPicPr>
+            <p:nvPr/>
+          </p:nvPicPr>
+          <p:blipFill>
+            <a:blip r:embed="rId2"/>
+            <a:stretch>
+              <a:fillRect/>
+            </a:stretch>
+          </p:blipFill>
+          <p:spPr>
+            <a:xfrm>
+              <a:off x="4884091" y="4304840"/>
+              <a:ext cx="1551485" cy="1188989"/>
+            </a:xfrm>
+            <a:prstGeom prst="rect">
+              <a:avLst/>
+            </a:prstGeom>
+          </p:spPr>
+        </p:pic>
+        <p:grpSp>
+          <p:nvGrpSpPr>
+            <p:cNvPr id="586" name="Group 585">
+              <a:extLst>
+                <a:ext uri="{FF2B5EF4-FFF2-40B4-BE49-F238E27FC236}">
+                  <a16:creationId xmlns:a16="http://schemas.microsoft.com/office/drawing/2014/main" id="{DA37548B-DF89-B979-FCC9-E39485F8950D}"/>
+                </a:ext>
+              </a:extLst>
+            </p:cNvPr>
+            <p:cNvGrpSpPr/>
+            <p:nvPr/>
+          </p:nvGrpSpPr>
+          <p:grpSpPr>
+            <a:xfrm>
+              <a:off x="5216249" y="4918244"/>
+              <a:ext cx="886955" cy="481904"/>
+              <a:chOff x="807719" y="4384746"/>
+              <a:chExt cx="3083857" cy="1731203"/>
+            </a:xfrm>
+          </p:grpSpPr>
+          <p:sp>
+            <p:nvSpPr>
+              <p:cNvPr id="598" name="Trapezoid 597">
+                <a:extLst>
+                  <a:ext uri="{FF2B5EF4-FFF2-40B4-BE49-F238E27FC236}">
+                    <a16:creationId xmlns:a16="http://schemas.microsoft.com/office/drawing/2014/main" id="{EA13C08E-0077-B2E0-C2C0-F0DD6DCD9665}"/>
+                  </a:ext>
+                </a:extLst>
+              </p:cNvPr>
+              <p:cNvSpPr/>
+              <p:nvPr/>
+            </p:nvSpPr>
+            <p:spPr>
+              <a:xfrm>
+                <a:off x="807719" y="4384746"/>
+                <a:ext cx="3083857" cy="1731203"/>
+              </a:xfrm>
+              <a:prstGeom prst="trapezoid">
+                <a:avLst>
+                  <a:gd name="adj" fmla="val 6207"/>
+                </a:avLst>
+              </a:prstGeom>
+              <a:solidFill>
+                <a:srgbClr val="7030A0"/>
+              </a:solidFill>
+              <a:ln>
+                <a:noFill/>
+              </a:ln>
+            </p:spPr>
+            <p:style>
+              <a:lnRef idx="2">
+                <a:schemeClr val="accent1">
+                  <a:shade val="50000"/>
+                </a:schemeClr>
+              </a:lnRef>
+              <a:fillRef idx="1">
+                <a:schemeClr val="accent1"/>
+              </a:fillRef>
+              <a:effectRef idx="0">
+                <a:schemeClr val="accent1"/>
+              </a:effectRef>
+              <a:fontRef idx="minor">
+                <a:schemeClr val="lt1"/>
+              </a:fontRef>
+            </p:style>
+            <p:txBody>
+              <a:bodyPr rtlCol="0" anchor="ctr"/>
+              <a:lstStyle/>
+              <a:p>
+                <a:pPr algn="ctr"/>
+                <a:endParaRPr lang="en-US"/>
+              </a:p>
+            </p:txBody>
+          </p:sp>
+          <p:sp>
+            <p:nvSpPr>
+              <p:cNvPr id="599" name="Oval 598">
+                <a:extLst>
+                  <a:ext uri="{FF2B5EF4-FFF2-40B4-BE49-F238E27FC236}">
+                    <a16:creationId xmlns:a16="http://schemas.microsoft.com/office/drawing/2014/main" id="{4BBAFE4A-6C49-AF2F-475E-7794333A12A7}"/>
+                  </a:ext>
+                </a:extLst>
+              </p:cNvPr>
+              <p:cNvSpPr/>
+              <p:nvPr/>
+            </p:nvSpPr>
+            <p:spPr>
+              <a:xfrm>
+                <a:off x="1378235" y="4722004"/>
+                <a:ext cx="903249" cy="568712"/>
+              </a:xfrm>
+              <a:prstGeom prst="ellipse">
+                <a:avLst/>
+              </a:prstGeom>
+              <a:solidFill>
+                <a:schemeClr val="bg1"/>
+              </a:solidFill>
+              <a:ln>
+                <a:noFill/>
+              </a:ln>
+            </p:spPr>
+            <p:style>
+              <a:lnRef idx="2">
+                <a:schemeClr val="accent1">
+                  <a:shade val="50000"/>
+                </a:schemeClr>
+              </a:lnRef>
+              <a:fillRef idx="1">
+                <a:schemeClr val="accent1"/>
+              </a:fillRef>
+              <a:effectRef idx="0">
+                <a:schemeClr val="accent1"/>
+              </a:effectRef>
+              <a:fontRef idx="minor">
+                <a:schemeClr val="lt1"/>
+              </a:fontRef>
+            </p:style>
+            <p:txBody>
+              <a:bodyPr rtlCol="0" anchor="ctr"/>
+              <a:lstStyle/>
+              <a:p>
+                <a:pPr algn="ctr"/>
+                <a:endParaRPr lang="en-US"/>
+              </a:p>
+            </p:txBody>
+          </p:sp>
+          <p:sp>
+            <p:nvSpPr>
+              <p:cNvPr id="600" name="Oval 599">
+                <a:extLst>
+                  <a:ext uri="{FF2B5EF4-FFF2-40B4-BE49-F238E27FC236}">
+                    <a16:creationId xmlns:a16="http://schemas.microsoft.com/office/drawing/2014/main" id="{3BC6ACE3-603A-C803-EF6C-C3DC151CA445}"/>
+                  </a:ext>
+                </a:extLst>
+              </p:cNvPr>
+              <p:cNvSpPr/>
+              <p:nvPr/>
+            </p:nvSpPr>
+            <p:spPr>
+              <a:xfrm>
+                <a:off x="2590001" y="4729438"/>
+                <a:ext cx="903249" cy="568712"/>
+              </a:xfrm>
+              <a:prstGeom prst="ellipse">
+                <a:avLst/>
+              </a:prstGeom>
+              <a:solidFill>
+                <a:schemeClr val="bg1"/>
+              </a:solidFill>
+              <a:ln>
+                <a:noFill/>
+              </a:ln>
+            </p:spPr>
+            <p:style>
+              <a:lnRef idx="2">
+                <a:schemeClr val="accent1">
+                  <a:shade val="50000"/>
+                </a:schemeClr>
+              </a:lnRef>
+              <a:fillRef idx="1">
+                <a:schemeClr val="accent1"/>
+              </a:fillRef>
+              <a:effectRef idx="0">
+                <a:schemeClr val="accent1"/>
+              </a:effectRef>
+              <a:fontRef idx="minor">
+                <a:schemeClr val="lt1"/>
+              </a:fontRef>
+            </p:style>
+            <p:txBody>
+              <a:bodyPr rtlCol="0" anchor="ctr"/>
+              <a:lstStyle/>
+              <a:p>
+                <a:pPr algn="ctr"/>
+                <a:endParaRPr lang="en-US"/>
+              </a:p>
+            </p:txBody>
+          </p:sp>
+          <p:sp>
+            <p:nvSpPr>
+              <p:cNvPr id="601" name="Freeform 600">
+                <a:extLst>
+                  <a:ext uri="{FF2B5EF4-FFF2-40B4-BE49-F238E27FC236}">
+                    <a16:creationId xmlns:a16="http://schemas.microsoft.com/office/drawing/2014/main" id="{7C676EE8-E64B-5F1A-B18D-B15F0DD07E92}"/>
+                  </a:ext>
+                </a:extLst>
+              </p:cNvPr>
+              <p:cNvSpPr/>
+              <p:nvPr/>
+            </p:nvSpPr>
+            <p:spPr>
+              <a:xfrm>
+                <a:off x="1613092" y="5522940"/>
+                <a:ext cx="1644650" cy="286131"/>
+              </a:xfrm>
+              <a:custGeom>
+                <a:avLst/>
+                <a:gdLst>
+                  <a:gd name="connsiteX0" fmla="*/ 0 w 2074127"/>
+                  <a:gd name="connsiteY0" fmla="*/ 55756 h 234813"/>
+                  <a:gd name="connsiteX1" fmla="*/ 858644 w 2074127"/>
+                  <a:gd name="connsiteY1" fmla="*/ 234176 h 234813"/>
+                  <a:gd name="connsiteX2" fmla="*/ 2074127 w 2074127"/>
+                  <a:gd name="connsiteY2" fmla="*/ 0 h 234813"/>
+                  <a:gd name="connsiteX0" fmla="*/ 0 w 2074127"/>
+                  <a:gd name="connsiteY0" fmla="*/ 55756 h 237969"/>
+                  <a:gd name="connsiteX1" fmla="*/ 991994 w 2074127"/>
+                  <a:gd name="connsiteY1" fmla="*/ 237351 h 237969"/>
+                  <a:gd name="connsiteX2" fmla="*/ 2074127 w 2074127"/>
+                  <a:gd name="connsiteY2" fmla="*/ 0 h 237969"/>
+                  <a:gd name="connsiteX0" fmla="*/ 0 w 2074127"/>
+                  <a:gd name="connsiteY0" fmla="*/ 55756 h 237969"/>
+                  <a:gd name="connsiteX1" fmla="*/ 991994 w 2074127"/>
+                  <a:gd name="connsiteY1" fmla="*/ 237351 h 237969"/>
+                  <a:gd name="connsiteX2" fmla="*/ 2074127 w 2074127"/>
+                  <a:gd name="connsiteY2" fmla="*/ 0 h 237969"/>
+                  <a:gd name="connsiteX0" fmla="*/ 0 w 2058252"/>
+                  <a:gd name="connsiteY0" fmla="*/ 84331 h 266544"/>
+                  <a:gd name="connsiteX1" fmla="*/ 991994 w 2058252"/>
+                  <a:gd name="connsiteY1" fmla="*/ 265926 h 266544"/>
+                  <a:gd name="connsiteX2" fmla="*/ 2058252 w 2058252"/>
+                  <a:gd name="connsiteY2" fmla="*/ 0 h 266544"/>
+                  <a:gd name="connsiteX0" fmla="*/ 0 w 2090002"/>
+                  <a:gd name="connsiteY0" fmla="*/ 33531 h 266343"/>
+                  <a:gd name="connsiteX1" fmla="*/ 1023744 w 2090002"/>
+                  <a:gd name="connsiteY1" fmla="*/ 265926 h 266343"/>
+                  <a:gd name="connsiteX2" fmla="*/ 2090002 w 2090002"/>
+                  <a:gd name="connsiteY2" fmla="*/ 0 h 266343"/>
+                  <a:gd name="connsiteX0" fmla="*/ 0 w 2090002"/>
+                  <a:gd name="connsiteY0" fmla="*/ 33531 h 266352"/>
+                  <a:gd name="connsiteX1" fmla="*/ 1023744 w 2090002"/>
+                  <a:gd name="connsiteY1" fmla="*/ 265926 h 266352"/>
+                  <a:gd name="connsiteX2" fmla="*/ 2090002 w 2090002"/>
+                  <a:gd name="connsiteY2" fmla="*/ 0 h 266352"/>
+                  <a:gd name="connsiteX0" fmla="*/ 0 w 2128102"/>
+                  <a:gd name="connsiteY0" fmla="*/ 33531 h 266352"/>
+                  <a:gd name="connsiteX1" fmla="*/ 1061844 w 2128102"/>
+                  <a:gd name="connsiteY1" fmla="*/ 265926 h 266352"/>
+                  <a:gd name="connsiteX2" fmla="*/ 2128102 w 2128102"/>
+                  <a:gd name="connsiteY2" fmla="*/ 0 h 266352"/>
+                  <a:gd name="connsiteX0" fmla="*/ 0 w 2128102"/>
+                  <a:gd name="connsiteY0" fmla="*/ 33531 h 266352"/>
+                  <a:gd name="connsiteX1" fmla="*/ 1061844 w 2128102"/>
+                  <a:gd name="connsiteY1" fmla="*/ 265926 h 266352"/>
+                  <a:gd name="connsiteX2" fmla="*/ 2128102 w 2128102"/>
+                  <a:gd name="connsiteY2" fmla="*/ 0 h 266352"/>
+                  <a:gd name="connsiteX0" fmla="*/ 0 w 2128102"/>
+                  <a:gd name="connsiteY0" fmla="*/ 33531 h 266938"/>
+                  <a:gd name="connsiteX1" fmla="*/ 1061844 w 2128102"/>
+                  <a:gd name="connsiteY1" fmla="*/ 265926 h 266938"/>
+                  <a:gd name="connsiteX2" fmla="*/ 2128102 w 2128102"/>
+                  <a:gd name="connsiteY2" fmla="*/ 0 h 266938"/>
+                  <a:gd name="connsiteX0" fmla="*/ 0 w 2087797"/>
+                  <a:gd name="connsiteY0" fmla="*/ 15773 h 266728"/>
+                  <a:gd name="connsiteX1" fmla="*/ 1021539 w 2087797"/>
+                  <a:gd name="connsiteY1" fmla="*/ 265926 h 266728"/>
+                  <a:gd name="connsiteX2" fmla="*/ 2087797 w 2087797"/>
+                  <a:gd name="connsiteY2" fmla="*/ 0 h 266728"/>
+                </a:gdLst>
+                <a:ahLst/>
+                <a:cxnLst>
+                  <a:cxn ang="0">
+                    <a:pos x="connsiteX0" y="connsiteY0"/>
+                  </a:cxn>
+                  <a:cxn ang="0">
+                    <a:pos x="connsiteX1" y="connsiteY1"/>
+                  </a:cxn>
+                  <a:cxn ang="0">
+                    <a:pos x="connsiteX2" y="connsiteY2"/>
+                  </a:cxn>
+                </a:cxnLst>
+                <a:rect l="l" t="t" r="r" b="b"/>
+                <a:pathLst>
+                  <a:path w="2087797" h="266728">
+                    <a:moveTo>
+                      <a:pt x="0" y="15773"/>
+                    </a:moveTo>
+                    <a:cubicBezTo>
+                      <a:pt x="218492" y="204555"/>
+                      <a:pt x="675851" y="275219"/>
+                      <a:pt x="1021539" y="265926"/>
+                    </a:cubicBezTo>
+                    <a:cubicBezTo>
+                      <a:pt x="1367227" y="256633"/>
+                      <a:pt x="1711646" y="204247"/>
+                      <a:pt x="2087797" y="0"/>
+                    </a:cubicBezTo>
+                  </a:path>
+                </a:pathLst>
+              </a:custGeom>
+              <a:noFill/>
+              <a:ln w="38100">
+                <a:solidFill>
+                  <a:schemeClr val="bg1"/>
+                </a:solidFill>
+              </a:ln>
+            </p:spPr>
+            <p:style>
+              <a:lnRef idx="2">
+                <a:schemeClr val="accent1">
+                  <a:shade val="50000"/>
+                </a:schemeClr>
+              </a:lnRef>
+              <a:fillRef idx="1">
+                <a:schemeClr val="accent1"/>
+              </a:fillRef>
+              <a:effectRef idx="0">
+                <a:schemeClr val="accent1"/>
+              </a:effectRef>
+              <a:fontRef idx="minor">
+                <a:schemeClr val="lt1"/>
+              </a:fontRef>
+            </p:style>
+            <p:txBody>
+              <a:bodyPr rtlCol="0" anchor="ctr"/>
+              <a:lstStyle/>
+              <a:p>
+                <a:pPr algn="ctr"/>
+                <a:endParaRPr lang="en-US"/>
+              </a:p>
+            </p:txBody>
+          </p:sp>
+          <p:sp>
+            <p:nvSpPr>
+              <p:cNvPr id="602" name="Oval 601">
+                <a:extLst>
+                  <a:ext uri="{FF2B5EF4-FFF2-40B4-BE49-F238E27FC236}">
+                    <a16:creationId xmlns:a16="http://schemas.microsoft.com/office/drawing/2014/main" id="{06655027-ABA6-81BF-E707-ACB689443F9B}"/>
+                  </a:ext>
+                </a:extLst>
+              </p:cNvPr>
+              <p:cNvSpPr/>
+              <p:nvPr/>
+            </p:nvSpPr>
+            <p:spPr>
+              <a:xfrm>
+                <a:off x="2940877" y="4888575"/>
+                <a:ext cx="228600" cy="231775"/>
+              </a:xfrm>
+              <a:prstGeom prst="ellipse">
+                <a:avLst/>
+              </a:prstGeom>
+              <a:solidFill>
+                <a:schemeClr val="tx1"/>
+              </a:solidFill>
+              <a:ln>
+                <a:noFill/>
+              </a:ln>
+            </p:spPr>
+            <p:style>
+              <a:lnRef idx="2">
+                <a:schemeClr val="accent1">
+                  <a:shade val="50000"/>
+                </a:schemeClr>
+              </a:lnRef>
+              <a:fillRef idx="1">
+                <a:schemeClr val="accent1"/>
+              </a:fillRef>
+              <a:effectRef idx="0">
+                <a:schemeClr val="accent1"/>
+              </a:effectRef>
+              <a:fontRef idx="minor">
+                <a:schemeClr val="lt1"/>
+              </a:fontRef>
+            </p:style>
+            <p:txBody>
+              <a:bodyPr rtlCol="0" anchor="ctr"/>
+              <a:lstStyle/>
+              <a:p>
+                <a:pPr algn="ctr"/>
+                <a:endParaRPr lang="en-US"/>
+              </a:p>
+            </p:txBody>
+          </p:sp>
+          <p:sp>
+            <p:nvSpPr>
+              <p:cNvPr id="603" name="Oval 602">
+                <a:extLst>
+                  <a:ext uri="{FF2B5EF4-FFF2-40B4-BE49-F238E27FC236}">
+                    <a16:creationId xmlns:a16="http://schemas.microsoft.com/office/drawing/2014/main" id="{234D6A3D-BBF7-029D-9E3D-12EE9E8B0DE8}"/>
+                  </a:ext>
+                </a:extLst>
+              </p:cNvPr>
+              <p:cNvSpPr/>
+              <p:nvPr/>
+            </p:nvSpPr>
+            <p:spPr>
+              <a:xfrm>
+                <a:off x="1699452" y="4898100"/>
+                <a:ext cx="228600" cy="231775"/>
+              </a:xfrm>
+              <a:prstGeom prst="ellipse">
+                <a:avLst/>
+              </a:prstGeom>
+              <a:solidFill>
+                <a:schemeClr val="tx1"/>
+              </a:solidFill>
+              <a:ln>
+                <a:noFill/>
+              </a:ln>
+            </p:spPr>
+            <p:style>
+              <a:lnRef idx="2">
+                <a:schemeClr val="accent1">
+                  <a:shade val="50000"/>
+                </a:schemeClr>
+              </a:lnRef>
+              <a:fillRef idx="1">
+                <a:schemeClr val="accent1"/>
+              </a:fillRef>
+              <a:effectRef idx="0">
+                <a:schemeClr val="accent1"/>
+              </a:effectRef>
+              <a:fontRef idx="minor">
+                <a:schemeClr val="lt1"/>
+              </a:fontRef>
+            </p:style>
+            <p:txBody>
+              <a:bodyPr rtlCol="0" anchor="ctr"/>
+              <a:lstStyle/>
+              <a:p>
+                <a:pPr algn="ctr"/>
+                <a:endParaRPr lang="en-US"/>
+              </a:p>
+            </p:txBody>
+          </p:sp>
+        </p:grpSp>
+        <p:sp>
+          <p:nvSpPr>
+            <p:cNvPr id="587" name="TextBox 586">
+              <a:extLst>
+                <a:ext uri="{FF2B5EF4-FFF2-40B4-BE49-F238E27FC236}">
+                  <a16:creationId xmlns:a16="http://schemas.microsoft.com/office/drawing/2014/main" id="{5BDEF6B0-A2F5-527A-B24C-EA432D41A1EB}"/>
+                </a:ext>
+              </a:extLst>
+            </p:cNvPr>
+            <p:cNvSpPr txBox="1"/>
+            <p:nvPr/>
+          </p:nvSpPr>
+          <p:spPr>
+            <a:xfrm>
+              <a:off x="4913475" y="3976008"/>
+              <a:ext cx="1492717" cy="369332"/>
+            </a:xfrm>
+            <a:prstGeom prst="rect">
+              <a:avLst/>
+            </a:prstGeom>
+            <a:noFill/>
+          </p:spPr>
+          <p:txBody>
+            <a:bodyPr wrap="none" rtlCol="0">
+              <a:spAutoFit/>
+            </a:bodyPr>
+            <a:lstStyle/>
+            <a:p>
+              <a:pPr algn="ctr"/>
+              <a:r>
+                <a:rPr lang="en-US" b="1" dirty="0">
+                  <a:latin typeface="Arial" panose="020B0604020202020204" pitchFamily="34" charset="0"/>
+                  <a:cs typeface="Arial" panose="020B0604020202020204" pitchFamily="34" charset="0"/>
+                </a:rPr>
+                <a:t>Code Savvy</a:t>
+              </a:r>
+            </a:p>
+          </p:txBody>
+        </p:sp>
+        <p:sp>
+          <p:nvSpPr>
+            <p:cNvPr id="588" name="TextBox 587">
+              <a:extLst>
+                <a:ext uri="{FF2B5EF4-FFF2-40B4-BE49-F238E27FC236}">
+                  <a16:creationId xmlns:a16="http://schemas.microsoft.com/office/drawing/2014/main" id="{CDF4B6ED-B8B7-BD96-099E-43D88F8C6D53}"/>
+                </a:ext>
+              </a:extLst>
+            </p:cNvPr>
+            <p:cNvSpPr txBox="1"/>
+            <p:nvPr/>
+          </p:nvSpPr>
+          <p:spPr>
+            <a:xfrm>
+              <a:off x="4433892" y="5445863"/>
+              <a:ext cx="2519893" cy="369332"/>
+            </a:xfrm>
+            <a:prstGeom prst="rect">
+              <a:avLst/>
+            </a:prstGeom>
+            <a:noFill/>
+          </p:spPr>
+          <p:txBody>
+            <a:bodyPr wrap="square" rtlCol="0">
+              <a:spAutoFit/>
+            </a:bodyPr>
+            <a:lstStyle/>
+            <a:p>
+              <a:pPr algn="ctr"/>
+              <a:r>
+                <a:rPr lang="en-US" b="1" dirty="0">
+                  <a:latin typeface="Arial" panose="020B0604020202020204" pitchFamily="34" charset="0"/>
+                  <a:cs typeface="Arial" panose="020B0604020202020204" pitchFamily="34" charset="0"/>
+                </a:rPr>
+                <a:t>Robot Expert</a:t>
+              </a:r>
+            </a:p>
+          </p:txBody>
+        </p:sp>
+        <p:sp>
+          <p:nvSpPr>
+            <p:cNvPr id="589" name="TextBox 588">
+              <a:extLst>
+                <a:ext uri="{FF2B5EF4-FFF2-40B4-BE49-F238E27FC236}">
+                  <a16:creationId xmlns:a16="http://schemas.microsoft.com/office/drawing/2014/main" id="{3D951D88-A33E-1C9B-B45A-253D0489F860}"/>
+                </a:ext>
+              </a:extLst>
+            </p:cNvPr>
+            <p:cNvSpPr txBox="1"/>
+            <p:nvPr/>
+          </p:nvSpPr>
+          <p:spPr>
+            <a:xfrm>
+              <a:off x="1030630" y="3947931"/>
+              <a:ext cx="1492717" cy="369332"/>
+            </a:xfrm>
+            <a:prstGeom prst="rect">
+              <a:avLst/>
+            </a:prstGeom>
+            <a:noFill/>
+          </p:spPr>
+          <p:txBody>
+            <a:bodyPr wrap="none" rtlCol="0">
+              <a:spAutoFit/>
+            </a:bodyPr>
+            <a:lstStyle/>
+            <a:p>
+              <a:pPr algn="ctr"/>
+              <a:r>
+                <a:rPr lang="en-US" b="1" dirty="0">
+                  <a:latin typeface="Arial" panose="020B0604020202020204" pitchFamily="34" charset="0"/>
+                  <a:cs typeface="Arial" panose="020B0604020202020204" pitchFamily="34" charset="0"/>
+                </a:rPr>
+                <a:t>Code Savvy</a:t>
+              </a:r>
+            </a:p>
+          </p:txBody>
+        </p:sp>
+        <p:pic>
+          <p:nvPicPr>
+            <p:cNvPr id="590" name="Picture 589">
+              <a:extLst>
+                <a:ext uri="{FF2B5EF4-FFF2-40B4-BE49-F238E27FC236}">
+                  <a16:creationId xmlns:a16="http://schemas.microsoft.com/office/drawing/2014/main" id="{659CC455-001F-0111-AEAF-343B5F0A381A}"/>
+                </a:ext>
+              </a:extLst>
+            </p:cNvPr>
+            <p:cNvPicPr>
+              <a:picLocks noChangeAspect="1"/>
+            </p:cNvPicPr>
+            <p:nvPr/>
+          </p:nvPicPr>
+          <p:blipFill>
+            <a:blip r:embed="rId2"/>
+            <a:stretch>
+              <a:fillRect/>
+            </a:stretch>
+          </p:blipFill>
+          <p:spPr>
+            <a:xfrm>
+              <a:off x="1048534" y="4275238"/>
+              <a:ext cx="1524119" cy="1168017"/>
+            </a:xfrm>
+            <a:prstGeom prst="rect">
+              <a:avLst/>
+            </a:prstGeom>
+          </p:spPr>
+        </p:pic>
+        <p:grpSp>
+          <p:nvGrpSpPr>
+            <p:cNvPr id="591" name="Group 590">
+              <a:extLst>
+                <a:ext uri="{FF2B5EF4-FFF2-40B4-BE49-F238E27FC236}">
+                  <a16:creationId xmlns:a16="http://schemas.microsoft.com/office/drawing/2014/main" id="{4EEB59E1-37B4-0A9C-72D3-5C0C85CFB2B9}"/>
+                </a:ext>
+              </a:extLst>
+            </p:cNvPr>
+            <p:cNvGrpSpPr/>
+            <p:nvPr/>
+          </p:nvGrpSpPr>
+          <p:grpSpPr>
+            <a:xfrm>
+              <a:off x="1359339" y="4907177"/>
+              <a:ext cx="867364" cy="420167"/>
+              <a:chOff x="719238" y="4384746"/>
+              <a:chExt cx="3172338" cy="1882476"/>
+            </a:xfrm>
+          </p:grpSpPr>
+          <p:sp>
+            <p:nvSpPr>
+              <p:cNvPr id="592" name="Trapezoid 591">
+                <a:extLst>
+                  <a:ext uri="{FF2B5EF4-FFF2-40B4-BE49-F238E27FC236}">
+                    <a16:creationId xmlns:a16="http://schemas.microsoft.com/office/drawing/2014/main" id="{32CAF40A-EE55-7093-A092-23585922615A}"/>
+                  </a:ext>
+                </a:extLst>
+              </p:cNvPr>
+              <p:cNvSpPr/>
+              <p:nvPr/>
+            </p:nvSpPr>
+            <p:spPr>
+              <a:xfrm>
+                <a:off x="719238" y="4384746"/>
+                <a:ext cx="3172338" cy="1882476"/>
+              </a:xfrm>
+              <a:prstGeom prst="trapezoid">
+                <a:avLst>
+                  <a:gd name="adj" fmla="val 6207"/>
+                </a:avLst>
+              </a:prstGeom>
+              <a:solidFill>
+                <a:srgbClr val="7030A0"/>
+              </a:solidFill>
+              <a:ln>
+                <a:noFill/>
+              </a:ln>
+            </p:spPr>
+            <p:style>
+              <a:lnRef idx="2">
+                <a:schemeClr val="accent1">
+                  <a:shade val="50000"/>
+                </a:schemeClr>
+              </a:lnRef>
+              <a:fillRef idx="1">
+                <a:schemeClr val="accent1"/>
+              </a:fillRef>
+              <a:effectRef idx="0">
+                <a:schemeClr val="accent1"/>
+              </a:effectRef>
+              <a:fontRef idx="minor">
+                <a:schemeClr val="lt1"/>
+              </a:fontRef>
+            </p:style>
+            <p:txBody>
+              <a:bodyPr rtlCol="0" anchor="ctr"/>
+              <a:lstStyle/>
+              <a:p>
+                <a:pPr algn="ctr"/>
+                <a:endParaRPr lang="en-US"/>
+              </a:p>
+            </p:txBody>
+          </p:sp>
+          <p:sp>
+            <p:nvSpPr>
+              <p:cNvPr id="593" name="Oval 592">
+                <a:extLst>
+                  <a:ext uri="{FF2B5EF4-FFF2-40B4-BE49-F238E27FC236}">
+                    <a16:creationId xmlns:a16="http://schemas.microsoft.com/office/drawing/2014/main" id="{FAFAC195-155F-D09F-D808-7B0BBE7780CA}"/>
+                  </a:ext>
+                </a:extLst>
+              </p:cNvPr>
+              <p:cNvSpPr/>
+              <p:nvPr/>
+            </p:nvSpPr>
+            <p:spPr>
+              <a:xfrm>
+                <a:off x="1378235" y="4722004"/>
+                <a:ext cx="903249" cy="568712"/>
+              </a:xfrm>
+              <a:prstGeom prst="ellipse">
+                <a:avLst/>
+              </a:prstGeom>
+              <a:solidFill>
+                <a:schemeClr val="bg1"/>
+              </a:solidFill>
+              <a:ln>
+                <a:noFill/>
+              </a:ln>
+            </p:spPr>
+            <p:style>
+              <a:lnRef idx="2">
+                <a:schemeClr val="accent1">
+                  <a:shade val="50000"/>
+                </a:schemeClr>
+              </a:lnRef>
+              <a:fillRef idx="1">
+                <a:schemeClr val="accent1"/>
+              </a:fillRef>
+              <a:effectRef idx="0">
+                <a:schemeClr val="accent1"/>
+              </a:effectRef>
+              <a:fontRef idx="minor">
+                <a:schemeClr val="lt1"/>
+              </a:fontRef>
+            </p:style>
+            <p:txBody>
+              <a:bodyPr rtlCol="0" anchor="ctr"/>
+              <a:lstStyle/>
+              <a:p>
+                <a:pPr algn="ctr"/>
+                <a:endParaRPr lang="en-US"/>
+              </a:p>
+            </p:txBody>
+          </p:sp>
+          <p:sp>
+            <p:nvSpPr>
+              <p:cNvPr id="594" name="Oval 593">
+                <a:extLst>
+                  <a:ext uri="{FF2B5EF4-FFF2-40B4-BE49-F238E27FC236}">
+                    <a16:creationId xmlns:a16="http://schemas.microsoft.com/office/drawing/2014/main" id="{55CB2445-D4F2-7591-D708-ACF90261A0C6}"/>
+                  </a:ext>
+                </a:extLst>
+              </p:cNvPr>
+              <p:cNvSpPr/>
+              <p:nvPr/>
+            </p:nvSpPr>
+            <p:spPr>
+              <a:xfrm>
+                <a:off x="2590001" y="4729438"/>
+                <a:ext cx="903249" cy="568712"/>
+              </a:xfrm>
+              <a:prstGeom prst="ellipse">
+                <a:avLst/>
+              </a:prstGeom>
+              <a:solidFill>
+                <a:schemeClr val="bg1"/>
+              </a:solidFill>
+              <a:ln>
+                <a:noFill/>
+              </a:ln>
+            </p:spPr>
+            <p:style>
+              <a:lnRef idx="2">
+                <a:schemeClr val="accent1">
+                  <a:shade val="50000"/>
+                </a:schemeClr>
+              </a:lnRef>
+              <a:fillRef idx="1">
+                <a:schemeClr val="accent1"/>
+              </a:fillRef>
+              <a:effectRef idx="0">
+                <a:schemeClr val="accent1"/>
+              </a:effectRef>
+              <a:fontRef idx="minor">
+                <a:schemeClr val="lt1"/>
+              </a:fontRef>
+            </p:style>
+            <p:txBody>
+              <a:bodyPr rtlCol="0" anchor="ctr"/>
+              <a:lstStyle/>
+              <a:p>
+                <a:pPr algn="ctr"/>
+                <a:endParaRPr lang="en-US"/>
+              </a:p>
+            </p:txBody>
+          </p:sp>
+          <p:sp>
+            <p:nvSpPr>
+              <p:cNvPr id="595" name="Freeform 594">
+                <a:extLst>
+                  <a:ext uri="{FF2B5EF4-FFF2-40B4-BE49-F238E27FC236}">
+                    <a16:creationId xmlns:a16="http://schemas.microsoft.com/office/drawing/2014/main" id="{33830739-E9AF-C291-29CF-190CA7B49178}"/>
+                  </a:ext>
+                </a:extLst>
+              </p:cNvPr>
+              <p:cNvSpPr/>
+              <p:nvPr/>
+            </p:nvSpPr>
+            <p:spPr>
+              <a:xfrm>
+                <a:off x="1613092" y="5522940"/>
+                <a:ext cx="1644650" cy="286131"/>
+              </a:xfrm>
+              <a:custGeom>
+                <a:avLst/>
+                <a:gdLst>
+                  <a:gd name="connsiteX0" fmla="*/ 0 w 2074127"/>
+                  <a:gd name="connsiteY0" fmla="*/ 55756 h 234813"/>
+                  <a:gd name="connsiteX1" fmla="*/ 858644 w 2074127"/>
+                  <a:gd name="connsiteY1" fmla="*/ 234176 h 234813"/>
+                  <a:gd name="connsiteX2" fmla="*/ 2074127 w 2074127"/>
+                  <a:gd name="connsiteY2" fmla="*/ 0 h 234813"/>
+                  <a:gd name="connsiteX0" fmla="*/ 0 w 2074127"/>
+                  <a:gd name="connsiteY0" fmla="*/ 55756 h 237969"/>
+                  <a:gd name="connsiteX1" fmla="*/ 991994 w 2074127"/>
+                  <a:gd name="connsiteY1" fmla="*/ 237351 h 237969"/>
+                  <a:gd name="connsiteX2" fmla="*/ 2074127 w 2074127"/>
+                  <a:gd name="connsiteY2" fmla="*/ 0 h 237969"/>
+                  <a:gd name="connsiteX0" fmla="*/ 0 w 2074127"/>
+                  <a:gd name="connsiteY0" fmla="*/ 55756 h 237969"/>
+                  <a:gd name="connsiteX1" fmla="*/ 991994 w 2074127"/>
+                  <a:gd name="connsiteY1" fmla="*/ 237351 h 237969"/>
+                  <a:gd name="connsiteX2" fmla="*/ 2074127 w 2074127"/>
+                  <a:gd name="connsiteY2" fmla="*/ 0 h 237969"/>
+                  <a:gd name="connsiteX0" fmla="*/ 0 w 2058252"/>
+                  <a:gd name="connsiteY0" fmla="*/ 84331 h 266544"/>
+                  <a:gd name="connsiteX1" fmla="*/ 991994 w 2058252"/>
+                  <a:gd name="connsiteY1" fmla="*/ 265926 h 266544"/>
+                  <a:gd name="connsiteX2" fmla="*/ 2058252 w 2058252"/>
+                  <a:gd name="connsiteY2" fmla="*/ 0 h 266544"/>
+                  <a:gd name="connsiteX0" fmla="*/ 0 w 2090002"/>
+                  <a:gd name="connsiteY0" fmla="*/ 33531 h 266343"/>
+                  <a:gd name="connsiteX1" fmla="*/ 1023744 w 2090002"/>
+                  <a:gd name="connsiteY1" fmla="*/ 265926 h 266343"/>
+                  <a:gd name="connsiteX2" fmla="*/ 2090002 w 2090002"/>
+                  <a:gd name="connsiteY2" fmla="*/ 0 h 266343"/>
+                  <a:gd name="connsiteX0" fmla="*/ 0 w 2090002"/>
+                  <a:gd name="connsiteY0" fmla="*/ 33531 h 266352"/>
+                  <a:gd name="connsiteX1" fmla="*/ 1023744 w 2090002"/>
+                  <a:gd name="connsiteY1" fmla="*/ 265926 h 266352"/>
+                  <a:gd name="connsiteX2" fmla="*/ 2090002 w 2090002"/>
+                  <a:gd name="connsiteY2" fmla="*/ 0 h 266352"/>
+                  <a:gd name="connsiteX0" fmla="*/ 0 w 2128102"/>
+                  <a:gd name="connsiteY0" fmla="*/ 33531 h 266352"/>
+                  <a:gd name="connsiteX1" fmla="*/ 1061844 w 2128102"/>
+                  <a:gd name="connsiteY1" fmla="*/ 265926 h 266352"/>
+                  <a:gd name="connsiteX2" fmla="*/ 2128102 w 2128102"/>
+                  <a:gd name="connsiteY2" fmla="*/ 0 h 266352"/>
+                  <a:gd name="connsiteX0" fmla="*/ 0 w 2128102"/>
+                  <a:gd name="connsiteY0" fmla="*/ 33531 h 266352"/>
+                  <a:gd name="connsiteX1" fmla="*/ 1061844 w 2128102"/>
+                  <a:gd name="connsiteY1" fmla="*/ 265926 h 266352"/>
+                  <a:gd name="connsiteX2" fmla="*/ 2128102 w 2128102"/>
+                  <a:gd name="connsiteY2" fmla="*/ 0 h 266352"/>
+                  <a:gd name="connsiteX0" fmla="*/ 0 w 2128102"/>
+                  <a:gd name="connsiteY0" fmla="*/ 33531 h 266938"/>
+                  <a:gd name="connsiteX1" fmla="*/ 1061844 w 2128102"/>
+                  <a:gd name="connsiteY1" fmla="*/ 265926 h 266938"/>
+                  <a:gd name="connsiteX2" fmla="*/ 2128102 w 2128102"/>
+                  <a:gd name="connsiteY2" fmla="*/ 0 h 266938"/>
+                  <a:gd name="connsiteX0" fmla="*/ 0 w 2087797"/>
+                  <a:gd name="connsiteY0" fmla="*/ 15773 h 266728"/>
+                  <a:gd name="connsiteX1" fmla="*/ 1021539 w 2087797"/>
+                  <a:gd name="connsiteY1" fmla="*/ 265926 h 266728"/>
+                  <a:gd name="connsiteX2" fmla="*/ 2087797 w 2087797"/>
+                  <a:gd name="connsiteY2" fmla="*/ 0 h 266728"/>
+                </a:gdLst>
+                <a:ahLst/>
+                <a:cxnLst>
+                  <a:cxn ang="0">
+                    <a:pos x="connsiteX0" y="connsiteY0"/>
+                  </a:cxn>
+                  <a:cxn ang="0">
+                    <a:pos x="connsiteX1" y="connsiteY1"/>
+                  </a:cxn>
+                  <a:cxn ang="0">
+                    <a:pos x="connsiteX2" y="connsiteY2"/>
+                  </a:cxn>
+                </a:cxnLst>
+                <a:rect l="l" t="t" r="r" b="b"/>
+                <a:pathLst>
+                  <a:path w="2087797" h="266728">
+                    <a:moveTo>
+                      <a:pt x="0" y="15773"/>
+                    </a:moveTo>
+                    <a:cubicBezTo>
+                      <a:pt x="218492" y="204555"/>
+                      <a:pt x="675851" y="275219"/>
+                      <a:pt x="1021539" y="265926"/>
+                    </a:cubicBezTo>
+                    <a:cubicBezTo>
+                      <a:pt x="1367227" y="256633"/>
+                      <a:pt x="1711646" y="204247"/>
+                      <a:pt x="2087797" y="0"/>
+                    </a:cubicBezTo>
+                  </a:path>
+                </a:pathLst>
+              </a:custGeom>
+              <a:noFill/>
+              <a:ln w="38100">
+                <a:solidFill>
+                  <a:schemeClr val="bg1"/>
+                </a:solidFill>
+              </a:ln>
+            </p:spPr>
+            <p:style>
+              <a:lnRef idx="2">
+                <a:schemeClr val="accent1">
+                  <a:shade val="50000"/>
+                </a:schemeClr>
+              </a:lnRef>
+              <a:fillRef idx="1">
+                <a:schemeClr val="accent1"/>
+              </a:fillRef>
+              <a:effectRef idx="0">
+                <a:schemeClr val="accent1"/>
+              </a:effectRef>
+              <a:fontRef idx="minor">
+                <a:schemeClr val="lt1"/>
+              </a:fontRef>
+            </p:style>
+            <p:txBody>
+              <a:bodyPr rtlCol="0" anchor="ctr"/>
+              <a:lstStyle/>
+              <a:p>
+                <a:pPr algn="ctr"/>
+                <a:endParaRPr lang="en-US"/>
+              </a:p>
+            </p:txBody>
+          </p:sp>
+          <p:sp>
+            <p:nvSpPr>
+              <p:cNvPr id="596" name="Oval 595">
+                <a:extLst>
+                  <a:ext uri="{FF2B5EF4-FFF2-40B4-BE49-F238E27FC236}">
+                    <a16:creationId xmlns:a16="http://schemas.microsoft.com/office/drawing/2014/main" id="{2A865E8A-AD25-EC63-10A1-7A71047013D8}"/>
+                  </a:ext>
+                </a:extLst>
+              </p:cNvPr>
+              <p:cNvSpPr/>
+              <p:nvPr/>
+            </p:nvSpPr>
+            <p:spPr>
+              <a:xfrm>
+                <a:off x="2940877" y="4888575"/>
+                <a:ext cx="228600" cy="231775"/>
+              </a:xfrm>
+              <a:prstGeom prst="ellipse">
+                <a:avLst/>
+              </a:prstGeom>
+              <a:solidFill>
+                <a:schemeClr val="tx1"/>
+              </a:solidFill>
+              <a:ln>
+                <a:noFill/>
+              </a:ln>
+            </p:spPr>
+            <p:style>
+              <a:lnRef idx="2">
+                <a:schemeClr val="accent1">
+                  <a:shade val="50000"/>
+                </a:schemeClr>
+              </a:lnRef>
+              <a:fillRef idx="1">
+                <a:schemeClr val="accent1"/>
+              </a:fillRef>
+              <a:effectRef idx="0">
+                <a:schemeClr val="accent1"/>
+              </a:effectRef>
+              <a:fontRef idx="minor">
+                <a:schemeClr val="lt1"/>
+              </a:fontRef>
+            </p:style>
+            <p:txBody>
+              <a:bodyPr rtlCol="0" anchor="ctr"/>
+              <a:lstStyle/>
+              <a:p>
+                <a:pPr algn="ctr"/>
+                <a:endParaRPr lang="en-US"/>
+              </a:p>
+            </p:txBody>
+          </p:sp>
+          <p:sp>
+            <p:nvSpPr>
+              <p:cNvPr id="597" name="Oval 596">
+                <a:extLst>
+                  <a:ext uri="{FF2B5EF4-FFF2-40B4-BE49-F238E27FC236}">
+                    <a16:creationId xmlns:a16="http://schemas.microsoft.com/office/drawing/2014/main" id="{33B97039-6F6D-FBA3-0AB7-89C10FFAB027}"/>
+                  </a:ext>
+                </a:extLst>
+              </p:cNvPr>
+              <p:cNvSpPr/>
+              <p:nvPr/>
+            </p:nvSpPr>
+            <p:spPr>
+              <a:xfrm>
+                <a:off x="1699452" y="4898100"/>
+                <a:ext cx="228600" cy="231775"/>
+              </a:xfrm>
+              <a:prstGeom prst="ellipse">
+                <a:avLst/>
+              </a:prstGeom>
+              <a:solidFill>
+                <a:schemeClr val="tx1"/>
+              </a:solidFill>
+              <a:ln>
+                <a:noFill/>
+              </a:ln>
+            </p:spPr>
+            <p:style>
+              <a:lnRef idx="2">
+                <a:schemeClr val="accent1">
+                  <a:shade val="50000"/>
+                </a:schemeClr>
+              </a:lnRef>
+              <a:fillRef idx="1">
+                <a:schemeClr val="accent1"/>
+              </a:fillRef>
+              <a:effectRef idx="0">
+                <a:schemeClr val="accent1"/>
+              </a:effectRef>
+              <a:fontRef idx="minor">
+                <a:schemeClr val="lt1"/>
+              </a:fontRef>
+            </p:style>
+            <p:txBody>
+              <a:bodyPr rtlCol="0" anchor="ctr"/>
+              <a:lstStyle/>
+              <a:p>
+                <a:pPr algn="ctr"/>
+                <a:endParaRPr lang="en-US"/>
+              </a:p>
+            </p:txBody>
+          </p:sp>
+        </p:grpSp>
+      </p:grpSp>
+      <p:grpSp>
+        <p:nvGrpSpPr>
+          <p:cNvPr id="622" name="Group 621">
+            <a:extLst>
+              <a:ext uri="{FF2B5EF4-FFF2-40B4-BE49-F238E27FC236}">
+                <a16:creationId xmlns:a16="http://schemas.microsoft.com/office/drawing/2014/main" id="{50A860DF-4B44-E32A-61A9-FB3531352B9E}"/>
+              </a:ext>
+            </a:extLst>
+          </p:cNvPr>
+          <p:cNvGrpSpPr/>
+          <p:nvPr/>
+        </p:nvGrpSpPr>
+        <p:grpSpPr>
+          <a:xfrm>
+            <a:off x="2010337" y="7945008"/>
+            <a:ext cx="5987588" cy="1867264"/>
+            <a:chOff x="966197" y="3947931"/>
+            <a:chExt cx="5987588" cy="1867264"/>
+          </a:xfrm>
+        </p:grpSpPr>
+        <p:sp>
+          <p:nvSpPr>
+            <p:cNvPr id="192" name="TextBox 191">
+              <a:extLst>
+                <a:ext uri="{FF2B5EF4-FFF2-40B4-BE49-F238E27FC236}">
+                  <a16:creationId xmlns:a16="http://schemas.microsoft.com/office/drawing/2014/main" id="{44146F21-8BFC-5EEA-F98E-B54C7D913C47}"/>
+                </a:ext>
+              </a:extLst>
+            </p:cNvPr>
+            <p:cNvSpPr txBox="1"/>
+            <p:nvPr/>
+          </p:nvSpPr>
+          <p:spPr>
+            <a:xfrm>
+              <a:off x="966197" y="5436189"/>
+              <a:ext cx="1673125" cy="369332"/>
+            </a:xfrm>
+            <a:prstGeom prst="rect">
+              <a:avLst/>
+            </a:prstGeom>
+            <a:noFill/>
+          </p:spPr>
+          <p:txBody>
+            <a:bodyPr wrap="square" rtlCol="0">
+              <a:spAutoFit/>
+            </a:bodyPr>
+            <a:lstStyle/>
+            <a:p>
+              <a:pPr algn="ctr"/>
+              <a:r>
+                <a:rPr lang="en-US" b="1" dirty="0">
+                  <a:latin typeface="Arial" panose="020B0604020202020204" pitchFamily="34" charset="0"/>
+                  <a:cs typeface="Arial" panose="020B0604020202020204" pitchFamily="34" charset="0"/>
+                </a:rPr>
+                <a:t>Robot Expert</a:t>
+              </a:r>
+            </a:p>
+          </p:txBody>
+        </p:sp>
+        <p:pic>
+          <p:nvPicPr>
+            <p:cNvPr id="193" name="Picture 192">
+              <a:extLst>
+                <a:ext uri="{FF2B5EF4-FFF2-40B4-BE49-F238E27FC236}">
+                  <a16:creationId xmlns:a16="http://schemas.microsoft.com/office/drawing/2014/main" id="{E3873F66-9661-0D99-F332-1DEBC0C20DC1}"/>
+                </a:ext>
+              </a:extLst>
+            </p:cNvPr>
+            <p:cNvPicPr>
+              <a:picLocks noChangeAspect="1"/>
+            </p:cNvPicPr>
+            <p:nvPr/>
+          </p:nvPicPr>
+          <p:blipFill>
+            <a:blip r:embed="rId2"/>
+            <a:stretch>
+              <a:fillRect/>
+            </a:stretch>
+          </p:blipFill>
+          <p:spPr>
+            <a:xfrm>
+              <a:off x="4884091" y="4304840"/>
+              <a:ext cx="1551485" cy="1188989"/>
+            </a:xfrm>
+            <a:prstGeom prst="rect">
+              <a:avLst/>
+            </a:prstGeom>
+          </p:spPr>
+        </p:pic>
+        <p:grpSp>
+          <p:nvGrpSpPr>
+            <p:cNvPr id="194" name="Group 193">
+              <a:extLst>
+                <a:ext uri="{FF2B5EF4-FFF2-40B4-BE49-F238E27FC236}">
+                  <a16:creationId xmlns:a16="http://schemas.microsoft.com/office/drawing/2014/main" id="{324A3C97-5570-8D8C-79AD-5551124D1DE4}"/>
+                </a:ext>
+              </a:extLst>
+            </p:cNvPr>
+            <p:cNvGrpSpPr/>
+            <p:nvPr/>
+          </p:nvGrpSpPr>
+          <p:grpSpPr>
+            <a:xfrm>
+              <a:off x="5216249" y="4918244"/>
+              <a:ext cx="886955" cy="481904"/>
+              <a:chOff x="807719" y="4384746"/>
+              <a:chExt cx="3083857" cy="1731203"/>
+            </a:xfrm>
+          </p:grpSpPr>
+          <p:sp>
+            <p:nvSpPr>
+              <p:cNvPr id="206" name="Trapezoid 205">
+                <a:extLst>
+                  <a:ext uri="{FF2B5EF4-FFF2-40B4-BE49-F238E27FC236}">
+                    <a16:creationId xmlns:a16="http://schemas.microsoft.com/office/drawing/2014/main" id="{C092A288-A627-CFAD-523B-CA3027743792}"/>
+                  </a:ext>
+                </a:extLst>
+              </p:cNvPr>
+              <p:cNvSpPr/>
+              <p:nvPr/>
+            </p:nvSpPr>
+            <p:spPr>
+              <a:xfrm>
+                <a:off x="807719" y="4384746"/>
+                <a:ext cx="3083857" cy="1731203"/>
+              </a:xfrm>
+              <a:prstGeom prst="trapezoid">
+                <a:avLst>
+                  <a:gd name="adj" fmla="val 6207"/>
+                </a:avLst>
+              </a:prstGeom>
+              <a:solidFill>
+                <a:srgbClr val="C00000"/>
+              </a:solidFill>
+              <a:ln>
+                <a:noFill/>
+              </a:ln>
+            </p:spPr>
+            <p:style>
+              <a:lnRef idx="2">
+                <a:schemeClr val="accent1">
+                  <a:shade val="50000"/>
+                </a:schemeClr>
+              </a:lnRef>
+              <a:fillRef idx="1">
+                <a:schemeClr val="accent1"/>
+              </a:fillRef>
+              <a:effectRef idx="0">
+                <a:schemeClr val="accent1"/>
+              </a:effectRef>
+              <a:fontRef idx="minor">
+                <a:schemeClr val="lt1"/>
+              </a:fontRef>
+            </p:style>
+            <p:txBody>
+              <a:bodyPr rtlCol="0" anchor="ctr"/>
+              <a:lstStyle/>
+              <a:p>
+                <a:pPr algn="ctr"/>
+                <a:endParaRPr lang="en-US"/>
+              </a:p>
+            </p:txBody>
+          </p:sp>
+          <p:sp>
+            <p:nvSpPr>
+              <p:cNvPr id="207" name="Oval 206">
+                <a:extLst>
+                  <a:ext uri="{FF2B5EF4-FFF2-40B4-BE49-F238E27FC236}">
+                    <a16:creationId xmlns:a16="http://schemas.microsoft.com/office/drawing/2014/main" id="{D4CFBA85-7E93-75C9-44EB-29C525C62B1F}"/>
+                  </a:ext>
+                </a:extLst>
+              </p:cNvPr>
+              <p:cNvSpPr/>
+              <p:nvPr/>
+            </p:nvSpPr>
+            <p:spPr>
+              <a:xfrm>
+                <a:off x="1378235" y="4722004"/>
+                <a:ext cx="903249" cy="568712"/>
+              </a:xfrm>
+              <a:prstGeom prst="ellipse">
+                <a:avLst/>
+              </a:prstGeom>
+              <a:solidFill>
+                <a:schemeClr val="bg1"/>
+              </a:solidFill>
+              <a:ln>
+                <a:noFill/>
+              </a:ln>
+            </p:spPr>
+            <p:style>
+              <a:lnRef idx="2">
+                <a:schemeClr val="accent1">
+                  <a:shade val="50000"/>
+                </a:schemeClr>
+              </a:lnRef>
+              <a:fillRef idx="1">
+                <a:schemeClr val="accent1"/>
+              </a:fillRef>
+              <a:effectRef idx="0">
+                <a:schemeClr val="accent1"/>
+              </a:effectRef>
+              <a:fontRef idx="minor">
+                <a:schemeClr val="lt1"/>
+              </a:fontRef>
+            </p:style>
+            <p:txBody>
+              <a:bodyPr rtlCol="0" anchor="ctr"/>
+              <a:lstStyle/>
+              <a:p>
+                <a:pPr algn="ctr"/>
+                <a:endParaRPr lang="en-US"/>
+              </a:p>
+            </p:txBody>
+          </p:sp>
+          <p:sp>
+            <p:nvSpPr>
+              <p:cNvPr id="208" name="Oval 207">
+                <a:extLst>
+                  <a:ext uri="{FF2B5EF4-FFF2-40B4-BE49-F238E27FC236}">
+                    <a16:creationId xmlns:a16="http://schemas.microsoft.com/office/drawing/2014/main" id="{90E665DE-285D-987B-9FB6-341E1589484E}"/>
+                  </a:ext>
+                </a:extLst>
+              </p:cNvPr>
+              <p:cNvSpPr/>
+              <p:nvPr/>
+            </p:nvSpPr>
+            <p:spPr>
+              <a:xfrm>
+                <a:off x="2590001" y="4729438"/>
+                <a:ext cx="903249" cy="568712"/>
+              </a:xfrm>
+              <a:prstGeom prst="ellipse">
+                <a:avLst/>
+              </a:prstGeom>
+              <a:solidFill>
+                <a:schemeClr val="bg1"/>
+              </a:solidFill>
+              <a:ln>
+                <a:noFill/>
+              </a:ln>
+            </p:spPr>
+            <p:style>
+              <a:lnRef idx="2">
+                <a:schemeClr val="accent1">
+                  <a:shade val="50000"/>
+                </a:schemeClr>
+              </a:lnRef>
+              <a:fillRef idx="1">
+                <a:schemeClr val="accent1"/>
+              </a:fillRef>
+              <a:effectRef idx="0">
+                <a:schemeClr val="accent1"/>
+              </a:effectRef>
+              <a:fontRef idx="minor">
+                <a:schemeClr val="lt1"/>
+              </a:fontRef>
+            </p:style>
+            <p:txBody>
+              <a:bodyPr rtlCol="0" anchor="ctr"/>
+              <a:lstStyle/>
+              <a:p>
+                <a:pPr algn="ctr"/>
+                <a:endParaRPr lang="en-US"/>
+              </a:p>
+            </p:txBody>
+          </p:sp>
+          <p:sp>
+            <p:nvSpPr>
+              <p:cNvPr id="209" name="Freeform 208">
+                <a:extLst>
+                  <a:ext uri="{FF2B5EF4-FFF2-40B4-BE49-F238E27FC236}">
+                    <a16:creationId xmlns:a16="http://schemas.microsoft.com/office/drawing/2014/main" id="{50F2D6E3-B8E1-C509-DB68-3DAE40FC1A32}"/>
+                  </a:ext>
+                </a:extLst>
+              </p:cNvPr>
+              <p:cNvSpPr/>
+              <p:nvPr/>
+            </p:nvSpPr>
+            <p:spPr>
+              <a:xfrm>
+                <a:off x="1613092" y="5522940"/>
+                <a:ext cx="1644650" cy="286131"/>
+              </a:xfrm>
+              <a:custGeom>
+                <a:avLst/>
+                <a:gdLst>
+                  <a:gd name="connsiteX0" fmla="*/ 0 w 2074127"/>
+                  <a:gd name="connsiteY0" fmla="*/ 55756 h 234813"/>
+                  <a:gd name="connsiteX1" fmla="*/ 858644 w 2074127"/>
+                  <a:gd name="connsiteY1" fmla="*/ 234176 h 234813"/>
+                  <a:gd name="connsiteX2" fmla="*/ 2074127 w 2074127"/>
+                  <a:gd name="connsiteY2" fmla="*/ 0 h 234813"/>
+                  <a:gd name="connsiteX0" fmla="*/ 0 w 2074127"/>
+                  <a:gd name="connsiteY0" fmla="*/ 55756 h 237969"/>
+                  <a:gd name="connsiteX1" fmla="*/ 991994 w 2074127"/>
+                  <a:gd name="connsiteY1" fmla="*/ 237351 h 237969"/>
+                  <a:gd name="connsiteX2" fmla="*/ 2074127 w 2074127"/>
+                  <a:gd name="connsiteY2" fmla="*/ 0 h 237969"/>
+                  <a:gd name="connsiteX0" fmla="*/ 0 w 2074127"/>
+                  <a:gd name="connsiteY0" fmla="*/ 55756 h 237969"/>
+                  <a:gd name="connsiteX1" fmla="*/ 991994 w 2074127"/>
+                  <a:gd name="connsiteY1" fmla="*/ 237351 h 237969"/>
+                  <a:gd name="connsiteX2" fmla="*/ 2074127 w 2074127"/>
+                  <a:gd name="connsiteY2" fmla="*/ 0 h 237969"/>
+                  <a:gd name="connsiteX0" fmla="*/ 0 w 2058252"/>
+                  <a:gd name="connsiteY0" fmla="*/ 84331 h 266544"/>
+                  <a:gd name="connsiteX1" fmla="*/ 991994 w 2058252"/>
+                  <a:gd name="connsiteY1" fmla="*/ 265926 h 266544"/>
+                  <a:gd name="connsiteX2" fmla="*/ 2058252 w 2058252"/>
+                  <a:gd name="connsiteY2" fmla="*/ 0 h 266544"/>
+                  <a:gd name="connsiteX0" fmla="*/ 0 w 2090002"/>
+                  <a:gd name="connsiteY0" fmla="*/ 33531 h 266343"/>
+                  <a:gd name="connsiteX1" fmla="*/ 1023744 w 2090002"/>
+                  <a:gd name="connsiteY1" fmla="*/ 265926 h 266343"/>
+                  <a:gd name="connsiteX2" fmla="*/ 2090002 w 2090002"/>
+                  <a:gd name="connsiteY2" fmla="*/ 0 h 266343"/>
+                  <a:gd name="connsiteX0" fmla="*/ 0 w 2090002"/>
+                  <a:gd name="connsiteY0" fmla="*/ 33531 h 266352"/>
+                  <a:gd name="connsiteX1" fmla="*/ 1023744 w 2090002"/>
+                  <a:gd name="connsiteY1" fmla="*/ 265926 h 266352"/>
+                  <a:gd name="connsiteX2" fmla="*/ 2090002 w 2090002"/>
+                  <a:gd name="connsiteY2" fmla="*/ 0 h 266352"/>
+                  <a:gd name="connsiteX0" fmla="*/ 0 w 2128102"/>
+                  <a:gd name="connsiteY0" fmla="*/ 33531 h 266352"/>
+                  <a:gd name="connsiteX1" fmla="*/ 1061844 w 2128102"/>
+                  <a:gd name="connsiteY1" fmla="*/ 265926 h 266352"/>
+                  <a:gd name="connsiteX2" fmla="*/ 2128102 w 2128102"/>
+                  <a:gd name="connsiteY2" fmla="*/ 0 h 266352"/>
+                  <a:gd name="connsiteX0" fmla="*/ 0 w 2128102"/>
+                  <a:gd name="connsiteY0" fmla="*/ 33531 h 266352"/>
+                  <a:gd name="connsiteX1" fmla="*/ 1061844 w 2128102"/>
+                  <a:gd name="connsiteY1" fmla="*/ 265926 h 266352"/>
+                  <a:gd name="connsiteX2" fmla="*/ 2128102 w 2128102"/>
+                  <a:gd name="connsiteY2" fmla="*/ 0 h 266352"/>
+                  <a:gd name="connsiteX0" fmla="*/ 0 w 2128102"/>
+                  <a:gd name="connsiteY0" fmla="*/ 33531 h 266938"/>
+                  <a:gd name="connsiteX1" fmla="*/ 1061844 w 2128102"/>
+                  <a:gd name="connsiteY1" fmla="*/ 265926 h 266938"/>
+                  <a:gd name="connsiteX2" fmla="*/ 2128102 w 2128102"/>
+                  <a:gd name="connsiteY2" fmla="*/ 0 h 266938"/>
+                  <a:gd name="connsiteX0" fmla="*/ 0 w 2087797"/>
+                  <a:gd name="connsiteY0" fmla="*/ 15773 h 266728"/>
+                  <a:gd name="connsiteX1" fmla="*/ 1021539 w 2087797"/>
+                  <a:gd name="connsiteY1" fmla="*/ 265926 h 266728"/>
+                  <a:gd name="connsiteX2" fmla="*/ 2087797 w 2087797"/>
+                  <a:gd name="connsiteY2" fmla="*/ 0 h 266728"/>
+                </a:gdLst>
+                <a:ahLst/>
+                <a:cxnLst>
+                  <a:cxn ang="0">
+                    <a:pos x="connsiteX0" y="connsiteY0"/>
+                  </a:cxn>
+                  <a:cxn ang="0">
+                    <a:pos x="connsiteX1" y="connsiteY1"/>
+                  </a:cxn>
+                  <a:cxn ang="0">
+                    <a:pos x="connsiteX2" y="connsiteY2"/>
+                  </a:cxn>
+                </a:cxnLst>
+                <a:rect l="l" t="t" r="r" b="b"/>
+                <a:pathLst>
+                  <a:path w="2087797" h="266728">
+                    <a:moveTo>
+                      <a:pt x="0" y="15773"/>
+                    </a:moveTo>
+                    <a:cubicBezTo>
+                      <a:pt x="218492" y="204555"/>
+                      <a:pt x="675851" y="275219"/>
+                      <a:pt x="1021539" y="265926"/>
+                    </a:cubicBezTo>
+                    <a:cubicBezTo>
+                      <a:pt x="1367227" y="256633"/>
+                      <a:pt x="1711646" y="204247"/>
+                      <a:pt x="2087797" y="0"/>
+                    </a:cubicBezTo>
+                  </a:path>
+                </a:pathLst>
+              </a:custGeom>
+              <a:noFill/>
+              <a:ln w="38100">
+                <a:solidFill>
+                  <a:schemeClr val="bg1"/>
+                </a:solidFill>
+              </a:ln>
+            </p:spPr>
+            <p:style>
+              <a:lnRef idx="2">
+                <a:schemeClr val="accent1">
+                  <a:shade val="50000"/>
+                </a:schemeClr>
+              </a:lnRef>
+              <a:fillRef idx="1">
+                <a:schemeClr val="accent1"/>
+              </a:fillRef>
+              <a:effectRef idx="0">
+                <a:schemeClr val="accent1"/>
+              </a:effectRef>
+              <a:fontRef idx="minor">
+                <a:schemeClr val="lt1"/>
+              </a:fontRef>
+            </p:style>
+            <p:txBody>
+              <a:bodyPr rtlCol="0" anchor="ctr"/>
+              <a:lstStyle/>
+              <a:p>
+                <a:pPr algn="ctr"/>
+                <a:endParaRPr lang="en-US"/>
+              </a:p>
+            </p:txBody>
+          </p:sp>
+          <p:sp>
+            <p:nvSpPr>
+              <p:cNvPr id="210" name="Oval 209">
+                <a:extLst>
+                  <a:ext uri="{FF2B5EF4-FFF2-40B4-BE49-F238E27FC236}">
+                    <a16:creationId xmlns:a16="http://schemas.microsoft.com/office/drawing/2014/main" id="{F323EE9B-B449-1229-24E8-0F9AEC4C5A9E}"/>
+                  </a:ext>
+                </a:extLst>
+              </p:cNvPr>
+              <p:cNvSpPr/>
+              <p:nvPr/>
+            </p:nvSpPr>
+            <p:spPr>
+              <a:xfrm>
+                <a:off x="2940877" y="4888575"/>
+                <a:ext cx="228600" cy="231775"/>
+              </a:xfrm>
+              <a:prstGeom prst="ellipse">
+                <a:avLst/>
+              </a:prstGeom>
+              <a:solidFill>
+                <a:schemeClr val="tx1"/>
+              </a:solidFill>
+              <a:ln>
+                <a:noFill/>
+              </a:ln>
+            </p:spPr>
+            <p:style>
+              <a:lnRef idx="2">
+                <a:schemeClr val="accent1">
+                  <a:shade val="50000"/>
+                </a:schemeClr>
+              </a:lnRef>
+              <a:fillRef idx="1">
+                <a:schemeClr val="accent1"/>
+              </a:fillRef>
+              <a:effectRef idx="0">
+                <a:schemeClr val="accent1"/>
+              </a:effectRef>
+              <a:fontRef idx="minor">
+                <a:schemeClr val="lt1"/>
+              </a:fontRef>
+            </p:style>
+            <p:txBody>
+              <a:bodyPr rtlCol="0" anchor="ctr"/>
+              <a:lstStyle/>
+              <a:p>
+                <a:pPr algn="ctr"/>
+                <a:endParaRPr lang="en-US"/>
+              </a:p>
+            </p:txBody>
+          </p:sp>
+          <p:sp>
+            <p:nvSpPr>
+              <p:cNvPr id="211" name="Oval 210">
+                <a:extLst>
+                  <a:ext uri="{FF2B5EF4-FFF2-40B4-BE49-F238E27FC236}">
+                    <a16:creationId xmlns:a16="http://schemas.microsoft.com/office/drawing/2014/main" id="{CD970E15-215E-4985-8CDD-D584349D8B5B}"/>
+                  </a:ext>
+                </a:extLst>
+              </p:cNvPr>
+              <p:cNvSpPr/>
+              <p:nvPr/>
+            </p:nvSpPr>
+            <p:spPr>
+              <a:xfrm>
+                <a:off x="1699452" y="4898100"/>
+                <a:ext cx="228600" cy="231775"/>
+              </a:xfrm>
+              <a:prstGeom prst="ellipse">
+                <a:avLst/>
+              </a:prstGeom>
+              <a:solidFill>
+                <a:schemeClr val="tx1"/>
+              </a:solidFill>
+              <a:ln>
+                <a:noFill/>
+              </a:ln>
+            </p:spPr>
+            <p:style>
+              <a:lnRef idx="2">
+                <a:schemeClr val="accent1">
+                  <a:shade val="50000"/>
+                </a:schemeClr>
+              </a:lnRef>
+              <a:fillRef idx="1">
+                <a:schemeClr val="accent1"/>
+              </a:fillRef>
+              <a:effectRef idx="0">
+                <a:schemeClr val="accent1"/>
+              </a:effectRef>
+              <a:fontRef idx="minor">
+                <a:schemeClr val="lt1"/>
+              </a:fontRef>
+            </p:style>
+            <p:txBody>
+              <a:bodyPr rtlCol="0" anchor="ctr"/>
+              <a:lstStyle/>
+              <a:p>
+                <a:pPr algn="ctr"/>
+                <a:endParaRPr lang="en-US"/>
+              </a:p>
+            </p:txBody>
+          </p:sp>
+        </p:grpSp>
+        <p:sp>
+          <p:nvSpPr>
+            <p:cNvPr id="195" name="TextBox 194">
+              <a:extLst>
+                <a:ext uri="{FF2B5EF4-FFF2-40B4-BE49-F238E27FC236}">
+                  <a16:creationId xmlns:a16="http://schemas.microsoft.com/office/drawing/2014/main" id="{71A45E1E-8671-27C4-1C70-391EF3A70C41}"/>
+                </a:ext>
+              </a:extLst>
+            </p:cNvPr>
+            <p:cNvSpPr txBox="1"/>
+            <p:nvPr/>
+          </p:nvSpPr>
+          <p:spPr>
+            <a:xfrm>
+              <a:off x="4913475" y="3976008"/>
+              <a:ext cx="1492717" cy="369332"/>
+            </a:xfrm>
+            <a:prstGeom prst="rect">
+              <a:avLst/>
+            </a:prstGeom>
+            <a:noFill/>
+          </p:spPr>
+          <p:txBody>
+            <a:bodyPr wrap="none" rtlCol="0">
+              <a:spAutoFit/>
+            </a:bodyPr>
+            <a:lstStyle/>
+            <a:p>
+              <a:pPr algn="ctr"/>
+              <a:r>
+                <a:rPr lang="en-US" b="1" dirty="0">
+                  <a:latin typeface="Arial" panose="020B0604020202020204" pitchFamily="34" charset="0"/>
+                  <a:cs typeface="Arial" panose="020B0604020202020204" pitchFamily="34" charset="0"/>
+                </a:rPr>
+                <a:t>Code Savvy</a:t>
+              </a:r>
+            </a:p>
+          </p:txBody>
+        </p:sp>
+        <p:sp>
+          <p:nvSpPr>
+            <p:cNvPr id="196" name="TextBox 195">
+              <a:extLst>
+                <a:ext uri="{FF2B5EF4-FFF2-40B4-BE49-F238E27FC236}">
+                  <a16:creationId xmlns:a16="http://schemas.microsoft.com/office/drawing/2014/main" id="{3B3C923F-B25E-85AF-0E31-E1EC08A10D19}"/>
+                </a:ext>
+              </a:extLst>
+            </p:cNvPr>
+            <p:cNvSpPr txBox="1"/>
+            <p:nvPr/>
+          </p:nvSpPr>
+          <p:spPr>
+            <a:xfrm>
+              <a:off x="4433892" y="5445863"/>
+              <a:ext cx="2519893" cy="369332"/>
+            </a:xfrm>
+            <a:prstGeom prst="rect">
+              <a:avLst/>
+            </a:prstGeom>
+            <a:noFill/>
+          </p:spPr>
+          <p:txBody>
+            <a:bodyPr wrap="square" rtlCol="0">
+              <a:spAutoFit/>
+            </a:bodyPr>
+            <a:lstStyle/>
+            <a:p>
+              <a:pPr algn="ctr"/>
+              <a:r>
+                <a:rPr lang="en-US" b="1" dirty="0">
+                  <a:latin typeface="Arial" panose="020B0604020202020204" pitchFamily="34" charset="0"/>
+                  <a:cs typeface="Arial" panose="020B0604020202020204" pitchFamily="34" charset="0"/>
+                </a:rPr>
+                <a:t>Robot Expert</a:t>
+              </a:r>
+            </a:p>
+          </p:txBody>
+        </p:sp>
+        <p:sp>
+          <p:nvSpPr>
+            <p:cNvPr id="197" name="TextBox 196">
+              <a:extLst>
+                <a:ext uri="{FF2B5EF4-FFF2-40B4-BE49-F238E27FC236}">
+                  <a16:creationId xmlns:a16="http://schemas.microsoft.com/office/drawing/2014/main" id="{A39C6072-E834-108A-8762-911D660B77FA}"/>
+                </a:ext>
+              </a:extLst>
+            </p:cNvPr>
+            <p:cNvSpPr txBox="1"/>
+            <p:nvPr/>
+          </p:nvSpPr>
+          <p:spPr>
+            <a:xfrm>
+              <a:off x="1030630" y="3947931"/>
+              <a:ext cx="1492717" cy="369332"/>
+            </a:xfrm>
+            <a:prstGeom prst="rect">
+              <a:avLst/>
+            </a:prstGeom>
+            <a:noFill/>
+          </p:spPr>
+          <p:txBody>
+            <a:bodyPr wrap="none" rtlCol="0">
+              <a:spAutoFit/>
+            </a:bodyPr>
+            <a:lstStyle/>
+            <a:p>
+              <a:pPr algn="ctr"/>
+              <a:r>
+                <a:rPr lang="en-US" b="1" dirty="0">
+                  <a:latin typeface="Arial" panose="020B0604020202020204" pitchFamily="34" charset="0"/>
+                  <a:cs typeface="Arial" panose="020B0604020202020204" pitchFamily="34" charset="0"/>
+                </a:rPr>
+                <a:t>Code Savvy</a:t>
+              </a:r>
+            </a:p>
+          </p:txBody>
+        </p:sp>
+        <p:pic>
+          <p:nvPicPr>
+            <p:cNvPr id="198" name="Picture 197">
+              <a:extLst>
+                <a:ext uri="{FF2B5EF4-FFF2-40B4-BE49-F238E27FC236}">
+                  <a16:creationId xmlns:a16="http://schemas.microsoft.com/office/drawing/2014/main" id="{BC3649D1-272D-B59A-C758-005238A4083E}"/>
+                </a:ext>
+              </a:extLst>
+            </p:cNvPr>
+            <p:cNvPicPr>
+              <a:picLocks noChangeAspect="1"/>
+            </p:cNvPicPr>
+            <p:nvPr/>
+          </p:nvPicPr>
+          <p:blipFill>
+            <a:blip r:embed="rId2"/>
+            <a:stretch>
+              <a:fillRect/>
+            </a:stretch>
+          </p:blipFill>
+          <p:spPr>
+            <a:xfrm>
+              <a:off x="1048534" y="4275238"/>
+              <a:ext cx="1524119" cy="1168017"/>
+            </a:xfrm>
+            <a:prstGeom prst="rect">
+              <a:avLst/>
+            </a:prstGeom>
+          </p:spPr>
+        </p:pic>
+        <p:grpSp>
+          <p:nvGrpSpPr>
+            <p:cNvPr id="199" name="Group 198">
+              <a:extLst>
+                <a:ext uri="{FF2B5EF4-FFF2-40B4-BE49-F238E27FC236}">
+                  <a16:creationId xmlns:a16="http://schemas.microsoft.com/office/drawing/2014/main" id="{676A8BAD-31FF-463B-31A7-E563C1FD694C}"/>
+                </a:ext>
+              </a:extLst>
+            </p:cNvPr>
+            <p:cNvGrpSpPr/>
+            <p:nvPr/>
+          </p:nvGrpSpPr>
+          <p:grpSpPr>
+            <a:xfrm>
+              <a:off x="1359339" y="4907177"/>
+              <a:ext cx="867364" cy="420167"/>
+              <a:chOff x="719238" y="4384746"/>
+              <a:chExt cx="3172338" cy="1882476"/>
+            </a:xfrm>
+          </p:grpSpPr>
+          <p:sp>
+            <p:nvSpPr>
+              <p:cNvPr id="200" name="Trapezoid 199">
+                <a:extLst>
+                  <a:ext uri="{FF2B5EF4-FFF2-40B4-BE49-F238E27FC236}">
+                    <a16:creationId xmlns:a16="http://schemas.microsoft.com/office/drawing/2014/main" id="{B6384768-9700-38E4-861A-1B442A89580F}"/>
+                  </a:ext>
+                </a:extLst>
+              </p:cNvPr>
+              <p:cNvSpPr/>
+              <p:nvPr/>
+            </p:nvSpPr>
+            <p:spPr>
+              <a:xfrm>
+                <a:off x="719238" y="4384746"/>
+                <a:ext cx="3172338" cy="1882476"/>
+              </a:xfrm>
+              <a:prstGeom prst="trapezoid">
+                <a:avLst>
+                  <a:gd name="adj" fmla="val 6207"/>
+                </a:avLst>
+              </a:prstGeom>
+              <a:solidFill>
+                <a:srgbClr val="C00000"/>
+              </a:solidFill>
+              <a:ln>
+                <a:noFill/>
+              </a:ln>
+            </p:spPr>
+            <p:style>
+              <a:lnRef idx="2">
+                <a:schemeClr val="accent1">
+                  <a:shade val="50000"/>
+                </a:schemeClr>
+              </a:lnRef>
+              <a:fillRef idx="1">
+                <a:schemeClr val="accent1"/>
+              </a:fillRef>
+              <a:effectRef idx="0">
+                <a:schemeClr val="accent1"/>
+              </a:effectRef>
+              <a:fontRef idx="minor">
+                <a:schemeClr val="lt1"/>
+              </a:fontRef>
+            </p:style>
+            <p:txBody>
+              <a:bodyPr rtlCol="0" anchor="ctr"/>
+              <a:lstStyle/>
+              <a:p>
+                <a:pPr algn="ctr"/>
+                <a:endParaRPr lang="en-US"/>
+              </a:p>
+            </p:txBody>
+          </p:sp>
+          <p:sp>
+            <p:nvSpPr>
+              <p:cNvPr id="201" name="Oval 200">
+                <a:extLst>
+                  <a:ext uri="{FF2B5EF4-FFF2-40B4-BE49-F238E27FC236}">
+                    <a16:creationId xmlns:a16="http://schemas.microsoft.com/office/drawing/2014/main" id="{A619EDC1-7311-4CFA-28C3-2280ED17A0AF}"/>
+                  </a:ext>
+                </a:extLst>
+              </p:cNvPr>
+              <p:cNvSpPr/>
+              <p:nvPr/>
+            </p:nvSpPr>
+            <p:spPr>
+              <a:xfrm>
+                <a:off x="1378235" y="4722004"/>
+                <a:ext cx="903249" cy="568712"/>
+              </a:xfrm>
+              <a:prstGeom prst="ellipse">
+                <a:avLst/>
+              </a:prstGeom>
+              <a:solidFill>
+                <a:schemeClr val="bg1"/>
+              </a:solidFill>
+              <a:ln>
+                <a:noFill/>
+              </a:ln>
+            </p:spPr>
+            <p:style>
+              <a:lnRef idx="2">
+                <a:schemeClr val="accent1">
+                  <a:shade val="50000"/>
+                </a:schemeClr>
+              </a:lnRef>
+              <a:fillRef idx="1">
+                <a:schemeClr val="accent1"/>
+              </a:fillRef>
+              <a:effectRef idx="0">
+                <a:schemeClr val="accent1"/>
+              </a:effectRef>
+              <a:fontRef idx="minor">
+                <a:schemeClr val="lt1"/>
+              </a:fontRef>
+            </p:style>
+            <p:txBody>
+              <a:bodyPr rtlCol="0" anchor="ctr"/>
+              <a:lstStyle/>
+              <a:p>
+                <a:pPr algn="ctr"/>
+                <a:endParaRPr lang="en-US"/>
+              </a:p>
+            </p:txBody>
+          </p:sp>
+          <p:sp>
+            <p:nvSpPr>
+              <p:cNvPr id="202" name="Oval 201">
+                <a:extLst>
+                  <a:ext uri="{FF2B5EF4-FFF2-40B4-BE49-F238E27FC236}">
+                    <a16:creationId xmlns:a16="http://schemas.microsoft.com/office/drawing/2014/main" id="{21C615F5-FDBC-0CA5-A56A-5ACFF55276CB}"/>
+                  </a:ext>
+                </a:extLst>
+              </p:cNvPr>
+              <p:cNvSpPr/>
+              <p:nvPr/>
+            </p:nvSpPr>
+            <p:spPr>
+              <a:xfrm>
+                <a:off x="2590001" y="4729438"/>
+                <a:ext cx="903249" cy="568712"/>
+              </a:xfrm>
+              <a:prstGeom prst="ellipse">
+                <a:avLst/>
+              </a:prstGeom>
+              <a:solidFill>
+                <a:schemeClr val="bg1"/>
+              </a:solidFill>
+              <a:ln>
+                <a:noFill/>
+              </a:ln>
+            </p:spPr>
+            <p:style>
+              <a:lnRef idx="2">
+                <a:schemeClr val="accent1">
+                  <a:shade val="50000"/>
+                </a:schemeClr>
+              </a:lnRef>
+              <a:fillRef idx="1">
+                <a:schemeClr val="accent1"/>
+              </a:fillRef>
+              <a:effectRef idx="0">
+                <a:schemeClr val="accent1"/>
+              </a:effectRef>
+              <a:fontRef idx="minor">
+                <a:schemeClr val="lt1"/>
+              </a:fontRef>
+            </p:style>
+            <p:txBody>
+              <a:bodyPr rtlCol="0" anchor="ctr"/>
+              <a:lstStyle/>
+              <a:p>
+                <a:pPr algn="ctr"/>
+                <a:endParaRPr lang="en-US"/>
+              </a:p>
+            </p:txBody>
+          </p:sp>
+          <p:sp>
+            <p:nvSpPr>
+              <p:cNvPr id="203" name="Freeform 202">
+                <a:extLst>
+                  <a:ext uri="{FF2B5EF4-FFF2-40B4-BE49-F238E27FC236}">
+                    <a16:creationId xmlns:a16="http://schemas.microsoft.com/office/drawing/2014/main" id="{4A839E10-DFB1-CAF8-789B-0108013618B8}"/>
+                  </a:ext>
+                </a:extLst>
+              </p:cNvPr>
+              <p:cNvSpPr/>
+              <p:nvPr/>
+            </p:nvSpPr>
+            <p:spPr>
+              <a:xfrm>
+                <a:off x="1613092" y="5522940"/>
+                <a:ext cx="1644650" cy="286131"/>
+              </a:xfrm>
+              <a:custGeom>
+                <a:avLst/>
+                <a:gdLst>
+                  <a:gd name="connsiteX0" fmla="*/ 0 w 2074127"/>
+                  <a:gd name="connsiteY0" fmla="*/ 55756 h 234813"/>
+                  <a:gd name="connsiteX1" fmla="*/ 858644 w 2074127"/>
+                  <a:gd name="connsiteY1" fmla="*/ 234176 h 234813"/>
+                  <a:gd name="connsiteX2" fmla="*/ 2074127 w 2074127"/>
+                  <a:gd name="connsiteY2" fmla="*/ 0 h 234813"/>
+                  <a:gd name="connsiteX0" fmla="*/ 0 w 2074127"/>
+                  <a:gd name="connsiteY0" fmla="*/ 55756 h 237969"/>
+                  <a:gd name="connsiteX1" fmla="*/ 991994 w 2074127"/>
+                  <a:gd name="connsiteY1" fmla="*/ 237351 h 237969"/>
+                  <a:gd name="connsiteX2" fmla="*/ 2074127 w 2074127"/>
+                  <a:gd name="connsiteY2" fmla="*/ 0 h 237969"/>
+                  <a:gd name="connsiteX0" fmla="*/ 0 w 2074127"/>
+                  <a:gd name="connsiteY0" fmla="*/ 55756 h 237969"/>
+                  <a:gd name="connsiteX1" fmla="*/ 991994 w 2074127"/>
+                  <a:gd name="connsiteY1" fmla="*/ 237351 h 237969"/>
+                  <a:gd name="connsiteX2" fmla="*/ 2074127 w 2074127"/>
+                  <a:gd name="connsiteY2" fmla="*/ 0 h 237969"/>
+                  <a:gd name="connsiteX0" fmla="*/ 0 w 2058252"/>
+                  <a:gd name="connsiteY0" fmla="*/ 84331 h 266544"/>
+                  <a:gd name="connsiteX1" fmla="*/ 991994 w 2058252"/>
+                  <a:gd name="connsiteY1" fmla="*/ 265926 h 266544"/>
+                  <a:gd name="connsiteX2" fmla="*/ 2058252 w 2058252"/>
+                  <a:gd name="connsiteY2" fmla="*/ 0 h 266544"/>
+                  <a:gd name="connsiteX0" fmla="*/ 0 w 2090002"/>
+                  <a:gd name="connsiteY0" fmla="*/ 33531 h 266343"/>
+                  <a:gd name="connsiteX1" fmla="*/ 1023744 w 2090002"/>
+                  <a:gd name="connsiteY1" fmla="*/ 265926 h 266343"/>
+                  <a:gd name="connsiteX2" fmla="*/ 2090002 w 2090002"/>
+                  <a:gd name="connsiteY2" fmla="*/ 0 h 266343"/>
+                  <a:gd name="connsiteX0" fmla="*/ 0 w 2090002"/>
+                  <a:gd name="connsiteY0" fmla="*/ 33531 h 266352"/>
+                  <a:gd name="connsiteX1" fmla="*/ 1023744 w 2090002"/>
+                  <a:gd name="connsiteY1" fmla="*/ 265926 h 266352"/>
+                  <a:gd name="connsiteX2" fmla="*/ 2090002 w 2090002"/>
+                  <a:gd name="connsiteY2" fmla="*/ 0 h 266352"/>
+                  <a:gd name="connsiteX0" fmla="*/ 0 w 2128102"/>
+                  <a:gd name="connsiteY0" fmla="*/ 33531 h 266352"/>
+                  <a:gd name="connsiteX1" fmla="*/ 1061844 w 2128102"/>
+                  <a:gd name="connsiteY1" fmla="*/ 265926 h 266352"/>
+                  <a:gd name="connsiteX2" fmla="*/ 2128102 w 2128102"/>
+                  <a:gd name="connsiteY2" fmla="*/ 0 h 266352"/>
+                  <a:gd name="connsiteX0" fmla="*/ 0 w 2128102"/>
+                  <a:gd name="connsiteY0" fmla="*/ 33531 h 266352"/>
+                  <a:gd name="connsiteX1" fmla="*/ 1061844 w 2128102"/>
+                  <a:gd name="connsiteY1" fmla="*/ 265926 h 266352"/>
+                  <a:gd name="connsiteX2" fmla="*/ 2128102 w 2128102"/>
+                  <a:gd name="connsiteY2" fmla="*/ 0 h 266352"/>
+                  <a:gd name="connsiteX0" fmla="*/ 0 w 2128102"/>
+                  <a:gd name="connsiteY0" fmla="*/ 33531 h 266938"/>
+                  <a:gd name="connsiteX1" fmla="*/ 1061844 w 2128102"/>
+                  <a:gd name="connsiteY1" fmla="*/ 265926 h 266938"/>
+                  <a:gd name="connsiteX2" fmla="*/ 2128102 w 2128102"/>
+                  <a:gd name="connsiteY2" fmla="*/ 0 h 266938"/>
+                  <a:gd name="connsiteX0" fmla="*/ 0 w 2087797"/>
+                  <a:gd name="connsiteY0" fmla="*/ 15773 h 266728"/>
+                  <a:gd name="connsiteX1" fmla="*/ 1021539 w 2087797"/>
+                  <a:gd name="connsiteY1" fmla="*/ 265926 h 266728"/>
+                  <a:gd name="connsiteX2" fmla="*/ 2087797 w 2087797"/>
+                  <a:gd name="connsiteY2" fmla="*/ 0 h 266728"/>
+                </a:gdLst>
+                <a:ahLst/>
+                <a:cxnLst>
+                  <a:cxn ang="0">
+                    <a:pos x="connsiteX0" y="connsiteY0"/>
+                  </a:cxn>
+                  <a:cxn ang="0">
+                    <a:pos x="connsiteX1" y="connsiteY1"/>
+                  </a:cxn>
+                  <a:cxn ang="0">
+                    <a:pos x="connsiteX2" y="connsiteY2"/>
+                  </a:cxn>
+                </a:cxnLst>
+                <a:rect l="l" t="t" r="r" b="b"/>
+                <a:pathLst>
+                  <a:path w="2087797" h="266728">
+                    <a:moveTo>
+                      <a:pt x="0" y="15773"/>
+                    </a:moveTo>
+                    <a:cubicBezTo>
+                      <a:pt x="218492" y="204555"/>
+                      <a:pt x="675851" y="275219"/>
+                      <a:pt x="1021539" y="265926"/>
+                    </a:cubicBezTo>
+                    <a:cubicBezTo>
+                      <a:pt x="1367227" y="256633"/>
+                      <a:pt x="1711646" y="204247"/>
+                      <a:pt x="2087797" y="0"/>
+                    </a:cubicBezTo>
+                  </a:path>
+                </a:pathLst>
+              </a:custGeom>
+              <a:noFill/>
+              <a:ln w="38100">
+                <a:solidFill>
+                  <a:schemeClr val="bg1"/>
+                </a:solidFill>
+              </a:ln>
+            </p:spPr>
+            <p:style>
+              <a:lnRef idx="2">
+                <a:schemeClr val="accent1">
+                  <a:shade val="50000"/>
+                </a:schemeClr>
+              </a:lnRef>
+              <a:fillRef idx="1">
+                <a:schemeClr val="accent1"/>
+              </a:fillRef>
+              <a:effectRef idx="0">
+                <a:schemeClr val="accent1"/>
+              </a:effectRef>
+              <a:fontRef idx="minor">
+                <a:schemeClr val="lt1"/>
+              </a:fontRef>
+            </p:style>
+            <p:txBody>
+              <a:bodyPr rtlCol="0" anchor="ctr"/>
+              <a:lstStyle/>
+              <a:p>
+                <a:pPr algn="ctr"/>
+                <a:endParaRPr lang="en-US"/>
+              </a:p>
+            </p:txBody>
+          </p:sp>
+          <p:sp>
+            <p:nvSpPr>
+              <p:cNvPr id="204" name="Oval 203">
+                <a:extLst>
+                  <a:ext uri="{FF2B5EF4-FFF2-40B4-BE49-F238E27FC236}">
+                    <a16:creationId xmlns:a16="http://schemas.microsoft.com/office/drawing/2014/main" id="{973D4F1B-2E6E-BE8A-9690-84F2BCE62722}"/>
+                  </a:ext>
+                </a:extLst>
+              </p:cNvPr>
+              <p:cNvSpPr/>
+              <p:nvPr/>
+            </p:nvSpPr>
+            <p:spPr>
+              <a:xfrm>
+                <a:off x="2940877" y="4888575"/>
+                <a:ext cx="228600" cy="231775"/>
+              </a:xfrm>
+              <a:prstGeom prst="ellipse">
+                <a:avLst/>
+              </a:prstGeom>
+              <a:solidFill>
+                <a:schemeClr val="tx1"/>
+              </a:solidFill>
+              <a:ln>
+                <a:noFill/>
+              </a:ln>
+            </p:spPr>
+            <p:style>
+              <a:lnRef idx="2">
+                <a:schemeClr val="accent1">
+                  <a:shade val="50000"/>
+                </a:schemeClr>
+              </a:lnRef>
+              <a:fillRef idx="1">
+                <a:schemeClr val="accent1"/>
+              </a:fillRef>
+              <a:effectRef idx="0">
+                <a:schemeClr val="accent1"/>
+              </a:effectRef>
+              <a:fontRef idx="minor">
+                <a:schemeClr val="lt1"/>
+              </a:fontRef>
+            </p:style>
+            <p:txBody>
+              <a:bodyPr rtlCol="0" anchor="ctr"/>
+              <a:lstStyle/>
+              <a:p>
+                <a:pPr algn="ctr"/>
+                <a:endParaRPr lang="en-US"/>
+              </a:p>
+            </p:txBody>
+          </p:sp>
+          <p:sp>
+            <p:nvSpPr>
+              <p:cNvPr id="205" name="Oval 204">
+                <a:extLst>
+                  <a:ext uri="{FF2B5EF4-FFF2-40B4-BE49-F238E27FC236}">
+                    <a16:creationId xmlns:a16="http://schemas.microsoft.com/office/drawing/2014/main" id="{BCD8349C-A939-7945-E6CE-49E2A114C036}"/>
+                  </a:ext>
+                </a:extLst>
+              </p:cNvPr>
+              <p:cNvSpPr/>
+              <p:nvPr/>
+            </p:nvSpPr>
+            <p:spPr>
+              <a:xfrm>
+                <a:off x="1699452" y="4898100"/>
+                <a:ext cx="228600" cy="231775"/>
+              </a:xfrm>
+              <a:prstGeom prst="ellipse">
+                <a:avLst/>
+              </a:prstGeom>
+              <a:solidFill>
+                <a:schemeClr val="tx1"/>
+              </a:solidFill>
+              <a:ln>
+                <a:noFill/>
+              </a:ln>
+            </p:spPr>
+            <p:style>
+              <a:lnRef idx="2">
+                <a:schemeClr val="accent1">
+                  <a:shade val="50000"/>
+                </a:schemeClr>
+              </a:lnRef>
+              <a:fillRef idx="1">
+                <a:schemeClr val="accent1"/>
+              </a:fillRef>
+              <a:effectRef idx="0">
+                <a:schemeClr val="accent1"/>
+              </a:effectRef>
+              <a:fontRef idx="minor">
+                <a:schemeClr val="lt1"/>
+              </a:fontRef>
+            </p:style>
+            <p:txBody>
+              <a:bodyPr rtlCol="0" anchor="ctr"/>
+              <a:lstStyle/>
+              <a:p>
+                <a:pPr algn="ctr"/>
+                <a:endParaRPr lang="en-US"/>
+              </a:p>
+            </p:txBody>
+          </p:sp>
+        </p:grpSp>
+      </p:grpSp>
+      <p:grpSp>
+        <p:nvGrpSpPr>
+          <p:cNvPr id="222" name="Group 221">
+            <a:extLst>
+              <a:ext uri="{FF2B5EF4-FFF2-40B4-BE49-F238E27FC236}">
+                <a16:creationId xmlns:a16="http://schemas.microsoft.com/office/drawing/2014/main" id="{1E5D2CD4-6301-3A43-EF39-9F647BCA7444}"/>
+              </a:ext>
+            </a:extLst>
+          </p:cNvPr>
+          <p:cNvGrpSpPr/>
+          <p:nvPr/>
+        </p:nvGrpSpPr>
+        <p:grpSpPr>
+          <a:xfrm>
+            <a:off x="5448800" y="211416"/>
+            <a:ext cx="2519893" cy="1839187"/>
+            <a:chOff x="4428830" y="200269"/>
+            <a:chExt cx="2519893" cy="1839187"/>
+          </a:xfrm>
+        </p:grpSpPr>
+        <p:pic>
+          <p:nvPicPr>
+            <p:cNvPr id="223" name="Picture 222">
+              <a:extLst>
+                <a:ext uri="{FF2B5EF4-FFF2-40B4-BE49-F238E27FC236}">
+                  <a16:creationId xmlns:a16="http://schemas.microsoft.com/office/drawing/2014/main" id="{65B1FF4F-84BA-ACDE-0ACB-7320E7AD8201}"/>
+                </a:ext>
+              </a:extLst>
+            </p:cNvPr>
+            <p:cNvPicPr>
+              <a:picLocks noChangeAspect="1"/>
+            </p:cNvPicPr>
+            <p:nvPr/>
+          </p:nvPicPr>
+          <p:blipFill>
+            <a:blip r:embed="rId2"/>
+            <a:stretch>
+              <a:fillRect/>
+            </a:stretch>
+          </p:blipFill>
+          <p:spPr>
+            <a:xfrm>
+              <a:off x="4879029" y="529101"/>
+              <a:ext cx="1551485" cy="1188989"/>
+            </a:xfrm>
+            <a:prstGeom prst="rect">
+              <a:avLst/>
+            </a:prstGeom>
+          </p:spPr>
+        </p:pic>
+        <p:grpSp>
+          <p:nvGrpSpPr>
+            <p:cNvPr id="224" name="Group 223">
+              <a:extLst>
+                <a:ext uri="{FF2B5EF4-FFF2-40B4-BE49-F238E27FC236}">
+                  <a16:creationId xmlns:a16="http://schemas.microsoft.com/office/drawing/2014/main" id="{D605086A-CB59-27C9-4285-4107D5A274D7}"/>
+                </a:ext>
+              </a:extLst>
+            </p:cNvPr>
+            <p:cNvGrpSpPr/>
+            <p:nvPr/>
+          </p:nvGrpSpPr>
+          <p:grpSpPr>
+            <a:xfrm>
+              <a:off x="5211187" y="1142505"/>
+              <a:ext cx="886955" cy="481904"/>
+              <a:chOff x="807719" y="4384746"/>
+              <a:chExt cx="3083857" cy="1731203"/>
+            </a:xfrm>
+          </p:grpSpPr>
+          <p:sp>
+            <p:nvSpPr>
+              <p:cNvPr id="227" name="Trapezoid 226">
+                <a:extLst>
+                  <a:ext uri="{FF2B5EF4-FFF2-40B4-BE49-F238E27FC236}">
+                    <a16:creationId xmlns:a16="http://schemas.microsoft.com/office/drawing/2014/main" id="{6E986A75-0CAE-00A1-89E1-F7E101F0C8E7}"/>
+                  </a:ext>
+                </a:extLst>
+              </p:cNvPr>
+              <p:cNvSpPr/>
+              <p:nvPr/>
+            </p:nvSpPr>
+            <p:spPr>
+              <a:xfrm>
+                <a:off x="807719" y="4384746"/>
+                <a:ext cx="3083857" cy="1731203"/>
+              </a:xfrm>
+              <a:prstGeom prst="trapezoid">
+                <a:avLst>
+                  <a:gd name="adj" fmla="val 6207"/>
+                </a:avLst>
+              </a:prstGeom>
+              <a:solidFill>
+                <a:srgbClr val="00B0F0"/>
+              </a:solidFill>
+              <a:ln>
+                <a:noFill/>
+              </a:ln>
+            </p:spPr>
+            <p:style>
+              <a:lnRef idx="2">
+                <a:schemeClr val="accent1">
+                  <a:shade val="50000"/>
+                </a:schemeClr>
+              </a:lnRef>
+              <a:fillRef idx="1">
+                <a:schemeClr val="accent1"/>
+              </a:fillRef>
+              <a:effectRef idx="0">
+                <a:schemeClr val="accent1"/>
+              </a:effectRef>
+              <a:fontRef idx="minor">
+                <a:schemeClr val="lt1"/>
+              </a:fontRef>
+            </p:style>
+            <p:txBody>
+              <a:bodyPr rtlCol="0" anchor="ctr"/>
+              <a:lstStyle/>
+              <a:p>
+                <a:pPr algn="ctr"/>
+                <a:endParaRPr lang="en-US"/>
+              </a:p>
+            </p:txBody>
+          </p:sp>
+          <p:sp>
+            <p:nvSpPr>
+              <p:cNvPr id="228" name="Oval 227">
+                <a:extLst>
+                  <a:ext uri="{FF2B5EF4-FFF2-40B4-BE49-F238E27FC236}">
+                    <a16:creationId xmlns:a16="http://schemas.microsoft.com/office/drawing/2014/main" id="{388F0AC2-39B2-87D1-4C64-88798C066340}"/>
+                  </a:ext>
+                </a:extLst>
+              </p:cNvPr>
+              <p:cNvSpPr/>
+              <p:nvPr/>
+            </p:nvSpPr>
+            <p:spPr>
+              <a:xfrm>
+                <a:off x="1378235" y="4722004"/>
+                <a:ext cx="903249" cy="568712"/>
+              </a:xfrm>
+              <a:prstGeom prst="ellipse">
+                <a:avLst/>
+              </a:prstGeom>
+              <a:solidFill>
+                <a:schemeClr val="bg1"/>
+              </a:solidFill>
+              <a:ln>
+                <a:noFill/>
+              </a:ln>
+            </p:spPr>
+            <p:style>
+              <a:lnRef idx="2">
+                <a:schemeClr val="accent1">
+                  <a:shade val="50000"/>
+                </a:schemeClr>
+              </a:lnRef>
+              <a:fillRef idx="1">
+                <a:schemeClr val="accent1"/>
+              </a:fillRef>
+              <a:effectRef idx="0">
+                <a:schemeClr val="accent1"/>
+              </a:effectRef>
+              <a:fontRef idx="minor">
+                <a:schemeClr val="lt1"/>
+              </a:fontRef>
+            </p:style>
+            <p:txBody>
+              <a:bodyPr rtlCol="0" anchor="ctr"/>
+              <a:lstStyle/>
+              <a:p>
+                <a:pPr algn="ctr"/>
+                <a:endParaRPr lang="en-US"/>
+              </a:p>
+            </p:txBody>
+          </p:sp>
+          <p:sp>
+            <p:nvSpPr>
+              <p:cNvPr id="229" name="Oval 228">
+                <a:extLst>
+                  <a:ext uri="{FF2B5EF4-FFF2-40B4-BE49-F238E27FC236}">
+                    <a16:creationId xmlns:a16="http://schemas.microsoft.com/office/drawing/2014/main" id="{EBB16BAD-1CD7-B6BA-CCA6-0AAB6A28F5A6}"/>
+                  </a:ext>
+                </a:extLst>
+              </p:cNvPr>
+              <p:cNvSpPr/>
+              <p:nvPr/>
+            </p:nvSpPr>
+            <p:spPr>
+              <a:xfrm>
+                <a:off x="2590001" y="4729438"/>
+                <a:ext cx="903249" cy="568712"/>
+              </a:xfrm>
+              <a:prstGeom prst="ellipse">
+                <a:avLst/>
+              </a:prstGeom>
+              <a:solidFill>
+                <a:schemeClr val="bg1"/>
+              </a:solidFill>
+              <a:ln>
+                <a:noFill/>
+              </a:ln>
+            </p:spPr>
+            <p:style>
+              <a:lnRef idx="2">
+                <a:schemeClr val="accent1">
+                  <a:shade val="50000"/>
+                </a:schemeClr>
+              </a:lnRef>
+              <a:fillRef idx="1">
+                <a:schemeClr val="accent1"/>
+              </a:fillRef>
+              <a:effectRef idx="0">
+                <a:schemeClr val="accent1"/>
+              </a:effectRef>
+              <a:fontRef idx="minor">
+                <a:schemeClr val="lt1"/>
+              </a:fontRef>
+            </p:style>
+            <p:txBody>
+              <a:bodyPr rtlCol="0" anchor="ctr"/>
+              <a:lstStyle/>
+              <a:p>
+                <a:pPr algn="ctr"/>
+                <a:endParaRPr lang="en-US"/>
+              </a:p>
+            </p:txBody>
+          </p:sp>
+          <p:sp>
+            <p:nvSpPr>
+              <p:cNvPr id="230" name="Freeform 229">
+                <a:extLst>
+                  <a:ext uri="{FF2B5EF4-FFF2-40B4-BE49-F238E27FC236}">
+                    <a16:creationId xmlns:a16="http://schemas.microsoft.com/office/drawing/2014/main" id="{91097465-9D64-5F60-9C27-6E84CC080487}"/>
+                  </a:ext>
+                </a:extLst>
+              </p:cNvPr>
+              <p:cNvSpPr/>
+              <p:nvPr/>
+            </p:nvSpPr>
+            <p:spPr>
+              <a:xfrm>
+                <a:off x="1613092" y="5522940"/>
+                <a:ext cx="1644650" cy="286131"/>
+              </a:xfrm>
+              <a:custGeom>
+                <a:avLst/>
+                <a:gdLst>
+                  <a:gd name="connsiteX0" fmla="*/ 0 w 2074127"/>
+                  <a:gd name="connsiteY0" fmla="*/ 55756 h 234813"/>
+                  <a:gd name="connsiteX1" fmla="*/ 858644 w 2074127"/>
+                  <a:gd name="connsiteY1" fmla="*/ 234176 h 234813"/>
+                  <a:gd name="connsiteX2" fmla="*/ 2074127 w 2074127"/>
+                  <a:gd name="connsiteY2" fmla="*/ 0 h 234813"/>
+                  <a:gd name="connsiteX0" fmla="*/ 0 w 2074127"/>
+                  <a:gd name="connsiteY0" fmla="*/ 55756 h 237969"/>
+                  <a:gd name="connsiteX1" fmla="*/ 991994 w 2074127"/>
+                  <a:gd name="connsiteY1" fmla="*/ 237351 h 237969"/>
+                  <a:gd name="connsiteX2" fmla="*/ 2074127 w 2074127"/>
+                  <a:gd name="connsiteY2" fmla="*/ 0 h 237969"/>
+                  <a:gd name="connsiteX0" fmla="*/ 0 w 2074127"/>
+                  <a:gd name="connsiteY0" fmla="*/ 55756 h 237969"/>
+                  <a:gd name="connsiteX1" fmla="*/ 991994 w 2074127"/>
+                  <a:gd name="connsiteY1" fmla="*/ 237351 h 237969"/>
+                  <a:gd name="connsiteX2" fmla="*/ 2074127 w 2074127"/>
+                  <a:gd name="connsiteY2" fmla="*/ 0 h 237969"/>
+                  <a:gd name="connsiteX0" fmla="*/ 0 w 2058252"/>
+                  <a:gd name="connsiteY0" fmla="*/ 84331 h 266544"/>
+                  <a:gd name="connsiteX1" fmla="*/ 991994 w 2058252"/>
+                  <a:gd name="connsiteY1" fmla="*/ 265926 h 266544"/>
+                  <a:gd name="connsiteX2" fmla="*/ 2058252 w 2058252"/>
+                  <a:gd name="connsiteY2" fmla="*/ 0 h 266544"/>
+                  <a:gd name="connsiteX0" fmla="*/ 0 w 2090002"/>
+                  <a:gd name="connsiteY0" fmla="*/ 33531 h 266343"/>
+                  <a:gd name="connsiteX1" fmla="*/ 1023744 w 2090002"/>
+                  <a:gd name="connsiteY1" fmla="*/ 265926 h 266343"/>
+                  <a:gd name="connsiteX2" fmla="*/ 2090002 w 2090002"/>
+                  <a:gd name="connsiteY2" fmla="*/ 0 h 266343"/>
+                  <a:gd name="connsiteX0" fmla="*/ 0 w 2090002"/>
+                  <a:gd name="connsiteY0" fmla="*/ 33531 h 266352"/>
+                  <a:gd name="connsiteX1" fmla="*/ 1023744 w 2090002"/>
+                  <a:gd name="connsiteY1" fmla="*/ 265926 h 266352"/>
+                  <a:gd name="connsiteX2" fmla="*/ 2090002 w 2090002"/>
+                  <a:gd name="connsiteY2" fmla="*/ 0 h 266352"/>
+                  <a:gd name="connsiteX0" fmla="*/ 0 w 2128102"/>
+                  <a:gd name="connsiteY0" fmla="*/ 33531 h 266352"/>
+                  <a:gd name="connsiteX1" fmla="*/ 1061844 w 2128102"/>
+                  <a:gd name="connsiteY1" fmla="*/ 265926 h 266352"/>
+                  <a:gd name="connsiteX2" fmla="*/ 2128102 w 2128102"/>
+                  <a:gd name="connsiteY2" fmla="*/ 0 h 266352"/>
+                  <a:gd name="connsiteX0" fmla="*/ 0 w 2128102"/>
+                  <a:gd name="connsiteY0" fmla="*/ 33531 h 266352"/>
+                  <a:gd name="connsiteX1" fmla="*/ 1061844 w 2128102"/>
+                  <a:gd name="connsiteY1" fmla="*/ 265926 h 266352"/>
+                  <a:gd name="connsiteX2" fmla="*/ 2128102 w 2128102"/>
+                  <a:gd name="connsiteY2" fmla="*/ 0 h 266352"/>
+                  <a:gd name="connsiteX0" fmla="*/ 0 w 2128102"/>
+                  <a:gd name="connsiteY0" fmla="*/ 33531 h 266938"/>
+                  <a:gd name="connsiteX1" fmla="*/ 1061844 w 2128102"/>
+                  <a:gd name="connsiteY1" fmla="*/ 265926 h 266938"/>
+                  <a:gd name="connsiteX2" fmla="*/ 2128102 w 2128102"/>
+                  <a:gd name="connsiteY2" fmla="*/ 0 h 266938"/>
+                  <a:gd name="connsiteX0" fmla="*/ 0 w 2087797"/>
+                  <a:gd name="connsiteY0" fmla="*/ 15773 h 266728"/>
+                  <a:gd name="connsiteX1" fmla="*/ 1021539 w 2087797"/>
+                  <a:gd name="connsiteY1" fmla="*/ 265926 h 266728"/>
+                  <a:gd name="connsiteX2" fmla="*/ 2087797 w 2087797"/>
+                  <a:gd name="connsiteY2" fmla="*/ 0 h 266728"/>
+                </a:gdLst>
+                <a:ahLst/>
+                <a:cxnLst>
+                  <a:cxn ang="0">
+                    <a:pos x="connsiteX0" y="connsiteY0"/>
+                  </a:cxn>
+                  <a:cxn ang="0">
+                    <a:pos x="connsiteX1" y="connsiteY1"/>
+                  </a:cxn>
+                  <a:cxn ang="0">
+                    <a:pos x="connsiteX2" y="connsiteY2"/>
+                  </a:cxn>
+                </a:cxnLst>
+                <a:rect l="l" t="t" r="r" b="b"/>
+                <a:pathLst>
+                  <a:path w="2087797" h="266728">
+                    <a:moveTo>
+                      <a:pt x="0" y="15773"/>
+                    </a:moveTo>
+                    <a:cubicBezTo>
+                      <a:pt x="218492" y="204555"/>
+                      <a:pt x="675851" y="275219"/>
+                      <a:pt x="1021539" y="265926"/>
+                    </a:cubicBezTo>
+                    <a:cubicBezTo>
+                      <a:pt x="1367227" y="256633"/>
+                      <a:pt x="1711646" y="204247"/>
+                      <a:pt x="2087797" y="0"/>
+                    </a:cubicBezTo>
+                  </a:path>
+                </a:pathLst>
+              </a:custGeom>
+              <a:noFill/>
+              <a:ln w="38100">
+                <a:solidFill>
+                  <a:schemeClr val="bg1"/>
+                </a:solidFill>
+              </a:ln>
+            </p:spPr>
+            <p:style>
+              <a:lnRef idx="2">
+                <a:schemeClr val="accent1">
+                  <a:shade val="50000"/>
+                </a:schemeClr>
+              </a:lnRef>
+              <a:fillRef idx="1">
+                <a:schemeClr val="accent1"/>
+              </a:fillRef>
+              <a:effectRef idx="0">
+                <a:schemeClr val="accent1"/>
+              </a:effectRef>
+              <a:fontRef idx="minor">
+                <a:schemeClr val="lt1"/>
+              </a:fontRef>
+            </p:style>
+            <p:txBody>
+              <a:bodyPr rtlCol="0" anchor="ctr"/>
+              <a:lstStyle/>
+              <a:p>
+                <a:pPr algn="ctr"/>
+                <a:endParaRPr lang="en-US"/>
+              </a:p>
+            </p:txBody>
+          </p:sp>
+          <p:sp>
+            <p:nvSpPr>
+              <p:cNvPr id="231" name="Oval 230">
+                <a:extLst>
+                  <a:ext uri="{FF2B5EF4-FFF2-40B4-BE49-F238E27FC236}">
+                    <a16:creationId xmlns:a16="http://schemas.microsoft.com/office/drawing/2014/main" id="{030A21FE-0A4F-2A6F-A4D6-83B8CA3BDC1D}"/>
+                  </a:ext>
+                </a:extLst>
+              </p:cNvPr>
+              <p:cNvSpPr/>
+              <p:nvPr/>
+            </p:nvSpPr>
+            <p:spPr>
+              <a:xfrm>
+                <a:off x="2940877" y="4888575"/>
+                <a:ext cx="228600" cy="231775"/>
+              </a:xfrm>
+              <a:prstGeom prst="ellipse">
+                <a:avLst/>
+              </a:prstGeom>
+              <a:solidFill>
+                <a:schemeClr val="tx1"/>
+              </a:solidFill>
+              <a:ln>
+                <a:noFill/>
+              </a:ln>
+            </p:spPr>
+            <p:style>
+              <a:lnRef idx="2">
+                <a:schemeClr val="accent1">
+                  <a:shade val="50000"/>
+                </a:schemeClr>
+              </a:lnRef>
+              <a:fillRef idx="1">
+                <a:schemeClr val="accent1"/>
+              </a:fillRef>
+              <a:effectRef idx="0">
+                <a:schemeClr val="accent1"/>
+              </a:effectRef>
+              <a:fontRef idx="minor">
+                <a:schemeClr val="lt1"/>
+              </a:fontRef>
+            </p:style>
+            <p:txBody>
+              <a:bodyPr rtlCol="0" anchor="ctr"/>
+              <a:lstStyle/>
+              <a:p>
+                <a:pPr algn="ctr"/>
+                <a:endParaRPr lang="en-US"/>
+              </a:p>
+            </p:txBody>
+          </p:sp>
+          <p:sp>
+            <p:nvSpPr>
+              <p:cNvPr id="232" name="Oval 231">
+                <a:extLst>
+                  <a:ext uri="{FF2B5EF4-FFF2-40B4-BE49-F238E27FC236}">
+                    <a16:creationId xmlns:a16="http://schemas.microsoft.com/office/drawing/2014/main" id="{5A3B03B4-96DF-B765-DFDC-F0477ED969C9}"/>
+                  </a:ext>
+                </a:extLst>
+              </p:cNvPr>
+              <p:cNvSpPr/>
+              <p:nvPr/>
+            </p:nvSpPr>
+            <p:spPr>
+              <a:xfrm>
+                <a:off x="1699452" y="4898100"/>
+                <a:ext cx="228600" cy="231775"/>
+              </a:xfrm>
+              <a:prstGeom prst="ellipse">
+                <a:avLst/>
+              </a:prstGeom>
+              <a:solidFill>
+                <a:schemeClr val="tx1"/>
+              </a:solidFill>
+              <a:ln>
+                <a:noFill/>
+              </a:ln>
+            </p:spPr>
+            <p:style>
+              <a:lnRef idx="2">
+                <a:schemeClr val="accent1">
+                  <a:shade val="50000"/>
+                </a:schemeClr>
+              </a:lnRef>
+              <a:fillRef idx="1">
+                <a:schemeClr val="accent1"/>
+              </a:fillRef>
+              <a:effectRef idx="0">
+                <a:schemeClr val="accent1"/>
+              </a:effectRef>
+              <a:fontRef idx="minor">
+                <a:schemeClr val="lt1"/>
+              </a:fontRef>
+            </p:style>
+            <p:txBody>
+              <a:bodyPr rtlCol="0" anchor="ctr"/>
+              <a:lstStyle/>
+              <a:p>
+                <a:pPr algn="ctr"/>
+                <a:endParaRPr lang="en-US"/>
+              </a:p>
+            </p:txBody>
+          </p:sp>
+        </p:grpSp>
+        <p:sp>
+          <p:nvSpPr>
+            <p:cNvPr id="225" name="TextBox 224">
+              <a:extLst>
+                <a:ext uri="{FF2B5EF4-FFF2-40B4-BE49-F238E27FC236}">
+                  <a16:creationId xmlns:a16="http://schemas.microsoft.com/office/drawing/2014/main" id="{8CA2FAE4-1122-96FE-A954-37395A409D0F}"/>
+                </a:ext>
+              </a:extLst>
+            </p:cNvPr>
+            <p:cNvSpPr txBox="1"/>
+            <p:nvPr/>
+          </p:nvSpPr>
+          <p:spPr>
+            <a:xfrm>
+              <a:off x="4908413" y="200269"/>
+              <a:ext cx="1492717" cy="369332"/>
+            </a:xfrm>
+            <a:prstGeom prst="rect">
+              <a:avLst/>
+            </a:prstGeom>
+            <a:noFill/>
+          </p:spPr>
+          <p:txBody>
+            <a:bodyPr wrap="none" rtlCol="0">
+              <a:spAutoFit/>
+            </a:bodyPr>
+            <a:lstStyle/>
+            <a:p>
+              <a:pPr algn="ctr"/>
+              <a:r>
+                <a:rPr lang="en-US" b="1" dirty="0">
+                  <a:latin typeface="Arial" panose="020B0604020202020204" pitchFamily="34" charset="0"/>
+                  <a:cs typeface="Arial" panose="020B0604020202020204" pitchFamily="34" charset="0"/>
+                </a:rPr>
+                <a:t>Code Savvy</a:t>
+              </a:r>
+            </a:p>
+          </p:txBody>
+        </p:sp>
+        <p:sp>
+          <p:nvSpPr>
+            <p:cNvPr id="226" name="TextBox 225">
+              <a:extLst>
+                <a:ext uri="{FF2B5EF4-FFF2-40B4-BE49-F238E27FC236}">
+                  <a16:creationId xmlns:a16="http://schemas.microsoft.com/office/drawing/2014/main" id="{0B39CBE5-5254-CA2A-5383-FD4197F7FCC3}"/>
+                </a:ext>
+              </a:extLst>
+            </p:cNvPr>
+            <p:cNvSpPr txBox="1"/>
+            <p:nvPr/>
+          </p:nvSpPr>
+          <p:spPr>
+            <a:xfrm>
+              <a:off x="4428830" y="1670124"/>
+              <a:ext cx="2519893" cy="369332"/>
+            </a:xfrm>
+            <a:prstGeom prst="rect">
+              <a:avLst/>
+            </a:prstGeom>
+            <a:noFill/>
+          </p:spPr>
+          <p:txBody>
+            <a:bodyPr wrap="square" rtlCol="0">
+              <a:spAutoFit/>
+            </a:bodyPr>
+            <a:lstStyle/>
+            <a:p>
+              <a:pPr algn="ctr"/>
+              <a:r>
+                <a:rPr lang="en-US" b="1" dirty="0">
+                  <a:latin typeface="Arial" panose="020B0604020202020204" pitchFamily="34" charset="0"/>
+                  <a:cs typeface="Arial" panose="020B0604020202020204" pitchFamily="34" charset="0"/>
+                </a:rPr>
+                <a:t>Robot Expert</a:t>
+              </a:r>
+            </a:p>
+          </p:txBody>
+        </p:sp>
+      </p:grpSp>
+      <p:cxnSp>
+        <p:nvCxnSpPr>
+          <p:cNvPr id="233" name="Straight Connector 232">
+            <a:extLst>
+              <a:ext uri="{FF2B5EF4-FFF2-40B4-BE49-F238E27FC236}">
+                <a16:creationId xmlns:a16="http://schemas.microsoft.com/office/drawing/2014/main" id="{DFC74DA9-D635-38D8-4108-3614D51F05E0}"/>
+              </a:ext>
+            </a:extLst>
+          </p:cNvPr>
+          <p:cNvCxnSpPr/>
+          <p:nvPr/>
+        </p:nvCxnSpPr>
+        <p:spPr>
+          <a:xfrm>
+            <a:off x="-8247" y="9837565"/>
+            <a:ext cx="7772400" cy="0"/>
+          </a:xfrm>
+          <a:prstGeom prst="line">
+            <a:avLst/>
+          </a:prstGeom>
+        </p:spPr>
+        <p:style>
+          <a:lnRef idx="1">
+            <a:schemeClr val="accent1"/>
+          </a:lnRef>
+          <a:fillRef idx="0">
+            <a:schemeClr val="accent1"/>
+          </a:fillRef>
+          <a:effectRef idx="0">
+            <a:schemeClr val="accent1"/>
+          </a:effectRef>
+          <a:fontRef idx="minor">
+            <a:schemeClr val="tx1"/>
+          </a:fontRef>
+        </p:style>
+      </p:cxnSp>
     </p:spTree>
     <p:extLst>
       <p:ext uri="{BB962C8B-B14F-4D97-AF65-F5344CB8AC3E}">

--- a/presentations/badge-labels-2X5.pptx
+++ b/presentations/badge-labels-2X5.pptx
@@ -243,7 +243,7 @@
           <a:p>
             <a:fld id="{24303E7E-1725-514D-9C6E-C71B5AB431A0}" type="datetimeFigureOut">
               <a:rPr lang="en-US" smtClean="0"/>
-              <a:t>12/18/22</a:t>
+              <a:t>12/15/23</a:t>
             </a:fld>
             <a:endParaRPr lang="en-US"/>
           </a:p>
@@ -413,7 +413,7 @@
           <a:p>
             <a:fld id="{24303E7E-1725-514D-9C6E-C71B5AB431A0}" type="datetimeFigureOut">
               <a:rPr lang="en-US" smtClean="0"/>
-              <a:t>12/18/22</a:t>
+              <a:t>12/15/23</a:t>
             </a:fld>
             <a:endParaRPr lang="en-US"/>
           </a:p>
@@ -593,7 +593,7 @@
           <a:p>
             <a:fld id="{24303E7E-1725-514D-9C6E-C71B5AB431A0}" type="datetimeFigureOut">
               <a:rPr lang="en-US" smtClean="0"/>
-              <a:t>12/18/22</a:t>
+              <a:t>12/15/23</a:t>
             </a:fld>
             <a:endParaRPr lang="en-US"/>
           </a:p>
@@ -763,7 +763,7 @@
           <a:p>
             <a:fld id="{24303E7E-1725-514D-9C6E-C71B5AB431A0}" type="datetimeFigureOut">
               <a:rPr lang="en-US" smtClean="0"/>
-              <a:t>12/18/22</a:t>
+              <a:t>12/15/23</a:t>
             </a:fld>
             <a:endParaRPr lang="en-US"/>
           </a:p>
@@ -1007,7 +1007,7 @@
           <a:p>
             <a:fld id="{24303E7E-1725-514D-9C6E-C71B5AB431A0}" type="datetimeFigureOut">
               <a:rPr lang="en-US" smtClean="0"/>
-              <a:t>12/18/22</a:t>
+              <a:t>12/15/23</a:t>
             </a:fld>
             <a:endParaRPr lang="en-US"/>
           </a:p>
@@ -1239,7 +1239,7 @@
           <a:p>
             <a:fld id="{24303E7E-1725-514D-9C6E-C71B5AB431A0}" type="datetimeFigureOut">
               <a:rPr lang="en-US" smtClean="0"/>
-              <a:t>12/18/22</a:t>
+              <a:t>12/15/23</a:t>
             </a:fld>
             <a:endParaRPr lang="en-US"/>
           </a:p>
@@ -1606,7 +1606,7 @@
           <a:p>
             <a:fld id="{24303E7E-1725-514D-9C6E-C71B5AB431A0}" type="datetimeFigureOut">
               <a:rPr lang="en-US" smtClean="0"/>
-              <a:t>12/18/22</a:t>
+              <a:t>12/15/23</a:t>
             </a:fld>
             <a:endParaRPr lang="en-US"/>
           </a:p>
@@ -1724,7 +1724,7 @@
           <a:p>
             <a:fld id="{24303E7E-1725-514D-9C6E-C71B5AB431A0}" type="datetimeFigureOut">
               <a:rPr lang="en-US" smtClean="0"/>
-              <a:t>12/18/22</a:t>
+              <a:t>12/15/23</a:t>
             </a:fld>
             <a:endParaRPr lang="en-US"/>
           </a:p>
@@ -1819,7 +1819,7 @@
           <a:p>
             <a:fld id="{24303E7E-1725-514D-9C6E-C71B5AB431A0}" type="datetimeFigureOut">
               <a:rPr lang="en-US" smtClean="0"/>
-              <a:t>12/18/22</a:t>
+              <a:t>12/15/23</a:t>
             </a:fld>
             <a:endParaRPr lang="en-US"/>
           </a:p>
@@ -2096,7 +2096,7 @@
           <a:p>
             <a:fld id="{24303E7E-1725-514D-9C6E-C71B5AB431A0}" type="datetimeFigureOut">
               <a:rPr lang="en-US" smtClean="0"/>
-              <a:t>12/18/22</a:t>
+              <a:t>12/15/23</a:t>
             </a:fld>
             <a:endParaRPr lang="en-US"/>
           </a:p>
@@ -2353,7 +2353,7 @@
           <a:p>
             <a:fld id="{24303E7E-1725-514D-9C6E-C71B5AB431A0}" type="datetimeFigureOut">
               <a:rPr lang="en-US" smtClean="0"/>
-              <a:t>12/18/22</a:t>
+              <a:t>12/15/23</a:t>
             </a:fld>
             <a:endParaRPr lang="en-US"/>
           </a:p>
@@ -2566,7 +2566,7 @@
           <a:p>
             <a:fld id="{24303E7E-1725-514D-9C6E-C71B5AB431A0}" type="datetimeFigureOut">
               <a:rPr lang="en-US" smtClean="0"/>
-              <a:t>12/18/22</a:t>
+              <a:t>12/15/23</a:t>
             </a:fld>
             <a:endParaRPr lang="en-US"/>
           </a:p>
@@ -2991,6 +2991,13 @@
           <a:prstGeom prst="line">
             <a:avLst/>
           </a:prstGeom>
+          <a:ln>
+            <a:solidFill>
+              <a:schemeClr val="bg1">
+                <a:lumMod val="95000"/>
+              </a:schemeClr>
+            </a:solidFill>
+          </a:ln>
         </p:spPr>
         <p:style>
           <a:lnRef idx="1">
@@ -3027,6 +3034,13 @@
           <a:prstGeom prst="line">
             <a:avLst/>
           </a:prstGeom>
+          <a:ln>
+            <a:solidFill>
+              <a:schemeClr val="bg1">
+                <a:lumMod val="95000"/>
+              </a:schemeClr>
+            </a:solidFill>
+          </a:ln>
         </p:spPr>
         <p:style>
           <a:lnRef idx="1">
@@ -3063,6 +3077,13 @@
           <a:prstGeom prst="line">
             <a:avLst/>
           </a:prstGeom>
+          <a:ln>
+            <a:solidFill>
+              <a:schemeClr val="bg1">
+                <a:lumMod val="95000"/>
+              </a:schemeClr>
+            </a:solidFill>
+          </a:ln>
         </p:spPr>
         <p:style>
           <a:lnRef idx="1">
@@ -3099,6 +3120,13 @@
           <a:prstGeom prst="line">
             <a:avLst/>
           </a:prstGeom>
+          <a:ln>
+            <a:solidFill>
+              <a:schemeClr val="bg1">
+                <a:lumMod val="95000"/>
+              </a:schemeClr>
+            </a:solidFill>
+          </a:ln>
         </p:spPr>
         <p:style>
           <a:lnRef idx="1">
@@ -3137,6 +3165,13 @@
           <a:prstGeom prst="line">
             <a:avLst/>
           </a:prstGeom>
+          <a:ln>
+            <a:solidFill>
+              <a:schemeClr val="bg1">
+                <a:lumMod val="95000"/>
+              </a:schemeClr>
+            </a:solidFill>
+          </a:ln>
         </p:spPr>
         <p:style>
           <a:lnRef idx="1">
@@ -3167,7 +3202,7 @@
         </p:nvGrpSpPr>
         <p:grpSpPr>
           <a:xfrm>
-            <a:off x="40434" y="3947835"/>
+            <a:off x="41516" y="4021591"/>
             <a:ext cx="5987588" cy="1867264"/>
             <a:chOff x="966197" y="3947931"/>
             <a:chExt cx="5987588" cy="1867264"/>
@@ -4258,7 +4293,7 @@
         </p:nvGrpSpPr>
         <p:grpSpPr>
           <a:xfrm>
-            <a:off x="60150" y="5920945"/>
+            <a:off x="60150" y="5966971"/>
             <a:ext cx="5987588" cy="1867264"/>
             <a:chOff x="966197" y="3947931"/>
             <a:chExt cx="5987588" cy="1867264"/>
@@ -7538,42 +7573,12 @@
           </p:sp>
         </p:grpSp>
       </p:grpSp>
-      <p:pic>
-        <p:nvPicPr>
-          <p:cNvPr id="689" name="Picture 688">
+      <p:grpSp>
+        <p:nvGrpSpPr>
+          <p:cNvPr id="687" name="Group 686">
             <a:extLst>
               <a:ext uri="{FF2B5EF4-FFF2-40B4-BE49-F238E27FC236}">
-                <a16:creationId xmlns:a16="http://schemas.microsoft.com/office/drawing/2014/main" id="{9873E4C1-9443-0347-5CBD-28E4E4976C90}"/>
-              </a:ext>
-            </a:extLst>
-          </p:cNvPr>
-          <p:cNvPicPr>
-            <a:picLocks noChangeAspect="1"/>
-          </p:cNvPicPr>
-          <p:nvPr/>
-        </p:nvPicPr>
-        <p:blipFill>
-          <a:blip r:embed="rId2"/>
-          <a:stretch>
-            <a:fillRect/>
-          </a:stretch>
-        </p:blipFill>
-        <p:spPr>
-          <a:xfrm>
-            <a:off x="4110437" y="2402306"/>
-            <a:ext cx="1551485" cy="1188989"/>
-          </a:xfrm>
-          <a:prstGeom prst="rect">
-            <a:avLst/>
-          </a:prstGeom>
-        </p:spPr>
-      </p:pic>
-      <p:grpSp>
-        <p:nvGrpSpPr>
-          <p:cNvPr id="690" name="Group 689">
-            <a:extLst>
-              <a:ext uri="{FF2B5EF4-FFF2-40B4-BE49-F238E27FC236}">
-                <a16:creationId xmlns:a16="http://schemas.microsoft.com/office/drawing/2014/main" id="{8765146B-FAC8-34BF-3892-6FF44EA8D7F6}"/>
+                <a16:creationId xmlns:a16="http://schemas.microsoft.com/office/drawing/2014/main" id="{833B8C75-99E6-5C25-F926-429564D09471}"/>
               </a:ext>
             </a:extLst>
           </p:cNvPr>
@@ -7582,625 +7587,1809 @@
         </p:nvGrpSpPr>
         <p:grpSpPr>
           <a:xfrm>
-            <a:off x="4442595" y="3015710"/>
-            <a:ext cx="886955" cy="481904"/>
-            <a:chOff x="807719" y="4384746"/>
-            <a:chExt cx="3083857" cy="1731203"/>
+            <a:off x="60150" y="2135744"/>
+            <a:ext cx="7545080" cy="1868131"/>
+            <a:chOff x="60150" y="2135744"/>
+            <a:chExt cx="7545080" cy="1868131"/>
           </a:xfrm>
         </p:grpSpPr>
-        <p:sp>
-          <p:nvSpPr>
-            <p:cNvPr id="702" name="Trapezoid 701">
+        <p:grpSp>
+          <p:nvGrpSpPr>
+            <p:cNvPr id="666" name="Group 665">
               <a:extLst>
                 <a:ext uri="{FF2B5EF4-FFF2-40B4-BE49-F238E27FC236}">
-                  <a16:creationId xmlns:a16="http://schemas.microsoft.com/office/drawing/2014/main" id="{AF3B83DD-6B5C-8F62-5F01-5A3D6DA9A643}"/>
+                  <a16:creationId xmlns:a16="http://schemas.microsoft.com/office/drawing/2014/main" id="{0EF185EA-F54F-6AC8-EDEE-26FAC511DD00}"/>
                 </a:ext>
               </a:extLst>
             </p:cNvPr>
-            <p:cNvSpPr/>
+            <p:cNvGrpSpPr/>
             <p:nvPr/>
-          </p:nvSpPr>
-          <p:spPr>
+          </p:nvGrpSpPr>
+          <p:grpSpPr>
             <a:xfrm>
-              <a:off x="807719" y="4384746"/>
-              <a:ext cx="3083857" cy="1731203"/>
+              <a:off x="60150" y="2135744"/>
+              <a:ext cx="7545080" cy="1868131"/>
+              <a:chOff x="60150" y="2089712"/>
+              <a:chExt cx="7545080" cy="1868131"/>
             </a:xfrm>
-            <a:prstGeom prst="trapezoid">
-              <a:avLst>
-                <a:gd name="adj" fmla="val 6207"/>
-              </a:avLst>
-            </a:prstGeom>
-            <a:solidFill>
-              <a:schemeClr val="accent4"/>
-            </a:solidFill>
-            <a:ln>
+          </p:grpSpPr>
+          <p:pic>
+            <p:nvPicPr>
+              <p:cNvPr id="689" name="Picture 688">
+                <a:extLst>
+                  <a:ext uri="{FF2B5EF4-FFF2-40B4-BE49-F238E27FC236}">
+                    <a16:creationId xmlns:a16="http://schemas.microsoft.com/office/drawing/2014/main" id="{9873E4C1-9443-0347-5CBD-28E4E4976C90}"/>
+                  </a:ext>
+                </a:extLst>
+              </p:cNvPr>
+              <p:cNvPicPr>
+                <a:picLocks noChangeAspect="1"/>
+              </p:cNvPicPr>
+              <p:nvPr/>
+            </p:nvPicPr>
+            <p:blipFill>
+              <a:blip r:embed="rId2"/>
+              <a:stretch>
+                <a:fillRect/>
+              </a:stretch>
+            </p:blipFill>
+            <p:spPr>
+              <a:xfrm>
+                <a:off x="4120849" y="2447488"/>
+                <a:ext cx="1551485" cy="1188989"/>
+              </a:xfrm>
+              <a:prstGeom prst="rect">
+                <a:avLst/>
+              </a:prstGeom>
+            </p:spPr>
+          </p:pic>
+          <p:sp>
+            <p:nvSpPr>
+              <p:cNvPr id="691" name="TextBox 690">
+                <a:extLst>
+                  <a:ext uri="{FF2B5EF4-FFF2-40B4-BE49-F238E27FC236}">
+                    <a16:creationId xmlns:a16="http://schemas.microsoft.com/office/drawing/2014/main" id="{EC3DE8E4-5C83-C5AE-7C0B-4B1249878AAB}"/>
+                  </a:ext>
+                </a:extLst>
+              </p:cNvPr>
+              <p:cNvSpPr txBox="1"/>
+              <p:nvPr/>
+            </p:nvSpPr>
+            <p:spPr>
+              <a:xfrm>
+                <a:off x="4150233" y="2118656"/>
+                <a:ext cx="1492717" cy="369332"/>
+              </a:xfrm>
+              <a:prstGeom prst="rect">
+                <a:avLst/>
+              </a:prstGeom>
               <a:noFill/>
-            </a:ln>
-          </p:spPr>
-          <p:style>
-            <a:lnRef idx="2">
-              <a:schemeClr val="accent1">
-                <a:shade val="50000"/>
-              </a:schemeClr>
-            </a:lnRef>
-            <a:fillRef idx="1">
-              <a:schemeClr val="accent1"/>
-            </a:fillRef>
-            <a:effectRef idx="0">
-              <a:schemeClr val="accent1"/>
-            </a:effectRef>
-            <a:fontRef idx="minor">
-              <a:schemeClr val="lt1"/>
-            </a:fontRef>
-          </p:style>
-          <p:txBody>
-            <a:bodyPr rtlCol="0" anchor="ctr"/>
-            <a:lstStyle/>
-            <a:p>
-              <a:pPr algn="ctr"/>
-              <a:endParaRPr lang="en-US"/>
-            </a:p>
-          </p:txBody>
-        </p:sp>
-        <p:sp>
-          <p:nvSpPr>
-            <p:cNvPr id="703" name="Oval 702">
+            </p:spPr>
+            <p:txBody>
+              <a:bodyPr wrap="none" rtlCol="0">
+                <a:spAutoFit/>
+              </a:bodyPr>
+              <a:lstStyle/>
+              <a:p>
+                <a:pPr algn="ctr"/>
+                <a:r>
+                  <a:rPr lang="en-US" b="1" dirty="0">
+                    <a:latin typeface="Arial" panose="020B0604020202020204" pitchFamily="34" charset="0"/>
+                    <a:cs typeface="Arial" panose="020B0604020202020204" pitchFamily="34" charset="0"/>
+                  </a:rPr>
+                  <a:t>Code Savvy</a:t>
+                </a:r>
+              </a:p>
+            </p:txBody>
+          </p:sp>
+          <p:sp>
+            <p:nvSpPr>
+              <p:cNvPr id="692" name="TextBox 691">
+                <a:extLst>
+                  <a:ext uri="{FF2B5EF4-FFF2-40B4-BE49-F238E27FC236}">
+                    <a16:creationId xmlns:a16="http://schemas.microsoft.com/office/drawing/2014/main" id="{F7361741-A507-6788-EE3B-1EE0E7879622}"/>
+                  </a:ext>
+                </a:extLst>
+              </p:cNvPr>
+              <p:cNvSpPr txBox="1"/>
+              <p:nvPr/>
+            </p:nvSpPr>
+            <p:spPr>
+              <a:xfrm>
+                <a:off x="3670650" y="3588511"/>
+                <a:ext cx="2519893" cy="369332"/>
+              </a:xfrm>
+              <a:prstGeom prst="rect">
+                <a:avLst/>
+              </a:prstGeom>
+              <a:noFill/>
+            </p:spPr>
+            <p:txBody>
+              <a:bodyPr wrap="square" rtlCol="0">
+                <a:spAutoFit/>
+              </a:bodyPr>
+              <a:lstStyle/>
+              <a:p>
+                <a:pPr algn="ctr"/>
+                <a:r>
+                  <a:rPr lang="en-US" b="1" dirty="0">
+                    <a:latin typeface="Arial" panose="020B0604020202020204" pitchFamily="34" charset="0"/>
+                    <a:cs typeface="Arial" panose="020B0604020202020204" pitchFamily="34" charset="0"/>
+                  </a:rPr>
+                  <a:t>Robot Expert</a:t>
+                </a:r>
+              </a:p>
+            </p:txBody>
+          </p:sp>
+          <p:grpSp>
+            <p:nvGrpSpPr>
+              <p:cNvPr id="42" name="Group 41">
+                <a:extLst>
+                  <a:ext uri="{FF2B5EF4-FFF2-40B4-BE49-F238E27FC236}">
+                    <a16:creationId xmlns:a16="http://schemas.microsoft.com/office/drawing/2014/main" id="{950242D7-81D6-5A13-ED42-DA0AA7307F9F}"/>
+                  </a:ext>
+                </a:extLst>
+              </p:cNvPr>
+              <p:cNvGrpSpPr/>
+              <p:nvPr/>
+            </p:nvGrpSpPr>
+            <p:grpSpPr>
+              <a:xfrm>
+                <a:off x="60150" y="2089712"/>
+                <a:ext cx="1673125" cy="1857590"/>
+                <a:chOff x="192543" y="2045397"/>
+                <a:chExt cx="1673125" cy="1857590"/>
+              </a:xfrm>
+            </p:grpSpPr>
+            <p:sp>
+              <p:nvSpPr>
+                <p:cNvPr id="688" name="TextBox 687">
+                  <a:extLst>
+                    <a:ext uri="{FF2B5EF4-FFF2-40B4-BE49-F238E27FC236}">
+                      <a16:creationId xmlns:a16="http://schemas.microsoft.com/office/drawing/2014/main" id="{191FA17E-4EC3-A632-A22E-5B0C87A1F994}"/>
+                    </a:ext>
+                  </a:extLst>
+                </p:cNvPr>
+                <p:cNvSpPr txBox="1"/>
+                <p:nvPr/>
+              </p:nvSpPr>
+              <p:spPr>
+                <a:xfrm>
+                  <a:off x="192543" y="3533655"/>
+                  <a:ext cx="1673125" cy="369332"/>
+                </a:xfrm>
+                <a:prstGeom prst="rect">
+                  <a:avLst/>
+                </a:prstGeom>
+                <a:noFill/>
+              </p:spPr>
+              <p:txBody>
+                <a:bodyPr wrap="square" rtlCol="0">
+                  <a:spAutoFit/>
+                </a:bodyPr>
+                <a:lstStyle/>
+                <a:p>
+                  <a:pPr algn="ctr"/>
+                  <a:r>
+                    <a:rPr lang="en-US" b="1" dirty="0">
+                      <a:latin typeface="Arial" panose="020B0604020202020204" pitchFamily="34" charset="0"/>
+                      <a:cs typeface="Arial" panose="020B0604020202020204" pitchFamily="34" charset="0"/>
+                    </a:rPr>
+                    <a:t>Robot Expert</a:t>
+                  </a:r>
+                </a:p>
+              </p:txBody>
+            </p:sp>
+            <p:sp>
+              <p:nvSpPr>
+                <p:cNvPr id="693" name="TextBox 692">
+                  <a:extLst>
+                    <a:ext uri="{FF2B5EF4-FFF2-40B4-BE49-F238E27FC236}">
+                      <a16:creationId xmlns:a16="http://schemas.microsoft.com/office/drawing/2014/main" id="{A8241B64-5259-C889-A398-3AA28BD623D1}"/>
+                    </a:ext>
+                  </a:extLst>
+                </p:cNvPr>
+                <p:cNvSpPr txBox="1"/>
+                <p:nvPr/>
+              </p:nvSpPr>
+              <p:spPr>
+                <a:xfrm>
+                  <a:off x="256976" y="2045397"/>
+                  <a:ext cx="1492717" cy="369332"/>
+                </a:xfrm>
+                <a:prstGeom prst="rect">
+                  <a:avLst/>
+                </a:prstGeom>
+                <a:noFill/>
+              </p:spPr>
+              <p:txBody>
+                <a:bodyPr wrap="none" rtlCol="0">
+                  <a:spAutoFit/>
+                </a:bodyPr>
+                <a:lstStyle/>
+                <a:p>
+                  <a:pPr algn="ctr"/>
+                  <a:r>
+                    <a:rPr lang="en-US" b="1" dirty="0">
+                      <a:latin typeface="Arial" panose="020B0604020202020204" pitchFamily="34" charset="0"/>
+                      <a:cs typeface="Arial" panose="020B0604020202020204" pitchFamily="34" charset="0"/>
+                    </a:rPr>
+                    <a:t>Code Savvy</a:t>
+                  </a:r>
+                </a:p>
+              </p:txBody>
+            </p:sp>
+            <p:pic>
+              <p:nvPicPr>
+                <p:cNvPr id="694" name="Picture 693">
+                  <a:extLst>
+                    <a:ext uri="{FF2B5EF4-FFF2-40B4-BE49-F238E27FC236}">
+                      <a16:creationId xmlns:a16="http://schemas.microsoft.com/office/drawing/2014/main" id="{5E3758A6-12C5-ADB1-7BC0-1AAAD4001EB8}"/>
+                    </a:ext>
+                  </a:extLst>
+                </p:cNvPr>
+                <p:cNvPicPr>
+                  <a:picLocks noChangeAspect="1"/>
+                </p:cNvPicPr>
+                <p:nvPr/>
+              </p:nvPicPr>
+              <p:blipFill>
+                <a:blip r:embed="rId2"/>
+                <a:stretch>
+                  <a:fillRect/>
+                </a:stretch>
+              </p:blipFill>
+              <p:spPr>
+                <a:xfrm>
+                  <a:off x="282856" y="2360142"/>
+                  <a:ext cx="1524119" cy="1168017"/>
+                </a:xfrm>
+                <a:prstGeom prst="rect">
+                  <a:avLst/>
+                </a:prstGeom>
+              </p:spPr>
+            </p:pic>
+          </p:grpSp>
+          <p:grpSp>
+            <p:nvGrpSpPr>
+              <p:cNvPr id="20" name="Group 19">
+                <a:extLst>
+                  <a:ext uri="{FF2B5EF4-FFF2-40B4-BE49-F238E27FC236}">
+                    <a16:creationId xmlns:a16="http://schemas.microsoft.com/office/drawing/2014/main" id="{E65D1510-3B1D-0BAC-6365-98146AB03D7F}"/>
+                  </a:ext>
+                </a:extLst>
+              </p:cNvPr>
+              <p:cNvGrpSpPr/>
+              <p:nvPr/>
+            </p:nvGrpSpPr>
+            <p:grpSpPr>
+              <a:xfrm>
+                <a:off x="5807037" y="2188781"/>
+                <a:ext cx="1798193" cy="1735315"/>
+                <a:chOff x="931282" y="201820"/>
+                <a:chExt cx="1673125" cy="1779204"/>
+              </a:xfrm>
+            </p:grpSpPr>
+            <p:sp>
+              <p:nvSpPr>
+                <p:cNvPr id="21" name="TextBox 20">
+                  <a:extLst>
+                    <a:ext uri="{FF2B5EF4-FFF2-40B4-BE49-F238E27FC236}">
+                      <a16:creationId xmlns:a16="http://schemas.microsoft.com/office/drawing/2014/main" id="{9C37B6FB-CFA9-1301-0FD0-9AA36A26AC42}"/>
+                    </a:ext>
+                  </a:extLst>
+                </p:cNvPr>
+                <p:cNvSpPr txBox="1"/>
+                <p:nvPr/>
+              </p:nvSpPr>
+              <p:spPr>
+                <a:xfrm>
+                  <a:off x="931282" y="1611692"/>
+                  <a:ext cx="1673125" cy="369332"/>
+                </a:xfrm>
+                <a:prstGeom prst="rect">
+                  <a:avLst/>
+                </a:prstGeom>
+                <a:noFill/>
+              </p:spPr>
+              <p:txBody>
+                <a:bodyPr wrap="square" rtlCol="0">
+                  <a:spAutoFit/>
+                </a:bodyPr>
+                <a:lstStyle/>
+                <a:p>
+                  <a:pPr algn="ctr"/>
+                  <a:r>
+                    <a:rPr lang="en-US" b="1" dirty="0">
+                      <a:latin typeface="Arial" panose="020B0604020202020204" pitchFamily="34" charset="0"/>
+                      <a:cs typeface="Arial" panose="020B0604020202020204" pitchFamily="34" charset="0"/>
+                    </a:rPr>
+                    <a:t>Robot Expert</a:t>
+                  </a:r>
+                </a:p>
+              </p:txBody>
+            </p:sp>
+            <p:sp>
+              <p:nvSpPr>
+                <p:cNvPr id="22" name="TextBox 21">
+                  <a:extLst>
+                    <a:ext uri="{FF2B5EF4-FFF2-40B4-BE49-F238E27FC236}">
+                      <a16:creationId xmlns:a16="http://schemas.microsoft.com/office/drawing/2014/main" id="{584A5195-EE1E-5A20-C730-4CABFB2916CB}"/>
+                    </a:ext>
+                  </a:extLst>
+                </p:cNvPr>
+                <p:cNvSpPr txBox="1"/>
+                <p:nvPr/>
+              </p:nvSpPr>
+              <p:spPr>
+                <a:xfrm>
+                  <a:off x="1041600" y="201820"/>
+                  <a:ext cx="1492717" cy="369332"/>
+                </a:xfrm>
+                <a:prstGeom prst="rect">
+                  <a:avLst/>
+                </a:prstGeom>
+                <a:noFill/>
+              </p:spPr>
+              <p:txBody>
+                <a:bodyPr wrap="none" rtlCol="0">
+                  <a:spAutoFit/>
+                </a:bodyPr>
+                <a:lstStyle/>
+                <a:p>
+                  <a:pPr algn="ctr"/>
+                  <a:r>
+                    <a:rPr lang="en-US" b="1" dirty="0">
+                      <a:latin typeface="Arial" panose="020B0604020202020204" pitchFamily="34" charset="0"/>
+                      <a:cs typeface="Arial" panose="020B0604020202020204" pitchFamily="34" charset="0"/>
+                    </a:rPr>
+                    <a:t>Code Savvy</a:t>
+                  </a:r>
+                </a:p>
+              </p:txBody>
+            </p:sp>
+            <p:pic>
+              <p:nvPicPr>
+                <p:cNvPr id="23" name="Picture 22">
+                  <a:extLst>
+                    <a:ext uri="{FF2B5EF4-FFF2-40B4-BE49-F238E27FC236}">
+                      <a16:creationId xmlns:a16="http://schemas.microsoft.com/office/drawing/2014/main" id="{E80F6D77-1DD1-1118-AA65-828E2C3DFB62}"/>
+                    </a:ext>
+                  </a:extLst>
+                </p:cNvPr>
+                <p:cNvPicPr>
+                  <a:picLocks noChangeAspect="1"/>
+                </p:cNvPicPr>
+                <p:nvPr/>
+              </p:nvPicPr>
+              <p:blipFill>
+                <a:blip r:embed="rId2"/>
+                <a:stretch>
+                  <a:fillRect/>
+                </a:stretch>
+              </p:blipFill>
+              <p:spPr>
+                <a:xfrm>
+                  <a:off x="1043472" y="499499"/>
+                  <a:ext cx="1524119" cy="1168017"/>
+                </a:xfrm>
+                <a:prstGeom prst="rect">
+                  <a:avLst/>
+                </a:prstGeom>
+              </p:spPr>
+            </p:pic>
+            <p:grpSp>
+              <p:nvGrpSpPr>
+                <p:cNvPr id="24" name="Group 23">
+                  <a:extLst>
+                    <a:ext uri="{FF2B5EF4-FFF2-40B4-BE49-F238E27FC236}">
+                      <a16:creationId xmlns:a16="http://schemas.microsoft.com/office/drawing/2014/main" id="{CBB8239C-DE99-B85E-1F84-AE0FFBCFF311}"/>
+                    </a:ext>
+                  </a:extLst>
+                </p:cNvPr>
+                <p:cNvGrpSpPr/>
+                <p:nvPr/>
+              </p:nvGrpSpPr>
+              <p:grpSpPr>
+                <a:xfrm>
+                  <a:off x="1354277" y="1131438"/>
+                  <a:ext cx="867364" cy="420167"/>
+                  <a:chOff x="719238" y="4384746"/>
+                  <a:chExt cx="3172338" cy="1882476"/>
+                </a:xfrm>
+              </p:grpSpPr>
+              <p:sp>
+                <p:nvSpPr>
+                  <p:cNvPr id="25" name="Trapezoid 24">
+                    <a:extLst>
+                      <a:ext uri="{FF2B5EF4-FFF2-40B4-BE49-F238E27FC236}">
+                        <a16:creationId xmlns:a16="http://schemas.microsoft.com/office/drawing/2014/main" id="{BBEF2F38-1351-FC36-9273-1B0BEB42F402}"/>
+                      </a:ext>
+                    </a:extLst>
+                  </p:cNvPr>
+                  <p:cNvSpPr/>
+                  <p:nvPr/>
+                </p:nvSpPr>
+                <p:spPr>
+                  <a:xfrm>
+                    <a:off x="719238" y="4384746"/>
+                    <a:ext cx="3172338" cy="1882476"/>
+                  </a:xfrm>
+                  <a:prstGeom prst="trapezoid">
+                    <a:avLst>
+                      <a:gd name="adj" fmla="val 6207"/>
+                    </a:avLst>
+                  </a:prstGeom>
+                  <a:solidFill>
+                    <a:srgbClr val="00B0F0"/>
+                  </a:solidFill>
+                  <a:ln>
+                    <a:noFill/>
+                  </a:ln>
+                </p:spPr>
+                <p:style>
+                  <a:lnRef idx="2">
+                    <a:schemeClr val="accent1">
+                      <a:shade val="50000"/>
+                    </a:schemeClr>
+                  </a:lnRef>
+                  <a:fillRef idx="1">
+                    <a:schemeClr val="accent1"/>
+                  </a:fillRef>
+                  <a:effectRef idx="0">
+                    <a:schemeClr val="accent1"/>
+                  </a:effectRef>
+                  <a:fontRef idx="minor">
+                    <a:schemeClr val="lt1"/>
+                  </a:fontRef>
+                </p:style>
+                <p:txBody>
+                  <a:bodyPr rtlCol="0" anchor="ctr"/>
+                  <a:lstStyle/>
+                  <a:p>
+                    <a:pPr algn="ctr"/>
+                    <a:endParaRPr lang="en-US"/>
+                  </a:p>
+                </p:txBody>
+              </p:sp>
+              <p:sp>
+                <p:nvSpPr>
+                  <p:cNvPr id="26" name="Oval 25">
+                    <a:extLst>
+                      <a:ext uri="{FF2B5EF4-FFF2-40B4-BE49-F238E27FC236}">
+                        <a16:creationId xmlns:a16="http://schemas.microsoft.com/office/drawing/2014/main" id="{02CAC67E-01D5-1D07-34D5-C7BA2D44FB51}"/>
+                      </a:ext>
+                    </a:extLst>
+                  </p:cNvPr>
+                  <p:cNvSpPr/>
+                  <p:nvPr/>
+                </p:nvSpPr>
+                <p:spPr>
+                  <a:xfrm>
+                    <a:off x="1378235" y="4722004"/>
+                    <a:ext cx="903249" cy="568712"/>
+                  </a:xfrm>
+                  <a:prstGeom prst="ellipse">
+                    <a:avLst/>
+                  </a:prstGeom>
+                  <a:solidFill>
+                    <a:schemeClr val="bg1"/>
+                  </a:solidFill>
+                  <a:ln>
+                    <a:noFill/>
+                  </a:ln>
+                </p:spPr>
+                <p:style>
+                  <a:lnRef idx="2">
+                    <a:schemeClr val="accent1">
+                      <a:shade val="50000"/>
+                    </a:schemeClr>
+                  </a:lnRef>
+                  <a:fillRef idx="1">
+                    <a:schemeClr val="accent1"/>
+                  </a:fillRef>
+                  <a:effectRef idx="0">
+                    <a:schemeClr val="accent1"/>
+                  </a:effectRef>
+                  <a:fontRef idx="minor">
+                    <a:schemeClr val="lt1"/>
+                  </a:fontRef>
+                </p:style>
+                <p:txBody>
+                  <a:bodyPr rtlCol="0" anchor="ctr"/>
+                  <a:lstStyle/>
+                  <a:p>
+                    <a:pPr algn="ctr"/>
+                    <a:endParaRPr lang="en-US"/>
+                  </a:p>
+                </p:txBody>
+              </p:sp>
+              <p:sp>
+                <p:nvSpPr>
+                  <p:cNvPr id="27" name="Oval 26">
+                    <a:extLst>
+                      <a:ext uri="{FF2B5EF4-FFF2-40B4-BE49-F238E27FC236}">
+                        <a16:creationId xmlns:a16="http://schemas.microsoft.com/office/drawing/2014/main" id="{91AA7380-7582-F8F9-E7C0-FB99418662A4}"/>
+                      </a:ext>
+                    </a:extLst>
+                  </p:cNvPr>
+                  <p:cNvSpPr/>
+                  <p:nvPr/>
+                </p:nvSpPr>
+                <p:spPr>
+                  <a:xfrm>
+                    <a:off x="2590001" y="4729438"/>
+                    <a:ext cx="903249" cy="568712"/>
+                  </a:xfrm>
+                  <a:prstGeom prst="ellipse">
+                    <a:avLst/>
+                  </a:prstGeom>
+                  <a:solidFill>
+                    <a:schemeClr val="bg1"/>
+                  </a:solidFill>
+                  <a:ln>
+                    <a:noFill/>
+                  </a:ln>
+                </p:spPr>
+                <p:style>
+                  <a:lnRef idx="2">
+                    <a:schemeClr val="accent1">
+                      <a:shade val="50000"/>
+                    </a:schemeClr>
+                  </a:lnRef>
+                  <a:fillRef idx="1">
+                    <a:schemeClr val="accent1"/>
+                  </a:fillRef>
+                  <a:effectRef idx="0">
+                    <a:schemeClr val="accent1"/>
+                  </a:effectRef>
+                  <a:fontRef idx="minor">
+                    <a:schemeClr val="lt1"/>
+                  </a:fontRef>
+                </p:style>
+                <p:txBody>
+                  <a:bodyPr rtlCol="0" anchor="ctr"/>
+                  <a:lstStyle/>
+                  <a:p>
+                    <a:pPr algn="ctr"/>
+                    <a:endParaRPr lang="en-US"/>
+                  </a:p>
+                </p:txBody>
+              </p:sp>
+              <p:sp>
+                <p:nvSpPr>
+                  <p:cNvPr id="28" name="Freeform 27">
+                    <a:extLst>
+                      <a:ext uri="{FF2B5EF4-FFF2-40B4-BE49-F238E27FC236}">
+                        <a16:creationId xmlns:a16="http://schemas.microsoft.com/office/drawing/2014/main" id="{4B7D7401-54F5-B908-20FA-337AC2A8F949}"/>
+                      </a:ext>
+                    </a:extLst>
+                  </p:cNvPr>
+                  <p:cNvSpPr/>
+                  <p:nvPr/>
+                </p:nvSpPr>
+                <p:spPr>
+                  <a:xfrm>
+                    <a:off x="1613092" y="5522940"/>
+                    <a:ext cx="1644650" cy="286131"/>
+                  </a:xfrm>
+                  <a:custGeom>
+                    <a:avLst/>
+                    <a:gdLst>
+                      <a:gd name="connsiteX0" fmla="*/ 0 w 2074127"/>
+                      <a:gd name="connsiteY0" fmla="*/ 55756 h 234813"/>
+                      <a:gd name="connsiteX1" fmla="*/ 858644 w 2074127"/>
+                      <a:gd name="connsiteY1" fmla="*/ 234176 h 234813"/>
+                      <a:gd name="connsiteX2" fmla="*/ 2074127 w 2074127"/>
+                      <a:gd name="connsiteY2" fmla="*/ 0 h 234813"/>
+                      <a:gd name="connsiteX0" fmla="*/ 0 w 2074127"/>
+                      <a:gd name="connsiteY0" fmla="*/ 55756 h 237969"/>
+                      <a:gd name="connsiteX1" fmla="*/ 991994 w 2074127"/>
+                      <a:gd name="connsiteY1" fmla="*/ 237351 h 237969"/>
+                      <a:gd name="connsiteX2" fmla="*/ 2074127 w 2074127"/>
+                      <a:gd name="connsiteY2" fmla="*/ 0 h 237969"/>
+                      <a:gd name="connsiteX0" fmla="*/ 0 w 2074127"/>
+                      <a:gd name="connsiteY0" fmla="*/ 55756 h 237969"/>
+                      <a:gd name="connsiteX1" fmla="*/ 991994 w 2074127"/>
+                      <a:gd name="connsiteY1" fmla="*/ 237351 h 237969"/>
+                      <a:gd name="connsiteX2" fmla="*/ 2074127 w 2074127"/>
+                      <a:gd name="connsiteY2" fmla="*/ 0 h 237969"/>
+                      <a:gd name="connsiteX0" fmla="*/ 0 w 2058252"/>
+                      <a:gd name="connsiteY0" fmla="*/ 84331 h 266544"/>
+                      <a:gd name="connsiteX1" fmla="*/ 991994 w 2058252"/>
+                      <a:gd name="connsiteY1" fmla="*/ 265926 h 266544"/>
+                      <a:gd name="connsiteX2" fmla="*/ 2058252 w 2058252"/>
+                      <a:gd name="connsiteY2" fmla="*/ 0 h 266544"/>
+                      <a:gd name="connsiteX0" fmla="*/ 0 w 2090002"/>
+                      <a:gd name="connsiteY0" fmla="*/ 33531 h 266343"/>
+                      <a:gd name="connsiteX1" fmla="*/ 1023744 w 2090002"/>
+                      <a:gd name="connsiteY1" fmla="*/ 265926 h 266343"/>
+                      <a:gd name="connsiteX2" fmla="*/ 2090002 w 2090002"/>
+                      <a:gd name="connsiteY2" fmla="*/ 0 h 266343"/>
+                      <a:gd name="connsiteX0" fmla="*/ 0 w 2090002"/>
+                      <a:gd name="connsiteY0" fmla="*/ 33531 h 266352"/>
+                      <a:gd name="connsiteX1" fmla="*/ 1023744 w 2090002"/>
+                      <a:gd name="connsiteY1" fmla="*/ 265926 h 266352"/>
+                      <a:gd name="connsiteX2" fmla="*/ 2090002 w 2090002"/>
+                      <a:gd name="connsiteY2" fmla="*/ 0 h 266352"/>
+                      <a:gd name="connsiteX0" fmla="*/ 0 w 2128102"/>
+                      <a:gd name="connsiteY0" fmla="*/ 33531 h 266352"/>
+                      <a:gd name="connsiteX1" fmla="*/ 1061844 w 2128102"/>
+                      <a:gd name="connsiteY1" fmla="*/ 265926 h 266352"/>
+                      <a:gd name="connsiteX2" fmla="*/ 2128102 w 2128102"/>
+                      <a:gd name="connsiteY2" fmla="*/ 0 h 266352"/>
+                      <a:gd name="connsiteX0" fmla="*/ 0 w 2128102"/>
+                      <a:gd name="connsiteY0" fmla="*/ 33531 h 266352"/>
+                      <a:gd name="connsiteX1" fmla="*/ 1061844 w 2128102"/>
+                      <a:gd name="connsiteY1" fmla="*/ 265926 h 266352"/>
+                      <a:gd name="connsiteX2" fmla="*/ 2128102 w 2128102"/>
+                      <a:gd name="connsiteY2" fmla="*/ 0 h 266352"/>
+                      <a:gd name="connsiteX0" fmla="*/ 0 w 2128102"/>
+                      <a:gd name="connsiteY0" fmla="*/ 33531 h 266938"/>
+                      <a:gd name="connsiteX1" fmla="*/ 1061844 w 2128102"/>
+                      <a:gd name="connsiteY1" fmla="*/ 265926 h 266938"/>
+                      <a:gd name="connsiteX2" fmla="*/ 2128102 w 2128102"/>
+                      <a:gd name="connsiteY2" fmla="*/ 0 h 266938"/>
+                      <a:gd name="connsiteX0" fmla="*/ 0 w 2087797"/>
+                      <a:gd name="connsiteY0" fmla="*/ 15773 h 266728"/>
+                      <a:gd name="connsiteX1" fmla="*/ 1021539 w 2087797"/>
+                      <a:gd name="connsiteY1" fmla="*/ 265926 h 266728"/>
+                      <a:gd name="connsiteX2" fmla="*/ 2087797 w 2087797"/>
+                      <a:gd name="connsiteY2" fmla="*/ 0 h 266728"/>
+                    </a:gdLst>
+                    <a:ahLst/>
+                    <a:cxnLst>
+                      <a:cxn ang="0">
+                        <a:pos x="connsiteX0" y="connsiteY0"/>
+                      </a:cxn>
+                      <a:cxn ang="0">
+                        <a:pos x="connsiteX1" y="connsiteY1"/>
+                      </a:cxn>
+                      <a:cxn ang="0">
+                        <a:pos x="connsiteX2" y="connsiteY2"/>
+                      </a:cxn>
+                    </a:cxnLst>
+                    <a:rect l="l" t="t" r="r" b="b"/>
+                    <a:pathLst>
+                      <a:path w="2087797" h="266728">
+                        <a:moveTo>
+                          <a:pt x="0" y="15773"/>
+                        </a:moveTo>
+                        <a:cubicBezTo>
+                          <a:pt x="218492" y="204555"/>
+                          <a:pt x="675851" y="275219"/>
+                          <a:pt x="1021539" y="265926"/>
+                        </a:cubicBezTo>
+                        <a:cubicBezTo>
+                          <a:pt x="1367227" y="256633"/>
+                          <a:pt x="1711646" y="204247"/>
+                          <a:pt x="2087797" y="0"/>
+                        </a:cubicBezTo>
+                      </a:path>
+                    </a:pathLst>
+                  </a:custGeom>
+                  <a:noFill/>
+                  <a:ln w="38100">
+                    <a:solidFill>
+                      <a:schemeClr val="bg1"/>
+                    </a:solidFill>
+                  </a:ln>
+                </p:spPr>
+                <p:style>
+                  <a:lnRef idx="2">
+                    <a:schemeClr val="accent1">
+                      <a:shade val="50000"/>
+                    </a:schemeClr>
+                  </a:lnRef>
+                  <a:fillRef idx="1">
+                    <a:schemeClr val="accent1"/>
+                  </a:fillRef>
+                  <a:effectRef idx="0">
+                    <a:schemeClr val="accent1"/>
+                  </a:effectRef>
+                  <a:fontRef idx="minor">
+                    <a:schemeClr val="lt1"/>
+                  </a:fontRef>
+                </p:style>
+                <p:txBody>
+                  <a:bodyPr rtlCol="0" anchor="ctr"/>
+                  <a:lstStyle/>
+                  <a:p>
+                    <a:pPr algn="ctr"/>
+                    <a:endParaRPr lang="en-US"/>
+                  </a:p>
+                </p:txBody>
+              </p:sp>
+              <p:sp>
+                <p:nvSpPr>
+                  <p:cNvPr id="29" name="Oval 28">
+                    <a:extLst>
+                      <a:ext uri="{FF2B5EF4-FFF2-40B4-BE49-F238E27FC236}">
+                        <a16:creationId xmlns:a16="http://schemas.microsoft.com/office/drawing/2014/main" id="{3EB761AF-B692-21DD-087C-AB5EC89D1BA5}"/>
+                      </a:ext>
+                    </a:extLst>
+                  </p:cNvPr>
+                  <p:cNvSpPr/>
+                  <p:nvPr/>
+                </p:nvSpPr>
+                <p:spPr>
+                  <a:xfrm>
+                    <a:off x="2940877" y="4888575"/>
+                    <a:ext cx="228600" cy="231775"/>
+                  </a:xfrm>
+                  <a:prstGeom prst="ellipse">
+                    <a:avLst/>
+                  </a:prstGeom>
+                  <a:solidFill>
+                    <a:schemeClr val="tx1"/>
+                  </a:solidFill>
+                  <a:ln>
+                    <a:noFill/>
+                  </a:ln>
+                </p:spPr>
+                <p:style>
+                  <a:lnRef idx="2">
+                    <a:schemeClr val="accent1">
+                      <a:shade val="50000"/>
+                    </a:schemeClr>
+                  </a:lnRef>
+                  <a:fillRef idx="1">
+                    <a:schemeClr val="accent1"/>
+                  </a:fillRef>
+                  <a:effectRef idx="0">
+                    <a:schemeClr val="accent1"/>
+                  </a:effectRef>
+                  <a:fontRef idx="minor">
+                    <a:schemeClr val="lt1"/>
+                  </a:fontRef>
+                </p:style>
+                <p:txBody>
+                  <a:bodyPr rtlCol="0" anchor="ctr"/>
+                  <a:lstStyle/>
+                  <a:p>
+                    <a:pPr algn="ctr"/>
+                    <a:endParaRPr lang="en-US"/>
+                  </a:p>
+                </p:txBody>
+              </p:sp>
+              <p:sp>
+                <p:nvSpPr>
+                  <p:cNvPr id="30" name="Oval 29">
+                    <a:extLst>
+                      <a:ext uri="{FF2B5EF4-FFF2-40B4-BE49-F238E27FC236}">
+                        <a16:creationId xmlns:a16="http://schemas.microsoft.com/office/drawing/2014/main" id="{4F1B66CE-9946-906F-A720-17677BF87C13}"/>
+                      </a:ext>
+                    </a:extLst>
+                  </p:cNvPr>
+                  <p:cNvSpPr/>
+                  <p:nvPr/>
+                </p:nvSpPr>
+                <p:spPr>
+                  <a:xfrm>
+                    <a:off x="1699452" y="4898100"/>
+                    <a:ext cx="228600" cy="231775"/>
+                  </a:xfrm>
+                  <a:prstGeom prst="ellipse">
+                    <a:avLst/>
+                  </a:prstGeom>
+                  <a:solidFill>
+                    <a:schemeClr val="tx1"/>
+                  </a:solidFill>
+                  <a:ln>
+                    <a:noFill/>
+                  </a:ln>
+                </p:spPr>
+                <p:style>
+                  <a:lnRef idx="2">
+                    <a:schemeClr val="accent1">
+                      <a:shade val="50000"/>
+                    </a:schemeClr>
+                  </a:lnRef>
+                  <a:fillRef idx="1">
+                    <a:schemeClr val="accent1"/>
+                  </a:fillRef>
+                  <a:effectRef idx="0">
+                    <a:schemeClr val="accent1"/>
+                  </a:effectRef>
+                  <a:fontRef idx="minor">
+                    <a:schemeClr val="lt1"/>
+                  </a:fontRef>
+                </p:style>
+                <p:txBody>
+                  <a:bodyPr rtlCol="0" anchor="ctr"/>
+                  <a:lstStyle/>
+                  <a:p>
+                    <a:pPr algn="ctr"/>
+                    <a:endParaRPr lang="en-US"/>
+                  </a:p>
+                </p:txBody>
+              </p:sp>
+            </p:grpSp>
+          </p:grpSp>
+          <p:grpSp>
+            <p:nvGrpSpPr>
+              <p:cNvPr id="31" name="Group 30">
+                <a:extLst>
+                  <a:ext uri="{FF2B5EF4-FFF2-40B4-BE49-F238E27FC236}">
+                    <a16:creationId xmlns:a16="http://schemas.microsoft.com/office/drawing/2014/main" id="{95D1A3EE-A4F1-66D3-F34B-FD67AD7E7458}"/>
+                  </a:ext>
+                </a:extLst>
+              </p:cNvPr>
+              <p:cNvGrpSpPr/>
+              <p:nvPr/>
+            </p:nvGrpSpPr>
+            <p:grpSpPr>
+              <a:xfrm>
+                <a:off x="1907586" y="2144877"/>
+                <a:ext cx="1798193" cy="1735315"/>
+                <a:chOff x="931282" y="201820"/>
+                <a:chExt cx="1673125" cy="1779204"/>
+              </a:xfrm>
+            </p:grpSpPr>
+            <p:sp>
+              <p:nvSpPr>
+                <p:cNvPr id="32" name="TextBox 31">
+                  <a:extLst>
+                    <a:ext uri="{FF2B5EF4-FFF2-40B4-BE49-F238E27FC236}">
+                      <a16:creationId xmlns:a16="http://schemas.microsoft.com/office/drawing/2014/main" id="{82C7ACBD-E51E-E5C1-AB88-3EF466EA9859}"/>
+                    </a:ext>
+                  </a:extLst>
+                </p:cNvPr>
+                <p:cNvSpPr txBox="1"/>
+                <p:nvPr/>
+              </p:nvSpPr>
+              <p:spPr>
+                <a:xfrm>
+                  <a:off x="931282" y="1611692"/>
+                  <a:ext cx="1673125" cy="369332"/>
+                </a:xfrm>
+                <a:prstGeom prst="rect">
+                  <a:avLst/>
+                </a:prstGeom>
+                <a:noFill/>
+              </p:spPr>
+              <p:txBody>
+                <a:bodyPr wrap="square" rtlCol="0">
+                  <a:spAutoFit/>
+                </a:bodyPr>
+                <a:lstStyle/>
+                <a:p>
+                  <a:pPr algn="ctr"/>
+                  <a:r>
+                    <a:rPr lang="en-US" b="1" dirty="0">
+                      <a:latin typeface="Arial" panose="020B0604020202020204" pitchFamily="34" charset="0"/>
+                      <a:cs typeface="Arial" panose="020B0604020202020204" pitchFamily="34" charset="0"/>
+                    </a:rPr>
+                    <a:t>Robot Expert</a:t>
+                  </a:r>
+                </a:p>
+              </p:txBody>
+            </p:sp>
+            <p:sp>
+              <p:nvSpPr>
+                <p:cNvPr id="33" name="TextBox 32">
+                  <a:extLst>
+                    <a:ext uri="{FF2B5EF4-FFF2-40B4-BE49-F238E27FC236}">
+                      <a16:creationId xmlns:a16="http://schemas.microsoft.com/office/drawing/2014/main" id="{9E2DD1BC-A355-8DF9-AD5A-E57D990E73E6}"/>
+                    </a:ext>
+                  </a:extLst>
+                </p:cNvPr>
+                <p:cNvSpPr txBox="1"/>
+                <p:nvPr/>
+              </p:nvSpPr>
+              <p:spPr>
+                <a:xfrm>
+                  <a:off x="1041600" y="201820"/>
+                  <a:ext cx="1492717" cy="369332"/>
+                </a:xfrm>
+                <a:prstGeom prst="rect">
+                  <a:avLst/>
+                </a:prstGeom>
+                <a:noFill/>
+              </p:spPr>
+              <p:txBody>
+                <a:bodyPr wrap="none" rtlCol="0">
+                  <a:spAutoFit/>
+                </a:bodyPr>
+                <a:lstStyle/>
+                <a:p>
+                  <a:pPr algn="ctr"/>
+                  <a:r>
+                    <a:rPr lang="en-US" b="1" dirty="0">
+                      <a:latin typeface="Arial" panose="020B0604020202020204" pitchFamily="34" charset="0"/>
+                      <a:cs typeface="Arial" panose="020B0604020202020204" pitchFamily="34" charset="0"/>
+                    </a:rPr>
+                    <a:t>Code Savvy</a:t>
+                  </a:r>
+                </a:p>
+              </p:txBody>
+            </p:sp>
+            <p:pic>
+              <p:nvPicPr>
+                <p:cNvPr id="34" name="Picture 33">
+                  <a:extLst>
+                    <a:ext uri="{FF2B5EF4-FFF2-40B4-BE49-F238E27FC236}">
+                      <a16:creationId xmlns:a16="http://schemas.microsoft.com/office/drawing/2014/main" id="{17CF162D-FD3B-4097-D11D-89E72B807219}"/>
+                    </a:ext>
+                  </a:extLst>
+                </p:cNvPr>
+                <p:cNvPicPr>
+                  <a:picLocks noChangeAspect="1"/>
+                </p:cNvPicPr>
+                <p:nvPr/>
+              </p:nvPicPr>
+              <p:blipFill>
+                <a:blip r:embed="rId2"/>
+                <a:stretch>
+                  <a:fillRect/>
+                </a:stretch>
+              </p:blipFill>
+              <p:spPr>
+                <a:xfrm>
+                  <a:off x="1043472" y="499499"/>
+                  <a:ext cx="1524119" cy="1168017"/>
+                </a:xfrm>
+                <a:prstGeom prst="rect">
+                  <a:avLst/>
+                </a:prstGeom>
+              </p:spPr>
+            </p:pic>
+            <p:grpSp>
+              <p:nvGrpSpPr>
+                <p:cNvPr id="35" name="Group 34">
+                  <a:extLst>
+                    <a:ext uri="{FF2B5EF4-FFF2-40B4-BE49-F238E27FC236}">
+                      <a16:creationId xmlns:a16="http://schemas.microsoft.com/office/drawing/2014/main" id="{771F68AD-3576-E0A8-9634-B2CA433AD58F}"/>
+                    </a:ext>
+                  </a:extLst>
+                </p:cNvPr>
+                <p:cNvGrpSpPr/>
+                <p:nvPr/>
+              </p:nvGrpSpPr>
+              <p:grpSpPr>
+                <a:xfrm>
+                  <a:off x="1354277" y="1131438"/>
+                  <a:ext cx="867364" cy="420167"/>
+                  <a:chOff x="719238" y="4384746"/>
+                  <a:chExt cx="3172338" cy="1882476"/>
+                </a:xfrm>
+              </p:grpSpPr>
+              <p:sp>
+                <p:nvSpPr>
+                  <p:cNvPr id="36" name="Trapezoid 35">
+                    <a:extLst>
+                      <a:ext uri="{FF2B5EF4-FFF2-40B4-BE49-F238E27FC236}">
+                        <a16:creationId xmlns:a16="http://schemas.microsoft.com/office/drawing/2014/main" id="{599B2BD8-E0D0-239F-0603-F6D7202498D1}"/>
+                      </a:ext>
+                    </a:extLst>
+                  </p:cNvPr>
+                  <p:cNvSpPr/>
+                  <p:nvPr/>
+                </p:nvSpPr>
+                <p:spPr>
+                  <a:xfrm>
+                    <a:off x="719238" y="4384746"/>
+                    <a:ext cx="3172338" cy="1882476"/>
+                  </a:xfrm>
+                  <a:prstGeom prst="trapezoid">
+                    <a:avLst>
+                      <a:gd name="adj" fmla="val 6207"/>
+                    </a:avLst>
+                  </a:prstGeom>
+                  <a:solidFill>
+                    <a:srgbClr val="00B0F0"/>
+                  </a:solidFill>
+                  <a:ln>
+                    <a:noFill/>
+                  </a:ln>
+                </p:spPr>
+                <p:style>
+                  <a:lnRef idx="2">
+                    <a:schemeClr val="accent1">
+                      <a:shade val="50000"/>
+                    </a:schemeClr>
+                  </a:lnRef>
+                  <a:fillRef idx="1">
+                    <a:schemeClr val="accent1"/>
+                  </a:fillRef>
+                  <a:effectRef idx="0">
+                    <a:schemeClr val="accent1"/>
+                  </a:effectRef>
+                  <a:fontRef idx="minor">
+                    <a:schemeClr val="lt1"/>
+                  </a:fontRef>
+                </p:style>
+                <p:txBody>
+                  <a:bodyPr rtlCol="0" anchor="ctr"/>
+                  <a:lstStyle/>
+                  <a:p>
+                    <a:pPr algn="ctr"/>
+                    <a:endParaRPr lang="en-US"/>
+                  </a:p>
+                </p:txBody>
+              </p:sp>
+              <p:sp>
+                <p:nvSpPr>
+                  <p:cNvPr id="37" name="Oval 36">
+                    <a:extLst>
+                      <a:ext uri="{FF2B5EF4-FFF2-40B4-BE49-F238E27FC236}">
+                        <a16:creationId xmlns:a16="http://schemas.microsoft.com/office/drawing/2014/main" id="{1FC9A954-CC84-3EFD-5766-E35EC307A6EA}"/>
+                      </a:ext>
+                    </a:extLst>
+                  </p:cNvPr>
+                  <p:cNvSpPr/>
+                  <p:nvPr/>
+                </p:nvSpPr>
+                <p:spPr>
+                  <a:xfrm>
+                    <a:off x="1378235" y="4722004"/>
+                    <a:ext cx="903249" cy="568712"/>
+                  </a:xfrm>
+                  <a:prstGeom prst="ellipse">
+                    <a:avLst/>
+                  </a:prstGeom>
+                  <a:solidFill>
+                    <a:schemeClr val="bg1"/>
+                  </a:solidFill>
+                  <a:ln>
+                    <a:noFill/>
+                  </a:ln>
+                </p:spPr>
+                <p:style>
+                  <a:lnRef idx="2">
+                    <a:schemeClr val="accent1">
+                      <a:shade val="50000"/>
+                    </a:schemeClr>
+                  </a:lnRef>
+                  <a:fillRef idx="1">
+                    <a:schemeClr val="accent1"/>
+                  </a:fillRef>
+                  <a:effectRef idx="0">
+                    <a:schemeClr val="accent1"/>
+                  </a:effectRef>
+                  <a:fontRef idx="minor">
+                    <a:schemeClr val="lt1"/>
+                  </a:fontRef>
+                </p:style>
+                <p:txBody>
+                  <a:bodyPr rtlCol="0" anchor="ctr"/>
+                  <a:lstStyle/>
+                  <a:p>
+                    <a:pPr algn="ctr"/>
+                    <a:endParaRPr lang="en-US"/>
+                  </a:p>
+                </p:txBody>
+              </p:sp>
+              <p:sp>
+                <p:nvSpPr>
+                  <p:cNvPr id="38" name="Oval 37">
+                    <a:extLst>
+                      <a:ext uri="{FF2B5EF4-FFF2-40B4-BE49-F238E27FC236}">
+                        <a16:creationId xmlns:a16="http://schemas.microsoft.com/office/drawing/2014/main" id="{0EC4BC98-7357-EE3A-0BB9-95EF2937FBE6}"/>
+                      </a:ext>
+                    </a:extLst>
+                  </p:cNvPr>
+                  <p:cNvSpPr/>
+                  <p:nvPr/>
+                </p:nvSpPr>
+                <p:spPr>
+                  <a:xfrm>
+                    <a:off x="2590001" y="4729438"/>
+                    <a:ext cx="903249" cy="568712"/>
+                  </a:xfrm>
+                  <a:prstGeom prst="ellipse">
+                    <a:avLst/>
+                  </a:prstGeom>
+                  <a:solidFill>
+                    <a:schemeClr val="bg1"/>
+                  </a:solidFill>
+                  <a:ln>
+                    <a:noFill/>
+                  </a:ln>
+                </p:spPr>
+                <p:style>
+                  <a:lnRef idx="2">
+                    <a:schemeClr val="accent1">
+                      <a:shade val="50000"/>
+                    </a:schemeClr>
+                  </a:lnRef>
+                  <a:fillRef idx="1">
+                    <a:schemeClr val="accent1"/>
+                  </a:fillRef>
+                  <a:effectRef idx="0">
+                    <a:schemeClr val="accent1"/>
+                  </a:effectRef>
+                  <a:fontRef idx="minor">
+                    <a:schemeClr val="lt1"/>
+                  </a:fontRef>
+                </p:style>
+                <p:txBody>
+                  <a:bodyPr rtlCol="0" anchor="ctr"/>
+                  <a:lstStyle/>
+                  <a:p>
+                    <a:pPr algn="ctr"/>
+                    <a:endParaRPr lang="en-US"/>
+                  </a:p>
+                </p:txBody>
+              </p:sp>
+              <p:sp>
+                <p:nvSpPr>
+                  <p:cNvPr id="39" name="Freeform 38">
+                    <a:extLst>
+                      <a:ext uri="{FF2B5EF4-FFF2-40B4-BE49-F238E27FC236}">
+                        <a16:creationId xmlns:a16="http://schemas.microsoft.com/office/drawing/2014/main" id="{E0E64A84-5EE1-A70A-D747-58CA5D3A30B8}"/>
+                      </a:ext>
+                    </a:extLst>
+                  </p:cNvPr>
+                  <p:cNvSpPr/>
+                  <p:nvPr/>
+                </p:nvSpPr>
+                <p:spPr>
+                  <a:xfrm>
+                    <a:off x="1613092" y="5522940"/>
+                    <a:ext cx="1644650" cy="286131"/>
+                  </a:xfrm>
+                  <a:custGeom>
+                    <a:avLst/>
+                    <a:gdLst>
+                      <a:gd name="connsiteX0" fmla="*/ 0 w 2074127"/>
+                      <a:gd name="connsiteY0" fmla="*/ 55756 h 234813"/>
+                      <a:gd name="connsiteX1" fmla="*/ 858644 w 2074127"/>
+                      <a:gd name="connsiteY1" fmla="*/ 234176 h 234813"/>
+                      <a:gd name="connsiteX2" fmla="*/ 2074127 w 2074127"/>
+                      <a:gd name="connsiteY2" fmla="*/ 0 h 234813"/>
+                      <a:gd name="connsiteX0" fmla="*/ 0 w 2074127"/>
+                      <a:gd name="connsiteY0" fmla="*/ 55756 h 237969"/>
+                      <a:gd name="connsiteX1" fmla="*/ 991994 w 2074127"/>
+                      <a:gd name="connsiteY1" fmla="*/ 237351 h 237969"/>
+                      <a:gd name="connsiteX2" fmla="*/ 2074127 w 2074127"/>
+                      <a:gd name="connsiteY2" fmla="*/ 0 h 237969"/>
+                      <a:gd name="connsiteX0" fmla="*/ 0 w 2074127"/>
+                      <a:gd name="connsiteY0" fmla="*/ 55756 h 237969"/>
+                      <a:gd name="connsiteX1" fmla="*/ 991994 w 2074127"/>
+                      <a:gd name="connsiteY1" fmla="*/ 237351 h 237969"/>
+                      <a:gd name="connsiteX2" fmla="*/ 2074127 w 2074127"/>
+                      <a:gd name="connsiteY2" fmla="*/ 0 h 237969"/>
+                      <a:gd name="connsiteX0" fmla="*/ 0 w 2058252"/>
+                      <a:gd name="connsiteY0" fmla="*/ 84331 h 266544"/>
+                      <a:gd name="connsiteX1" fmla="*/ 991994 w 2058252"/>
+                      <a:gd name="connsiteY1" fmla="*/ 265926 h 266544"/>
+                      <a:gd name="connsiteX2" fmla="*/ 2058252 w 2058252"/>
+                      <a:gd name="connsiteY2" fmla="*/ 0 h 266544"/>
+                      <a:gd name="connsiteX0" fmla="*/ 0 w 2090002"/>
+                      <a:gd name="connsiteY0" fmla="*/ 33531 h 266343"/>
+                      <a:gd name="connsiteX1" fmla="*/ 1023744 w 2090002"/>
+                      <a:gd name="connsiteY1" fmla="*/ 265926 h 266343"/>
+                      <a:gd name="connsiteX2" fmla="*/ 2090002 w 2090002"/>
+                      <a:gd name="connsiteY2" fmla="*/ 0 h 266343"/>
+                      <a:gd name="connsiteX0" fmla="*/ 0 w 2090002"/>
+                      <a:gd name="connsiteY0" fmla="*/ 33531 h 266352"/>
+                      <a:gd name="connsiteX1" fmla="*/ 1023744 w 2090002"/>
+                      <a:gd name="connsiteY1" fmla="*/ 265926 h 266352"/>
+                      <a:gd name="connsiteX2" fmla="*/ 2090002 w 2090002"/>
+                      <a:gd name="connsiteY2" fmla="*/ 0 h 266352"/>
+                      <a:gd name="connsiteX0" fmla="*/ 0 w 2128102"/>
+                      <a:gd name="connsiteY0" fmla="*/ 33531 h 266352"/>
+                      <a:gd name="connsiteX1" fmla="*/ 1061844 w 2128102"/>
+                      <a:gd name="connsiteY1" fmla="*/ 265926 h 266352"/>
+                      <a:gd name="connsiteX2" fmla="*/ 2128102 w 2128102"/>
+                      <a:gd name="connsiteY2" fmla="*/ 0 h 266352"/>
+                      <a:gd name="connsiteX0" fmla="*/ 0 w 2128102"/>
+                      <a:gd name="connsiteY0" fmla="*/ 33531 h 266352"/>
+                      <a:gd name="connsiteX1" fmla="*/ 1061844 w 2128102"/>
+                      <a:gd name="connsiteY1" fmla="*/ 265926 h 266352"/>
+                      <a:gd name="connsiteX2" fmla="*/ 2128102 w 2128102"/>
+                      <a:gd name="connsiteY2" fmla="*/ 0 h 266352"/>
+                      <a:gd name="connsiteX0" fmla="*/ 0 w 2128102"/>
+                      <a:gd name="connsiteY0" fmla="*/ 33531 h 266938"/>
+                      <a:gd name="connsiteX1" fmla="*/ 1061844 w 2128102"/>
+                      <a:gd name="connsiteY1" fmla="*/ 265926 h 266938"/>
+                      <a:gd name="connsiteX2" fmla="*/ 2128102 w 2128102"/>
+                      <a:gd name="connsiteY2" fmla="*/ 0 h 266938"/>
+                      <a:gd name="connsiteX0" fmla="*/ 0 w 2087797"/>
+                      <a:gd name="connsiteY0" fmla="*/ 15773 h 266728"/>
+                      <a:gd name="connsiteX1" fmla="*/ 1021539 w 2087797"/>
+                      <a:gd name="connsiteY1" fmla="*/ 265926 h 266728"/>
+                      <a:gd name="connsiteX2" fmla="*/ 2087797 w 2087797"/>
+                      <a:gd name="connsiteY2" fmla="*/ 0 h 266728"/>
+                    </a:gdLst>
+                    <a:ahLst/>
+                    <a:cxnLst>
+                      <a:cxn ang="0">
+                        <a:pos x="connsiteX0" y="connsiteY0"/>
+                      </a:cxn>
+                      <a:cxn ang="0">
+                        <a:pos x="connsiteX1" y="connsiteY1"/>
+                      </a:cxn>
+                      <a:cxn ang="0">
+                        <a:pos x="connsiteX2" y="connsiteY2"/>
+                      </a:cxn>
+                    </a:cxnLst>
+                    <a:rect l="l" t="t" r="r" b="b"/>
+                    <a:pathLst>
+                      <a:path w="2087797" h="266728">
+                        <a:moveTo>
+                          <a:pt x="0" y="15773"/>
+                        </a:moveTo>
+                        <a:cubicBezTo>
+                          <a:pt x="218492" y="204555"/>
+                          <a:pt x="675851" y="275219"/>
+                          <a:pt x="1021539" y="265926"/>
+                        </a:cubicBezTo>
+                        <a:cubicBezTo>
+                          <a:pt x="1367227" y="256633"/>
+                          <a:pt x="1711646" y="204247"/>
+                          <a:pt x="2087797" y="0"/>
+                        </a:cubicBezTo>
+                      </a:path>
+                    </a:pathLst>
+                  </a:custGeom>
+                  <a:noFill/>
+                  <a:ln w="38100">
+                    <a:solidFill>
+                      <a:schemeClr val="bg1"/>
+                    </a:solidFill>
+                  </a:ln>
+                </p:spPr>
+                <p:style>
+                  <a:lnRef idx="2">
+                    <a:schemeClr val="accent1">
+                      <a:shade val="50000"/>
+                    </a:schemeClr>
+                  </a:lnRef>
+                  <a:fillRef idx="1">
+                    <a:schemeClr val="accent1"/>
+                  </a:fillRef>
+                  <a:effectRef idx="0">
+                    <a:schemeClr val="accent1"/>
+                  </a:effectRef>
+                  <a:fontRef idx="minor">
+                    <a:schemeClr val="lt1"/>
+                  </a:fontRef>
+                </p:style>
+                <p:txBody>
+                  <a:bodyPr rtlCol="0" anchor="ctr"/>
+                  <a:lstStyle/>
+                  <a:p>
+                    <a:pPr algn="ctr"/>
+                    <a:endParaRPr lang="en-US"/>
+                  </a:p>
+                </p:txBody>
+              </p:sp>
+              <p:sp>
+                <p:nvSpPr>
+                  <p:cNvPr id="40" name="Oval 39">
+                    <a:extLst>
+                      <a:ext uri="{FF2B5EF4-FFF2-40B4-BE49-F238E27FC236}">
+                        <a16:creationId xmlns:a16="http://schemas.microsoft.com/office/drawing/2014/main" id="{7449ACAD-0428-CFC6-3795-30138D40C368}"/>
+                      </a:ext>
+                    </a:extLst>
+                  </p:cNvPr>
+                  <p:cNvSpPr/>
+                  <p:nvPr/>
+                </p:nvSpPr>
+                <p:spPr>
+                  <a:xfrm>
+                    <a:off x="2940877" y="4888575"/>
+                    <a:ext cx="228600" cy="231775"/>
+                  </a:xfrm>
+                  <a:prstGeom prst="ellipse">
+                    <a:avLst/>
+                  </a:prstGeom>
+                  <a:solidFill>
+                    <a:schemeClr val="tx1"/>
+                  </a:solidFill>
+                  <a:ln>
+                    <a:noFill/>
+                  </a:ln>
+                </p:spPr>
+                <p:style>
+                  <a:lnRef idx="2">
+                    <a:schemeClr val="accent1">
+                      <a:shade val="50000"/>
+                    </a:schemeClr>
+                  </a:lnRef>
+                  <a:fillRef idx="1">
+                    <a:schemeClr val="accent1"/>
+                  </a:fillRef>
+                  <a:effectRef idx="0">
+                    <a:schemeClr val="accent1"/>
+                  </a:effectRef>
+                  <a:fontRef idx="minor">
+                    <a:schemeClr val="lt1"/>
+                  </a:fontRef>
+                </p:style>
+                <p:txBody>
+                  <a:bodyPr rtlCol="0" anchor="ctr"/>
+                  <a:lstStyle/>
+                  <a:p>
+                    <a:pPr algn="ctr"/>
+                    <a:endParaRPr lang="en-US"/>
+                  </a:p>
+                </p:txBody>
+              </p:sp>
+              <p:sp>
+                <p:nvSpPr>
+                  <p:cNvPr id="41" name="Oval 40">
+                    <a:extLst>
+                      <a:ext uri="{FF2B5EF4-FFF2-40B4-BE49-F238E27FC236}">
+                        <a16:creationId xmlns:a16="http://schemas.microsoft.com/office/drawing/2014/main" id="{8E2E7715-0888-CEE4-F9DB-B69924FA62D0}"/>
+                      </a:ext>
+                    </a:extLst>
+                  </p:cNvPr>
+                  <p:cNvSpPr/>
+                  <p:nvPr/>
+                </p:nvSpPr>
+                <p:spPr>
+                  <a:xfrm>
+                    <a:off x="1699452" y="4898100"/>
+                    <a:ext cx="228600" cy="231775"/>
+                  </a:xfrm>
+                  <a:prstGeom prst="ellipse">
+                    <a:avLst/>
+                  </a:prstGeom>
+                  <a:solidFill>
+                    <a:schemeClr val="tx1"/>
+                  </a:solidFill>
+                  <a:ln>
+                    <a:noFill/>
+                  </a:ln>
+                </p:spPr>
+                <p:style>
+                  <a:lnRef idx="2">
+                    <a:schemeClr val="accent1">
+                      <a:shade val="50000"/>
+                    </a:schemeClr>
+                  </a:lnRef>
+                  <a:fillRef idx="1">
+                    <a:schemeClr val="accent1"/>
+                  </a:fillRef>
+                  <a:effectRef idx="0">
+                    <a:schemeClr val="accent1"/>
+                  </a:effectRef>
+                  <a:fontRef idx="minor">
+                    <a:schemeClr val="lt1"/>
+                  </a:fontRef>
+                </p:style>
+                <p:txBody>
+                  <a:bodyPr rtlCol="0" anchor="ctr"/>
+                  <a:lstStyle/>
+                  <a:p>
+                    <a:pPr algn="ctr"/>
+                    <a:endParaRPr lang="en-US"/>
+                  </a:p>
+                </p:txBody>
+              </p:sp>
+            </p:grpSp>
+          </p:grpSp>
+        </p:grpSp>
+        <p:grpSp>
+          <p:nvGrpSpPr>
+            <p:cNvPr id="690" name="Group 689">
               <a:extLst>
                 <a:ext uri="{FF2B5EF4-FFF2-40B4-BE49-F238E27FC236}">
-                  <a16:creationId xmlns:a16="http://schemas.microsoft.com/office/drawing/2014/main" id="{F5EC088D-BE77-1F9D-119F-C9B3EAA30FF9}"/>
+                  <a16:creationId xmlns:a16="http://schemas.microsoft.com/office/drawing/2014/main" id="{8765146B-FAC8-34BF-3892-6FF44EA8D7F6}"/>
                 </a:ext>
               </a:extLst>
             </p:cNvPr>
-            <p:cNvSpPr/>
+            <p:cNvGrpSpPr/>
             <p:nvPr/>
-          </p:nvSpPr>
-          <p:spPr>
+          </p:nvGrpSpPr>
+          <p:grpSpPr>
             <a:xfrm>
-              <a:off x="1378235" y="4722004"/>
-              <a:ext cx="903249" cy="568712"/>
+              <a:off x="4442595" y="3015710"/>
+              <a:ext cx="886955" cy="481904"/>
+              <a:chOff x="807719" y="4384746"/>
+              <a:chExt cx="3083857" cy="1731203"/>
             </a:xfrm>
-            <a:prstGeom prst="ellipse">
-              <a:avLst/>
-            </a:prstGeom>
-            <a:solidFill>
-              <a:schemeClr val="bg1"/>
-            </a:solidFill>
-            <a:ln>
-              <a:noFill/>
-            </a:ln>
-          </p:spPr>
-          <p:style>
-            <a:lnRef idx="2">
-              <a:schemeClr val="accent1">
-                <a:shade val="50000"/>
-              </a:schemeClr>
-            </a:lnRef>
-            <a:fillRef idx="1">
-              <a:schemeClr val="accent1"/>
-            </a:fillRef>
-            <a:effectRef idx="0">
-              <a:schemeClr val="accent1"/>
-            </a:effectRef>
-            <a:fontRef idx="minor">
-              <a:schemeClr val="lt1"/>
-            </a:fontRef>
-          </p:style>
-          <p:txBody>
-            <a:bodyPr rtlCol="0" anchor="ctr"/>
-            <a:lstStyle/>
-            <a:p>
-              <a:pPr algn="ctr"/>
-              <a:endParaRPr lang="en-US"/>
-            </a:p>
-          </p:txBody>
-        </p:sp>
-        <p:sp>
-          <p:nvSpPr>
-            <p:cNvPr id="704" name="Oval 703">
-              <a:extLst>
-                <a:ext uri="{FF2B5EF4-FFF2-40B4-BE49-F238E27FC236}">
-                  <a16:creationId xmlns:a16="http://schemas.microsoft.com/office/drawing/2014/main" id="{6D5A6AC6-83E2-B235-6661-90660048F71F}"/>
-                </a:ext>
-              </a:extLst>
-            </p:cNvPr>
-            <p:cNvSpPr/>
-            <p:nvPr/>
-          </p:nvSpPr>
-          <p:spPr>
-            <a:xfrm>
-              <a:off x="2590001" y="4729438"/>
-              <a:ext cx="903249" cy="568712"/>
-            </a:xfrm>
-            <a:prstGeom prst="ellipse">
-              <a:avLst/>
-            </a:prstGeom>
-            <a:solidFill>
-              <a:schemeClr val="bg1"/>
-            </a:solidFill>
-            <a:ln>
-              <a:noFill/>
-            </a:ln>
-          </p:spPr>
-          <p:style>
-            <a:lnRef idx="2">
-              <a:schemeClr val="accent1">
-                <a:shade val="50000"/>
-              </a:schemeClr>
-            </a:lnRef>
-            <a:fillRef idx="1">
-              <a:schemeClr val="accent1"/>
-            </a:fillRef>
-            <a:effectRef idx="0">
-              <a:schemeClr val="accent1"/>
-            </a:effectRef>
-            <a:fontRef idx="minor">
-              <a:schemeClr val="lt1"/>
-            </a:fontRef>
-          </p:style>
-          <p:txBody>
-            <a:bodyPr rtlCol="0" anchor="ctr"/>
-            <a:lstStyle/>
-            <a:p>
-              <a:pPr algn="ctr"/>
-              <a:endParaRPr lang="en-US"/>
-            </a:p>
-          </p:txBody>
-        </p:sp>
-        <p:sp>
-          <p:nvSpPr>
-            <p:cNvPr id="705" name="Freeform 704">
-              <a:extLst>
-                <a:ext uri="{FF2B5EF4-FFF2-40B4-BE49-F238E27FC236}">
-                  <a16:creationId xmlns:a16="http://schemas.microsoft.com/office/drawing/2014/main" id="{7F0CB2A0-1BA8-A152-E6D3-5145EAE1B465}"/>
-                </a:ext>
-              </a:extLst>
-            </p:cNvPr>
-            <p:cNvSpPr/>
-            <p:nvPr/>
-          </p:nvSpPr>
-          <p:spPr>
-            <a:xfrm>
-              <a:off x="1613092" y="5522940"/>
-              <a:ext cx="1644650" cy="286131"/>
-            </a:xfrm>
-            <a:custGeom>
-              <a:avLst/>
-              <a:gdLst>
-                <a:gd name="connsiteX0" fmla="*/ 0 w 2074127"/>
-                <a:gd name="connsiteY0" fmla="*/ 55756 h 234813"/>
-                <a:gd name="connsiteX1" fmla="*/ 858644 w 2074127"/>
-                <a:gd name="connsiteY1" fmla="*/ 234176 h 234813"/>
-                <a:gd name="connsiteX2" fmla="*/ 2074127 w 2074127"/>
-                <a:gd name="connsiteY2" fmla="*/ 0 h 234813"/>
-                <a:gd name="connsiteX0" fmla="*/ 0 w 2074127"/>
-                <a:gd name="connsiteY0" fmla="*/ 55756 h 237969"/>
-                <a:gd name="connsiteX1" fmla="*/ 991994 w 2074127"/>
-                <a:gd name="connsiteY1" fmla="*/ 237351 h 237969"/>
-                <a:gd name="connsiteX2" fmla="*/ 2074127 w 2074127"/>
-                <a:gd name="connsiteY2" fmla="*/ 0 h 237969"/>
-                <a:gd name="connsiteX0" fmla="*/ 0 w 2074127"/>
-                <a:gd name="connsiteY0" fmla="*/ 55756 h 237969"/>
-                <a:gd name="connsiteX1" fmla="*/ 991994 w 2074127"/>
-                <a:gd name="connsiteY1" fmla="*/ 237351 h 237969"/>
-                <a:gd name="connsiteX2" fmla="*/ 2074127 w 2074127"/>
-                <a:gd name="connsiteY2" fmla="*/ 0 h 237969"/>
-                <a:gd name="connsiteX0" fmla="*/ 0 w 2058252"/>
-                <a:gd name="connsiteY0" fmla="*/ 84331 h 266544"/>
-                <a:gd name="connsiteX1" fmla="*/ 991994 w 2058252"/>
-                <a:gd name="connsiteY1" fmla="*/ 265926 h 266544"/>
-                <a:gd name="connsiteX2" fmla="*/ 2058252 w 2058252"/>
-                <a:gd name="connsiteY2" fmla="*/ 0 h 266544"/>
-                <a:gd name="connsiteX0" fmla="*/ 0 w 2090002"/>
-                <a:gd name="connsiteY0" fmla="*/ 33531 h 266343"/>
-                <a:gd name="connsiteX1" fmla="*/ 1023744 w 2090002"/>
-                <a:gd name="connsiteY1" fmla="*/ 265926 h 266343"/>
-                <a:gd name="connsiteX2" fmla="*/ 2090002 w 2090002"/>
-                <a:gd name="connsiteY2" fmla="*/ 0 h 266343"/>
-                <a:gd name="connsiteX0" fmla="*/ 0 w 2090002"/>
-                <a:gd name="connsiteY0" fmla="*/ 33531 h 266352"/>
-                <a:gd name="connsiteX1" fmla="*/ 1023744 w 2090002"/>
-                <a:gd name="connsiteY1" fmla="*/ 265926 h 266352"/>
-                <a:gd name="connsiteX2" fmla="*/ 2090002 w 2090002"/>
-                <a:gd name="connsiteY2" fmla="*/ 0 h 266352"/>
-                <a:gd name="connsiteX0" fmla="*/ 0 w 2128102"/>
-                <a:gd name="connsiteY0" fmla="*/ 33531 h 266352"/>
-                <a:gd name="connsiteX1" fmla="*/ 1061844 w 2128102"/>
-                <a:gd name="connsiteY1" fmla="*/ 265926 h 266352"/>
-                <a:gd name="connsiteX2" fmla="*/ 2128102 w 2128102"/>
-                <a:gd name="connsiteY2" fmla="*/ 0 h 266352"/>
-                <a:gd name="connsiteX0" fmla="*/ 0 w 2128102"/>
-                <a:gd name="connsiteY0" fmla="*/ 33531 h 266352"/>
-                <a:gd name="connsiteX1" fmla="*/ 1061844 w 2128102"/>
-                <a:gd name="connsiteY1" fmla="*/ 265926 h 266352"/>
-                <a:gd name="connsiteX2" fmla="*/ 2128102 w 2128102"/>
-                <a:gd name="connsiteY2" fmla="*/ 0 h 266352"/>
-                <a:gd name="connsiteX0" fmla="*/ 0 w 2128102"/>
-                <a:gd name="connsiteY0" fmla="*/ 33531 h 266938"/>
-                <a:gd name="connsiteX1" fmla="*/ 1061844 w 2128102"/>
-                <a:gd name="connsiteY1" fmla="*/ 265926 h 266938"/>
-                <a:gd name="connsiteX2" fmla="*/ 2128102 w 2128102"/>
-                <a:gd name="connsiteY2" fmla="*/ 0 h 266938"/>
-                <a:gd name="connsiteX0" fmla="*/ 0 w 2087797"/>
-                <a:gd name="connsiteY0" fmla="*/ 15773 h 266728"/>
-                <a:gd name="connsiteX1" fmla="*/ 1021539 w 2087797"/>
-                <a:gd name="connsiteY1" fmla="*/ 265926 h 266728"/>
-                <a:gd name="connsiteX2" fmla="*/ 2087797 w 2087797"/>
-                <a:gd name="connsiteY2" fmla="*/ 0 h 266728"/>
-              </a:gdLst>
-              <a:ahLst/>
-              <a:cxnLst>
-                <a:cxn ang="0">
-                  <a:pos x="connsiteX0" y="connsiteY0"/>
-                </a:cxn>
-                <a:cxn ang="0">
-                  <a:pos x="connsiteX1" y="connsiteY1"/>
-                </a:cxn>
-                <a:cxn ang="0">
-                  <a:pos x="connsiteX2" y="connsiteY2"/>
-                </a:cxn>
-              </a:cxnLst>
-              <a:rect l="l" t="t" r="r" b="b"/>
-              <a:pathLst>
-                <a:path w="2087797" h="266728">
-                  <a:moveTo>
-                    <a:pt x="0" y="15773"/>
-                  </a:moveTo>
-                  <a:cubicBezTo>
-                    <a:pt x="218492" y="204555"/>
-                    <a:pt x="675851" y="275219"/>
-                    <a:pt x="1021539" y="265926"/>
-                  </a:cubicBezTo>
-                  <a:cubicBezTo>
-                    <a:pt x="1367227" y="256633"/>
-                    <a:pt x="1711646" y="204247"/>
-                    <a:pt x="2087797" y="0"/>
-                  </a:cubicBezTo>
-                </a:path>
-              </a:pathLst>
-            </a:custGeom>
-            <a:noFill/>
-            <a:ln w="38100">
+          </p:grpSpPr>
+          <p:sp>
+            <p:nvSpPr>
+              <p:cNvPr id="702" name="Trapezoid 701">
+                <a:extLst>
+                  <a:ext uri="{FF2B5EF4-FFF2-40B4-BE49-F238E27FC236}">
+                    <a16:creationId xmlns:a16="http://schemas.microsoft.com/office/drawing/2014/main" id="{AF3B83DD-6B5C-8F62-5F01-5A3D6DA9A643}"/>
+                  </a:ext>
+                </a:extLst>
+              </p:cNvPr>
+              <p:cNvSpPr/>
+              <p:nvPr/>
+            </p:nvSpPr>
+            <p:spPr>
+              <a:xfrm>
+                <a:off x="807719" y="4384746"/>
+                <a:ext cx="3083857" cy="1731203"/>
+              </a:xfrm>
+              <a:prstGeom prst="trapezoid">
+                <a:avLst>
+                  <a:gd name="adj" fmla="val 6207"/>
+                </a:avLst>
+              </a:prstGeom>
+              <a:solidFill>
+                <a:schemeClr val="accent4"/>
+              </a:solidFill>
+              <a:ln>
+                <a:noFill/>
+              </a:ln>
+            </p:spPr>
+            <p:style>
+              <a:lnRef idx="2">
+                <a:schemeClr val="accent1">
+                  <a:shade val="50000"/>
+                </a:schemeClr>
+              </a:lnRef>
+              <a:fillRef idx="1">
+                <a:schemeClr val="accent1"/>
+              </a:fillRef>
+              <a:effectRef idx="0">
+                <a:schemeClr val="accent1"/>
+              </a:effectRef>
+              <a:fontRef idx="minor">
+                <a:schemeClr val="lt1"/>
+              </a:fontRef>
+            </p:style>
+            <p:txBody>
+              <a:bodyPr rtlCol="0" anchor="ctr"/>
+              <a:lstStyle/>
+              <a:p>
+                <a:pPr algn="ctr"/>
+                <a:endParaRPr lang="en-US"/>
+              </a:p>
+            </p:txBody>
+          </p:sp>
+          <p:sp>
+            <p:nvSpPr>
+              <p:cNvPr id="703" name="Oval 702">
+                <a:extLst>
+                  <a:ext uri="{FF2B5EF4-FFF2-40B4-BE49-F238E27FC236}">
+                    <a16:creationId xmlns:a16="http://schemas.microsoft.com/office/drawing/2014/main" id="{F5EC088D-BE77-1F9D-119F-C9B3EAA30FF9}"/>
+                  </a:ext>
+                </a:extLst>
+              </p:cNvPr>
+              <p:cNvSpPr/>
+              <p:nvPr/>
+            </p:nvSpPr>
+            <p:spPr>
+              <a:xfrm>
+                <a:off x="1378235" y="4722004"/>
+                <a:ext cx="903249" cy="568712"/>
+              </a:xfrm>
+              <a:prstGeom prst="ellipse">
+                <a:avLst/>
+              </a:prstGeom>
               <a:solidFill>
                 <a:schemeClr val="bg1"/>
               </a:solidFill>
-            </a:ln>
-          </p:spPr>
-          <p:style>
-            <a:lnRef idx="2">
-              <a:schemeClr val="accent1">
-                <a:shade val="50000"/>
-              </a:schemeClr>
-            </a:lnRef>
-            <a:fillRef idx="1">
-              <a:schemeClr val="accent1"/>
-            </a:fillRef>
-            <a:effectRef idx="0">
-              <a:schemeClr val="accent1"/>
-            </a:effectRef>
-            <a:fontRef idx="minor">
-              <a:schemeClr val="lt1"/>
-            </a:fontRef>
-          </p:style>
-          <p:txBody>
-            <a:bodyPr rtlCol="0" anchor="ctr"/>
-            <a:lstStyle/>
-            <a:p>
-              <a:pPr algn="ctr"/>
-              <a:endParaRPr lang="en-US"/>
-            </a:p>
-          </p:txBody>
-        </p:sp>
-        <p:sp>
-          <p:nvSpPr>
-            <p:cNvPr id="706" name="Oval 705">
-              <a:extLst>
-                <a:ext uri="{FF2B5EF4-FFF2-40B4-BE49-F238E27FC236}">
-                  <a16:creationId xmlns:a16="http://schemas.microsoft.com/office/drawing/2014/main" id="{B1583EBD-10F1-554F-12EE-4FBC51410E8E}"/>
-                </a:ext>
-              </a:extLst>
-            </p:cNvPr>
-            <p:cNvSpPr/>
-            <p:nvPr/>
-          </p:nvSpPr>
-          <p:spPr>
-            <a:xfrm>
-              <a:off x="2940877" y="4888575"/>
-              <a:ext cx="228600" cy="231775"/>
-            </a:xfrm>
-            <a:prstGeom prst="ellipse">
-              <a:avLst/>
-            </a:prstGeom>
-            <a:solidFill>
-              <a:schemeClr val="tx1"/>
-            </a:solidFill>
-            <a:ln>
+              <a:ln>
+                <a:noFill/>
+              </a:ln>
+            </p:spPr>
+            <p:style>
+              <a:lnRef idx="2">
+                <a:schemeClr val="accent1">
+                  <a:shade val="50000"/>
+                </a:schemeClr>
+              </a:lnRef>
+              <a:fillRef idx="1">
+                <a:schemeClr val="accent1"/>
+              </a:fillRef>
+              <a:effectRef idx="0">
+                <a:schemeClr val="accent1"/>
+              </a:effectRef>
+              <a:fontRef idx="minor">
+                <a:schemeClr val="lt1"/>
+              </a:fontRef>
+            </p:style>
+            <p:txBody>
+              <a:bodyPr rtlCol="0" anchor="ctr"/>
+              <a:lstStyle/>
+              <a:p>
+                <a:pPr algn="ctr"/>
+                <a:endParaRPr lang="en-US"/>
+              </a:p>
+            </p:txBody>
+          </p:sp>
+          <p:sp>
+            <p:nvSpPr>
+              <p:cNvPr id="704" name="Oval 703">
+                <a:extLst>
+                  <a:ext uri="{FF2B5EF4-FFF2-40B4-BE49-F238E27FC236}">
+                    <a16:creationId xmlns:a16="http://schemas.microsoft.com/office/drawing/2014/main" id="{6D5A6AC6-83E2-B235-6661-90660048F71F}"/>
+                  </a:ext>
+                </a:extLst>
+              </p:cNvPr>
+              <p:cNvSpPr/>
+              <p:nvPr/>
+            </p:nvSpPr>
+            <p:spPr>
+              <a:xfrm>
+                <a:off x="2590001" y="4729438"/>
+                <a:ext cx="903249" cy="568712"/>
+              </a:xfrm>
+              <a:prstGeom prst="ellipse">
+                <a:avLst/>
+              </a:prstGeom>
+              <a:solidFill>
+                <a:schemeClr val="bg1"/>
+              </a:solidFill>
+              <a:ln>
+                <a:noFill/>
+              </a:ln>
+            </p:spPr>
+            <p:style>
+              <a:lnRef idx="2">
+                <a:schemeClr val="accent1">
+                  <a:shade val="50000"/>
+                </a:schemeClr>
+              </a:lnRef>
+              <a:fillRef idx="1">
+                <a:schemeClr val="accent1"/>
+              </a:fillRef>
+              <a:effectRef idx="0">
+                <a:schemeClr val="accent1"/>
+              </a:effectRef>
+              <a:fontRef idx="minor">
+                <a:schemeClr val="lt1"/>
+              </a:fontRef>
+            </p:style>
+            <p:txBody>
+              <a:bodyPr rtlCol="0" anchor="ctr"/>
+              <a:lstStyle/>
+              <a:p>
+                <a:pPr algn="ctr"/>
+                <a:endParaRPr lang="en-US"/>
+              </a:p>
+            </p:txBody>
+          </p:sp>
+          <p:sp>
+            <p:nvSpPr>
+              <p:cNvPr id="705" name="Freeform 704">
+                <a:extLst>
+                  <a:ext uri="{FF2B5EF4-FFF2-40B4-BE49-F238E27FC236}">
+                    <a16:creationId xmlns:a16="http://schemas.microsoft.com/office/drawing/2014/main" id="{7F0CB2A0-1BA8-A152-E6D3-5145EAE1B465}"/>
+                  </a:ext>
+                </a:extLst>
+              </p:cNvPr>
+              <p:cNvSpPr/>
+              <p:nvPr/>
+            </p:nvSpPr>
+            <p:spPr>
+              <a:xfrm>
+                <a:off x="1613092" y="5522940"/>
+                <a:ext cx="1644650" cy="286131"/>
+              </a:xfrm>
+              <a:custGeom>
+                <a:avLst/>
+                <a:gdLst>
+                  <a:gd name="connsiteX0" fmla="*/ 0 w 2074127"/>
+                  <a:gd name="connsiteY0" fmla="*/ 55756 h 234813"/>
+                  <a:gd name="connsiteX1" fmla="*/ 858644 w 2074127"/>
+                  <a:gd name="connsiteY1" fmla="*/ 234176 h 234813"/>
+                  <a:gd name="connsiteX2" fmla="*/ 2074127 w 2074127"/>
+                  <a:gd name="connsiteY2" fmla="*/ 0 h 234813"/>
+                  <a:gd name="connsiteX0" fmla="*/ 0 w 2074127"/>
+                  <a:gd name="connsiteY0" fmla="*/ 55756 h 237969"/>
+                  <a:gd name="connsiteX1" fmla="*/ 991994 w 2074127"/>
+                  <a:gd name="connsiteY1" fmla="*/ 237351 h 237969"/>
+                  <a:gd name="connsiteX2" fmla="*/ 2074127 w 2074127"/>
+                  <a:gd name="connsiteY2" fmla="*/ 0 h 237969"/>
+                  <a:gd name="connsiteX0" fmla="*/ 0 w 2074127"/>
+                  <a:gd name="connsiteY0" fmla="*/ 55756 h 237969"/>
+                  <a:gd name="connsiteX1" fmla="*/ 991994 w 2074127"/>
+                  <a:gd name="connsiteY1" fmla="*/ 237351 h 237969"/>
+                  <a:gd name="connsiteX2" fmla="*/ 2074127 w 2074127"/>
+                  <a:gd name="connsiteY2" fmla="*/ 0 h 237969"/>
+                  <a:gd name="connsiteX0" fmla="*/ 0 w 2058252"/>
+                  <a:gd name="connsiteY0" fmla="*/ 84331 h 266544"/>
+                  <a:gd name="connsiteX1" fmla="*/ 991994 w 2058252"/>
+                  <a:gd name="connsiteY1" fmla="*/ 265926 h 266544"/>
+                  <a:gd name="connsiteX2" fmla="*/ 2058252 w 2058252"/>
+                  <a:gd name="connsiteY2" fmla="*/ 0 h 266544"/>
+                  <a:gd name="connsiteX0" fmla="*/ 0 w 2090002"/>
+                  <a:gd name="connsiteY0" fmla="*/ 33531 h 266343"/>
+                  <a:gd name="connsiteX1" fmla="*/ 1023744 w 2090002"/>
+                  <a:gd name="connsiteY1" fmla="*/ 265926 h 266343"/>
+                  <a:gd name="connsiteX2" fmla="*/ 2090002 w 2090002"/>
+                  <a:gd name="connsiteY2" fmla="*/ 0 h 266343"/>
+                  <a:gd name="connsiteX0" fmla="*/ 0 w 2090002"/>
+                  <a:gd name="connsiteY0" fmla="*/ 33531 h 266352"/>
+                  <a:gd name="connsiteX1" fmla="*/ 1023744 w 2090002"/>
+                  <a:gd name="connsiteY1" fmla="*/ 265926 h 266352"/>
+                  <a:gd name="connsiteX2" fmla="*/ 2090002 w 2090002"/>
+                  <a:gd name="connsiteY2" fmla="*/ 0 h 266352"/>
+                  <a:gd name="connsiteX0" fmla="*/ 0 w 2128102"/>
+                  <a:gd name="connsiteY0" fmla="*/ 33531 h 266352"/>
+                  <a:gd name="connsiteX1" fmla="*/ 1061844 w 2128102"/>
+                  <a:gd name="connsiteY1" fmla="*/ 265926 h 266352"/>
+                  <a:gd name="connsiteX2" fmla="*/ 2128102 w 2128102"/>
+                  <a:gd name="connsiteY2" fmla="*/ 0 h 266352"/>
+                  <a:gd name="connsiteX0" fmla="*/ 0 w 2128102"/>
+                  <a:gd name="connsiteY0" fmla="*/ 33531 h 266352"/>
+                  <a:gd name="connsiteX1" fmla="*/ 1061844 w 2128102"/>
+                  <a:gd name="connsiteY1" fmla="*/ 265926 h 266352"/>
+                  <a:gd name="connsiteX2" fmla="*/ 2128102 w 2128102"/>
+                  <a:gd name="connsiteY2" fmla="*/ 0 h 266352"/>
+                  <a:gd name="connsiteX0" fmla="*/ 0 w 2128102"/>
+                  <a:gd name="connsiteY0" fmla="*/ 33531 h 266938"/>
+                  <a:gd name="connsiteX1" fmla="*/ 1061844 w 2128102"/>
+                  <a:gd name="connsiteY1" fmla="*/ 265926 h 266938"/>
+                  <a:gd name="connsiteX2" fmla="*/ 2128102 w 2128102"/>
+                  <a:gd name="connsiteY2" fmla="*/ 0 h 266938"/>
+                  <a:gd name="connsiteX0" fmla="*/ 0 w 2087797"/>
+                  <a:gd name="connsiteY0" fmla="*/ 15773 h 266728"/>
+                  <a:gd name="connsiteX1" fmla="*/ 1021539 w 2087797"/>
+                  <a:gd name="connsiteY1" fmla="*/ 265926 h 266728"/>
+                  <a:gd name="connsiteX2" fmla="*/ 2087797 w 2087797"/>
+                  <a:gd name="connsiteY2" fmla="*/ 0 h 266728"/>
+                </a:gdLst>
+                <a:ahLst/>
+                <a:cxnLst>
+                  <a:cxn ang="0">
+                    <a:pos x="connsiteX0" y="connsiteY0"/>
+                  </a:cxn>
+                  <a:cxn ang="0">
+                    <a:pos x="connsiteX1" y="connsiteY1"/>
+                  </a:cxn>
+                  <a:cxn ang="0">
+                    <a:pos x="connsiteX2" y="connsiteY2"/>
+                  </a:cxn>
+                </a:cxnLst>
+                <a:rect l="l" t="t" r="r" b="b"/>
+                <a:pathLst>
+                  <a:path w="2087797" h="266728">
+                    <a:moveTo>
+                      <a:pt x="0" y="15773"/>
+                    </a:moveTo>
+                    <a:cubicBezTo>
+                      <a:pt x="218492" y="204555"/>
+                      <a:pt x="675851" y="275219"/>
+                      <a:pt x="1021539" y="265926"/>
+                    </a:cubicBezTo>
+                    <a:cubicBezTo>
+                      <a:pt x="1367227" y="256633"/>
+                      <a:pt x="1711646" y="204247"/>
+                      <a:pt x="2087797" y="0"/>
+                    </a:cubicBezTo>
+                  </a:path>
+                </a:pathLst>
+              </a:custGeom>
               <a:noFill/>
-            </a:ln>
-          </p:spPr>
-          <p:style>
-            <a:lnRef idx="2">
-              <a:schemeClr val="accent1">
-                <a:shade val="50000"/>
-              </a:schemeClr>
-            </a:lnRef>
-            <a:fillRef idx="1">
-              <a:schemeClr val="accent1"/>
-            </a:fillRef>
-            <a:effectRef idx="0">
-              <a:schemeClr val="accent1"/>
-            </a:effectRef>
-            <a:fontRef idx="minor">
-              <a:schemeClr val="lt1"/>
-            </a:fontRef>
-          </p:style>
-          <p:txBody>
-            <a:bodyPr rtlCol="0" anchor="ctr"/>
-            <a:lstStyle/>
-            <a:p>
-              <a:pPr algn="ctr"/>
-              <a:endParaRPr lang="en-US"/>
-            </a:p>
-          </p:txBody>
-        </p:sp>
-        <p:sp>
-          <p:nvSpPr>
-            <p:cNvPr id="707" name="Oval 706">
-              <a:extLst>
-                <a:ext uri="{FF2B5EF4-FFF2-40B4-BE49-F238E27FC236}">
-                  <a16:creationId xmlns:a16="http://schemas.microsoft.com/office/drawing/2014/main" id="{AB2DF8AB-BB56-18E9-A1C3-2536FC564D42}"/>
-                </a:ext>
-              </a:extLst>
-            </p:cNvPr>
-            <p:cNvSpPr/>
-            <p:nvPr/>
-          </p:nvSpPr>
-          <p:spPr>
-            <a:xfrm>
-              <a:off x="1699452" y="4898100"/>
-              <a:ext cx="228600" cy="231775"/>
-            </a:xfrm>
-            <a:prstGeom prst="ellipse">
-              <a:avLst/>
-            </a:prstGeom>
-            <a:solidFill>
-              <a:schemeClr val="tx1"/>
-            </a:solidFill>
-            <a:ln>
-              <a:noFill/>
-            </a:ln>
-          </p:spPr>
-          <p:style>
-            <a:lnRef idx="2">
-              <a:schemeClr val="accent1">
-                <a:shade val="50000"/>
-              </a:schemeClr>
-            </a:lnRef>
-            <a:fillRef idx="1">
-              <a:schemeClr val="accent1"/>
-            </a:fillRef>
-            <a:effectRef idx="0">
-              <a:schemeClr val="accent1"/>
-            </a:effectRef>
-            <a:fontRef idx="minor">
-              <a:schemeClr val="lt1"/>
-            </a:fontRef>
-          </p:style>
-          <p:txBody>
-            <a:bodyPr rtlCol="0" anchor="ctr"/>
-            <a:lstStyle/>
-            <a:p>
-              <a:pPr algn="ctr"/>
-              <a:endParaRPr lang="en-US"/>
-            </a:p>
-          </p:txBody>
-        </p:sp>
-      </p:grpSp>
-      <p:sp>
-        <p:nvSpPr>
-          <p:cNvPr id="691" name="TextBox 690">
-            <a:extLst>
-              <a:ext uri="{FF2B5EF4-FFF2-40B4-BE49-F238E27FC236}">
-                <a16:creationId xmlns:a16="http://schemas.microsoft.com/office/drawing/2014/main" id="{EC3DE8E4-5C83-C5AE-7C0B-4B1249878AAB}"/>
-              </a:ext>
-            </a:extLst>
-          </p:cNvPr>
-          <p:cNvSpPr txBox="1"/>
-          <p:nvPr/>
-        </p:nvSpPr>
-        <p:spPr>
-          <a:xfrm>
-            <a:off x="4139821" y="2073474"/>
-            <a:ext cx="1492717" cy="369332"/>
-          </a:xfrm>
-          <a:prstGeom prst="rect">
-            <a:avLst/>
-          </a:prstGeom>
-          <a:noFill/>
-        </p:spPr>
-        <p:txBody>
-          <a:bodyPr wrap="none" rtlCol="0">
-            <a:spAutoFit/>
-          </a:bodyPr>
-          <a:lstStyle/>
-          <a:p>
-            <a:pPr algn="ctr"/>
-            <a:r>
-              <a:rPr lang="en-US" b="1" dirty="0">
-                <a:latin typeface="Arial" panose="020B0604020202020204" pitchFamily="34" charset="0"/>
-                <a:cs typeface="Arial" panose="020B0604020202020204" pitchFamily="34" charset="0"/>
-              </a:rPr>
-              <a:t>Code Savvy</a:t>
-            </a:r>
-          </a:p>
-        </p:txBody>
-      </p:sp>
-      <p:sp>
-        <p:nvSpPr>
-          <p:cNvPr id="692" name="TextBox 691">
-            <a:extLst>
-              <a:ext uri="{FF2B5EF4-FFF2-40B4-BE49-F238E27FC236}">
-                <a16:creationId xmlns:a16="http://schemas.microsoft.com/office/drawing/2014/main" id="{F7361741-A507-6788-EE3B-1EE0E7879622}"/>
-              </a:ext>
-            </a:extLst>
-          </p:cNvPr>
-          <p:cNvSpPr txBox="1"/>
-          <p:nvPr/>
-        </p:nvSpPr>
-        <p:spPr>
-          <a:xfrm>
-            <a:off x="3660238" y="3543329"/>
-            <a:ext cx="2519893" cy="369332"/>
-          </a:xfrm>
-          <a:prstGeom prst="rect">
-            <a:avLst/>
-          </a:prstGeom>
-          <a:noFill/>
-        </p:spPr>
-        <p:txBody>
-          <a:bodyPr wrap="square" rtlCol="0">
-            <a:spAutoFit/>
-          </a:bodyPr>
-          <a:lstStyle/>
-          <a:p>
-            <a:pPr algn="ctr"/>
-            <a:r>
-              <a:rPr lang="en-US" b="1" dirty="0">
-                <a:latin typeface="Arial" panose="020B0604020202020204" pitchFamily="34" charset="0"/>
-                <a:cs typeface="Arial" panose="020B0604020202020204" pitchFamily="34" charset="0"/>
-              </a:rPr>
-              <a:t>Robot Expert</a:t>
-            </a:r>
-          </a:p>
-        </p:txBody>
-      </p:sp>
-      <p:grpSp>
-        <p:nvGrpSpPr>
-          <p:cNvPr id="42" name="Group 41">
-            <a:extLst>
-              <a:ext uri="{FF2B5EF4-FFF2-40B4-BE49-F238E27FC236}">
-                <a16:creationId xmlns:a16="http://schemas.microsoft.com/office/drawing/2014/main" id="{950242D7-81D6-5A13-ED42-DA0AA7307F9F}"/>
-              </a:ext>
-            </a:extLst>
-          </p:cNvPr>
-          <p:cNvGrpSpPr/>
-          <p:nvPr/>
-        </p:nvGrpSpPr>
-        <p:grpSpPr>
-          <a:xfrm>
-            <a:off x="49738" y="2044530"/>
-            <a:ext cx="1673125" cy="1857590"/>
-            <a:chOff x="192543" y="2045397"/>
-            <a:chExt cx="1673125" cy="1857590"/>
-          </a:xfrm>
-        </p:grpSpPr>
-        <p:sp>
-          <p:nvSpPr>
-            <p:cNvPr id="688" name="TextBox 687">
-              <a:extLst>
-                <a:ext uri="{FF2B5EF4-FFF2-40B4-BE49-F238E27FC236}">
-                  <a16:creationId xmlns:a16="http://schemas.microsoft.com/office/drawing/2014/main" id="{191FA17E-4EC3-A632-A22E-5B0C87A1F994}"/>
-                </a:ext>
-              </a:extLst>
-            </p:cNvPr>
-            <p:cNvSpPr txBox="1"/>
-            <p:nvPr/>
-          </p:nvSpPr>
-          <p:spPr>
-            <a:xfrm>
-              <a:off x="192543" y="3533655"/>
-              <a:ext cx="1673125" cy="369332"/>
-            </a:xfrm>
-            <a:prstGeom prst="rect">
-              <a:avLst/>
-            </a:prstGeom>
-            <a:noFill/>
-          </p:spPr>
-          <p:txBody>
-            <a:bodyPr wrap="square" rtlCol="0">
-              <a:spAutoFit/>
-            </a:bodyPr>
-            <a:lstStyle/>
-            <a:p>
-              <a:pPr algn="ctr"/>
-              <a:r>
-                <a:rPr lang="en-US" b="1" dirty="0">
-                  <a:latin typeface="Arial" panose="020B0604020202020204" pitchFamily="34" charset="0"/>
-                  <a:cs typeface="Arial" panose="020B0604020202020204" pitchFamily="34" charset="0"/>
-                </a:rPr>
-                <a:t>Robot Expert</a:t>
-              </a:r>
-            </a:p>
-          </p:txBody>
-        </p:sp>
-        <p:sp>
-          <p:nvSpPr>
-            <p:cNvPr id="693" name="TextBox 692">
-              <a:extLst>
-                <a:ext uri="{FF2B5EF4-FFF2-40B4-BE49-F238E27FC236}">
-                  <a16:creationId xmlns:a16="http://schemas.microsoft.com/office/drawing/2014/main" id="{A8241B64-5259-C889-A398-3AA28BD623D1}"/>
-                </a:ext>
-              </a:extLst>
-            </p:cNvPr>
-            <p:cNvSpPr txBox="1"/>
-            <p:nvPr/>
-          </p:nvSpPr>
-          <p:spPr>
-            <a:xfrm>
-              <a:off x="256976" y="2045397"/>
-              <a:ext cx="1492717" cy="369332"/>
-            </a:xfrm>
-            <a:prstGeom prst="rect">
-              <a:avLst/>
-            </a:prstGeom>
-            <a:noFill/>
-          </p:spPr>
-          <p:txBody>
-            <a:bodyPr wrap="none" rtlCol="0">
-              <a:spAutoFit/>
-            </a:bodyPr>
-            <a:lstStyle/>
-            <a:p>
-              <a:pPr algn="ctr"/>
-              <a:r>
-                <a:rPr lang="en-US" b="1" dirty="0">
-                  <a:latin typeface="Arial" panose="020B0604020202020204" pitchFamily="34" charset="0"/>
-                  <a:cs typeface="Arial" panose="020B0604020202020204" pitchFamily="34" charset="0"/>
-                </a:rPr>
-                <a:t>Code Savvy</a:t>
-              </a:r>
-            </a:p>
-          </p:txBody>
-        </p:sp>
-        <p:pic>
-          <p:nvPicPr>
-            <p:cNvPr id="694" name="Picture 693">
-              <a:extLst>
-                <a:ext uri="{FF2B5EF4-FFF2-40B4-BE49-F238E27FC236}">
-                  <a16:creationId xmlns:a16="http://schemas.microsoft.com/office/drawing/2014/main" id="{5E3758A6-12C5-ADB1-7BC0-1AAAD4001EB8}"/>
-                </a:ext>
-              </a:extLst>
-            </p:cNvPr>
-            <p:cNvPicPr>
-              <a:picLocks noChangeAspect="1"/>
-            </p:cNvPicPr>
-            <p:nvPr/>
-          </p:nvPicPr>
-          <p:blipFill>
-            <a:blip r:embed="rId2"/>
-            <a:stretch>
-              <a:fillRect/>
-            </a:stretch>
-          </p:blipFill>
-          <p:spPr>
-            <a:xfrm>
-              <a:off x="282856" y="2360142"/>
-              <a:ext cx="1524119" cy="1168017"/>
-            </a:xfrm>
-            <a:prstGeom prst="rect">
-              <a:avLst/>
-            </a:prstGeom>
-          </p:spPr>
-        </p:pic>
+              <a:ln w="38100">
+                <a:solidFill>
+                  <a:schemeClr val="bg1"/>
+                </a:solidFill>
+              </a:ln>
+            </p:spPr>
+            <p:style>
+              <a:lnRef idx="2">
+                <a:schemeClr val="accent1">
+                  <a:shade val="50000"/>
+                </a:schemeClr>
+              </a:lnRef>
+              <a:fillRef idx="1">
+                <a:schemeClr val="accent1"/>
+              </a:fillRef>
+              <a:effectRef idx="0">
+                <a:schemeClr val="accent1"/>
+              </a:effectRef>
+              <a:fontRef idx="minor">
+                <a:schemeClr val="lt1"/>
+              </a:fontRef>
+            </p:style>
+            <p:txBody>
+              <a:bodyPr rtlCol="0" anchor="ctr"/>
+              <a:lstStyle/>
+              <a:p>
+                <a:pPr algn="ctr"/>
+                <a:endParaRPr lang="en-US"/>
+              </a:p>
+            </p:txBody>
+          </p:sp>
+          <p:sp>
+            <p:nvSpPr>
+              <p:cNvPr id="706" name="Oval 705">
+                <a:extLst>
+                  <a:ext uri="{FF2B5EF4-FFF2-40B4-BE49-F238E27FC236}">
+                    <a16:creationId xmlns:a16="http://schemas.microsoft.com/office/drawing/2014/main" id="{B1583EBD-10F1-554F-12EE-4FBC51410E8E}"/>
+                  </a:ext>
+                </a:extLst>
+              </p:cNvPr>
+              <p:cNvSpPr/>
+              <p:nvPr/>
+            </p:nvSpPr>
+            <p:spPr>
+              <a:xfrm>
+                <a:off x="2940877" y="4888575"/>
+                <a:ext cx="228600" cy="231775"/>
+              </a:xfrm>
+              <a:prstGeom prst="ellipse">
+                <a:avLst/>
+              </a:prstGeom>
+              <a:solidFill>
+                <a:schemeClr val="tx1"/>
+              </a:solidFill>
+              <a:ln>
+                <a:noFill/>
+              </a:ln>
+            </p:spPr>
+            <p:style>
+              <a:lnRef idx="2">
+                <a:schemeClr val="accent1">
+                  <a:shade val="50000"/>
+                </a:schemeClr>
+              </a:lnRef>
+              <a:fillRef idx="1">
+                <a:schemeClr val="accent1"/>
+              </a:fillRef>
+              <a:effectRef idx="0">
+                <a:schemeClr val="accent1"/>
+              </a:effectRef>
+              <a:fontRef idx="minor">
+                <a:schemeClr val="lt1"/>
+              </a:fontRef>
+            </p:style>
+            <p:txBody>
+              <a:bodyPr rtlCol="0" anchor="ctr"/>
+              <a:lstStyle/>
+              <a:p>
+                <a:pPr algn="ctr"/>
+                <a:endParaRPr lang="en-US"/>
+              </a:p>
+            </p:txBody>
+          </p:sp>
+          <p:sp>
+            <p:nvSpPr>
+              <p:cNvPr id="707" name="Oval 706">
+                <a:extLst>
+                  <a:ext uri="{FF2B5EF4-FFF2-40B4-BE49-F238E27FC236}">
+                    <a16:creationId xmlns:a16="http://schemas.microsoft.com/office/drawing/2014/main" id="{AB2DF8AB-BB56-18E9-A1C3-2536FC564D42}"/>
+                  </a:ext>
+                </a:extLst>
+              </p:cNvPr>
+              <p:cNvSpPr/>
+              <p:nvPr/>
+            </p:nvSpPr>
+            <p:spPr>
+              <a:xfrm>
+                <a:off x="1699452" y="4898100"/>
+                <a:ext cx="228600" cy="231775"/>
+              </a:xfrm>
+              <a:prstGeom prst="ellipse">
+                <a:avLst/>
+              </a:prstGeom>
+              <a:solidFill>
+                <a:schemeClr val="tx1"/>
+              </a:solidFill>
+              <a:ln>
+                <a:noFill/>
+              </a:ln>
+            </p:spPr>
+            <p:style>
+              <a:lnRef idx="2">
+                <a:schemeClr val="accent1">
+                  <a:shade val="50000"/>
+                </a:schemeClr>
+              </a:lnRef>
+              <a:fillRef idx="1">
+                <a:schemeClr val="accent1"/>
+              </a:fillRef>
+              <a:effectRef idx="0">
+                <a:schemeClr val="accent1"/>
+              </a:effectRef>
+              <a:fontRef idx="minor">
+                <a:schemeClr val="lt1"/>
+              </a:fontRef>
+            </p:style>
+            <p:txBody>
+              <a:bodyPr rtlCol="0" anchor="ctr"/>
+              <a:lstStyle/>
+              <a:p>
+                <a:pPr algn="ctr"/>
+                <a:endParaRPr lang="en-US"/>
+              </a:p>
+            </p:txBody>
+          </p:sp>
+        </p:grpSp>
       </p:grpSp>
       <p:cxnSp>
         <p:nvCxnSpPr>
@@ -8222,6 +9411,13 @@
           <a:prstGeom prst="line">
             <a:avLst/>
           </a:prstGeom>
+          <a:ln>
+            <a:solidFill>
+              <a:schemeClr val="bg1">
+                <a:lumMod val="95000"/>
+              </a:schemeClr>
+            </a:solidFill>
+          </a:ln>
         </p:spPr>
         <p:style>
           <a:lnRef idx="1">
@@ -8746,1118 +9942,6 @@
                 <a:extLst>
                   <a:ext uri="{FF2B5EF4-FFF2-40B4-BE49-F238E27FC236}">
                     <a16:creationId xmlns:a16="http://schemas.microsoft.com/office/drawing/2014/main" id="{4F04BD10-ECAE-588E-FEE2-BA43EEF73356}"/>
-                  </a:ext>
-                </a:extLst>
-              </p:cNvPr>
-              <p:cNvSpPr/>
-              <p:nvPr/>
-            </p:nvSpPr>
-            <p:spPr>
-              <a:xfrm>
-                <a:off x="1699452" y="4898100"/>
-                <a:ext cx="228600" cy="231775"/>
-              </a:xfrm>
-              <a:prstGeom prst="ellipse">
-                <a:avLst/>
-              </a:prstGeom>
-              <a:solidFill>
-                <a:schemeClr val="tx1"/>
-              </a:solidFill>
-              <a:ln>
-                <a:noFill/>
-              </a:ln>
-            </p:spPr>
-            <p:style>
-              <a:lnRef idx="2">
-                <a:schemeClr val="accent1">
-                  <a:shade val="50000"/>
-                </a:schemeClr>
-              </a:lnRef>
-              <a:fillRef idx="1">
-                <a:schemeClr val="accent1"/>
-              </a:fillRef>
-              <a:effectRef idx="0">
-                <a:schemeClr val="accent1"/>
-              </a:effectRef>
-              <a:fontRef idx="minor">
-                <a:schemeClr val="lt1"/>
-              </a:fontRef>
-            </p:style>
-            <p:txBody>
-              <a:bodyPr rtlCol="0" anchor="ctr"/>
-              <a:lstStyle/>
-              <a:p>
-                <a:pPr algn="ctr"/>
-                <a:endParaRPr lang="en-US"/>
-              </a:p>
-            </p:txBody>
-          </p:sp>
-        </p:grpSp>
-      </p:grpSp>
-      <p:grpSp>
-        <p:nvGrpSpPr>
-          <p:cNvPr id="20" name="Group 19">
-            <a:extLst>
-              <a:ext uri="{FF2B5EF4-FFF2-40B4-BE49-F238E27FC236}">
-                <a16:creationId xmlns:a16="http://schemas.microsoft.com/office/drawing/2014/main" id="{E65D1510-3B1D-0BAC-6365-98146AB03D7F}"/>
-              </a:ext>
-            </a:extLst>
-          </p:cNvPr>
-          <p:cNvGrpSpPr/>
-          <p:nvPr/>
-        </p:nvGrpSpPr>
-        <p:grpSpPr>
-          <a:xfrm>
-            <a:off x="5796625" y="2143599"/>
-            <a:ext cx="1798193" cy="1735315"/>
-            <a:chOff x="931282" y="201820"/>
-            <a:chExt cx="1673125" cy="1779204"/>
-          </a:xfrm>
-        </p:grpSpPr>
-        <p:sp>
-          <p:nvSpPr>
-            <p:cNvPr id="21" name="TextBox 20">
-              <a:extLst>
-                <a:ext uri="{FF2B5EF4-FFF2-40B4-BE49-F238E27FC236}">
-                  <a16:creationId xmlns:a16="http://schemas.microsoft.com/office/drawing/2014/main" id="{9C37B6FB-CFA9-1301-0FD0-9AA36A26AC42}"/>
-                </a:ext>
-              </a:extLst>
-            </p:cNvPr>
-            <p:cNvSpPr txBox="1"/>
-            <p:nvPr/>
-          </p:nvSpPr>
-          <p:spPr>
-            <a:xfrm>
-              <a:off x="931282" y="1611692"/>
-              <a:ext cx="1673125" cy="369332"/>
-            </a:xfrm>
-            <a:prstGeom prst="rect">
-              <a:avLst/>
-            </a:prstGeom>
-            <a:noFill/>
-          </p:spPr>
-          <p:txBody>
-            <a:bodyPr wrap="square" rtlCol="0">
-              <a:spAutoFit/>
-            </a:bodyPr>
-            <a:lstStyle/>
-            <a:p>
-              <a:pPr algn="ctr"/>
-              <a:r>
-                <a:rPr lang="en-US" b="1" dirty="0">
-                  <a:latin typeface="Arial" panose="020B0604020202020204" pitchFamily="34" charset="0"/>
-                  <a:cs typeface="Arial" panose="020B0604020202020204" pitchFamily="34" charset="0"/>
-                </a:rPr>
-                <a:t>Robot Expert</a:t>
-              </a:r>
-            </a:p>
-          </p:txBody>
-        </p:sp>
-        <p:sp>
-          <p:nvSpPr>
-            <p:cNvPr id="22" name="TextBox 21">
-              <a:extLst>
-                <a:ext uri="{FF2B5EF4-FFF2-40B4-BE49-F238E27FC236}">
-                  <a16:creationId xmlns:a16="http://schemas.microsoft.com/office/drawing/2014/main" id="{584A5195-EE1E-5A20-C730-4CABFB2916CB}"/>
-                </a:ext>
-              </a:extLst>
-            </p:cNvPr>
-            <p:cNvSpPr txBox="1"/>
-            <p:nvPr/>
-          </p:nvSpPr>
-          <p:spPr>
-            <a:xfrm>
-              <a:off x="1041600" y="201820"/>
-              <a:ext cx="1492717" cy="369332"/>
-            </a:xfrm>
-            <a:prstGeom prst="rect">
-              <a:avLst/>
-            </a:prstGeom>
-            <a:noFill/>
-          </p:spPr>
-          <p:txBody>
-            <a:bodyPr wrap="none" rtlCol="0">
-              <a:spAutoFit/>
-            </a:bodyPr>
-            <a:lstStyle/>
-            <a:p>
-              <a:pPr algn="ctr"/>
-              <a:r>
-                <a:rPr lang="en-US" b="1" dirty="0">
-                  <a:latin typeface="Arial" panose="020B0604020202020204" pitchFamily="34" charset="0"/>
-                  <a:cs typeface="Arial" panose="020B0604020202020204" pitchFamily="34" charset="0"/>
-                </a:rPr>
-                <a:t>Code Savvy</a:t>
-              </a:r>
-            </a:p>
-          </p:txBody>
-        </p:sp>
-        <p:pic>
-          <p:nvPicPr>
-            <p:cNvPr id="23" name="Picture 22">
-              <a:extLst>
-                <a:ext uri="{FF2B5EF4-FFF2-40B4-BE49-F238E27FC236}">
-                  <a16:creationId xmlns:a16="http://schemas.microsoft.com/office/drawing/2014/main" id="{E80F6D77-1DD1-1118-AA65-828E2C3DFB62}"/>
-                </a:ext>
-              </a:extLst>
-            </p:cNvPr>
-            <p:cNvPicPr>
-              <a:picLocks noChangeAspect="1"/>
-            </p:cNvPicPr>
-            <p:nvPr/>
-          </p:nvPicPr>
-          <p:blipFill>
-            <a:blip r:embed="rId2"/>
-            <a:stretch>
-              <a:fillRect/>
-            </a:stretch>
-          </p:blipFill>
-          <p:spPr>
-            <a:xfrm>
-              <a:off x="1043472" y="499499"/>
-              <a:ext cx="1524119" cy="1168017"/>
-            </a:xfrm>
-            <a:prstGeom prst="rect">
-              <a:avLst/>
-            </a:prstGeom>
-          </p:spPr>
-        </p:pic>
-        <p:grpSp>
-          <p:nvGrpSpPr>
-            <p:cNvPr id="24" name="Group 23">
-              <a:extLst>
-                <a:ext uri="{FF2B5EF4-FFF2-40B4-BE49-F238E27FC236}">
-                  <a16:creationId xmlns:a16="http://schemas.microsoft.com/office/drawing/2014/main" id="{CBB8239C-DE99-B85E-1F84-AE0FFBCFF311}"/>
-                </a:ext>
-              </a:extLst>
-            </p:cNvPr>
-            <p:cNvGrpSpPr/>
-            <p:nvPr/>
-          </p:nvGrpSpPr>
-          <p:grpSpPr>
-            <a:xfrm>
-              <a:off x="1354277" y="1131438"/>
-              <a:ext cx="867364" cy="420167"/>
-              <a:chOff x="719238" y="4384746"/>
-              <a:chExt cx="3172338" cy="1882476"/>
-            </a:xfrm>
-          </p:grpSpPr>
-          <p:sp>
-            <p:nvSpPr>
-              <p:cNvPr id="25" name="Trapezoid 24">
-                <a:extLst>
-                  <a:ext uri="{FF2B5EF4-FFF2-40B4-BE49-F238E27FC236}">
-                    <a16:creationId xmlns:a16="http://schemas.microsoft.com/office/drawing/2014/main" id="{BBEF2F38-1351-FC36-9273-1B0BEB42F402}"/>
-                  </a:ext>
-                </a:extLst>
-              </p:cNvPr>
-              <p:cNvSpPr/>
-              <p:nvPr/>
-            </p:nvSpPr>
-            <p:spPr>
-              <a:xfrm>
-                <a:off x="719238" y="4384746"/>
-                <a:ext cx="3172338" cy="1882476"/>
-              </a:xfrm>
-              <a:prstGeom prst="trapezoid">
-                <a:avLst>
-                  <a:gd name="adj" fmla="val 6207"/>
-                </a:avLst>
-              </a:prstGeom>
-              <a:solidFill>
-                <a:srgbClr val="00B0F0"/>
-              </a:solidFill>
-              <a:ln>
-                <a:noFill/>
-              </a:ln>
-            </p:spPr>
-            <p:style>
-              <a:lnRef idx="2">
-                <a:schemeClr val="accent1">
-                  <a:shade val="50000"/>
-                </a:schemeClr>
-              </a:lnRef>
-              <a:fillRef idx="1">
-                <a:schemeClr val="accent1"/>
-              </a:fillRef>
-              <a:effectRef idx="0">
-                <a:schemeClr val="accent1"/>
-              </a:effectRef>
-              <a:fontRef idx="minor">
-                <a:schemeClr val="lt1"/>
-              </a:fontRef>
-            </p:style>
-            <p:txBody>
-              <a:bodyPr rtlCol="0" anchor="ctr"/>
-              <a:lstStyle/>
-              <a:p>
-                <a:pPr algn="ctr"/>
-                <a:endParaRPr lang="en-US"/>
-              </a:p>
-            </p:txBody>
-          </p:sp>
-          <p:sp>
-            <p:nvSpPr>
-              <p:cNvPr id="26" name="Oval 25">
-                <a:extLst>
-                  <a:ext uri="{FF2B5EF4-FFF2-40B4-BE49-F238E27FC236}">
-                    <a16:creationId xmlns:a16="http://schemas.microsoft.com/office/drawing/2014/main" id="{02CAC67E-01D5-1D07-34D5-C7BA2D44FB51}"/>
-                  </a:ext>
-                </a:extLst>
-              </p:cNvPr>
-              <p:cNvSpPr/>
-              <p:nvPr/>
-            </p:nvSpPr>
-            <p:spPr>
-              <a:xfrm>
-                <a:off x="1378235" y="4722004"/>
-                <a:ext cx="903249" cy="568712"/>
-              </a:xfrm>
-              <a:prstGeom prst="ellipse">
-                <a:avLst/>
-              </a:prstGeom>
-              <a:solidFill>
-                <a:schemeClr val="bg1"/>
-              </a:solidFill>
-              <a:ln>
-                <a:noFill/>
-              </a:ln>
-            </p:spPr>
-            <p:style>
-              <a:lnRef idx="2">
-                <a:schemeClr val="accent1">
-                  <a:shade val="50000"/>
-                </a:schemeClr>
-              </a:lnRef>
-              <a:fillRef idx="1">
-                <a:schemeClr val="accent1"/>
-              </a:fillRef>
-              <a:effectRef idx="0">
-                <a:schemeClr val="accent1"/>
-              </a:effectRef>
-              <a:fontRef idx="minor">
-                <a:schemeClr val="lt1"/>
-              </a:fontRef>
-            </p:style>
-            <p:txBody>
-              <a:bodyPr rtlCol="0" anchor="ctr"/>
-              <a:lstStyle/>
-              <a:p>
-                <a:pPr algn="ctr"/>
-                <a:endParaRPr lang="en-US"/>
-              </a:p>
-            </p:txBody>
-          </p:sp>
-          <p:sp>
-            <p:nvSpPr>
-              <p:cNvPr id="27" name="Oval 26">
-                <a:extLst>
-                  <a:ext uri="{FF2B5EF4-FFF2-40B4-BE49-F238E27FC236}">
-                    <a16:creationId xmlns:a16="http://schemas.microsoft.com/office/drawing/2014/main" id="{91AA7380-7582-F8F9-E7C0-FB99418662A4}"/>
-                  </a:ext>
-                </a:extLst>
-              </p:cNvPr>
-              <p:cNvSpPr/>
-              <p:nvPr/>
-            </p:nvSpPr>
-            <p:spPr>
-              <a:xfrm>
-                <a:off x="2590001" y="4729438"/>
-                <a:ext cx="903249" cy="568712"/>
-              </a:xfrm>
-              <a:prstGeom prst="ellipse">
-                <a:avLst/>
-              </a:prstGeom>
-              <a:solidFill>
-                <a:schemeClr val="bg1"/>
-              </a:solidFill>
-              <a:ln>
-                <a:noFill/>
-              </a:ln>
-            </p:spPr>
-            <p:style>
-              <a:lnRef idx="2">
-                <a:schemeClr val="accent1">
-                  <a:shade val="50000"/>
-                </a:schemeClr>
-              </a:lnRef>
-              <a:fillRef idx="1">
-                <a:schemeClr val="accent1"/>
-              </a:fillRef>
-              <a:effectRef idx="0">
-                <a:schemeClr val="accent1"/>
-              </a:effectRef>
-              <a:fontRef idx="minor">
-                <a:schemeClr val="lt1"/>
-              </a:fontRef>
-            </p:style>
-            <p:txBody>
-              <a:bodyPr rtlCol="0" anchor="ctr"/>
-              <a:lstStyle/>
-              <a:p>
-                <a:pPr algn="ctr"/>
-                <a:endParaRPr lang="en-US"/>
-              </a:p>
-            </p:txBody>
-          </p:sp>
-          <p:sp>
-            <p:nvSpPr>
-              <p:cNvPr id="28" name="Freeform 27">
-                <a:extLst>
-                  <a:ext uri="{FF2B5EF4-FFF2-40B4-BE49-F238E27FC236}">
-                    <a16:creationId xmlns:a16="http://schemas.microsoft.com/office/drawing/2014/main" id="{4B7D7401-54F5-B908-20FA-337AC2A8F949}"/>
-                  </a:ext>
-                </a:extLst>
-              </p:cNvPr>
-              <p:cNvSpPr/>
-              <p:nvPr/>
-            </p:nvSpPr>
-            <p:spPr>
-              <a:xfrm>
-                <a:off x="1613092" y="5522940"/>
-                <a:ext cx="1644650" cy="286131"/>
-              </a:xfrm>
-              <a:custGeom>
-                <a:avLst/>
-                <a:gdLst>
-                  <a:gd name="connsiteX0" fmla="*/ 0 w 2074127"/>
-                  <a:gd name="connsiteY0" fmla="*/ 55756 h 234813"/>
-                  <a:gd name="connsiteX1" fmla="*/ 858644 w 2074127"/>
-                  <a:gd name="connsiteY1" fmla="*/ 234176 h 234813"/>
-                  <a:gd name="connsiteX2" fmla="*/ 2074127 w 2074127"/>
-                  <a:gd name="connsiteY2" fmla="*/ 0 h 234813"/>
-                  <a:gd name="connsiteX0" fmla="*/ 0 w 2074127"/>
-                  <a:gd name="connsiteY0" fmla="*/ 55756 h 237969"/>
-                  <a:gd name="connsiteX1" fmla="*/ 991994 w 2074127"/>
-                  <a:gd name="connsiteY1" fmla="*/ 237351 h 237969"/>
-                  <a:gd name="connsiteX2" fmla="*/ 2074127 w 2074127"/>
-                  <a:gd name="connsiteY2" fmla="*/ 0 h 237969"/>
-                  <a:gd name="connsiteX0" fmla="*/ 0 w 2074127"/>
-                  <a:gd name="connsiteY0" fmla="*/ 55756 h 237969"/>
-                  <a:gd name="connsiteX1" fmla="*/ 991994 w 2074127"/>
-                  <a:gd name="connsiteY1" fmla="*/ 237351 h 237969"/>
-                  <a:gd name="connsiteX2" fmla="*/ 2074127 w 2074127"/>
-                  <a:gd name="connsiteY2" fmla="*/ 0 h 237969"/>
-                  <a:gd name="connsiteX0" fmla="*/ 0 w 2058252"/>
-                  <a:gd name="connsiteY0" fmla="*/ 84331 h 266544"/>
-                  <a:gd name="connsiteX1" fmla="*/ 991994 w 2058252"/>
-                  <a:gd name="connsiteY1" fmla="*/ 265926 h 266544"/>
-                  <a:gd name="connsiteX2" fmla="*/ 2058252 w 2058252"/>
-                  <a:gd name="connsiteY2" fmla="*/ 0 h 266544"/>
-                  <a:gd name="connsiteX0" fmla="*/ 0 w 2090002"/>
-                  <a:gd name="connsiteY0" fmla="*/ 33531 h 266343"/>
-                  <a:gd name="connsiteX1" fmla="*/ 1023744 w 2090002"/>
-                  <a:gd name="connsiteY1" fmla="*/ 265926 h 266343"/>
-                  <a:gd name="connsiteX2" fmla="*/ 2090002 w 2090002"/>
-                  <a:gd name="connsiteY2" fmla="*/ 0 h 266343"/>
-                  <a:gd name="connsiteX0" fmla="*/ 0 w 2090002"/>
-                  <a:gd name="connsiteY0" fmla="*/ 33531 h 266352"/>
-                  <a:gd name="connsiteX1" fmla="*/ 1023744 w 2090002"/>
-                  <a:gd name="connsiteY1" fmla="*/ 265926 h 266352"/>
-                  <a:gd name="connsiteX2" fmla="*/ 2090002 w 2090002"/>
-                  <a:gd name="connsiteY2" fmla="*/ 0 h 266352"/>
-                  <a:gd name="connsiteX0" fmla="*/ 0 w 2128102"/>
-                  <a:gd name="connsiteY0" fmla="*/ 33531 h 266352"/>
-                  <a:gd name="connsiteX1" fmla="*/ 1061844 w 2128102"/>
-                  <a:gd name="connsiteY1" fmla="*/ 265926 h 266352"/>
-                  <a:gd name="connsiteX2" fmla="*/ 2128102 w 2128102"/>
-                  <a:gd name="connsiteY2" fmla="*/ 0 h 266352"/>
-                  <a:gd name="connsiteX0" fmla="*/ 0 w 2128102"/>
-                  <a:gd name="connsiteY0" fmla="*/ 33531 h 266352"/>
-                  <a:gd name="connsiteX1" fmla="*/ 1061844 w 2128102"/>
-                  <a:gd name="connsiteY1" fmla="*/ 265926 h 266352"/>
-                  <a:gd name="connsiteX2" fmla="*/ 2128102 w 2128102"/>
-                  <a:gd name="connsiteY2" fmla="*/ 0 h 266352"/>
-                  <a:gd name="connsiteX0" fmla="*/ 0 w 2128102"/>
-                  <a:gd name="connsiteY0" fmla="*/ 33531 h 266938"/>
-                  <a:gd name="connsiteX1" fmla="*/ 1061844 w 2128102"/>
-                  <a:gd name="connsiteY1" fmla="*/ 265926 h 266938"/>
-                  <a:gd name="connsiteX2" fmla="*/ 2128102 w 2128102"/>
-                  <a:gd name="connsiteY2" fmla="*/ 0 h 266938"/>
-                  <a:gd name="connsiteX0" fmla="*/ 0 w 2087797"/>
-                  <a:gd name="connsiteY0" fmla="*/ 15773 h 266728"/>
-                  <a:gd name="connsiteX1" fmla="*/ 1021539 w 2087797"/>
-                  <a:gd name="connsiteY1" fmla="*/ 265926 h 266728"/>
-                  <a:gd name="connsiteX2" fmla="*/ 2087797 w 2087797"/>
-                  <a:gd name="connsiteY2" fmla="*/ 0 h 266728"/>
-                </a:gdLst>
-                <a:ahLst/>
-                <a:cxnLst>
-                  <a:cxn ang="0">
-                    <a:pos x="connsiteX0" y="connsiteY0"/>
-                  </a:cxn>
-                  <a:cxn ang="0">
-                    <a:pos x="connsiteX1" y="connsiteY1"/>
-                  </a:cxn>
-                  <a:cxn ang="0">
-                    <a:pos x="connsiteX2" y="connsiteY2"/>
-                  </a:cxn>
-                </a:cxnLst>
-                <a:rect l="l" t="t" r="r" b="b"/>
-                <a:pathLst>
-                  <a:path w="2087797" h="266728">
-                    <a:moveTo>
-                      <a:pt x="0" y="15773"/>
-                    </a:moveTo>
-                    <a:cubicBezTo>
-                      <a:pt x="218492" y="204555"/>
-                      <a:pt x="675851" y="275219"/>
-                      <a:pt x="1021539" y="265926"/>
-                    </a:cubicBezTo>
-                    <a:cubicBezTo>
-                      <a:pt x="1367227" y="256633"/>
-                      <a:pt x="1711646" y="204247"/>
-                      <a:pt x="2087797" y="0"/>
-                    </a:cubicBezTo>
-                  </a:path>
-                </a:pathLst>
-              </a:custGeom>
-              <a:noFill/>
-              <a:ln w="38100">
-                <a:solidFill>
-                  <a:schemeClr val="bg1"/>
-                </a:solidFill>
-              </a:ln>
-            </p:spPr>
-            <p:style>
-              <a:lnRef idx="2">
-                <a:schemeClr val="accent1">
-                  <a:shade val="50000"/>
-                </a:schemeClr>
-              </a:lnRef>
-              <a:fillRef idx="1">
-                <a:schemeClr val="accent1"/>
-              </a:fillRef>
-              <a:effectRef idx="0">
-                <a:schemeClr val="accent1"/>
-              </a:effectRef>
-              <a:fontRef idx="minor">
-                <a:schemeClr val="lt1"/>
-              </a:fontRef>
-            </p:style>
-            <p:txBody>
-              <a:bodyPr rtlCol="0" anchor="ctr"/>
-              <a:lstStyle/>
-              <a:p>
-                <a:pPr algn="ctr"/>
-                <a:endParaRPr lang="en-US"/>
-              </a:p>
-            </p:txBody>
-          </p:sp>
-          <p:sp>
-            <p:nvSpPr>
-              <p:cNvPr id="29" name="Oval 28">
-                <a:extLst>
-                  <a:ext uri="{FF2B5EF4-FFF2-40B4-BE49-F238E27FC236}">
-                    <a16:creationId xmlns:a16="http://schemas.microsoft.com/office/drawing/2014/main" id="{3EB761AF-B692-21DD-087C-AB5EC89D1BA5}"/>
-                  </a:ext>
-                </a:extLst>
-              </p:cNvPr>
-              <p:cNvSpPr/>
-              <p:nvPr/>
-            </p:nvSpPr>
-            <p:spPr>
-              <a:xfrm>
-                <a:off x="2940877" y="4888575"/>
-                <a:ext cx="228600" cy="231775"/>
-              </a:xfrm>
-              <a:prstGeom prst="ellipse">
-                <a:avLst/>
-              </a:prstGeom>
-              <a:solidFill>
-                <a:schemeClr val="tx1"/>
-              </a:solidFill>
-              <a:ln>
-                <a:noFill/>
-              </a:ln>
-            </p:spPr>
-            <p:style>
-              <a:lnRef idx="2">
-                <a:schemeClr val="accent1">
-                  <a:shade val="50000"/>
-                </a:schemeClr>
-              </a:lnRef>
-              <a:fillRef idx="1">
-                <a:schemeClr val="accent1"/>
-              </a:fillRef>
-              <a:effectRef idx="0">
-                <a:schemeClr val="accent1"/>
-              </a:effectRef>
-              <a:fontRef idx="minor">
-                <a:schemeClr val="lt1"/>
-              </a:fontRef>
-            </p:style>
-            <p:txBody>
-              <a:bodyPr rtlCol="0" anchor="ctr"/>
-              <a:lstStyle/>
-              <a:p>
-                <a:pPr algn="ctr"/>
-                <a:endParaRPr lang="en-US"/>
-              </a:p>
-            </p:txBody>
-          </p:sp>
-          <p:sp>
-            <p:nvSpPr>
-              <p:cNvPr id="30" name="Oval 29">
-                <a:extLst>
-                  <a:ext uri="{FF2B5EF4-FFF2-40B4-BE49-F238E27FC236}">
-                    <a16:creationId xmlns:a16="http://schemas.microsoft.com/office/drawing/2014/main" id="{4F1B66CE-9946-906F-A720-17677BF87C13}"/>
-                  </a:ext>
-                </a:extLst>
-              </p:cNvPr>
-              <p:cNvSpPr/>
-              <p:nvPr/>
-            </p:nvSpPr>
-            <p:spPr>
-              <a:xfrm>
-                <a:off x="1699452" y="4898100"/>
-                <a:ext cx="228600" cy="231775"/>
-              </a:xfrm>
-              <a:prstGeom prst="ellipse">
-                <a:avLst/>
-              </a:prstGeom>
-              <a:solidFill>
-                <a:schemeClr val="tx1"/>
-              </a:solidFill>
-              <a:ln>
-                <a:noFill/>
-              </a:ln>
-            </p:spPr>
-            <p:style>
-              <a:lnRef idx="2">
-                <a:schemeClr val="accent1">
-                  <a:shade val="50000"/>
-                </a:schemeClr>
-              </a:lnRef>
-              <a:fillRef idx="1">
-                <a:schemeClr val="accent1"/>
-              </a:fillRef>
-              <a:effectRef idx="0">
-                <a:schemeClr val="accent1"/>
-              </a:effectRef>
-              <a:fontRef idx="minor">
-                <a:schemeClr val="lt1"/>
-              </a:fontRef>
-            </p:style>
-            <p:txBody>
-              <a:bodyPr rtlCol="0" anchor="ctr"/>
-              <a:lstStyle/>
-              <a:p>
-                <a:pPr algn="ctr"/>
-                <a:endParaRPr lang="en-US"/>
-              </a:p>
-            </p:txBody>
-          </p:sp>
-        </p:grpSp>
-      </p:grpSp>
-      <p:grpSp>
-        <p:nvGrpSpPr>
-          <p:cNvPr id="31" name="Group 30">
-            <a:extLst>
-              <a:ext uri="{FF2B5EF4-FFF2-40B4-BE49-F238E27FC236}">
-                <a16:creationId xmlns:a16="http://schemas.microsoft.com/office/drawing/2014/main" id="{95D1A3EE-A4F1-66D3-F34B-FD67AD7E7458}"/>
-              </a:ext>
-            </a:extLst>
-          </p:cNvPr>
-          <p:cNvGrpSpPr/>
-          <p:nvPr/>
-        </p:nvGrpSpPr>
-        <p:grpSpPr>
-          <a:xfrm>
-            <a:off x="1897174" y="2099695"/>
-            <a:ext cx="1798193" cy="1735315"/>
-            <a:chOff x="931282" y="201820"/>
-            <a:chExt cx="1673125" cy="1779204"/>
-          </a:xfrm>
-        </p:grpSpPr>
-        <p:sp>
-          <p:nvSpPr>
-            <p:cNvPr id="32" name="TextBox 31">
-              <a:extLst>
-                <a:ext uri="{FF2B5EF4-FFF2-40B4-BE49-F238E27FC236}">
-                  <a16:creationId xmlns:a16="http://schemas.microsoft.com/office/drawing/2014/main" id="{82C7ACBD-E51E-E5C1-AB88-3EF466EA9859}"/>
-                </a:ext>
-              </a:extLst>
-            </p:cNvPr>
-            <p:cNvSpPr txBox="1"/>
-            <p:nvPr/>
-          </p:nvSpPr>
-          <p:spPr>
-            <a:xfrm>
-              <a:off x="931282" y="1611692"/>
-              <a:ext cx="1673125" cy="369332"/>
-            </a:xfrm>
-            <a:prstGeom prst="rect">
-              <a:avLst/>
-            </a:prstGeom>
-            <a:noFill/>
-          </p:spPr>
-          <p:txBody>
-            <a:bodyPr wrap="square" rtlCol="0">
-              <a:spAutoFit/>
-            </a:bodyPr>
-            <a:lstStyle/>
-            <a:p>
-              <a:pPr algn="ctr"/>
-              <a:r>
-                <a:rPr lang="en-US" b="1" dirty="0">
-                  <a:latin typeface="Arial" panose="020B0604020202020204" pitchFamily="34" charset="0"/>
-                  <a:cs typeface="Arial" panose="020B0604020202020204" pitchFamily="34" charset="0"/>
-                </a:rPr>
-                <a:t>Robot Expert</a:t>
-              </a:r>
-            </a:p>
-          </p:txBody>
-        </p:sp>
-        <p:sp>
-          <p:nvSpPr>
-            <p:cNvPr id="33" name="TextBox 32">
-              <a:extLst>
-                <a:ext uri="{FF2B5EF4-FFF2-40B4-BE49-F238E27FC236}">
-                  <a16:creationId xmlns:a16="http://schemas.microsoft.com/office/drawing/2014/main" id="{9E2DD1BC-A355-8DF9-AD5A-E57D990E73E6}"/>
-                </a:ext>
-              </a:extLst>
-            </p:cNvPr>
-            <p:cNvSpPr txBox="1"/>
-            <p:nvPr/>
-          </p:nvSpPr>
-          <p:spPr>
-            <a:xfrm>
-              <a:off x="1041600" y="201820"/>
-              <a:ext cx="1492717" cy="369332"/>
-            </a:xfrm>
-            <a:prstGeom prst="rect">
-              <a:avLst/>
-            </a:prstGeom>
-            <a:noFill/>
-          </p:spPr>
-          <p:txBody>
-            <a:bodyPr wrap="none" rtlCol="0">
-              <a:spAutoFit/>
-            </a:bodyPr>
-            <a:lstStyle/>
-            <a:p>
-              <a:pPr algn="ctr"/>
-              <a:r>
-                <a:rPr lang="en-US" b="1" dirty="0">
-                  <a:latin typeface="Arial" panose="020B0604020202020204" pitchFamily="34" charset="0"/>
-                  <a:cs typeface="Arial" panose="020B0604020202020204" pitchFamily="34" charset="0"/>
-                </a:rPr>
-                <a:t>Code Savvy</a:t>
-              </a:r>
-            </a:p>
-          </p:txBody>
-        </p:sp>
-        <p:pic>
-          <p:nvPicPr>
-            <p:cNvPr id="34" name="Picture 33">
-              <a:extLst>
-                <a:ext uri="{FF2B5EF4-FFF2-40B4-BE49-F238E27FC236}">
-                  <a16:creationId xmlns:a16="http://schemas.microsoft.com/office/drawing/2014/main" id="{17CF162D-FD3B-4097-D11D-89E72B807219}"/>
-                </a:ext>
-              </a:extLst>
-            </p:cNvPr>
-            <p:cNvPicPr>
-              <a:picLocks noChangeAspect="1"/>
-            </p:cNvPicPr>
-            <p:nvPr/>
-          </p:nvPicPr>
-          <p:blipFill>
-            <a:blip r:embed="rId2"/>
-            <a:stretch>
-              <a:fillRect/>
-            </a:stretch>
-          </p:blipFill>
-          <p:spPr>
-            <a:xfrm>
-              <a:off x="1043472" y="499499"/>
-              <a:ext cx="1524119" cy="1168017"/>
-            </a:xfrm>
-            <a:prstGeom prst="rect">
-              <a:avLst/>
-            </a:prstGeom>
-          </p:spPr>
-        </p:pic>
-        <p:grpSp>
-          <p:nvGrpSpPr>
-            <p:cNvPr id="35" name="Group 34">
-              <a:extLst>
-                <a:ext uri="{FF2B5EF4-FFF2-40B4-BE49-F238E27FC236}">
-                  <a16:creationId xmlns:a16="http://schemas.microsoft.com/office/drawing/2014/main" id="{771F68AD-3576-E0A8-9634-B2CA433AD58F}"/>
-                </a:ext>
-              </a:extLst>
-            </p:cNvPr>
-            <p:cNvGrpSpPr/>
-            <p:nvPr/>
-          </p:nvGrpSpPr>
-          <p:grpSpPr>
-            <a:xfrm>
-              <a:off x="1354277" y="1131438"/>
-              <a:ext cx="867364" cy="420167"/>
-              <a:chOff x="719238" y="4384746"/>
-              <a:chExt cx="3172338" cy="1882476"/>
-            </a:xfrm>
-          </p:grpSpPr>
-          <p:sp>
-            <p:nvSpPr>
-              <p:cNvPr id="36" name="Trapezoid 35">
-                <a:extLst>
-                  <a:ext uri="{FF2B5EF4-FFF2-40B4-BE49-F238E27FC236}">
-                    <a16:creationId xmlns:a16="http://schemas.microsoft.com/office/drawing/2014/main" id="{599B2BD8-E0D0-239F-0603-F6D7202498D1}"/>
-                  </a:ext>
-                </a:extLst>
-              </p:cNvPr>
-              <p:cNvSpPr/>
-              <p:nvPr/>
-            </p:nvSpPr>
-            <p:spPr>
-              <a:xfrm>
-                <a:off x="719238" y="4384746"/>
-                <a:ext cx="3172338" cy="1882476"/>
-              </a:xfrm>
-              <a:prstGeom prst="trapezoid">
-                <a:avLst>
-                  <a:gd name="adj" fmla="val 6207"/>
-                </a:avLst>
-              </a:prstGeom>
-              <a:solidFill>
-                <a:srgbClr val="00B0F0"/>
-              </a:solidFill>
-              <a:ln>
-                <a:noFill/>
-              </a:ln>
-            </p:spPr>
-            <p:style>
-              <a:lnRef idx="2">
-                <a:schemeClr val="accent1">
-                  <a:shade val="50000"/>
-                </a:schemeClr>
-              </a:lnRef>
-              <a:fillRef idx="1">
-                <a:schemeClr val="accent1"/>
-              </a:fillRef>
-              <a:effectRef idx="0">
-                <a:schemeClr val="accent1"/>
-              </a:effectRef>
-              <a:fontRef idx="minor">
-                <a:schemeClr val="lt1"/>
-              </a:fontRef>
-            </p:style>
-            <p:txBody>
-              <a:bodyPr rtlCol="0" anchor="ctr"/>
-              <a:lstStyle/>
-              <a:p>
-                <a:pPr algn="ctr"/>
-                <a:endParaRPr lang="en-US"/>
-              </a:p>
-            </p:txBody>
-          </p:sp>
-          <p:sp>
-            <p:nvSpPr>
-              <p:cNvPr id="37" name="Oval 36">
-                <a:extLst>
-                  <a:ext uri="{FF2B5EF4-FFF2-40B4-BE49-F238E27FC236}">
-                    <a16:creationId xmlns:a16="http://schemas.microsoft.com/office/drawing/2014/main" id="{1FC9A954-CC84-3EFD-5766-E35EC307A6EA}"/>
-                  </a:ext>
-                </a:extLst>
-              </p:cNvPr>
-              <p:cNvSpPr/>
-              <p:nvPr/>
-            </p:nvSpPr>
-            <p:spPr>
-              <a:xfrm>
-                <a:off x="1378235" y="4722004"/>
-                <a:ext cx="903249" cy="568712"/>
-              </a:xfrm>
-              <a:prstGeom prst="ellipse">
-                <a:avLst/>
-              </a:prstGeom>
-              <a:solidFill>
-                <a:schemeClr val="bg1"/>
-              </a:solidFill>
-              <a:ln>
-                <a:noFill/>
-              </a:ln>
-            </p:spPr>
-            <p:style>
-              <a:lnRef idx="2">
-                <a:schemeClr val="accent1">
-                  <a:shade val="50000"/>
-                </a:schemeClr>
-              </a:lnRef>
-              <a:fillRef idx="1">
-                <a:schemeClr val="accent1"/>
-              </a:fillRef>
-              <a:effectRef idx="0">
-                <a:schemeClr val="accent1"/>
-              </a:effectRef>
-              <a:fontRef idx="minor">
-                <a:schemeClr val="lt1"/>
-              </a:fontRef>
-            </p:style>
-            <p:txBody>
-              <a:bodyPr rtlCol="0" anchor="ctr"/>
-              <a:lstStyle/>
-              <a:p>
-                <a:pPr algn="ctr"/>
-                <a:endParaRPr lang="en-US"/>
-              </a:p>
-            </p:txBody>
-          </p:sp>
-          <p:sp>
-            <p:nvSpPr>
-              <p:cNvPr id="38" name="Oval 37">
-                <a:extLst>
-                  <a:ext uri="{FF2B5EF4-FFF2-40B4-BE49-F238E27FC236}">
-                    <a16:creationId xmlns:a16="http://schemas.microsoft.com/office/drawing/2014/main" id="{0EC4BC98-7357-EE3A-0BB9-95EF2937FBE6}"/>
-                  </a:ext>
-                </a:extLst>
-              </p:cNvPr>
-              <p:cNvSpPr/>
-              <p:nvPr/>
-            </p:nvSpPr>
-            <p:spPr>
-              <a:xfrm>
-                <a:off x="2590001" y="4729438"/>
-                <a:ext cx="903249" cy="568712"/>
-              </a:xfrm>
-              <a:prstGeom prst="ellipse">
-                <a:avLst/>
-              </a:prstGeom>
-              <a:solidFill>
-                <a:schemeClr val="bg1"/>
-              </a:solidFill>
-              <a:ln>
-                <a:noFill/>
-              </a:ln>
-            </p:spPr>
-            <p:style>
-              <a:lnRef idx="2">
-                <a:schemeClr val="accent1">
-                  <a:shade val="50000"/>
-                </a:schemeClr>
-              </a:lnRef>
-              <a:fillRef idx="1">
-                <a:schemeClr val="accent1"/>
-              </a:fillRef>
-              <a:effectRef idx="0">
-                <a:schemeClr val="accent1"/>
-              </a:effectRef>
-              <a:fontRef idx="minor">
-                <a:schemeClr val="lt1"/>
-              </a:fontRef>
-            </p:style>
-            <p:txBody>
-              <a:bodyPr rtlCol="0" anchor="ctr"/>
-              <a:lstStyle/>
-              <a:p>
-                <a:pPr algn="ctr"/>
-                <a:endParaRPr lang="en-US"/>
-              </a:p>
-            </p:txBody>
-          </p:sp>
-          <p:sp>
-            <p:nvSpPr>
-              <p:cNvPr id="39" name="Freeform 38">
-                <a:extLst>
-                  <a:ext uri="{FF2B5EF4-FFF2-40B4-BE49-F238E27FC236}">
-                    <a16:creationId xmlns:a16="http://schemas.microsoft.com/office/drawing/2014/main" id="{E0E64A84-5EE1-A70A-D747-58CA5D3A30B8}"/>
-                  </a:ext>
-                </a:extLst>
-              </p:cNvPr>
-              <p:cNvSpPr/>
-              <p:nvPr/>
-            </p:nvSpPr>
-            <p:spPr>
-              <a:xfrm>
-                <a:off x="1613092" y="5522940"/>
-                <a:ext cx="1644650" cy="286131"/>
-              </a:xfrm>
-              <a:custGeom>
-                <a:avLst/>
-                <a:gdLst>
-                  <a:gd name="connsiteX0" fmla="*/ 0 w 2074127"/>
-                  <a:gd name="connsiteY0" fmla="*/ 55756 h 234813"/>
-                  <a:gd name="connsiteX1" fmla="*/ 858644 w 2074127"/>
-                  <a:gd name="connsiteY1" fmla="*/ 234176 h 234813"/>
-                  <a:gd name="connsiteX2" fmla="*/ 2074127 w 2074127"/>
-                  <a:gd name="connsiteY2" fmla="*/ 0 h 234813"/>
-                  <a:gd name="connsiteX0" fmla="*/ 0 w 2074127"/>
-                  <a:gd name="connsiteY0" fmla="*/ 55756 h 237969"/>
-                  <a:gd name="connsiteX1" fmla="*/ 991994 w 2074127"/>
-                  <a:gd name="connsiteY1" fmla="*/ 237351 h 237969"/>
-                  <a:gd name="connsiteX2" fmla="*/ 2074127 w 2074127"/>
-                  <a:gd name="connsiteY2" fmla="*/ 0 h 237969"/>
-                  <a:gd name="connsiteX0" fmla="*/ 0 w 2074127"/>
-                  <a:gd name="connsiteY0" fmla="*/ 55756 h 237969"/>
-                  <a:gd name="connsiteX1" fmla="*/ 991994 w 2074127"/>
-                  <a:gd name="connsiteY1" fmla="*/ 237351 h 237969"/>
-                  <a:gd name="connsiteX2" fmla="*/ 2074127 w 2074127"/>
-                  <a:gd name="connsiteY2" fmla="*/ 0 h 237969"/>
-                  <a:gd name="connsiteX0" fmla="*/ 0 w 2058252"/>
-                  <a:gd name="connsiteY0" fmla="*/ 84331 h 266544"/>
-                  <a:gd name="connsiteX1" fmla="*/ 991994 w 2058252"/>
-                  <a:gd name="connsiteY1" fmla="*/ 265926 h 266544"/>
-                  <a:gd name="connsiteX2" fmla="*/ 2058252 w 2058252"/>
-                  <a:gd name="connsiteY2" fmla="*/ 0 h 266544"/>
-                  <a:gd name="connsiteX0" fmla="*/ 0 w 2090002"/>
-                  <a:gd name="connsiteY0" fmla="*/ 33531 h 266343"/>
-                  <a:gd name="connsiteX1" fmla="*/ 1023744 w 2090002"/>
-                  <a:gd name="connsiteY1" fmla="*/ 265926 h 266343"/>
-                  <a:gd name="connsiteX2" fmla="*/ 2090002 w 2090002"/>
-                  <a:gd name="connsiteY2" fmla="*/ 0 h 266343"/>
-                  <a:gd name="connsiteX0" fmla="*/ 0 w 2090002"/>
-                  <a:gd name="connsiteY0" fmla="*/ 33531 h 266352"/>
-                  <a:gd name="connsiteX1" fmla="*/ 1023744 w 2090002"/>
-                  <a:gd name="connsiteY1" fmla="*/ 265926 h 266352"/>
-                  <a:gd name="connsiteX2" fmla="*/ 2090002 w 2090002"/>
-                  <a:gd name="connsiteY2" fmla="*/ 0 h 266352"/>
-                  <a:gd name="connsiteX0" fmla="*/ 0 w 2128102"/>
-                  <a:gd name="connsiteY0" fmla="*/ 33531 h 266352"/>
-                  <a:gd name="connsiteX1" fmla="*/ 1061844 w 2128102"/>
-                  <a:gd name="connsiteY1" fmla="*/ 265926 h 266352"/>
-                  <a:gd name="connsiteX2" fmla="*/ 2128102 w 2128102"/>
-                  <a:gd name="connsiteY2" fmla="*/ 0 h 266352"/>
-                  <a:gd name="connsiteX0" fmla="*/ 0 w 2128102"/>
-                  <a:gd name="connsiteY0" fmla="*/ 33531 h 266352"/>
-                  <a:gd name="connsiteX1" fmla="*/ 1061844 w 2128102"/>
-                  <a:gd name="connsiteY1" fmla="*/ 265926 h 266352"/>
-                  <a:gd name="connsiteX2" fmla="*/ 2128102 w 2128102"/>
-                  <a:gd name="connsiteY2" fmla="*/ 0 h 266352"/>
-                  <a:gd name="connsiteX0" fmla="*/ 0 w 2128102"/>
-                  <a:gd name="connsiteY0" fmla="*/ 33531 h 266938"/>
-                  <a:gd name="connsiteX1" fmla="*/ 1061844 w 2128102"/>
-                  <a:gd name="connsiteY1" fmla="*/ 265926 h 266938"/>
-                  <a:gd name="connsiteX2" fmla="*/ 2128102 w 2128102"/>
-                  <a:gd name="connsiteY2" fmla="*/ 0 h 266938"/>
-                  <a:gd name="connsiteX0" fmla="*/ 0 w 2087797"/>
-                  <a:gd name="connsiteY0" fmla="*/ 15773 h 266728"/>
-                  <a:gd name="connsiteX1" fmla="*/ 1021539 w 2087797"/>
-                  <a:gd name="connsiteY1" fmla="*/ 265926 h 266728"/>
-                  <a:gd name="connsiteX2" fmla="*/ 2087797 w 2087797"/>
-                  <a:gd name="connsiteY2" fmla="*/ 0 h 266728"/>
-                </a:gdLst>
-                <a:ahLst/>
-                <a:cxnLst>
-                  <a:cxn ang="0">
-                    <a:pos x="connsiteX0" y="connsiteY0"/>
-                  </a:cxn>
-                  <a:cxn ang="0">
-                    <a:pos x="connsiteX1" y="connsiteY1"/>
-                  </a:cxn>
-                  <a:cxn ang="0">
-                    <a:pos x="connsiteX2" y="connsiteY2"/>
-                  </a:cxn>
-                </a:cxnLst>
-                <a:rect l="l" t="t" r="r" b="b"/>
-                <a:pathLst>
-                  <a:path w="2087797" h="266728">
-                    <a:moveTo>
-                      <a:pt x="0" y="15773"/>
-                    </a:moveTo>
-                    <a:cubicBezTo>
-                      <a:pt x="218492" y="204555"/>
-                      <a:pt x="675851" y="275219"/>
-                      <a:pt x="1021539" y="265926"/>
-                    </a:cubicBezTo>
-                    <a:cubicBezTo>
-                      <a:pt x="1367227" y="256633"/>
-                      <a:pt x="1711646" y="204247"/>
-                      <a:pt x="2087797" y="0"/>
-                    </a:cubicBezTo>
-                  </a:path>
-                </a:pathLst>
-              </a:custGeom>
-              <a:noFill/>
-              <a:ln w="38100">
-                <a:solidFill>
-                  <a:schemeClr val="bg1"/>
-                </a:solidFill>
-              </a:ln>
-            </p:spPr>
-            <p:style>
-              <a:lnRef idx="2">
-                <a:schemeClr val="accent1">
-                  <a:shade val="50000"/>
-                </a:schemeClr>
-              </a:lnRef>
-              <a:fillRef idx="1">
-                <a:schemeClr val="accent1"/>
-              </a:fillRef>
-              <a:effectRef idx="0">
-                <a:schemeClr val="accent1"/>
-              </a:effectRef>
-              <a:fontRef idx="minor">
-                <a:schemeClr val="lt1"/>
-              </a:fontRef>
-            </p:style>
-            <p:txBody>
-              <a:bodyPr rtlCol="0" anchor="ctr"/>
-              <a:lstStyle/>
-              <a:p>
-                <a:pPr algn="ctr"/>
-                <a:endParaRPr lang="en-US"/>
-              </a:p>
-            </p:txBody>
-          </p:sp>
-          <p:sp>
-            <p:nvSpPr>
-              <p:cNvPr id="40" name="Oval 39">
-                <a:extLst>
-                  <a:ext uri="{FF2B5EF4-FFF2-40B4-BE49-F238E27FC236}">
-                    <a16:creationId xmlns:a16="http://schemas.microsoft.com/office/drawing/2014/main" id="{7449ACAD-0428-CFC6-3795-30138D40C368}"/>
-                  </a:ext>
-                </a:extLst>
-              </p:cNvPr>
-              <p:cNvSpPr/>
-              <p:nvPr/>
-            </p:nvSpPr>
-            <p:spPr>
-              <a:xfrm>
-                <a:off x="2940877" y="4888575"/>
-                <a:ext cx="228600" cy="231775"/>
-              </a:xfrm>
-              <a:prstGeom prst="ellipse">
-                <a:avLst/>
-              </a:prstGeom>
-              <a:solidFill>
-                <a:schemeClr val="tx1"/>
-              </a:solidFill>
-              <a:ln>
-                <a:noFill/>
-              </a:ln>
-            </p:spPr>
-            <p:style>
-              <a:lnRef idx="2">
-                <a:schemeClr val="accent1">
-                  <a:shade val="50000"/>
-                </a:schemeClr>
-              </a:lnRef>
-              <a:fillRef idx="1">
-                <a:schemeClr val="accent1"/>
-              </a:fillRef>
-              <a:effectRef idx="0">
-                <a:schemeClr val="accent1"/>
-              </a:effectRef>
-              <a:fontRef idx="minor">
-                <a:schemeClr val="lt1"/>
-              </a:fontRef>
-            </p:style>
-            <p:txBody>
-              <a:bodyPr rtlCol="0" anchor="ctr"/>
-              <a:lstStyle/>
-              <a:p>
-                <a:pPr algn="ctr"/>
-                <a:endParaRPr lang="en-US"/>
-              </a:p>
-            </p:txBody>
-          </p:sp>
-          <p:sp>
-            <p:nvSpPr>
-              <p:cNvPr id="41" name="Oval 40">
-                <a:extLst>
-                  <a:ext uri="{FF2B5EF4-FFF2-40B4-BE49-F238E27FC236}">
-                    <a16:creationId xmlns:a16="http://schemas.microsoft.com/office/drawing/2014/main" id="{8E2E7715-0888-CEE4-F9DB-B69924FA62D0}"/>
                   </a:ext>
                 </a:extLst>
               </p:cNvPr>
@@ -14182,6 +14266,13 @@
           <a:prstGeom prst="line">
             <a:avLst/>
           </a:prstGeom>
+          <a:ln>
+            <a:solidFill>
+              <a:schemeClr val="bg1">
+                <a:lumMod val="95000"/>
+              </a:schemeClr>
+            </a:solidFill>
+          </a:ln>
         </p:spPr>
         <p:style>
           <a:lnRef idx="1">
